--- a/abrak.pptx
+++ b/abrak.pptx
@@ -5,7 +5,7 @@
     <p:sldMasterId id="2147483648" r:id="rId1"/>
   </p:sldMasterIdLst>
   <p:notesMasterIdLst>
-    <p:notesMasterId r:id="rId9"/>
+    <p:notesMasterId r:id="rId10"/>
   </p:notesMasterIdLst>
   <p:sldIdLst>
     <p:sldId id="274" r:id="rId2"/>
@@ -14,7 +14,8 @@
     <p:sldId id="259" r:id="rId5"/>
     <p:sldId id="273" r:id="rId6"/>
     <p:sldId id="276" r:id="rId7"/>
-    <p:sldId id="261" r:id="rId8"/>
+    <p:sldId id="278" r:id="rId8"/>
+    <p:sldId id="261" r:id="rId9"/>
   </p:sldIdLst>
   <p:sldSz cx="12192000" cy="6858000"/>
   <p:notesSz cx="6858000" cy="9144000"/>
@@ -115,7 +116,18 @@
   </p:defaultTextStyle>
   <p:extLst>
     <p:ext uri="{EFAFB233-063F-42B5-8137-9DF3F51BA10A}">
-      <p15:sldGuideLst xmlns:p15="http://schemas.microsoft.com/office/powerpoint/2012/main"/>
+      <p15:sldGuideLst xmlns:p15="http://schemas.microsoft.com/office/powerpoint/2012/main">
+        <p15:guide id="1" orient="horz" pos="2160" userDrawn="1">
+          <p15:clr>
+            <a:srgbClr val="A4A3A4"/>
+          </p15:clr>
+        </p15:guide>
+        <p15:guide id="2" pos="3840" userDrawn="1">
+          <p15:clr>
+            <a:srgbClr val="A4A3A4"/>
+          </p15:clr>
+        </p15:guide>
+      </p15:sldGuideLst>
     </p:ext>
   </p:extLst>
 </p:presentation>
@@ -203,7 +215,7 @@
           <a:p>
             <a:fld id="{14239B35-D6DD-EA44-B274-DB31CBBE2D98}" type="datetimeFigureOut">
               <a:rPr lang="en-GB" smtClean="0"/>
-              <a:t>04/05/2017</a:t>
+              <a:t>11/07/2017</a:t>
             </a:fld>
             <a:endParaRPr lang="en-GB"/>
           </a:p>
@@ -602,7 +614,7 @@
           <a:p>
             <a:fld id="{8C151DFB-7B28-114B-8074-0837DBB019C8}" type="datetimeFigureOut">
               <a:rPr lang="en-GB" smtClean="0"/>
-              <a:t>04/05/2017</a:t>
+              <a:t>11/07/2017</a:t>
             </a:fld>
             <a:endParaRPr lang="en-GB"/>
           </a:p>
@@ -772,7 +784,7 @@
           <a:p>
             <a:fld id="{8C151DFB-7B28-114B-8074-0837DBB019C8}" type="datetimeFigureOut">
               <a:rPr lang="en-GB" smtClean="0"/>
-              <a:t>04/05/2017</a:t>
+              <a:t>11/07/2017</a:t>
             </a:fld>
             <a:endParaRPr lang="en-GB"/>
           </a:p>
@@ -952,7 +964,7 @@
           <a:p>
             <a:fld id="{8C151DFB-7B28-114B-8074-0837DBB019C8}" type="datetimeFigureOut">
               <a:rPr lang="en-GB" smtClean="0"/>
-              <a:t>04/05/2017</a:t>
+              <a:t>11/07/2017</a:t>
             </a:fld>
             <a:endParaRPr lang="en-GB"/>
           </a:p>
@@ -1122,7 +1134,7 @@
           <a:p>
             <a:fld id="{8C151DFB-7B28-114B-8074-0837DBB019C8}" type="datetimeFigureOut">
               <a:rPr lang="en-GB" smtClean="0"/>
-              <a:t>04/05/2017</a:t>
+              <a:t>11/07/2017</a:t>
             </a:fld>
             <a:endParaRPr lang="en-GB"/>
           </a:p>
@@ -1368,7 +1380,7 @@
           <a:p>
             <a:fld id="{8C151DFB-7B28-114B-8074-0837DBB019C8}" type="datetimeFigureOut">
               <a:rPr lang="en-GB" smtClean="0"/>
-              <a:t>04/05/2017</a:t>
+              <a:t>11/07/2017</a:t>
             </a:fld>
             <a:endParaRPr lang="en-GB"/>
           </a:p>
@@ -1600,7 +1612,7 @@
           <a:p>
             <a:fld id="{8C151DFB-7B28-114B-8074-0837DBB019C8}" type="datetimeFigureOut">
               <a:rPr lang="en-GB" smtClean="0"/>
-              <a:t>04/05/2017</a:t>
+              <a:t>11/07/2017</a:t>
             </a:fld>
             <a:endParaRPr lang="en-GB"/>
           </a:p>
@@ -1967,7 +1979,7 @@
           <a:p>
             <a:fld id="{8C151DFB-7B28-114B-8074-0837DBB019C8}" type="datetimeFigureOut">
               <a:rPr lang="en-GB" smtClean="0"/>
-              <a:t>04/05/2017</a:t>
+              <a:t>11/07/2017</a:t>
             </a:fld>
             <a:endParaRPr lang="en-GB"/>
           </a:p>
@@ -2085,7 +2097,7 @@
           <a:p>
             <a:fld id="{8C151DFB-7B28-114B-8074-0837DBB019C8}" type="datetimeFigureOut">
               <a:rPr lang="en-GB" smtClean="0"/>
-              <a:t>04/05/2017</a:t>
+              <a:t>11/07/2017</a:t>
             </a:fld>
             <a:endParaRPr lang="en-GB"/>
           </a:p>
@@ -2180,7 +2192,7 @@
           <a:p>
             <a:fld id="{8C151DFB-7B28-114B-8074-0837DBB019C8}" type="datetimeFigureOut">
               <a:rPr lang="en-GB" smtClean="0"/>
-              <a:t>04/05/2017</a:t>
+              <a:t>11/07/2017</a:t>
             </a:fld>
             <a:endParaRPr lang="en-GB"/>
           </a:p>
@@ -2457,7 +2469,7 @@
           <a:p>
             <a:fld id="{8C151DFB-7B28-114B-8074-0837DBB019C8}" type="datetimeFigureOut">
               <a:rPr lang="en-GB" smtClean="0"/>
-              <a:t>04/05/2017</a:t>
+              <a:t>11/07/2017</a:t>
             </a:fld>
             <a:endParaRPr lang="en-GB"/>
           </a:p>
@@ -2710,7 +2722,7 @@
           <a:p>
             <a:fld id="{8C151DFB-7B28-114B-8074-0837DBB019C8}" type="datetimeFigureOut">
               <a:rPr lang="en-GB" smtClean="0"/>
-              <a:t>04/05/2017</a:t>
+              <a:t>11/07/2017</a:t>
             </a:fld>
             <a:endParaRPr lang="en-GB"/>
           </a:p>
@@ -2923,7 +2935,7 @@
           <a:p>
             <a:fld id="{8C151DFB-7B28-114B-8074-0837DBB019C8}" type="datetimeFigureOut">
               <a:rPr lang="en-GB" smtClean="0"/>
-              <a:t>04/05/2017</a:t>
+              <a:t>11/07/2017</a:t>
             </a:fld>
             <a:endParaRPr lang="en-GB"/>
           </a:p>
@@ -3573,9 +3585,9 @@
         <p:grpSpPr>
           <a:xfrm>
             <a:off x="2277248" y="1606133"/>
-            <a:ext cx="7550197" cy="3248253"/>
+            <a:ext cx="7250950" cy="3250331"/>
             <a:chOff x="2277248" y="1606133"/>
-            <a:chExt cx="7550197" cy="3248253"/>
+            <a:chExt cx="7250950" cy="3250331"/>
           </a:xfrm>
         </p:grpSpPr>
         <p:cxnSp>
@@ -4079,8 +4091,8 @@
           </p:nvCxnSpPr>
           <p:spPr>
             <a:xfrm rot="16200000" flipH="1">
-              <a:off x="7409685" y="2832665"/>
-              <a:ext cx="221539" cy="2575583"/>
+              <a:off x="7206022" y="3036329"/>
+              <a:ext cx="221539" cy="2168256"/>
             </a:xfrm>
             <a:prstGeom prst="bentConnector3">
               <a:avLst>
@@ -4121,8 +4133,8 @@
           </p:nvCxnSpPr>
           <p:spPr>
             <a:xfrm rot="16200000" flipH="1">
-              <a:off x="9253527" y="4280468"/>
-              <a:ext cx="128637" cy="1019199"/>
+              <a:off x="8591073" y="4535596"/>
+              <a:ext cx="130714" cy="511022"/>
             </a:xfrm>
             <a:prstGeom prst="bentConnector3">
               <a:avLst>
@@ -4163,8 +4175,8 @@
           </p:nvCxnSpPr>
           <p:spPr>
             <a:xfrm rot="5400000">
-              <a:off x="8268960" y="4313916"/>
-              <a:ext cx="127452" cy="951121"/>
+              <a:off x="7665437" y="4120390"/>
+              <a:ext cx="130122" cy="1340842"/>
             </a:xfrm>
             <a:prstGeom prst="bentConnector3">
               <a:avLst>
@@ -4205,8 +4217,8 @@
           </p:nvCxnSpPr>
           <p:spPr>
             <a:xfrm rot="5400000">
-              <a:off x="4226415" y="2221012"/>
-              <a:ext cx="217573" cy="3794924"/>
+              <a:off x="4156405" y="2151002"/>
+              <a:ext cx="217573" cy="3934945"/>
             </a:xfrm>
             <a:prstGeom prst="bentConnector3">
               <a:avLst>
@@ -4246,9 +4258,9 @@
             <p:nvPr/>
           </p:nvCxnSpPr>
           <p:spPr>
-            <a:xfrm rot="16200000" flipH="1">
-              <a:off x="8777967" y="4756029"/>
-              <a:ext cx="128637" cy="68078"/>
+            <a:xfrm rot="5400000">
+              <a:off x="8146697" y="4602242"/>
+              <a:ext cx="130714" cy="377730"/>
             </a:xfrm>
             <a:prstGeom prst="bentConnector3">
               <a:avLst>
@@ -4288,7 +4300,7 @@
           </p:nvCxnSpPr>
           <p:spPr>
             <a:xfrm>
-              <a:off x="6693805" y="4136159"/>
+              <a:off x="5588555" y="4136159"/>
               <a:ext cx="0" cy="91102"/>
             </a:xfrm>
             <a:prstGeom prst="line">
@@ -4327,7 +4339,7 @@
           </p:nvCxnSpPr>
           <p:spPr>
             <a:xfrm>
-              <a:off x="5403627" y="4136159"/>
+              <a:off x="4666414" y="4136159"/>
               <a:ext cx="0" cy="91102"/>
             </a:xfrm>
             <a:prstGeom prst="line">
@@ -4366,7 +4378,7 @@
           </p:nvCxnSpPr>
           <p:spPr>
             <a:xfrm flipV="1">
-              <a:off x="3943318" y="4136159"/>
+              <a:off x="3577756" y="4136159"/>
               <a:ext cx="0" cy="91101"/>
             </a:xfrm>
             <a:prstGeom prst="line">
@@ -5211,8 +5223,8 @@
         </p:nvSpPr>
         <p:spPr>
           <a:xfrm>
-            <a:off x="7360043" y="4231227"/>
-            <a:ext cx="2896406" cy="494523"/>
+            <a:off x="6577476" y="4231227"/>
+            <a:ext cx="3646886" cy="494523"/>
           </a:xfrm>
           <a:prstGeom prst="roundRect">
             <a:avLst>
@@ -5278,8 +5290,8 @@
         </p:nvSpPr>
         <p:spPr>
           <a:xfrm>
-            <a:off x="1664897" y="4227261"/>
-            <a:ext cx="1545683" cy="1064768"/>
+            <a:off x="1664898" y="4227261"/>
+            <a:ext cx="1265640" cy="1064768"/>
           </a:xfrm>
           <a:prstGeom prst="roundRect">
             <a:avLst>
@@ -5370,8 +5382,8 @@
         </p:nvSpPr>
         <p:spPr>
           <a:xfrm>
-            <a:off x="3307270" y="4227260"/>
-            <a:ext cx="1272096" cy="1064768"/>
+            <a:off x="3013428" y="4227260"/>
+            <a:ext cx="1128655" cy="1064768"/>
           </a:xfrm>
           <a:prstGeom prst="roundRect">
             <a:avLst>
@@ -5462,8 +5474,8 @@
         </p:nvSpPr>
         <p:spPr>
           <a:xfrm>
-            <a:off x="4684373" y="4227261"/>
-            <a:ext cx="1438508" cy="1064767"/>
+            <a:off x="4218633" y="4227261"/>
+            <a:ext cx="895561" cy="1064767"/>
           </a:xfrm>
           <a:prstGeom prst="roundRect">
             <a:avLst>
@@ -5554,8 +5566,8 @@
         </p:nvSpPr>
         <p:spPr>
           <a:xfrm>
-            <a:off x="6232661" y="4227261"/>
-            <a:ext cx="922287" cy="1064768"/>
+            <a:off x="5179455" y="4227261"/>
+            <a:ext cx="818199" cy="1064768"/>
           </a:xfrm>
           <a:prstGeom prst="roundRect">
             <a:avLst>
@@ -5597,7 +5609,7 @@
           <a:p>
             <a:pPr algn="ctr"/>
             <a:r>
-              <a:rPr lang="hu-HU" sz="2000" dirty="0" smtClean="0">
+              <a:rPr lang="hu-HU" sz="2000" b="1" dirty="0" smtClean="0">
                 <a:solidFill>
                   <a:schemeClr val="bg2">
                     <a:lumMod val="25000"/>
@@ -5607,9 +5619,25 @@
                 <a:ea typeface="Calibri" charset="0"/>
                 <a:cs typeface="Calibri" charset="0"/>
               </a:rPr>
-              <a:t>...</a:t>
+              <a:t>DVM</a:t>
             </a:r>
-            <a:endParaRPr lang="hu-HU" sz="2000" dirty="0">
+          </a:p>
+          <a:p>
+            <a:pPr algn="ctr"/>
+            <a:r>
+              <a:rPr lang="hu-HU" sz="1200" dirty="0" smtClean="0">
+                <a:solidFill>
+                  <a:schemeClr val="bg2">
+                    <a:lumMod val="25000"/>
+                  </a:schemeClr>
+                </a:solidFill>
+                <a:latin typeface="Calibri" charset="0"/>
+                <a:ea typeface="Calibri" charset="0"/>
+                <a:cs typeface="Calibri" charset="0"/>
+              </a:rPr>
+              <a:t>(Discrete Vortex Method)</a:t>
+            </a:r>
+            <a:endParaRPr lang="hu-HU" sz="1200" dirty="0">
               <a:solidFill>
                 <a:schemeClr val="bg2">
                   <a:lumMod val="25000"/>
@@ -5782,8 +5810,8 @@
         </p:nvSpPr>
         <p:spPr>
           <a:xfrm>
-            <a:off x="9398441" y="4854387"/>
-            <a:ext cx="858007" cy="441760"/>
+            <a:off x="8503700" y="4856464"/>
+            <a:ext cx="816482" cy="441760"/>
           </a:xfrm>
           <a:prstGeom prst="roundRect">
             <a:avLst>
@@ -5860,8 +5888,8 @@
         </p:nvSpPr>
         <p:spPr>
           <a:xfrm>
-            <a:off x="8436334" y="4854387"/>
-            <a:ext cx="879980" cy="441760"/>
+            <a:off x="7630376" y="4856464"/>
+            <a:ext cx="785625" cy="441760"/>
           </a:xfrm>
           <a:prstGeom prst="roundRect">
             <a:avLst>
@@ -5938,8 +5966,8 @@
         </p:nvSpPr>
         <p:spPr>
           <a:xfrm>
-            <a:off x="7360043" y="4853202"/>
-            <a:ext cx="994163" cy="442945"/>
+            <a:off x="6577476" y="4855872"/>
+            <a:ext cx="965201" cy="442945"/>
           </a:xfrm>
           <a:prstGeom prst="roundRect">
             <a:avLst>
@@ -6008,6 +6036,241 @@
           </a:p>
         </p:txBody>
       </p:sp>
+      <p:sp>
+        <p:nvSpPr>
+          <p:cNvPr id="79" name="Rounded Rectangle 78"/>
+          <p:cNvSpPr/>
+          <p:nvPr/>
+        </p:nvSpPr>
+        <p:spPr>
+          <a:xfrm>
+            <a:off x="9407881" y="4856464"/>
+            <a:ext cx="816481" cy="441760"/>
+          </a:xfrm>
+          <a:prstGeom prst="roundRect">
+            <a:avLst>
+              <a:gd name="adj" fmla="val 26146"/>
+            </a:avLst>
+          </a:prstGeom>
+          <a:solidFill>
+            <a:schemeClr val="accent4">
+              <a:lumMod val="60000"/>
+              <a:lumOff val="40000"/>
+            </a:schemeClr>
+          </a:solidFill>
+          <a:ln w="19050">
+            <a:solidFill>
+              <a:schemeClr val="tx1">
+                <a:lumMod val="65000"/>
+                <a:lumOff val="35000"/>
+              </a:schemeClr>
+            </a:solidFill>
+          </a:ln>
+        </p:spPr>
+        <p:style>
+          <a:lnRef idx="2">
+            <a:schemeClr val="accent1">
+              <a:shade val="50000"/>
+            </a:schemeClr>
+          </a:lnRef>
+          <a:fillRef idx="1">
+            <a:schemeClr val="accent1"/>
+          </a:fillRef>
+          <a:effectRef idx="0">
+            <a:schemeClr val="accent1"/>
+          </a:effectRef>
+          <a:fontRef idx="minor">
+            <a:schemeClr val="lt1"/>
+          </a:fontRef>
+        </p:style>
+        <p:txBody>
+          <a:bodyPr rtlCol="0" anchor="ctr"/>
+          <a:lstStyle/>
+          <a:p>
+            <a:pPr algn="ctr"/>
+            <a:r>
+              <a:rPr lang="hu-HU" sz="2000" b="1" dirty="0" smtClean="0">
+                <a:solidFill>
+                  <a:schemeClr val="bg2">
+                    <a:lumMod val="25000"/>
+                  </a:schemeClr>
+                </a:solidFill>
+                <a:latin typeface="Calibri" charset="0"/>
+                <a:ea typeface="Calibri" charset="0"/>
+                <a:cs typeface="Calibri" charset="0"/>
+              </a:rPr>
+              <a:t>Fsum</a:t>
+            </a:r>
+            <a:endParaRPr lang="hu-HU" sz="2000" b="1" dirty="0">
+              <a:solidFill>
+                <a:schemeClr val="bg2">
+                  <a:lumMod val="25000"/>
+                </a:schemeClr>
+              </a:solidFill>
+              <a:latin typeface="Calibri" charset="0"/>
+              <a:ea typeface="Calibri" charset="0"/>
+              <a:cs typeface="Calibri" charset="0"/>
+            </a:endParaRPr>
+          </a:p>
+        </p:txBody>
+      </p:sp>
+      <p:cxnSp>
+        <p:nvCxnSpPr>
+          <p:cNvPr id="92" name="Elbow Connector 91"/>
+          <p:cNvCxnSpPr>
+            <a:stCxn id="29" idx="2"/>
+            <a:endCxn id="79" idx="0"/>
+          </p:cNvCxnSpPr>
+          <p:nvPr/>
+        </p:nvCxnSpPr>
+        <p:spPr>
+          <a:xfrm rot="16200000" flipH="1">
+            <a:off x="9043163" y="4083505"/>
+            <a:ext cx="130714" cy="1415203"/>
+          </a:xfrm>
+          <a:prstGeom prst="bentConnector3">
+            <a:avLst>
+              <a:gd name="adj1" fmla="val 50000"/>
+            </a:avLst>
+          </a:prstGeom>
+          <a:ln w="28575" cap="rnd">
+            <a:solidFill>
+              <a:schemeClr val="bg2">
+                <a:lumMod val="50000"/>
+              </a:schemeClr>
+            </a:solidFill>
+          </a:ln>
+        </p:spPr>
+        <p:style>
+          <a:lnRef idx="1">
+            <a:schemeClr val="accent1"/>
+          </a:lnRef>
+          <a:fillRef idx="0">
+            <a:schemeClr val="accent1"/>
+          </a:fillRef>
+          <a:effectRef idx="0">
+            <a:schemeClr val="accent1"/>
+          </a:effectRef>
+          <a:fontRef idx="minor">
+            <a:schemeClr val="tx1"/>
+          </a:fontRef>
+        </p:style>
+      </p:cxnSp>
+      <p:sp>
+        <p:nvSpPr>
+          <p:cNvPr id="71" name="Rounded Rectangle 70"/>
+          <p:cNvSpPr/>
+          <p:nvPr/>
+        </p:nvSpPr>
+        <p:spPr>
+          <a:xfrm>
+            <a:off x="6066017" y="4219840"/>
+            <a:ext cx="408677" cy="1064768"/>
+          </a:xfrm>
+          <a:prstGeom prst="roundRect">
+            <a:avLst>
+              <a:gd name="adj" fmla="val 16496"/>
+            </a:avLst>
+          </a:prstGeom>
+          <a:solidFill>
+            <a:schemeClr val="accent4">
+              <a:lumMod val="60000"/>
+              <a:lumOff val="40000"/>
+            </a:schemeClr>
+          </a:solidFill>
+          <a:ln w="19050">
+            <a:solidFill>
+              <a:schemeClr val="tx1">
+                <a:lumMod val="65000"/>
+                <a:lumOff val="35000"/>
+              </a:schemeClr>
+            </a:solidFill>
+          </a:ln>
+        </p:spPr>
+        <p:style>
+          <a:lnRef idx="1">
+            <a:schemeClr val="accent6"/>
+          </a:lnRef>
+          <a:fillRef idx="2">
+            <a:schemeClr val="accent6"/>
+          </a:fillRef>
+          <a:effectRef idx="1">
+            <a:schemeClr val="accent6"/>
+          </a:effectRef>
+          <a:fontRef idx="minor">
+            <a:schemeClr val="dk1"/>
+          </a:fontRef>
+        </p:style>
+        <p:txBody>
+          <a:bodyPr rtlCol="0" anchor="ctr"/>
+          <a:lstStyle/>
+          <a:p>
+            <a:pPr algn="ctr"/>
+            <a:r>
+              <a:rPr lang="hu-HU" sz="1600" b="1" dirty="0" smtClean="0">
+                <a:solidFill>
+                  <a:schemeClr val="bg2">
+                    <a:lumMod val="25000"/>
+                  </a:schemeClr>
+                </a:solidFill>
+                <a:latin typeface="Calibri" charset="0"/>
+                <a:ea typeface="Calibri" charset="0"/>
+                <a:cs typeface="Calibri" charset="0"/>
+              </a:rPr>
+              <a:t>...</a:t>
+            </a:r>
+            <a:endParaRPr lang="hu-HU" sz="2000" b="1" dirty="0" smtClean="0">
+              <a:solidFill>
+                <a:schemeClr val="bg2">
+                  <a:lumMod val="25000"/>
+                </a:schemeClr>
+              </a:solidFill>
+              <a:latin typeface="Calibri" charset="0"/>
+              <a:ea typeface="Calibri" charset="0"/>
+              <a:cs typeface="Calibri" charset="0"/>
+            </a:endParaRPr>
+          </a:p>
+        </p:txBody>
+      </p:sp>
+      <p:cxnSp>
+        <p:nvCxnSpPr>
+          <p:cNvPr id="72" name="Straight Connector 71"/>
+          <p:cNvCxnSpPr>
+            <a:endCxn id="71" idx="0"/>
+          </p:cNvCxnSpPr>
+          <p:nvPr/>
+        </p:nvCxnSpPr>
+        <p:spPr>
+          <a:xfrm>
+            <a:off x="6270356" y="4136159"/>
+            <a:ext cx="0" cy="83681"/>
+          </a:xfrm>
+          <a:prstGeom prst="line">
+            <a:avLst/>
+          </a:prstGeom>
+          <a:ln w="28575" cap="rnd">
+            <a:solidFill>
+              <a:schemeClr val="bg2">
+                <a:lumMod val="50000"/>
+              </a:schemeClr>
+            </a:solidFill>
+          </a:ln>
+        </p:spPr>
+        <p:style>
+          <a:lnRef idx="1">
+            <a:schemeClr val="accent1"/>
+          </a:lnRef>
+          <a:fillRef idx="0">
+            <a:schemeClr val="accent1"/>
+          </a:fillRef>
+          <a:effectRef idx="0">
+            <a:schemeClr val="accent1"/>
+          </a:effectRef>
+          <a:fontRef idx="minor">
+            <a:schemeClr val="tx1"/>
+          </a:fontRef>
+        </p:style>
+      </p:cxnSp>
     </p:spTree>
     <p:extLst>
       <p:ext uri="{BB962C8B-B14F-4D97-AF65-F5344CB8AC3E}">
@@ -17979,10 +18242,10 @@
         </p:nvGrpSpPr>
         <p:grpSpPr>
           <a:xfrm>
-            <a:off x="2056227" y="1391906"/>
-            <a:ext cx="7891969" cy="3747498"/>
-            <a:chOff x="2056227" y="1391906"/>
-            <a:chExt cx="7891969" cy="3747498"/>
+            <a:off x="1760633" y="1433002"/>
+            <a:ext cx="8197837" cy="3747498"/>
+            <a:chOff x="1750359" y="1391906"/>
+            <a:chExt cx="8197837" cy="3747498"/>
           </a:xfrm>
         </p:grpSpPr>
         <mc:AlternateContent xmlns:mc="http://schemas.openxmlformats.org/markup-compatibility/2006" xmlns:a14="http://schemas.microsoft.com/office/drawing/2010/main">
@@ -17995,8 +18258,8 @@
               </p:nvSpPr>
               <p:spPr>
                 <a:xfrm>
-                  <a:off x="2056227" y="3230523"/>
-                  <a:ext cx="2722027" cy="574196"/>
+                  <a:off x="1750359" y="3230523"/>
+                  <a:ext cx="3016339" cy="691536"/>
                 </a:xfrm>
                 <a:prstGeom prst="rect">
                   <a:avLst/>
@@ -18045,61 +18308,52 @@
                           </a:rPr>
                           <m:t>−</m:t>
                         </m:r>
-                        <m:r>
-                          <a:rPr lang="hu-HU" sz="2000" i="1">
-                            <a:latin typeface="Cambria Math" charset="0"/>
-                          </a:rPr>
-                          <m:t>𝐶</m:t>
-                        </m:r>
-                        <m:r>
-                          <a:rPr lang="hu-HU" sz="2000" i="1">
-                            <a:latin typeface="Cambria Math" charset="0"/>
-                          </a:rPr>
-                          <m:t>+</m:t>
-                        </m:r>
-                        <m:f>
-                          <m:fPr>
-                            <m:ctrlPr>
-                              <a:rPr lang="hu-HU" sz="2000" i="1">
-                                <a:latin typeface="Cambria Math" charset="0"/>
-                              </a:rPr>
-                            </m:ctrlPr>
-                          </m:fPr>
-                          <m:num>
-                            <m:r>
-                              <a:rPr lang="hu-HU" sz="2000" i="1">
-                                <a:latin typeface="Cambria Math" charset="0"/>
-                              </a:rPr>
-                              <m:t>𝐹</m:t>
-                            </m:r>
-                          </m:num>
-                          <m:den>
-                            <m:r>
-                              <a:rPr lang="hu-HU" sz="2000">
-                                <a:latin typeface="Cambria Math" charset="0"/>
-                              </a:rPr>
-                              <m:t>2</m:t>
-                            </m:r>
-                          </m:den>
-                        </m:f>
-                        <m:r>
-                          <m:rPr>
-                            <m:sty m:val="p"/>
-                          </m:rPr>
-                          <a:rPr lang="hu-HU" sz="2000">
-                            <a:latin typeface="Cambria Math" charset="0"/>
-                          </a:rPr>
-                          <m:t>sin</m:t>
-                        </m:r>
                         <m:d>
                           <m:dPr>
                             <m:ctrlPr>
-                              <a:rPr lang="hu-HU" sz="2000" i="1">
+                              <a:rPr lang="hu-HU" sz="2000" b="0" i="1" smtClean="0">
                                 <a:latin typeface="Cambria Math" charset="0"/>
                               </a:rPr>
                             </m:ctrlPr>
                           </m:dPr>
                           <m:e>
+                            <m:r>
+                              <a:rPr lang="hu-HU" sz="2000" i="1">
+                                <a:latin typeface="Cambria Math" charset="0"/>
+                              </a:rPr>
+                              <m:t>𝐶</m:t>
+                            </m:r>
+                            <m:r>
+                              <a:rPr lang="hu-HU" sz="2000" i="1">
+                                <a:latin typeface="Cambria Math" charset="0"/>
+                              </a:rPr>
+                              <m:t>+</m:t>
+                            </m:r>
+                            <m:f>
+                              <m:fPr>
+                                <m:ctrlPr>
+                                  <a:rPr lang="hu-HU" sz="2000" i="1">
+                                    <a:latin typeface="Cambria Math" charset="0"/>
+                                  </a:rPr>
+                                </m:ctrlPr>
+                              </m:fPr>
+                              <m:num>
+                                <m:r>
+                                  <a:rPr lang="hu-HU" sz="2000" i="1">
+                                    <a:latin typeface="Cambria Math" charset="0"/>
+                                  </a:rPr>
+                                  <m:t>𝐹</m:t>
+                                </m:r>
+                              </m:num>
+                              <m:den>
+                                <m:r>
+                                  <a:rPr lang="hu-HU" sz="2000">
+                                    <a:latin typeface="Cambria Math" charset="0"/>
+                                  </a:rPr>
+                                  <m:t>2</m:t>
+                                </m:r>
+                              </m:den>
+                            </m:f>
                             <m:r>
                               <m:rPr>
                                 <m:sty m:val="p"/>
@@ -18107,8 +18361,28 @@
                               <a:rPr lang="hu-HU" sz="2000">
                                 <a:latin typeface="Cambria Math" charset="0"/>
                               </a:rPr>
-                              <m:t>r</m:t>
+                              <m:t>sin</m:t>
                             </m:r>
+                            <m:d>
+                              <m:dPr>
+                                <m:ctrlPr>
+                                  <a:rPr lang="hu-HU" sz="2000" i="1">
+                                    <a:latin typeface="Cambria Math" charset="0"/>
+                                  </a:rPr>
+                                </m:ctrlPr>
+                              </m:dPr>
+                              <m:e>
+                                <m:r>
+                                  <m:rPr>
+                                    <m:sty m:val="p"/>
+                                  </m:rPr>
+                                  <a:rPr lang="hu-HU" sz="2000">
+                                    <a:latin typeface="Cambria Math" charset="0"/>
+                                  </a:rPr>
+                                  <m:t>r</m:t>
+                                </m:r>
+                              </m:e>
+                            </m:d>
                           </m:e>
                         </m:d>
                       </m:oMath>
@@ -18130,8 +18404,8 @@
               </p:nvSpPr>
               <p:spPr>
                 <a:xfrm>
-                  <a:off x="2056227" y="3230523"/>
-                  <a:ext cx="2722027" cy="574196"/>
+                  <a:off x="1750359" y="3230523"/>
+                  <a:ext cx="3016339" cy="691536"/>
                 </a:xfrm>
                 <a:prstGeom prst="rect">
                   <a:avLst/>
@@ -19850,1480 +20124,1446 @@
           <a:chExt cx="0" cy="0"/>
         </a:xfrm>
       </p:grpSpPr>
-      <p:grpSp>
-        <p:nvGrpSpPr>
-          <p:cNvPr id="35" name="Group 34"/>
-          <p:cNvGrpSpPr/>
+      <p:sp>
+        <p:nvSpPr>
+          <p:cNvPr id="36" name="Rectangle 35"/>
+          <p:cNvSpPr/>
           <p:nvPr/>
-        </p:nvGrpSpPr>
-        <p:grpSpPr>
+        </p:nvSpPr>
+        <p:spPr>
           <a:xfrm>
-            <a:off x="464371" y="598745"/>
-            <a:ext cx="4530392" cy="3786135"/>
-            <a:chOff x="2765352" y="1012844"/>
-            <a:chExt cx="4530392" cy="3786135"/>
+            <a:off x="261278" y="564647"/>
+            <a:ext cx="3445844" cy="111552"/>
           </a:xfrm>
-        </p:grpSpPr>
-        <p:sp>
-          <p:nvSpPr>
-            <p:cNvPr id="36" name="Rectangle 35"/>
-            <p:cNvSpPr/>
-            <p:nvPr/>
-          </p:nvSpPr>
-          <p:spPr>
-            <a:xfrm>
-              <a:off x="2765352" y="1386040"/>
-              <a:ext cx="3445844" cy="111552"/>
-            </a:xfrm>
-            <a:prstGeom prst="rect">
-              <a:avLst/>
-            </a:prstGeom>
-            <a:pattFill prst="wdUpDiag">
-              <a:fgClr>
-                <a:schemeClr val="tx1"/>
-              </a:fgClr>
-              <a:bgClr>
-                <a:schemeClr val="bg1"/>
-              </a:bgClr>
-            </a:pattFill>
-            <a:ln>
+          <a:prstGeom prst="rect">
+            <a:avLst/>
+          </a:prstGeom>
+          <a:pattFill prst="wdUpDiag">
+            <a:fgClr>
+              <a:schemeClr val="tx1"/>
+            </a:fgClr>
+            <a:bgClr>
+              <a:schemeClr val="bg1"/>
+            </a:bgClr>
+          </a:pattFill>
+          <a:ln>
+            <a:noFill/>
+          </a:ln>
+        </p:spPr>
+        <p:style>
+          <a:lnRef idx="2">
+            <a:schemeClr val="accent1">
+              <a:shade val="50000"/>
+            </a:schemeClr>
+          </a:lnRef>
+          <a:fillRef idx="1">
+            <a:schemeClr val="accent1"/>
+          </a:fillRef>
+          <a:effectRef idx="0">
+            <a:schemeClr val="accent1"/>
+          </a:effectRef>
+          <a:fontRef idx="minor">
+            <a:schemeClr val="lt1"/>
+          </a:fontRef>
+        </p:style>
+        <p:txBody>
+          <a:bodyPr rtlCol="0" anchor="ctr"/>
+          <a:lstStyle/>
+          <a:p>
+            <a:pPr algn="ctr"/>
+            <a:endParaRPr lang="en-GB"/>
+          </a:p>
+        </p:txBody>
+      </p:sp>
+      <p:cxnSp>
+        <p:nvCxnSpPr>
+          <p:cNvPr id="37" name="Straight Arrow Connector 36"/>
+          <p:cNvCxnSpPr/>
+          <p:nvPr/>
+        </p:nvCxnSpPr>
+        <p:spPr>
+          <a:xfrm>
+            <a:off x="1543491" y="488391"/>
+            <a:ext cx="1391770" cy="0"/>
+          </a:xfrm>
+          <a:prstGeom prst="straightConnector1">
+            <a:avLst/>
+          </a:prstGeom>
+          <a:ln w="12700">
+            <a:solidFill>
+              <a:schemeClr val="tx1"/>
+            </a:solidFill>
+            <a:tailEnd type="triangle" w="med" len="lg"/>
+          </a:ln>
+        </p:spPr>
+        <p:style>
+          <a:lnRef idx="1">
+            <a:schemeClr val="accent1"/>
+          </a:lnRef>
+          <a:fillRef idx="0">
+            <a:schemeClr val="accent1"/>
+          </a:fillRef>
+          <a:effectRef idx="0">
+            <a:schemeClr val="accent1"/>
+          </a:effectRef>
+          <a:fontRef idx="minor">
+            <a:schemeClr val="tx1"/>
+          </a:fontRef>
+        </p:style>
+      </p:cxnSp>
+      <p:sp>
+        <p:nvSpPr>
+          <p:cNvPr id="39" name="Rectangle 38"/>
+          <p:cNvSpPr/>
+          <p:nvPr/>
+        </p:nvSpPr>
+        <p:spPr>
+          <a:xfrm>
+            <a:off x="268002" y="2320391"/>
+            <a:ext cx="3445844" cy="111552"/>
+          </a:xfrm>
+          <a:prstGeom prst="rect">
+            <a:avLst/>
+          </a:prstGeom>
+          <a:pattFill prst="wdUpDiag">
+            <a:fgClr>
+              <a:schemeClr val="tx1"/>
+            </a:fgClr>
+            <a:bgClr>
+              <a:schemeClr val="bg1"/>
+            </a:bgClr>
+          </a:pattFill>
+          <a:ln>
+            <a:noFill/>
+          </a:ln>
+        </p:spPr>
+        <p:style>
+          <a:lnRef idx="2">
+            <a:schemeClr val="accent1">
+              <a:shade val="50000"/>
+            </a:schemeClr>
+          </a:lnRef>
+          <a:fillRef idx="1">
+            <a:schemeClr val="accent1"/>
+          </a:fillRef>
+          <a:effectRef idx="0">
+            <a:schemeClr val="accent1"/>
+          </a:effectRef>
+          <a:fontRef idx="minor">
+            <a:schemeClr val="lt1"/>
+          </a:fontRef>
+        </p:style>
+        <p:txBody>
+          <a:bodyPr rtlCol="0" anchor="ctr"/>
+          <a:lstStyle/>
+          <a:p>
+            <a:pPr algn="ctr"/>
+            <a:endParaRPr lang="en-GB"/>
+          </a:p>
+        </p:txBody>
+      </p:sp>
+      <p:cxnSp>
+        <p:nvCxnSpPr>
+          <p:cNvPr id="40" name="Straight Connector 39"/>
+          <p:cNvCxnSpPr/>
+          <p:nvPr/>
+        </p:nvCxnSpPr>
+        <p:spPr>
+          <a:xfrm>
+            <a:off x="268002" y="676198"/>
+            <a:ext cx="3445844" cy="0"/>
+          </a:xfrm>
+          <a:prstGeom prst="line">
+            <a:avLst/>
+          </a:prstGeom>
+          <a:ln w="12700">
+            <a:solidFill>
+              <a:schemeClr val="tx1"/>
+            </a:solidFill>
+          </a:ln>
+        </p:spPr>
+        <p:style>
+          <a:lnRef idx="1">
+            <a:schemeClr val="accent1"/>
+          </a:lnRef>
+          <a:fillRef idx="0">
+            <a:schemeClr val="accent1"/>
+          </a:fillRef>
+          <a:effectRef idx="0">
+            <a:schemeClr val="accent1"/>
+          </a:effectRef>
+          <a:fontRef idx="minor">
+            <a:schemeClr val="tx1"/>
+          </a:fontRef>
+        </p:style>
+      </p:cxnSp>
+      <p:cxnSp>
+        <p:nvCxnSpPr>
+          <p:cNvPr id="41" name="Straight Connector 40"/>
+          <p:cNvCxnSpPr/>
+          <p:nvPr/>
+        </p:nvCxnSpPr>
+        <p:spPr>
+          <a:xfrm>
+            <a:off x="268002" y="2320392"/>
+            <a:ext cx="3445844" cy="0"/>
+          </a:xfrm>
+          <a:prstGeom prst="line">
+            <a:avLst/>
+          </a:prstGeom>
+          <a:ln w="12700">
+            <a:solidFill>
+              <a:schemeClr val="tx1"/>
+            </a:solidFill>
+          </a:ln>
+        </p:spPr>
+        <p:style>
+          <a:lnRef idx="1">
+            <a:schemeClr val="accent1"/>
+          </a:lnRef>
+          <a:fillRef idx="0">
+            <a:schemeClr val="accent1"/>
+          </a:fillRef>
+          <a:effectRef idx="0">
+            <a:schemeClr val="accent1"/>
+          </a:effectRef>
+          <a:fontRef idx="minor">
+            <a:schemeClr val="tx1"/>
+          </a:fontRef>
+        </p:style>
+      </p:cxnSp>
+      <p:sp>
+        <p:nvSpPr>
+          <p:cNvPr id="42" name="Rectangle 41"/>
+          <p:cNvSpPr/>
+          <p:nvPr/>
+        </p:nvSpPr>
+        <p:spPr>
+          <a:xfrm>
+            <a:off x="261278" y="685648"/>
+            <a:ext cx="3445844" cy="1634744"/>
+          </a:xfrm>
+          <a:prstGeom prst="rect">
+            <a:avLst/>
+          </a:prstGeom>
+          <a:solidFill>
+            <a:schemeClr val="accent5">
+              <a:lumMod val="20000"/>
+              <a:lumOff val="80000"/>
+            </a:schemeClr>
+          </a:solidFill>
+          <a:ln>
+            <a:noFill/>
+          </a:ln>
+        </p:spPr>
+        <p:style>
+          <a:lnRef idx="2">
+            <a:schemeClr val="accent1">
+              <a:shade val="50000"/>
+            </a:schemeClr>
+          </a:lnRef>
+          <a:fillRef idx="1">
+            <a:schemeClr val="accent1"/>
+          </a:fillRef>
+          <a:effectRef idx="0">
+            <a:schemeClr val="accent1"/>
+          </a:effectRef>
+          <a:fontRef idx="minor">
+            <a:schemeClr val="lt1"/>
+          </a:fontRef>
+        </p:style>
+        <p:txBody>
+          <a:bodyPr rtlCol="0" anchor="ctr"/>
+          <a:lstStyle/>
+          <a:p>
+            <a:pPr algn="ctr"/>
+            <a:endParaRPr lang="en-GB"/>
+          </a:p>
+        </p:txBody>
+      </p:sp>
+      <mc:AlternateContent xmlns:mc="http://schemas.openxmlformats.org/markup-compatibility/2006" xmlns:a14="http://schemas.microsoft.com/office/drawing/2010/main">
+        <mc:Choice Requires="a14">
+          <p:sp>
+            <p:nvSpPr>
+              <p:cNvPr id="43" name="TextBox 42"/>
+              <p:cNvSpPr txBox="1"/>
+              <p:nvPr/>
+            </p:nvSpPr>
+            <p:spPr>
+              <a:xfrm>
+                <a:off x="1708269" y="191451"/>
+                <a:ext cx="1019253" cy="276999"/>
+              </a:xfrm>
+              <a:prstGeom prst="rect">
+                <a:avLst/>
+              </a:prstGeom>
               <a:noFill/>
-            </a:ln>
-          </p:spPr>
-          <p:style>
-            <a:lnRef idx="2">
-              <a:schemeClr val="accent1">
-                <a:shade val="50000"/>
-              </a:schemeClr>
-            </a:lnRef>
-            <a:fillRef idx="1">
-              <a:schemeClr val="accent1"/>
-            </a:fillRef>
-            <a:effectRef idx="0">
-              <a:schemeClr val="accent1"/>
-            </a:effectRef>
-            <a:fontRef idx="minor">
-              <a:schemeClr val="lt1"/>
-            </a:fontRef>
-          </p:style>
-          <p:txBody>
-            <a:bodyPr rtlCol="0" anchor="ctr"/>
-            <a:lstStyle/>
-            <a:p>
-              <a:pPr algn="ctr"/>
-              <a:endParaRPr lang="en-GB"/>
-            </a:p>
-          </p:txBody>
-        </p:sp>
-        <p:cxnSp>
-          <p:nvCxnSpPr>
-            <p:cNvPr id="37" name="Straight Arrow Connector 36"/>
-            <p:cNvCxnSpPr/>
-            <p:nvPr/>
-          </p:nvCxnSpPr>
-          <p:spPr>
-            <a:xfrm>
-              <a:off x="4047565" y="1309784"/>
-              <a:ext cx="1391770" cy="0"/>
-            </a:xfrm>
-            <a:prstGeom prst="straightConnector1">
-              <a:avLst/>
-            </a:prstGeom>
-            <a:ln w="12700">
-              <a:solidFill>
-                <a:schemeClr val="tx1"/>
-              </a:solidFill>
-              <a:tailEnd type="triangle" w="med" len="lg"/>
-            </a:ln>
-          </p:spPr>
-          <p:style>
-            <a:lnRef idx="1">
-              <a:schemeClr val="accent1"/>
-            </a:lnRef>
-            <a:fillRef idx="0">
-              <a:schemeClr val="accent1"/>
-            </a:fillRef>
-            <a:effectRef idx="0">
-              <a:schemeClr val="accent1"/>
-            </a:effectRef>
-            <a:fontRef idx="minor">
-              <a:schemeClr val="tx1"/>
-            </a:fontRef>
-          </p:style>
-        </p:cxnSp>
-        <p:sp>
-          <p:nvSpPr>
-            <p:cNvPr id="39" name="Rectangle 38"/>
-            <p:cNvSpPr/>
-            <p:nvPr/>
-          </p:nvSpPr>
-          <p:spPr>
-            <a:xfrm>
-              <a:off x="2772076" y="3141784"/>
-              <a:ext cx="3445844" cy="111552"/>
-            </a:xfrm>
-            <a:prstGeom prst="rect">
-              <a:avLst/>
-            </a:prstGeom>
-            <a:pattFill prst="wdUpDiag">
-              <a:fgClr>
-                <a:schemeClr val="tx1"/>
-              </a:fgClr>
-              <a:bgClr>
-                <a:schemeClr val="bg1"/>
-              </a:bgClr>
-            </a:pattFill>
-            <a:ln>
-              <a:noFill/>
-            </a:ln>
-          </p:spPr>
-          <p:style>
-            <a:lnRef idx="2">
-              <a:schemeClr val="accent1">
-                <a:shade val="50000"/>
-              </a:schemeClr>
-            </a:lnRef>
-            <a:fillRef idx="1">
-              <a:schemeClr val="accent1"/>
-            </a:fillRef>
-            <a:effectRef idx="0">
-              <a:schemeClr val="accent1"/>
-            </a:effectRef>
-            <a:fontRef idx="minor">
-              <a:schemeClr val="lt1"/>
-            </a:fontRef>
-          </p:style>
-          <p:txBody>
-            <a:bodyPr rtlCol="0" anchor="ctr"/>
-            <a:lstStyle/>
-            <a:p>
-              <a:pPr algn="ctr"/>
-              <a:endParaRPr lang="en-GB"/>
-            </a:p>
-          </p:txBody>
-        </p:sp>
-        <p:cxnSp>
-          <p:nvCxnSpPr>
-            <p:cNvPr id="40" name="Straight Connector 39"/>
-            <p:cNvCxnSpPr/>
-            <p:nvPr/>
-          </p:nvCxnSpPr>
-          <p:spPr>
-            <a:xfrm>
-              <a:off x="2772076" y="1497591"/>
-              <a:ext cx="3445844" cy="0"/>
-            </a:xfrm>
-            <a:prstGeom prst="line">
-              <a:avLst/>
-            </a:prstGeom>
-            <a:ln w="12700">
-              <a:solidFill>
-                <a:schemeClr val="tx1"/>
-              </a:solidFill>
-            </a:ln>
-          </p:spPr>
-          <p:style>
-            <a:lnRef idx="1">
-              <a:schemeClr val="accent1"/>
-            </a:lnRef>
-            <a:fillRef idx="0">
-              <a:schemeClr val="accent1"/>
-            </a:fillRef>
-            <a:effectRef idx="0">
-              <a:schemeClr val="accent1"/>
-            </a:effectRef>
-            <a:fontRef idx="minor">
-              <a:schemeClr val="tx1"/>
-            </a:fontRef>
-          </p:style>
-        </p:cxnSp>
-        <p:cxnSp>
-          <p:nvCxnSpPr>
-            <p:cNvPr id="41" name="Straight Connector 40"/>
-            <p:cNvCxnSpPr/>
-            <p:nvPr/>
-          </p:nvCxnSpPr>
-          <p:spPr>
-            <a:xfrm>
-              <a:off x="2772076" y="3141785"/>
-              <a:ext cx="3445844" cy="0"/>
-            </a:xfrm>
-            <a:prstGeom prst="line">
-              <a:avLst/>
-            </a:prstGeom>
-            <a:ln w="12700">
-              <a:solidFill>
-                <a:schemeClr val="tx1"/>
-              </a:solidFill>
-            </a:ln>
-          </p:spPr>
-          <p:style>
-            <a:lnRef idx="1">
-              <a:schemeClr val="accent1"/>
-            </a:lnRef>
-            <a:fillRef idx="0">
-              <a:schemeClr val="accent1"/>
-            </a:fillRef>
-            <a:effectRef idx="0">
-              <a:schemeClr val="accent1"/>
-            </a:effectRef>
-            <a:fontRef idx="minor">
-              <a:schemeClr val="tx1"/>
-            </a:fontRef>
-          </p:style>
-        </p:cxnSp>
-        <p:sp>
-          <p:nvSpPr>
-            <p:cNvPr id="42" name="Rectangle 41"/>
-            <p:cNvSpPr/>
-            <p:nvPr/>
-          </p:nvSpPr>
-          <p:spPr>
-            <a:xfrm>
-              <a:off x="2765352" y="1507041"/>
-              <a:ext cx="3445844" cy="1634744"/>
-            </a:xfrm>
-            <a:prstGeom prst="rect">
-              <a:avLst/>
-            </a:prstGeom>
-            <a:pattFill prst="dashHorz">
-              <a:fgClr>
-                <a:schemeClr val="bg2">
-                  <a:lumMod val="75000"/>
-                </a:schemeClr>
-              </a:fgClr>
-              <a:bgClr>
-                <a:schemeClr val="bg1"/>
-              </a:bgClr>
-            </a:pattFill>
-            <a:ln>
-              <a:noFill/>
-            </a:ln>
-          </p:spPr>
-          <p:style>
-            <a:lnRef idx="2">
-              <a:schemeClr val="accent1">
-                <a:shade val="50000"/>
-              </a:schemeClr>
-            </a:lnRef>
-            <a:fillRef idx="1">
-              <a:schemeClr val="accent1"/>
-            </a:fillRef>
-            <a:effectRef idx="0">
-              <a:schemeClr val="accent1"/>
-            </a:effectRef>
-            <a:fontRef idx="minor">
-              <a:schemeClr val="lt1"/>
-            </a:fontRef>
-          </p:style>
-          <p:txBody>
-            <a:bodyPr rtlCol="0" anchor="ctr"/>
-            <a:lstStyle/>
-            <a:p>
-              <a:pPr algn="ctr"/>
-              <a:endParaRPr lang="en-GB"/>
-            </a:p>
-          </p:txBody>
-        </p:sp>
-        <mc:AlternateContent xmlns:mc="http://schemas.openxmlformats.org/markup-compatibility/2006" xmlns:a14="http://schemas.microsoft.com/office/drawing/2010/main">
-          <mc:Choice Requires="a14">
-            <p:sp>
-              <p:nvSpPr>
-                <p:cNvPr id="43" name="TextBox 42"/>
-                <p:cNvSpPr txBox="1"/>
-                <p:nvPr/>
-              </p:nvSpPr>
-              <p:spPr>
-                <a:xfrm>
-                  <a:off x="4212343" y="1012844"/>
-                  <a:ext cx="1019253" cy="276999"/>
-                </a:xfrm>
-                <a:prstGeom prst="rect">
-                  <a:avLst/>
-                </a:prstGeom>
-                <a:noFill/>
-              </p:spPr>
-              <p:txBody>
-                <a:bodyPr wrap="none" lIns="0" tIns="0" rIns="0" bIns="0" rtlCol="0">
-                  <a:spAutoFit/>
-                </a:bodyPr>
-                <a:lstStyle/>
-                <a:p>
-                  <a14:m>
-                    <m:oMath xmlns:m="http://schemas.openxmlformats.org/officeDocument/2006/math">
-                      <m:sSub>
-                        <m:sSubPr>
-                          <m:ctrlPr>
-                            <a:rPr lang="hu-HU" b="0" i="1" smtClean="0">
-                              <a:latin typeface="Cambria Math" charset="0"/>
-                            </a:rPr>
-                          </m:ctrlPr>
-                        </m:sSubPr>
-                        <m:e>
-                          <m:r>
-                            <a:rPr lang="hu-HU" b="0" i="1" smtClean="0">
-                              <a:latin typeface="Cambria Math" charset="0"/>
-                            </a:rPr>
-                            <m:t>𝑣</m:t>
-                          </m:r>
-                        </m:e>
-                        <m:sub>
-                          <m:r>
-                            <a:rPr lang="hu-HU" b="0" i="1" smtClean="0">
-                              <a:latin typeface="Cambria Math" charset="0"/>
-                            </a:rPr>
-                            <m:t>2</m:t>
-                          </m:r>
-                        </m:sub>
-                      </m:sSub>
-                      <m:r>
-                        <a:rPr lang="hu-HU" b="0" i="1" smtClean="0">
-                          <a:latin typeface="Cambria Math" charset="0"/>
-                        </a:rPr>
-                        <m:t>=1</m:t>
-                      </m:r>
-                    </m:oMath>
-                  </a14:m>
-                  <a:r>
-                    <a:rPr lang="hu-HU" b="0" dirty="0" smtClean="0"/>
-                    <a:t>m/s</a:t>
-                  </a:r>
-                </a:p>
-              </p:txBody>
-            </p:sp>
-          </mc:Choice>
-          <mc:Fallback xmlns="">
-            <p:sp>
-              <p:nvSpPr>
-                <p:cNvPr id="14" name="TextBox 13"/>
-                <p:cNvSpPr txBox="1">
-                  <a:spLocks noRot="1" noChangeAspect="1" noMove="1" noResize="1" noEditPoints="1" noAdjustHandles="1" noChangeArrowheads="1" noChangeShapeType="1" noTextEdit="1"/>
-                </p:cNvSpPr>
-                <p:nvPr/>
-              </p:nvSpPr>
-              <p:spPr>
-                <a:xfrm>
-                  <a:off x="4212343" y="1012844"/>
-                  <a:ext cx="1019253" cy="276999"/>
-                </a:xfrm>
-                <a:prstGeom prst="rect">
-                  <a:avLst/>
-                </a:prstGeom>
-                <a:blipFill rotWithShape="0">
-                  <a:blip r:embed="rId2"/>
-                  <a:stretch>
-                    <a:fillRect l="-5389" t="-28261" r="-13772" b="-50000"/>
-                  </a:stretch>
-                </a:blipFill>
-              </p:spPr>
-              <p:txBody>
-                <a:bodyPr/>
-                <a:lstStyle/>
-                <a:p>
-                  <a:r>
-                    <a:rPr lang="en-GB">
-                      <a:noFill/>
-                    </a:rPr>
-                    <a:t> </a:t>
-                  </a:r>
-                </a:p>
-              </p:txBody>
-            </p:sp>
-          </mc:Fallback>
-        </mc:AlternateContent>
-        <mc:AlternateContent xmlns:mc="http://schemas.openxmlformats.org/markup-compatibility/2006" xmlns:a14="http://schemas.microsoft.com/office/drawing/2010/main">
-          <mc:Choice Requires="a14">
-            <p:sp>
-              <p:nvSpPr>
-                <p:cNvPr id="44" name="TextBox 43"/>
-                <p:cNvSpPr txBox="1"/>
-                <p:nvPr/>
-              </p:nvSpPr>
-              <p:spPr>
-                <a:xfrm>
-                  <a:off x="2806490" y="1500229"/>
-                  <a:ext cx="1116459" cy="276999"/>
-                </a:xfrm>
-                <a:prstGeom prst="rect">
-                  <a:avLst/>
-                </a:prstGeom>
-                <a:noFill/>
-              </p:spPr>
-              <p:txBody>
-                <a:bodyPr wrap="none" lIns="0" tIns="0" rIns="0" bIns="0" rtlCol="0">
-                  <a:spAutoFit/>
-                </a:bodyPr>
-                <a:lstStyle/>
-                <a:p>
-                  <a14:m>
-                    <m:oMath xmlns:m="http://schemas.openxmlformats.org/officeDocument/2006/math">
-                      <m:sSub>
-                        <m:sSubPr>
-                          <m:ctrlPr>
-                            <a:rPr lang="hu-HU" b="0" i="1" smtClean="0">
-                              <a:latin typeface="Cambria Math" charset="0"/>
-                            </a:rPr>
-                          </m:ctrlPr>
-                        </m:sSubPr>
-                        <m:e>
-                          <m:r>
-                            <a:rPr lang="hu-HU" b="0" i="1" smtClean="0">
-                              <a:latin typeface="Cambria Math" charset="0"/>
-                            </a:rPr>
-                            <m:t>𝑇</m:t>
-                          </m:r>
-                        </m:e>
-                        <m:sub>
-                          <m:r>
-                            <a:rPr lang="hu-HU" b="0" i="1" smtClean="0">
-                              <a:latin typeface="Cambria Math" charset="0"/>
-                            </a:rPr>
-                            <m:t>2</m:t>
-                          </m:r>
-                        </m:sub>
-                      </m:sSub>
-                      <m:r>
-                        <a:rPr lang="hu-HU" b="0" i="1" smtClean="0">
-                          <a:latin typeface="Cambria Math" charset="0"/>
-                        </a:rPr>
-                        <m:t>=100°</m:t>
-                      </m:r>
-                    </m:oMath>
-                  </a14:m>
-                  <a:r>
-                    <a:rPr lang="hu-HU" b="0" dirty="0" smtClean="0"/>
-                    <a:t>C</a:t>
-                  </a:r>
-                </a:p>
-              </p:txBody>
-            </p:sp>
-          </mc:Choice>
-          <mc:Fallback xmlns="">
-            <p:sp>
-              <p:nvSpPr>
-                <p:cNvPr id="15" name="TextBox 14"/>
-                <p:cNvSpPr txBox="1">
-                  <a:spLocks noRot="1" noChangeAspect="1" noMove="1" noResize="1" noEditPoints="1" noAdjustHandles="1" noChangeArrowheads="1" noChangeShapeType="1" noTextEdit="1"/>
-                </p:cNvSpPr>
-                <p:nvPr/>
-              </p:nvSpPr>
-              <p:spPr>
-                <a:xfrm>
-                  <a:off x="2806490" y="1500229"/>
-                  <a:ext cx="1116459" cy="276999"/>
-                </a:xfrm>
-                <a:prstGeom prst="rect">
-                  <a:avLst/>
-                </a:prstGeom>
-                <a:blipFill rotWithShape="0">
-                  <a:blip r:embed="rId3"/>
-                  <a:stretch>
-                    <a:fillRect l="-7065" t="-28261" r="-11413" b="-50000"/>
-                  </a:stretch>
-                </a:blipFill>
-              </p:spPr>
-              <p:txBody>
-                <a:bodyPr/>
-                <a:lstStyle/>
-                <a:p>
-                  <a:r>
-                    <a:rPr lang="en-GB">
-                      <a:noFill/>
-                    </a:rPr>
-                    <a:t> </a:t>
-                  </a:r>
-                </a:p>
-              </p:txBody>
-            </p:sp>
-          </mc:Fallback>
-        </mc:AlternateContent>
-        <mc:AlternateContent xmlns:mc="http://schemas.openxmlformats.org/markup-compatibility/2006" xmlns:a14="http://schemas.microsoft.com/office/drawing/2010/main">
-          <mc:Choice Requires="a14">
-            <p:sp>
-              <p:nvSpPr>
-                <p:cNvPr id="46" name="TextBox 45"/>
-                <p:cNvSpPr txBox="1"/>
-                <p:nvPr/>
-              </p:nvSpPr>
-              <p:spPr>
-                <a:xfrm>
-                  <a:off x="2806490" y="2859084"/>
-                  <a:ext cx="854658" cy="276999"/>
-                </a:xfrm>
-                <a:prstGeom prst="rect">
-                  <a:avLst/>
-                </a:prstGeom>
-                <a:noFill/>
-              </p:spPr>
-              <p:txBody>
-                <a:bodyPr wrap="none" lIns="0" tIns="0" rIns="0" bIns="0" rtlCol="0">
-                  <a:spAutoFit/>
-                </a:bodyPr>
-                <a:lstStyle/>
-                <a:p>
-                  <a14:m>
-                    <m:oMath xmlns:m="http://schemas.openxmlformats.org/officeDocument/2006/math">
-                      <m:sSub>
-                        <m:sSubPr>
-                          <m:ctrlPr>
-                            <a:rPr lang="hu-HU" b="0" i="1" smtClean="0">
-                              <a:latin typeface="Cambria Math" charset="0"/>
-                            </a:rPr>
-                          </m:ctrlPr>
-                        </m:sSubPr>
-                        <m:e>
-                          <m:r>
-                            <a:rPr lang="hu-HU" b="0" i="1" smtClean="0">
-                              <a:latin typeface="Cambria Math" charset="0"/>
-                            </a:rPr>
-                            <m:t>𝑇</m:t>
-                          </m:r>
-                        </m:e>
-                        <m:sub>
-                          <m:r>
-                            <a:rPr lang="hu-HU" b="0" i="1" smtClean="0">
-                              <a:latin typeface="Cambria Math" charset="0"/>
-                            </a:rPr>
-                            <m:t>1</m:t>
-                          </m:r>
-                        </m:sub>
-                      </m:sSub>
-                      <m:r>
-                        <a:rPr lang="hu-HU" b="0" i="0" smtClean="0">
-                          <a:latin typeface="Cambria Math" charset="0"/>
-                        </a:rPr>
-                        <m:t>=0°</m:t>
-                      </m:r>
-                    </m:oMath>
-                  </a14:m>
-                  <a:r>
-                    <a:rPr lang="hu-HU" b="0" dirty="0" smtClean="0"/>
-                    <a:t>C</a:t>
-                  </a:r>
-                </a:p>
-              </p:txBody>
-            </p:sp>
-          </mc:Choice>
-          <mc:Fallback xmlns="">
-            <p:sp>
-              <p:nvSpPr>
-                <p:cNvPr id="16" name="TextBox 15"/>
-                <p:cNvSpPr txBox="1">
-                  <a:spLocks noRot="1" noChangeAspect="1" noMove="1" noResize="1" noEditPoints="1" noAdjustHandles="1" noChangeArrowheads="1" noChangeShapeType="1" noTextEdit="1"/>
-                </p:cNvSpPr>
-                <p:nvPr/>
-              </p:nvSpPr>
-              <p:spPr>
-                <a:xfrm>
-                  <a:off x="2806490" y="2859084"/>
-                  <a:ext cx="854658" cy="276999"/>
-                </a:xfrm>
-                <a:prstGeom prst="rect">
-                  <a:avLst/>
-                </a:prstGeom>
-                <a:blipFill rotWithShape="0">
-                  <a:blip r:embed="rId4"/>
-                  <a:stretch>
-                    <a:fillRect l="-9220" t="-28889" r="-15603" b="-53333"/>
-                  </a:stretch>
-                </a:blipFill>
-              </p:spPr>
-              <p:txBody>
-                <a:bodyPr/>
-                <a:lstStyle/>
-                <a:p>
-                  <a:r>
-                    <a:rPr lang="en-GB">
-                      <a:noFill/>
-                    </a:rPr>
-                    <a:t> </a:t>
-                  </a:r>
-                </a:p>
-              </p:txBody>
-            </p:sp>
-          </mc:Fallback>
-        </mc:AlternateContent>
-        <p:cxnSp>
-          <p:nvCxnSpPr>
-            <p:cNvPr id="47" name="Straight Connector 46"/>
-            <p:cNvCxnSpPr>
-              <a:stCxn id="47" idx="1"/>
-              <a:endCxn id="47" idx="3"/>
-            </p:cNvCxnSpPr>
-            <p:nvPr/>
-          </p:nvCxnSpPr>
-          <p:spPr>
-            <a:xfrm>
-              <a:off x="2765352" y="2324413"/>
-              <a:ext cx="3445844" cy="0"/>
-            </a:xfrm>
-            <a:prstGeom prst="line">
-              <a:avLst/>
-            </a:prstGeom>
-            <a:ln w="9525">
-              <a:solidFill>
-                <a:schemeClr val="tx1"/>
-              </a:solidFill>
-              <a:prstDash val="lgDash"/>
-            </a:ln>
-          </p:spPr>
-          <p:style>
-            <a:lnRef idx="1">
-              <a:schemeClr val="accent1"/>
-            </a:lnRef>
-            <a:fillRef idx="0">
-              <a:schemeClr val="accent1"/>
-            </a:fillRef>
-            <a:effectRef idx="0">
-              <a:schemeClr val="accent1"/>
-            </a:effectRef>
-            <a:fontRef idx="minor">
-              <a:schemeClr val="tx1"/>
-            </a:fontRef>
-          </p:style>
-        </p:cxnSp>
-        <p:cxnSp>
-          <p:nvCxnSpPr>
-            <p:cNvPr id="49" name="Straight Arrow Connector 48"/>
-            <p:cNvCxnSpPr/>
-            <p:nvPr/>
-          </p:nvCxnSpPr>
-          <p:spPr>
-            <a:xfrm>
-              <a:off x="4488274" y="2324801"/>
-              <a:ext cx="578994" cy="0"/>
-            </a:xfrm>
-            <a:prstGeom prst="straightConnector1">
-              <a:avLst/>
-            </a:prstGeom>
-            <a:ln w="12700">
-              <a:solidFill>
-                <a:schemeClr val="tx1"/>
-              </a:solidFill>
-              <a:tailEnd type="triangle" w="med" len="lg"/>
-            </a:ln>
-          </p:spPr>
-          <p:style>
-            <a:lnRef idx="1">
-              <a:schemeClr val="accent1"/>
-            </a:lnRef>
-            <a:fillRef idx="0">
-              <a:schemeClr val="accent1"/>
-            </a:fillRef>
-            <a:effectRef idx="0">
-              <a:schemeClr val="accent1"/>
-            </a:effectRef>
-            <a:fontRef idx="minor">
-              <a:schemeClr val="tx1"/>
-            </a:fontRef>
-          </p:style>
-        </p:cxnSp>
-        <p:cxnSp>
-          <p:nvCxnSpPr>
-            <p:cNvPr id="50" name="Straight Arrow Connector 49"/>
-            <p:cNvCxnSpPr/>
-            <p:nvPr/>
-          </p:nvCxnSpPr>
-          <p:spPr>
-            <a:xfrm flipV="1">
-              <a:off x="4488274" y="1777409"/>
-              <a:ext cx="0" cy="542279"/>
-            </a:xfrm>
-            <a:prstGeom prst="straightConnector1">
-              <a:avLst/>
-            </a:prstGeom>
-            <a:ln w="12700">
-              <a:solidFill>
-                <a:schemeClr val="tx1"/>
-              </a:solidFill>
-              <a:tailEnd type="triangle" w="med" len="lg"/>
-            </a:ln>
-          </p:spPr>
-          <p:style>
-            <a:lnRef idx="1">
-              <a:schemeClr val="accent1"/>
-            </a:lnRef>
-            <a:fillRef idx="0">
-              <a:schemeClr val="accent1"/>
-            </a:fillRef>
-            <a:effectRef idx="0">
-              <a:schemeClr val="accent1"/>
-            </a:effectRef>
-            <a:fontRef idx="minor">
-              <a:schemeClr val="tx1"/>
-            </a:fontRef>
-          </p:style>
-        </p:cxnSp>
-        <mc:AlternateContent xmlns:mc="http://schemas.openxmlformats.org/markup-compatibility/2006" xmlns:a14="http://schemas.microsoft.com/office/drawing/2010/main">
-          <mc:Choice Requires="a14">
-            <p:sp>
-              <p:nvSpPr>
-                <p:cNvPr id="51" name="TextBox 50"/>
-                <p:cNvSpPr txBox="1"/>
-                <p:nvPr/>
-              </p:nvSpPr>
-              <p:spPr>
-                <a:xfrm>
-                  <a:off x="4243281" y="1609143"/>
-                  <a:ext cx="183319" cy="276999"/>
-                </a:xfrm>
-                <a:prstGeom prst="rect">
-                  <a:avLst/>
-                </a:prstGeom>
-                <a:noFill/>
-              </p:spPr>
-              <p:txBody>
-                <a:bodyPr wrap="square" lIns="0" tIns="0" rIns="0" bIns="0" rtlCol="0">
-                  <a:spAutoFit/>
-                </a:bodyPr>
-                <a:lstStyle/>
-                <a:p>
-                  <a:pPr/>
-                  <a14:m>
-                    <m:oMathPara xmlns:m="http://schemas.openxmlformats.org/officeDocument/2006/math">
-                      <m:oMathParaPr>
-                        <m:jc m:val="centerGroup"/>
-                      </m:oMathParaPr>
-                      <m:oMath xmlns:m="http://schemas.openxmlformats.org/officeDocument/2006/math">
-                        <m:r>
+            </p:spPr>
+            <p:txBody>
+              <a:bodyPr wrap="none" lIns="0" tIns="0" rIns="0" bIns="0" rtlCol="0">
+                <a:spAutoFit/>
+              </a:bodyPr>
+              <a:lstStyle/>
+              <a:p>
+                <a14:m>
+                  <m:oMath xmlns:m="http://schemas.openxmlformats.org/officeDocument/2006/math">
+                    <m:sSub>
+                      <m:sSubPr>
+                        <m:ctrlPr>
                           <a:rPr lang="hu-HU" b="0" i="1" smtClean="0">
                             <a:latin typeface="Cambria Math" charset="0"/>
                           </a:rPr>
-                          <m:t>𝑥</m:t>
-                        </m:r>
-                      </m:oMath>
-                    </m:oMathPara>
-                  </a14:m>
-                  <a:endParaRPr lang="hu-HU" b="0" dirty="0" smtClean="0"/>
-                </a:p>
-              </p:txBody>
-            </p:sp>
-          </mc:Choice>
-          <mc:Fallback xmlns="">
-            <p:sp>
-              <p:nvSpPr>
-                <p:cNvPr id="27" name="TextBox 26"/>
-                <p:cNvSpPr txBox="1">
-                  <a:spLocks noRot="1" noChangeAspect="1" noMove="1" noResize="1" noEditPoints="1" noAdjustHandles="1" noChangeArrowheads="1" noChangeShapeType="1" noTextEdit="1"/>
-                </p:cNvSpPr>
-                <p:nvPr/>
-              </p:nvSpPr>
-              <p:spPr>
-                <a:xfrm>
-                  <a:off x="4243281" y="1609143"/>
-                  <a:ext cx="183319" cy="276999"/>
-                </a:xfrm>
-                <a:prstGeom prst="rect">
-                  <a:avLst/>
-                </a:prstGeom>
-                <a:blipFill rotWithShape="0">
-                  <a:blip r:embed="rId5"/>
-                  <a:stretch>
-                    <a:fillRect l="-16667" r="-13333"/>
-                  </a:stretch>
-                </a:blipFill>
-              </p:spPr>
-              <p:txBody>
-                <a:bodyPr/>
-                <a:lstStyle/>
-                <a:p>
-                  <a:r>
-                    <a:rPr lang="en-GB">
-                      <a:noFill/>
-                    </a:rPr>
-                    <a:t> </a:t>
-                  </a:r>
-                </a:p>
-              </p:txBody>
-            </p:sp>
-          </mc:Fallback>
-        </mc:AlternateContent>
-        <mc:AlternateContent xmlns:mc="http://schemas.openxmlformats.org/markup-compatibility/2006" xmlns:a14="http://schemas.microsoft.com/office/drawing/2010/main">
-          <mc:Choice Requires="a14">
-            <p:sp>
-              <p:nvSpPr>
-                <p:cNvPr id="52" name="TextBox 51"/>
-                <p:cNvSpPr txBox="1"/>
-                <p:nvPr/>
-              </p:nvSpPr>
-              <p:spPr>
-                <a:xfrm>
-                  <a:off x="4955666" y="2331983"/>
-                  <a:ext cx="186718" cy="276999"/>
-                </a:xfrm>
-                <a:prstGeom prst="rect">
-                  <a:avLst/>
-                </a:prstGeom>
-                <a:noFill/>
-              </p:spPr>
-              <p:txBody>
-                <a:bodyPr wrap="none" lIns="0" tIns="0" rIns="0" bIns="0" rtlCol="0">
-                  <a:spAutoFit/>
-                </a:bodyPr>
-                <a:lstStyle/>
-                <a:p>
-                  <a:pPr/>
-                  <a14:m>
-                    <m:oMathPara xmlns:m="http://schemas.openxmlformats.org/officeDocument/2006/math">
-                      <m:oMathParaPr>
-                        <m:jc m:val="centerGroup"/>
-                      </m:oMathParaPr>
-                      <m:oMath xmlns:m="http://schemas.openxmlformats.org/officeDocument/2006/math">
-                        <m:r>
-                          <a:rPr lang="hu-HU" b="0" i="1" smtClean="0">
-                            <a:latin typeface="Cambria Math" charset="0"/>
-                          </a:rPr>
-                          <m:t>𝑦</m:t>
-                        </m:r>
-                      </m:oMath>
-                    </m:oMathPara>
-                  </a14:m>
-                  <a:endParaRPr lang="hu-HU" b="0" dirty="0" smtClean="0"/>
-                </a:p>
-              </p:txBody>
-            </p:sp>
-          </mc:Choice>
-          <mc:Fallback xmlns="">
-            <p:sp>
-              <p:nvSpPr>
-                <p:cNvPr id="28" name="TextBox 27"/>
-                <p:cNvSpPr txBox="1">
-                  <a:spLocks noRot="1" noChangeAspect="1" noMove="1" noResize="1" noEditPoints="1" noAdjustHandles="1" noChangeArrowheads="1" noChangeShapeType="1" noTextEdit="1"/>
-                </p:cNvSpPr>
-                <p:nvPr/>
-              </p:nvSpPr>
-              <p:spPr>
-                <a:xfrm>
-                  <a:off x="4955666" y="2331983"/>
-                  <a:ext cx="186718" cy="276999"/>
-                </a:xfrm>
-                <a:prstGeom prst="rect">
-                  <a:avLst/>
-                </a:prstGeom>
-                <a:blipFill rotWithShape="0">
-                  <a:blip r:embed="rId6"/>
-                  <a:stretch>
-                    <a:fillRect l="-32258" r="-22581" b="-24444"/>
-                  </a:stretch>
-                </a:blipFill>
-              </p:spPr>
-              <p:txBody>
-                <a:bodyPr/>
-                <a:lstStyle/>
-                <a:p>
-                  <a:r>
-                    <a:rPr lang="en-GB">
-                      <a:noFill/>
-                    </a:rPr>
-                    <a:t> </a:t>
-                  </a:r>
-                </a:p>
-              </p:txBody>
-            </p:sp>
-          </mc:Fallback>
-        </mc:AlternateContent>
-        <p:cxnSp>
-          <p:nvCxnSpPr>
-            <p:cNvPr id="53" name="Straight Connector 52"/>
-            <p:cNvCxnSpPr>
-              <a:stCxn id="37" idx="2"/>
-              <a:endCxn id="42" idx="0"/>
-            </p:cNvCxnSpPr>
-            <p:nvPr/>
-          </p:nvCxnSpPr>
-          <p:spPr>
-            <a:xfrm>
-              <a:off x="4488274" y="1497592"/>
-              <a:ext cx="6724" cy="1644192"/>
-            </a:xfrm>
-            <a:prstGeom prst="line">
-              <a:avLst/>
-            </a:prstGeom>
-            <a:ln w="9525">
-              <a:solidFill>
-                <a:schemeClr val="tx1"/>
-              </a:solidFill>
-              <a:prstDash val="lgDash"/>
-            </a:ln>
-          </p:spPr>
-          <p:style>
-            <a:lnRef idx="1">
-              <a:schemeClr val="accent1"/>
-            </a:lnRef>
-            <a:fillRef idx="0">
-              <a:schemeClr val="accent1"/>
-            </a:fillRef>
-            <a:effectRef idx="0">
-              <a:schemeClr val="accent1"/>
-            </a:effectRef>
-            <a:fontRef idx="minor">
-              <a:schemeClr val="tx1"/>
-            </a:fontRef>
-          </p:style>
-        </p:cxnSp>
-        <p:sp>
-          <p:nvSpPr>
-            <p:cNvPr id="54" name="Arc 53"/>
-            <p:cNvSpPr/>
-            <p:nvPr/>
-          </p:nvSpPr>
-          <p:spPr>
-            <a:xfrm>
-              <a:off x="4501721" y="1507041"/>
-              <a:ext cx="2794023" cy="3291938"/>
-            </a:xfrm>
-            <a:prstGeom prst="arc">
-              <a:avLst>
-                <a:gd name="adj1" fmla="val 10864249"/>
-                <a:gd name="adj2" fmla="val 16148940"/>
-              </a:avLst>
-            </a:prstGeom>
-            <a:ln w="28575">
-              <a:solidFill>
-                <a:schemeClr val="tx1"/>
-              </a:solidFill>
-            </a:ln>
-          </p:spPr>
-          <p:style>
-            <a:lnRef idx="1">
-              <a:schemeClr val="accent1"/>
-            </a:lnRef>
-            <a:fillRef idx="0">
-              <a:schemeClr val="accent1"/>
-            </a:fillRef>
-            <a:effectRef idx="0">
-              <a:schemeClr val="accent1"/>
-            </a:effectRef>
-            <a:fontRef idx="minor">
-              <a:schemeClr val="tx1"/>
-            </a:fontRef>
-          </p:style>
-          <p:txBody>
-            <a:bodyPr rtlCol="0" anchor="ctr"/>
-            <a:lstStyle/>
-            <a:p>
-              <a:pPr algn="ctr"/>
-              <a:endParaRPr lang="en-GB"/>
-            </a:p>
-          </p:txBody>
-        </p:sp>
-        <mc:AlternateContent xmlns:mc="http://schemas.openxmlformats.org/markup-compatibility/2006" xmlns:a14="http://schemas.microsoft.com/office/drawing/2010/main">
-          <mc:Choice Requires="a14">
-            <p:sp>
-              <p:nvSpPr>
-                <p:cNvPr id="55" name="TextBox 54"/>
-                <p:cNvSpPr txBox="1"/>
-                <p:nvPr/>
-              </p:nvSpPr>
-              <p:spPr>
-                <a:xfrm>
-                  <a:off x="5142384" y="1747642"/>
-                  <a:ext cx="942181" cy="276999"/>
-                </a:xfrm>
-                <a:prstGeom prst="rect">
-                  <a:avLst/>
-                </a:prstGeom>
-                <a:noFill/>
-              </p:spPr>
-              <p:txBody>
-                <a:bodyPr wrap="none" lIns="0" tIns="0" rIns="0" bIns="0" rtlCol="0">
-                  <a:spAutoFit/>
-                </a:bodyPr>
-                <a:lstStyle/>
-                <a:p>
-                  <a:pPr/>
-                  <a14:m>
-                    <m:oMathPara xmlns:m="http://schemas.openxmlformats.org/officeDocument/2006/math">
-                      <m:oMathParaPr>
-                        <m:jc m:val="centerGroup"/>
-                      </m:oMathParaPr>
-                      <m:oMath xmlns:m="http://schemas.openxmlformats.org/officeDocument/2006/math">
+                        </m:ctrlPr>
+                      </m:sSubPr>
+                      <m:e>
                         <m:r>
                           <a:rPr lang="hu-HU" b="0" i="1" smtClean="0">
                             <a:latin typeface="Cambria Math" charset="0"/>
                           </a:rPr>
                           <m:t>𝑣</m:t>
                         </m:r>
+                      </m:e>
+                      <m:sub>
                         <m:r>
                           <a:rPr lang="hu-HU" b="0" i="1" smtClean="0">
                             <a:latin typeface="Cambria Math" charset="0"/>
                           </a:rPr>
-                          <m:t>=</m:t>
+                          <m:t>2</m:t>
                         </m:r>
+                      </m:sub>
+                    </m:sSub>
+                    <m:r>
+                      <a:rPr lang="hu-HU" b="0" i="1" smtClean="0">
+                        <a:latin typeface="Cambria Math" charset="0"/>
+                      </a:rPr>
+                      <m:t>=1</m:t>
+                    </m:r>
+                  </m:oMath>
+                </a14:m>
+                <a:r>
+                  <a:rPr lang="hu-HU" b="0" dirty="0" smtClean="0"/>
+                  <a:t>m/s</a:t>
+                </a:r>
+              </a:p>
+            </p:txBody>
+          </p:sp>
+        </mc:Choice>
+        <mc:Fallback xmlns="">
+          <p:sp>
+            <p:nvSpPr>
+              <p:cNvPr id="43" name="TextBox 42"/>
+              <p:cNvSpPr txBox="1">
+                <a:spLocks noRot="1" noChangeAspect="1" noMove="1" noResize="1" noEditPoints="1" noAdjustHandles="1" noChangeArrowheads="1" noChangeShapeType="1" noTextEdit="1"/>
+              </p:cNvSpPr>
+              <p:nvPr/>
+            </p:nvSpPr>
+            <p:spPr>
+              <a:xfrm>
+                <a:off x="1708269" y="191451"/>
+                <a:ext cx="1019253" cy="276999"/>
+              </a:xfrm>
+              <a:prstGeom prst="rect">
+                <a:avLst/>
+              </a:prstGeom>
+              <a:blipFill rotWithShape="0">
+                <a:blip r:embed="rId2"/>
+                <a:stretch>
+                  <a:fillRect l="-5389" t="-28261" r="-13772" b="-50000"/>
+                </a:stretch>
+              </a:blipFill>
+            </p:spPr>
+            <p:txBody>
+              <a:bodyPr/>
+              <a:lstStyle/>
+              <a:p>
+                <a:r>
+                  <a:rPr lang="en-GB">
+                    <a:noFill/>
+                  </a:rPr>
+                  <a:t> </a:t>
+                </a:r>
+              </a:p>
+            </p:txBody>
+          </p:sp>
+        </mc:Fallback>
+      </mc:AlternateContent>
+      <mc:AlternateContent xmlns:mc="http://schemas.openxmlformats.org/markup-compatibility/2006" xmlns:a14="http://schemas.microsoft.com/office/drawing/2010/main">
+        <mc:Choice Requires="a14">
+          <p:sp>
+            <p:nvSpPr>
+              <p:cNvPr id="44" name="TextBox 43"/>
+              <p:cNvSpPr txBox="1"/>
+              <p:nvPr/>
+            </p:nvSpPr>
+            <p:spPr>
+              <a:xfrm>
+                <a:off x="302416" y="678836"/>
+                <a:ext cx="1116459" cy="276999"/>
+              </a:xfrm>
+              <a:prstGeom prst="rect">
+                <a:avLst/>
+              </a:prstGeom>
+              <a:noFill/>
+            </p:spPr>
+            <p:txBody>
+              <a:bodyPr wrap="none" lIns="0" tIns="0" rIns="0" bIns="0" rtlCol="0">
+                <a:spAutoFit/>
+              </a:bodyPr>
+              <a:lstStyle/>
+              <a:p>
+                <a14:m>
+                  <m:oMath xmlns:m="http://schemas.openxmlformats.org/officeDocument/2006/math">
+                    <m:sSub>
+                      <m:sSubPr>
+                        <m:ctrlPr>
+                          <a:rPr lang="hu-HU" b="0" i="1" smtClean="0">
+                            <a:latin typeface="Cambria Math" charset="0"/>
+                          </a:rPr>
+                        </m:ctrlPr>
+                      </m:sSubPr>
+                      <m:e>
                         <m:r>
                           <a:rPr lang="hu-HU" b="0" i="1" smtClean="0">
                             <a:latin typeface="Cambria Math" charset="0"/>
                           </a:rPr>
-                          <m:t>𝑓</m:t>
+                          <m:t>𝑇</m:t>
                         </m:r>
+                      </m:e>
+                      <m:sub>
                         <m:r>
                           <a:rPr lang="hu-HU" b="0" i="1" smtClean="0">
                             <a:latin typeface="Cambria Math" charset="0"/>
                           </a:rPr>
-                          <m:t>(</m:t>
+                          <m:t>2</m:t>
                         </m:r>
+                      </m:sub>
+                    </m:sSub>
+                    <m:r>
+                      <a:rPr lang="hu-HU" b="0" i="1" smtClean="0">
+                        <a:latin typeface="Cambria Math" charset="0"/>
+                      </a:rPr>
+                      <m:t>=100°</m:t>
+                    </m:r>
+                  </m:oMath>
+                </a14:m>
+                <a:r>
+                  <a:rPr lang="hu-HU" b="0" dirty="0" smtClean="0"/>
+                  <a:t>C</a:t>
+                </a:r>
+              </a:p>
+            </p:txBody>
+          </p:sp>
+        </mc:Choice>
+        <mc:Fallback xmlns="">
+          <p:sp>
+            <p:nvSpPr>
+              <p:cNvPr id="44" name="TextBox 43"/>
+              <p:cNvSpPr txBox="1">
+                <a:spLocks noRot="1" noChangeAspect="1" noMove="1" noResize="1" noEditPoints="1" noAdjustHandles="1" noChangeArrowheads="1" noChangeShapeType="1" noTextEdit="1"/>
+              </p:cNvSpPr>
+              <p:nvPr/>
+            </p:nvSpPr>
+            <p:spPr>
+              <a:xfrm>
+                <a:off x="302416" y="678836"/>
+                <a:ext cx="1116459" cy="276999"/>
+              </a:xfrm>
+              <a:prstGeom prst="rect">
+                <a:avLst/>
+              </a:prstGeom>
+              <a:blipFill rotWithShape="0">
+                <a:blip r:embed="rId3"/>
+                <a:stretch>
+                  <a:fillRect l="-7104" t="-28261" r="-11475" b="-50000"/>
+                </a:stretch>
+              </a:blipFill>
+            </p:spPr>
+            <p:txBody>
+              <a:bodyPr/>
+              <a:lstStyle/>
+              <a:p>
+                <a:r>
+                  <a:rPr lang="en-GB">
+                    <a:noFill/>
+                  </a:rPr>
+                  <a:t> </a:t>
+                </a:r>
+              </a:p>
+            </p:txBody>
+          </p:sp>
+        </mc:Fallback>
+      </mc:AlternateContent>
+      <mc:AlternateContent xmlns:mc="http://schemas.openxmlformats.org/markup-compatibility/2006" xmlns:a14="http://schemas.microsoft.com/office/drawing/2010/main">
+        <mc:Choice Requires="a14">
+          <p:sp>
+            <p:nvSpPr>
+              <p:cNvPr id="46" name="TextBox 45"/>
+              <p:cNvSpPr txBox="1"/>
+              <p:nvPr/>
+            </p:nvSpPr>
+            <p:spPr>
+              <a:xfrm>
+                <a:off x="302416" y="2037691"/>
+                <a:ext cx="854658" cy="276999"/>
+              </a:xfrm>
+              <a:prstGeom prst="rect">
+                <a:avLst/>
+              </a:prstGeom>
+              <a:noFill/>
+            </p:spPr>
+            <p:txBody>
+              <a:bodyPr wrap="none" lIns="0" tIns="0" rIns="0" bIns="0" rtlCol="0">
+                <a:spAutoFit/>
+              </a:bodyPr>
+              <a:lstStyle/>
+              <a:p>
+                <a14:m>
+                  <m:oMath xmlns:m="http://schemas.openxmlformats.org/officeDocument/2006/math">
+                    <m:sSub>
+                      <m:sSubPr>
+                        <m:ctrlPr>
+                          <a:rPr lang="hu-HU" b="0" i="1" smtClean="0">
+                            <a:latin typeface="Cambria Math" charset="0"/>
+                          </a:rPr>
+                        </m:ctrlPr>
+                      </m:sSubPr>
+                      <m:e>
                         <m:r>
                           <a:rPr lang="hu-HU" b="0" i="1" smtClean="0">
                             <a:latin typeface="Cambria Math" charset="0"/>
                           </a:rPr>
-                          <m:t>𝑥</m:t>
+                          <m:t>𝑇</m:t>
                         </m:r>
+                      </m:e>
+                      <m:sub>
                         <m:r>
                           <a:rPr lang="hu-HU" b="0" i="1" smtClean="0">
                             <a:latin typeface="Cambria Math" charset="0"/>
                           </a:rPr>
-                          <m:t>)</m:t>
+                          <m:t>1</m:t>
                         </m:r>
-                      </m:oMath>
-                    </m:oMathPara>
-                  </a14:m>
-                  <a:endParaRPr lang="hu-HU" b="0" dirty="0" smtClean="0"/>
-                </a:p>
-              </p:txBody>
-            </p:sp>
-          </mc:Choice>
-          <mc:Fallback xmlns="">
-            <p:sp>
-              <p:nvSpPr>
-                <p:cNvPr id="36" name="TextBox 35"/>
-                <p:cNvSpPr txBox="1">
-                  <a:spLocks noRot="1" noChangeAspect="1" noMove="1" noResize="1" noEditPoints="1" noAdjustHandles="1" noChangeArrowheads="1" noChangeShapeType="1" noTextEdit="1"/>
-                </p:cNvSpPr>
-                <p:nvPr/>
-              </p:nvSpPr>
-              <p:spPr>
-                <a:xfrm>
-                  <a:off x="5142384" y="1747642"/>
-                  <a:ext cx="942181" cy="276999"/>
-                </a:xfrm>
-                <a:prstGeom prst="rect">
-                  <a:avLst/>
-                </a:prstGeom>
-                <a:blipFill rotWithShape="0">
-                  <a:blip r:embed="rId7"/>
-                  <a:stretch>
-                    <a:fillRect l="-3247" t="-4444" r="-9091" b="-35556"/>
-                  </a:stretch>
-                </a:blipFill>
-              </p:spPr>
-              <p:txBody>
-                <a:bodyPr/>
-                <a:lstStyle/>
-                <a:p>
-                  <a:r>
-                    <a:rPr lang="en-GB">
-                      <a:noFill/>
-                    </a:rPr>
-                    <a:t> </a:t>
-                  </a:r>
-                </a:p>
-              </p:txBody>
-            </p:sp>
-          </mc:Fallback>
-        </mc:AlternateContent>
-        <p:cxnSp>
-          <p:nvCxnSpPr>
-            <p:cNvPr id="56" name="Straight Arrow Connector 55"/>
-            <p:cNvCxnSpPr/>
-            <p:nvPr/>
-          </p:nvCxnSpPr>
-          <p:spPr>
-            <a:xfrm>
-              <a:off x="4494998" y="1609143"/>
-              <a:ext cx="894125" cy="0"/>
-            </a:xfrm>
-            <a:prstGeom prst="straightConnector1">
-              <a:avLst/>
-            </a:prstGeom>
-            <a:ln>
-              <a:solidFill>
-                <a:schemeClr val="tx1"/>
-              </a:solidFill>
-              <a:headEnd type="none"/>
-              <a:tailEnd type="none" w="med" len="lg"/>
-            </a:ln>
-          </p:spPr>
-          <p:style>
-            <a:lnRef idx="1">
-              <a:schemeClr val="accent1"/>
-            </a:lnRef>
-            <a:fillRef idx="0">
-              <a:schemeClr val="accent1"/>
-            </a:fillRef>
-            <a:effectRef idx="0">
-              <a:schemeClr val="accent1"/>
-            </a:effectRef>
-            <a:fontRef idx="minor">
+                      </m:sub>
+                    </m:sSub>
+                    <m:r>
+                      <a:rPr lang="hu-HU" b="0" i="0" smtClean="0">
+                        <a:latin typeface="Cambria Math" charset="0"/>
+                      </a:rPr>
+                      <m:t>=0°</m:t>
+                    </m:r>
+                  </m:oMath>
+                </a14:m>
+                <a:r>
+                  <a:rPr lang="hu-HU" b="0" dirty="0" smtClean="0"/>
+                  <a:t>C</a:t>
+                </a:r>
+              </a:p>
+            </p:txBody>
+          </p:sp>
+        </mc:Choice>
+        <mc:Fallback xmlns="">
+          <p:sp>
+            <p:nvSpPr>
+              <p:cNvPr id="46" name="TextBox 45"/>
+              <p:cNvSpPr txBox="1">
+                <a:spLocks noRot="1" noChangeAspect="1" noMove="1" noResize="1" noEditPoints="1" noAdjustHandles="1" noChangeArrowheads="1" noChangeShapeType="1" noTextEdit="1"/>
+              </p:cNvSpPr>
+              <p:nvPr/>
+            </p:nvSpPr>
+            <p:spPr>
+              <a:xfrm>
+                <a:off x="302416" y="2037691"/>
+                <a:ext cx="854658" cy="276999"/>
+              </a:xfrm>
+              <a:prstGeom prst="rect">
+                <a:avLst/>
+              </a:prstGeom>
+              <a:blipFill rotWithShape="0">
+                <a:blip r:embed="rId4"/>
+                <a:stretch>
+                  <a:fillRect l="-9286" t="-28261" r="-15714" b="-50000"/>
+                </a:stretch>
+              </a:blipFill>
+            </p:spPr>
+            <p:txBody>
+              <a:bodyPr/>
+              <a:lstStyle/>
+              <a:p>
+                <a:r>
+                  <a:rPr lang="en-GB">
+                    <a:noFill/>
+                  </a:rPr>
+                  <a:t> </a:t>
+                </a:r>
+              </a:p>
+            </p:txBody>
+          </p:sp>
+        </mc:Fallback>
+      </mc:AlternateContent>
+      <p:cxnSp>
+        <p:nvCxnSpPr>
+          <p:cNvPr id="47" name="Straight Connector 46"/>
+          <p:cNvCxnSpPr>
+            <a:stCxn id="47" idx="1"/>
+            <a:endCxn id="47" idx="3"/>
+          </p:cNvCxnSpPr>
+          <p:nvPr/>
+        </p:nvCxnSpPr>
+        <p:spPr>
+          <a:xfrm>
+            <a:off x="261278" y="1503020"/>
+            <a:ext cx="3445844" cy="0"/>
+          </a:xfrm>
+          <a:prstGeom prst="line">
+            <a:avLst/>
+          </a:prstGeom>
+          <a:ln w="9525">
+            <a:solidFill>
               <a:schemeClr val="tx1"/>
-            </a:fontRef>
-          </p:style>
-        </p:cxnSp>
-        <p:cxnSp>
-          <p:nvCxnSpPr>
-            <p:cNvPr id="57" name="Straight Arrow Connector 56"/>
-            <p:cNvCxnSpPr/>
-            <p:nvPr/>
-          </p:nvCxnSpPr>
-          <p:spPr>
-            <a:xfrm>
-              <a:off x="4494998" y="1761543"/>
-              <a:ext cx="647386" cy="0"/>
-            </a:xfrm>
-            <a:prstGeom prst="straightConnector1">
-              <a:avLst/>
-            </a:prstGeom>
-            <a:ln>
-              <a:solidFill>
-                <a:schemeClr val="tx1"/>
-              </a:solidFill>
-              <a:headEnd type="none"/>
-              <a:tailEnd type="none" w="med" len="lg"/>
-            </a:ln>
-          </p:spPr>
-          <p:style>
-            <a:lnRef idx="1">
-              <a:schemeClr val="accent1"/>
-            </a:lnRef>
-            <a:fillRef idx="0">
-              <a:schemeClr val="accent1"/>
-            </a:fillRef>
-            <a:effectRef idx="0">
-              <a:schemeClr val="accent1"/>
-            </a:effectRef>
-            <a:fontRef idx="minor">
+            </a:solidFill>
+            <a:prstDash val="lgDash"/>
+          </a:ln>
+        </p:spPr>
+        <p:style>
+          <a:lnRef idx="1">
+            <a:schemeClr val="accent1"/>
+          </a:lnRef>
+          <a:fillRef idx="0">
+            <a:schemeClr val="accent1"/>
+          </a:fillRef>
+          <a:effectRef idx="0">
+            <a:schemeClr val="accent1"/>
+          </a:effectRef>
+          <a:fontRef idx="minor">
+            <a:schemeClr val="tx1"/>
+          </a:fontRef>
+        </p:style>
+      </p:cxnSp>
+      <p:cxnSp>
+        <p:nvCxnSpPr>
+          <p:cNvPr id="49" name="Straight Arrow Connector 48"/>
+          <p:cNvCxnSpPr/>
+          <p:nvPr/>
+        </p:nvCxnSpPr>
+        <p:spPr>
+          <a:xfrm>
+            <a:off x="1984200" y="1503408"/>
+            <a:ext cx="578994" cy="0"/>
+          </a:xfrm>
+          <a:prstGeom prst="straightConnector1">
+            <a:avLst/>
+          </a:prstGeom>
+          <a:ln w="12700">
+            <a:solidFill>
               <a:schemeClr val="tx1"/>
-            </a:fontRef>
-          </p:style>
-        </p:cxnSp>
-        <p:cxnSp>
-          <p:nvCxnSpPr>
-            <p:cNvPr id="58" name="Straight Arrow Connector 57"/>
-            <p:cNvCxnSpPr/>
-            <p:nvPr/>
-          </p:nvCxnSpPr>
-          <p:spPr>
-            <a:xfrm>
-              <a:off x="4488274" y="1913943"/>
-              <a:ext cx="467392" cy="0"/>
-            </a:xfrm>
-            <a:prstGeom prst="straightConnector1">
-              <a:avLst/>
-            </a:prstGeom>
-            <a:ln>
-              <a:solidFill>
-                <a:schemeClr val="tx1"/>
-              </a:solidFill>
-              <a:headEnd type="none"/>
-              <a:tailEnd type="none" w="med" len="lg"/>
-            </a:ln>
-          </p:spPr>
-          <p:style>
-            <a:lnRef idx="1">
-              <a:schemeClr val="accent1"/>
-            </a:lnRef>
-            <a:fillRef idx="0">
-              <a:schemeClr val="accent1"/>
-            </a:fillRef>
-            <a:effectRef idx="0">
-              <a:schemeClr val="accent1"/>
-            </a:effectRef>
-            <a:fontRef idx="minor">
+            </a:solidFill>
+            <a:tailEnd type="triangle" w="med" len="lg"/>
+          </a:ln>
+        </p:spPr>
+        <p:style>
+          <a:lnRef idx="1">
+            <a:schemeClr val="accent1"/>
+          </a:lnRef>
+          <a:fillRef idx="0">
+            <a:schemeClr val="accent1"/>
+          </a:fillRef>
+          <a:effectRef idx="0">
+            <a:schemeClr val="accent1"/>
+          </a:effectRef>
+          <a:fontRef idx="minor">
+            <a:schemeClr val="tx1"/>
+          </a:fontRef>
+        </p:style>
+      </p:cxnSp>
+      <p:cxnSp>
+        <p:nvCxnSpPr>
+          <p:cNvPr id="50" name="Straight Arrow Connector 49"/>
+          <p:cNvCxnSpPr/>
+          <p:nvPr/>
+        </p:nvCxnSpPr>
+        <p:spPr>
+          <a:xfrm flipV="1">
+            <a:off x="1984200" y="956016"/>
+            <a:ext cx="0" cy="542279"/>
+          </a:xfrm>
+          <a:prstGeom prst="straightConnector1">
+            <a:avLst/>
+          </a:prstGeom>
+          <a:ln w="12700">
+            <a:solidFill>
               <a:schemeClr val="tx1"/>
-            </a:fontRef>
-          </p:style>
-        </p:cxnSp>
-        <p:cxnSp>
-          <p:nvCxnSpPr>
-            <p:cNvPr id="59" name="Straight Arrow Connector 58"/>
-            <p:cNvCxnSpPr/>
-            <p:nvPr/>
-          </p:nvCxnSpPr>
-          <p:spPr>
-            <a:xfrm>
-              <a:off x="4488274" y="2066343"/>
-              <a:ext cx="356100" cy="0"/>
-            </a:xfrm>
-            <a:prstGeom prst="straightConnector1">
-              <a:avLst/>
-            </a:prstGeom>
-            <a:ln>
-              <a:solidFill>
-                <a:schemeClr val="tx1"/>
-              </a:solidFill>
-              <a:headEnd type="none"/>
-              <a:tailEnd type="none" w="med" len="lg"/>
-            </a:ln>
-          </p:spPr>
-          <p:style>
-            <a:lnRef idx="1">
-              <a:schemeClr val="accent1"/>
-            </a:lnRef>
-            <a:fillRef idx="0">
-              <a:schemeClr val="accent1"/>
-            </a:fillRef>
-            <a:effectRef idx="0">
-              <a:schemeClr val="accent1"/>
-            </a:effectRef>
-            <a:fontRef idx="minor">
-              <a:schemeClr val="tx1"/>
-            </a:fontRef>
-          </p:style>
-        </p:cxnSp>
-        <p:cxnSp>
-          <p:nvCxnSpPr>
-            <p:cNvPr id="60" name="Straight Arrow Connector 59"/>
-            <p:cNvCxnSpPr/>
-            <p:nvPr/>
-          </p:nvCxnSpPr>
-          <p:spPr>
-            <a:xfrm>
-              <a:off x="4488274" y="2218743"/>
-              <a:ext cx="258824" cy="0"/>
-            </a:xfrm>
-            <a:prstGeom prst="straightConnector1">
-              <a:avLst/>
-            </a:prstGeom>
-            <a:ln>
-              <a:solidFill>
-                <a:schemeClr val="tx1"/>
-              </a:solidFill>
-              <a:headEnd type="none"/>
-              <a:tailEnd type="none" w="med" len="lg"/>
-            </a:ln>
-          </p:spPr>
-          <p:style>
-            <a:lnRef idx="1">
-              <a:schemeClr val="accent1"/>
-            </a:lnRef>
-            <a:fillRef idx="0">
-              <a:schemeClr val="accent1"/>
-            </a:fillRef>
-            <a:effectRef idx="0">
-              <a:schemeClr val="accent1"/>
-            </a:effectRef>
-            <a:fontRef idx="minor">
-              <a:schemeClr val="tx1"/>
-            </a:fontRef>
-          </p:style>
-        </p:cxnSp>
-        <p:cxnSp>
-          <p:nvCxnSpPr>
-            <p:cNvPr id="61" name="Straight Arrow Connector 60"/>
-            <p:cNvCxnSpPr/>
-            <p:nvPr/>
-          </p:nvCxnSpPr>
-          <p:spPr>
-            <a:xfrm>
-              <a:off x="4488274" y="2371143"/>
-              <a:ext cx="187488" cy="0"/>
-            </a:xfrm>
-            <a:prstGeom prst="straightConnector1">
-              <a:avLst/>
-            </a:prstGeom>
-            <a:ln>
-              <a:solidFill>
-                <a:schemeClr val="tx1"/>
-              </a:solidFill>
-              <a:headEnd type="none"/>
-              <a:tailEnd type="none" w="med" len="lg"/>
-            </a:ln>
-          </p:spPr>
-          <p:style>
-            <a:lnRef idx="1">
-              <a:schemeClr val="accent1"/>
-            </a:lnRef>
-            <a:fillRef idx="0">
-              <a:schemeClr val="accent1"/>
-            </a:fillRef>
-            <a:effectRef idx="0">
-              <a:schemeClr val="accent1"/>
-            </a:effectRef>
-            <a:fontRef idx="minor">
-              <a:schemeClr val="tx1"/>
-            </a:fontRef>
-          </p:style>
-        </p:cxnSp>
-        <p:cxnSp>
-          <p:nvCxnSpPr>
-            <p:cNvPr id="62" name="Straight Arrow Connector 61"/>
-            <p:cNvCxnSpPr/>
-            <p:nvPr/>
-          </p:nvCxnSpPr>
-          <p:spPr>
-            <a:xfrm>
-              <a:off x="4488274" y="2523543"/>
-              <a:ext cx="135607" cy="0"/>
-            </a:xfrm>
-            <a:prstGeom prst="straightConnector1">
-              <a:avLst/>
-            </a:prstGeom>
-            <a:ln>
-              <a:solidFill>
-                <a:schemeClr val="tx1"/>
-              </a:solidFill>
-              <a:headEnd type="none"/>
-              <a:tailEnd type="none" w="med" len="lg"/>
-            </a:ln>
-          </p:spPr>
-          <p:style>
-            <a:lnRef idx="1">
-              <a:schemeClr val="accent1"/>
-            </a:lnRef>
-            <a:fillRef idx="0">
-              <a:schemeClr val="accent1"/>
-            </a:fillRef>
-            <a:effectRef idx="0">
-              <a:schemeClr val="accent1"/>
-            </a:effectRef>
-            <a:fontRef idx="minor">
-              <a:schemeClr val="tx1"/>
-            </a:fontRef>
-          </p:style>
-        </p:cxnSp>
-        <p:cxnSp>
-          <p:nvCxnSpPr>
-            <p:cNvPr id="63" name="Straight Arrow Connector 62"/>
-            <p:cNvCxnSpPr/>
-            <p:nvPr/>
-          </p:nvCxnSpPr>
-          <p:spPr>
-            <a:xfrm>
-              <a:off x="4488274" y="2675943"/>
-              <a:ext cx="75809" cy="0"/>
-            </a:xfrm>
-            <a:prstGeom prst="straightConnector1">
-              <a:avLst/>
-            </a:prstGeom>
-            <a:ln>
-              <a:solidFill>
-                <a:schemeClr val="tx1"/>
-              </a:solidFill>
-              <a:headEnd type="none"/>
-              <a:tailEnd type="none" w="med" len="lg"/>
-            </a:ln>
-          </p:spPr>
-          <p:style>
-            <a:lnRef idx="1">
-              <a:schemeClr val="accent1"/>
-            </a:lnRef>
-            <a:fillRef idx="0">
-              <a:schemeClr val="accent1"/>
-            </a:fillRef>
-            <a:effectRef idx="0">
-              <a:schemeClr val="accent1"/>
-            </a:effectRef>
-            <a:fontRef idx="minor">
-              <a:schemeClr val="tx1"/>
-            </a:fontRef>
-          </p:style>
-        </p:cxnSp>
-        <mc:AlternateContent xmlns:mc="http://schemas.openxmlformats.org/markup-compatibility/2006" xmlns:a14="http://schemas.microsoft.com/office/drawing/2010/main">
-          <mc:Choice Requires="a14">
-            <p:sp>
-              <p:nvSpPr>
-                <p:cNvPr id="64" name="TextBox 63"/>
-                <p:cNvSpPr txBox="1"/>
-                <p:nvPr/>
-              </p:nvSpPr>
-              <p:spPr>
-                <a:xfrm>
-                  <a:off x="5152227" y="2855583"/>
-                  <a:ext cx="1013932" cy="276999"/>
-                </a:xfrm>
-                <a:prstGeom prst="rect">
-                  <a:avLst/>
-                </a:prstGeom>
-                <a:noFill/>
-              </p:spPr>
-              <p:txBody>
-                <a:bodyPr wrap="none" lIns="0" tIns="0" rIns="0" bIns="0" rtlCol="0">
-                  <a:spAutoFit/>
-                </a:bodyPr>
-                <a:lstStyle/>
-                <a:p>
-                  <a14:m>
+            </a:solidFill>
+            <a:tailEnd type="triangle" w="med" len="lg"/>
+          </a:ln>
+        </p:spPr>
+        <p:style>
+          <a:lnRef idx="1">
+            <a:schemeClr val="accent1"/>
+          </a:lnRef>
+          <a:fillRef idx="0">
+            <a:schemeClr val="accent1"/>
+          </a:fillRef>
+          <a:effectRef idx="0">
+            <a:schemeClr val="accent1"/>
+          </a:effectRef>
+          <a:fontRef idx="minor">
+            <a:schemeClr val="tx1"/>
+          </a:fontRef>
+        </p:style>
+      </p:cxnSp>
+      <mc:AlternateContent xmlns:mc="http://schemas.openxmlformats.org/markup-compatibility/2006" xmlns:a14="http://schemas.microsoft.com/office/drawing/2010/main">
+        <mc:Choice Requires="a14">
+          <p:sp>
+            <p:nvSpPr>
+              <p:cNvPr id="51" name="TextBox 50"/>
+              <p:cNvSpPr txBox="1"/>
+              <p:nvPr/>
+            </p:nvSpPr>
+            <p:spPr>
+              <a:xfrm>
+                <a:off x="1739207" y="787750"/>
+                <a:ext cx="183319" cy="276999"/>
+              </a:xfrm>
+              <a:prstGeom prst="rect">
+                <a:avLst/>
+              </a:prstGeom>
+              <a:noFill/>
+            </p:spPr>
+            <p:txBody>
+              <a:bodyPr wrap="square" lIns="0" tIns="0" rIns="0" bIns="0" rtlCol="0">
+                <a:spAutoFit/>
+              </a:bodyPr>
+              <a:lstStyle/>
+              <a:p>
+                <a:pPr/>
+                <a14:m>
+                  <m:oMathPara xmlns:m="http://schemas.openxmlformats.org/officeDocument/2006/math">
+                    <m:oMathParaPr>
+                      <m:jc m:val="centerGroup"/>
+                    </m:oMathParaPr>
                     <m:oMath xmlns:m="http://schemas.openxmlformats.org/officeDocument/2006/math">
-                      <m:sSub>
-                        <m:sSubPr>
-                          <m:ctrlPr>
-                            <a:rPr lang="hu-HU" b="0" i="1" smtClean="0">
-                              <a:latin typeface="Cambria Math" charset="0"/>
-                            </a:rPr>
-                          </m:ctrlPr>
-                        </m:sSubPr>
-                        <m:e>
-                          <m:r>
-                            <a:rPr lang="hu-HU" b="0" i="1" smtClean="0">
-                              <a:latin typeface="Cambria Math" charset="0"/>
-                            </a:rPr>
-                            <m:t>𝑣</m:t>
-                          </m:r>
-                        </m:e>
-                        <m:sub>
-                          <m:r>
-                            <a:rPr lang="hu-HU" b="0" i="1" smtClean="0">
-                              <a:latin typeface="Cambria Math" charset="0"/>
-                            </a:rPr>
-                            <m:t>1</m:t>
-                          </m:r>
-                        </m:sub>
-                      </m:sSub>
                       <m:r>
                         <a:rPr lang="hu-HU" b="0" i="1" smtClean="0">
                           <a:latin typeface="Cambria Math" charset="0"/>
                         </a:rPr>
-                        <m:t>=0</m:t>
+                        <m:t>𝑥</m:t>
                       </m:r>
                     </m:oMath>
-                  </a14:m>
-                  <a:r>
-                    <a:rPr lang="hu-HU" b="0" dirty="0" smtClean="0"/>
-                    <a:t>m/s</a:t>
-                  </a:r>
-                </a:p>
-              </p:txBody>
-            </p:sp>
-          </mc:Choice>
-          <mc:Fallback xmlns="">
-            <p:sp>
-              <p:nvSpPr>
-                <p:cNvPr id="55" name="TextBox 54"/>
-                <p:cNvSpPr txBox="1">
-                  <a:spLocks noRot="1" noChangeAspect="1" noMove="1" noResize="1" noEditPoints="1" noAdjustHandles="1" noChangeArrowheads="1" noChangeShapeType="1" noTextEdit="1"/>
-                </p:cNvSpPr>
-                <p:nvPr/>
-              </p:nvSpPr>
-              <p:spPr>
-                <a:xfrm>
-                  <a:off x="5152227" y="2855583"/>
-                  <a:ext cx="1013932" cy="276999"/>
-                </a:xfrm>
-                <a:prstGeom prst="rect">
-                  <a:avLst/>
-                </a:prstGeom>
-                <a:blipFill rotWithShape="0">
-                  <a:blip r:embed="rId8"/>
-                  <a:stretch>
-                    <a:fillRect l="-5389" t="-28261" r="-13174" b="-50000"/>
-                  </a:stretch>
-                </a:blipFill>
-              </p:spPr>
-              <p:txBody>
-                <a:bodyPr/>
-                <a:lstStyle/>
-                <a:p>
-                  <a:r>
-                    <a:rPr lang="en-GB">
-                      <a:noFill/>
-                    </a:rPr>
-                    <a:t> </a:t>
-                  </a:r>
-                </a:p>
-              </p:txBody>
-            </p:sp>
-          </mc:Fallback>
-        </mc:AlternateContent>
-      </p:grpSp>
+                  </m:oMathPara>
+                </a14:m>
+                <a:endParaRPr lang="hu-HU" b="0" dirty="0" smtClean="0"/>
+              </a:p>
+            </p:txBody>
+          </p:sp>
+        </mc:Choice>
+        <mc:Fallback xmlns="">
+          <p:sp>
+            <p:nvSpPr>
+              <p:cNvPr id="51" name="TextBox 50"/>
+              <p:cNvSpPr txBox="1">
+                <a:spLocks noRot="1" noChangeAspect="1" noMove="1" noResize="1" noEditPoints="1" noAdjustHandles="1" noChangeArrowheads="1" noChangeShapeType="1" noTextEdit="1"/>
+              </p:cNvSpPr>
+              <p:nvPr/>
+            </p:nvSpPr>
+            <p:spPr>
+              <a:xfrm>
+                <a:off x="1739207" y="787750"/>
+                <a:ext cx="183319" cy="276999"/>
+              </a:xfrm>
+              <a:prstGeom prst="rect">
+                <a:avLst/>
+              </a:prstGeom>
+              <a:blipFill rotWithShape="0">
+                <a:blip r:embed="rId5"/>
+                <a:stretch>
+                  <a:fillRect l="-16667" r="-13333"/>
+                </a:stretch>
+              </a:blipFill>
+            </p:spPr>
+            <p:txBody>
+              <a:bodyPr/>
+              <a:lstStyle/>
+              <a:p>
+                <a:r>
+                  <a:rPr lang="en-GB">
+                    <a:noFill/>
+                  </a:rPr>
+                  <a:t> </a:t>
+                </a:r>
+              </a:p>
+            </p:txBody>
+          </p:sp>
+        </mc:Fallback>
+      </mc:AlternateContent>
+      <mc:AlternateContent xmlns:mc="http://schemas.openxmlformats.org/markup-compatibility/2006" xmlns:a14="http://schemas.microsoft.com/office/drawing/2010/main">
+        <mc:Choice Requires="a14">
+          <p:sp>
+            <p:nvSpPr>
+              <p:cNvPr id="52" name="TextBox 51"/>
+              <p:cNvSpPr txBox="1"/>
+              <p:nvPr/>
+            </p:nvSpPr>
+            <p:spPr>
+              <a:xfrm>
+                <a:off x="2451592" y="1510590"/>
+                <a:ext cx="186718" cy="276999"/>
+              </a:xfrm>
+              <a:prstGeom prst="rect">
+                <a:avLst/>
+              </a:prstGeom>
+              <a:noFill/>
+            </p:spPr>
+            <p:txBody>
+              <a:bodyPr wrap="none" lIns="0" tIns="0" rIns="0" bIns="0" rtlCol="0">
+                <a:spAutoFit/>
+              </a:bodyPr>
+              <a:lstStyle/>
+              <a:p>
+                <a:pPr/>
+                <a14:m>
+                  <m:oMathPara xmlns:m="http://schemas.openxmlformats.org/officeDocument/2006/math">
+                    <m:oMathParaPr>
+                      <m:jc m:val="centerGroup"/>
+                    </m:oMathParaPr>
+                    <m:oMath xmlns:m="http://schemas.openxmlformats.org/officeDocument/2006/math">
+                      <m:r>
+                        <a:rPr lang="hu-HU" b="0" i="1" smtClean="0">
+                          <a:latin typeface="Cambria Math" charset="0"/>
+                        </a:rPr>
+                        <m:t>𝑦</m:t>
+                      </m:r>
+                    </m:oMath>
+                  </m:oMathPara>
+                </a14:m>
+                <a:endParaRPr lang="hu-HU" b="0" dirty="0" smtClean="0"/>
+              </a:p>
+            </p:txBody>
+          </p:sp>
+        </mc:Choice>
+        <mc:Fallback xmlns="">
+          <p:sp>
+            <p:nvSpPr>
+              <p:cNvPr id="52" name="TextBox 51"/>
+              <p:cNvSpPr txBox="1">
+                <a:spLocks noRot="1" noChangeAspect="1" noMove="1" noResize="1" noEditPoints="1" noAdjustHandles="1" noChangeArrowheads="1" noChangeShapeType="1" noTextEdit="1"/>
+              </p:cNvSpPr>
+              <p:nvPr/>
+            </p:nvSpPr>
+            <p:spPr>
+              <a:xfrm>
+                <a:off x="2451592" y="1510590"/>
+                <a:ext cx="186718" cy="276999"/>
+              </a:xfrm>
+              <a:prstGeom prst="rect">
+                <a:avLst/>
+              </a:prstGeom>
+              <a:blipFill rotWithShape="0">
+                <a:blip r:embed="rId6"/>
+                <a:stretch>
+                  <a:fillRect l="-29032" r="-25806" b="-24444"/>
+                </a:stretch>
+              </a:blipFill>
+            </p:spPr>
+            <p:txBody>
+              <a:bodyPr/>
+              <a:lstStyle/>
+              <a:p>
+                <a:r>
+                  <a:rPr lang="en-GB">
+                    <a:noFill/>
+                  </a:rPr>
+                  <a:t> </a:t>
+                </a:r>
+              </a:p>
+            </p:txBody>
+          </p:sp>
+        </mc:Fallback>
+      </mc:AlternateContent>
+      <p:cxnSp>
+        <p:nvCxnSpPr>
+          <p:cNvPr id="53" name="Straight Connector 52"/>
+          <p:cNvCxnSpPr/>
+          <p:nvPr/>
+        </p:nvCxnSpPr>
+        <p:spPr>
+          <a:xfrm>
+            <a:off x="1984199" y="688494"/>
+            <a:ext cx="6724" cy="1644192"/>
+          </a:xfrm>
+          <a:prstGeom prst="line">
+            <a:avLst/>
+          </a:prstGeom>
+          <a:ln w="9525">
+            <a:solidFill>
+              <a:schemeClr val="tx1"/>
+            </a:solidFill>
+            <a:prstDash val="lgDash"/>
+          </a:ln>
+        </p:spPr>
+        <p:style>
+          <a:lnRef idx="1">
+            <a:schemeClr val="accent1"/>
+          </a:lnRef>
+          <a:fillRef idx="0">
+            <a:schemeClr val="accent1"/>
+          </a:fillRef>
+          <a:effectRef idx="0">
+            <a:schemeClr val="accent1"/>
+          </a:effectRef>
+          <a:fontRef idx="minor">
+            <a:schemeClr val="tx1"/>
+          </a:fontRef>
+        </p:style>
+      </p:cxnSp>
+      <p:sp>
+        <p:nvSpPr>
+          <p:cNvPr id="54" name="Arc 53"/>
+          <p:cNvSpPr/>
+          <p:nvPr/>
+        </p:nvSpPr>
+        <p:spPr>
+          <a:xfrm>
+            <a:off x="1997647" y="685648"/>
+            <a:ext cx="2794023" cy="3291938"/>
+          </a:xfrm>
+          <a:prstGeom prst="arc">
+            <a:avLst>
+              <a:gd name="adj1" fmla="val 10864249"/>
+              <a:gd name="adj2" fmla="val 16148940"/>
+            </a:avLst>
+          </a:prstGeom>
+          <a:ln w="28575">
+            <a:solidFill>
+              <a:schemeClr val="tx1"/>
+            </a:solidFill>
+          </a:ln>
+        </p:spPr>
+        <p:style>
+          <a:lnRef idx="1">
+            <a:schemeClr val="accent1"/>
+          </a:lnRef>
+          <a:fillRef idx="0">
+            <a:schemeClr val="accent1"/>
+          </a:fillRef>
+          <a:effectRef idx="0">
+            <a:schemeClr val="accent1"/>
+          </a:effectRef>
+          <a:fontRef idx="minor">
+            <a:schemeClr val="tx1"/>
+          </a:fontRef>
+        </p:style>
+        <p:txBody>
+          <a:bodyPr rtlCol="0" anchor="ctr"/>
+          <a:lstStyle/>
+          <a:p>
+            <a:pPr algn="ctr"/>
+            <a:endParaRPr lang="en-GB"/>
+          </a:p>
+        </p:txBody>
+      </p:sp>
+      <mc:AlternateContent xmlns:mc="http://schemas.openxmlformats.org/markup-compatibility/2006" xmlns:a14="http://schemas.microsoft.com/office/drawing/2010/main">
+        <mc:Choice Requires="a14">
+          <p:sp>
+            <p:nvSpPr>
+              <p:cNvPr id="55" name="TextBox 54"/>
+              <p:cNvSpPr txBox="1"/>
+              <p:nvPr/>
+            </p:nvSpPr>
+            <p:spPr>
+              <a:xfrm>
+                <a:off x="2638310" y="926249"/>
+                <a:ext cx="507447" cy="276999"/>
+              </a:xfrm>
+              <a:prstGeom prst="rect">
+                <a:avLst/>
+              </a:prstGeom>
+              <a:noFill/>
+            </p:spPr>
+            <p:txBody>
+              <a:bodyPr wrap="none" lIns="0" tIns="0" rIns="0" bIns="0" rtlCol="0">
+                <a:spAutoFit/>
+              </a:bodyPr>
+              <a:lstStyle/>
+              <a:p>
+                <a:pPr/>
+                <a14:m>
+                  <m:oMathPara xmlns:m="http://schemas.openxmlformats.org/officeDocument/2006/math">
+                    <m:oMathParaPr>
+                      <m:jc m:val="centerGroup"/>
+                    </m:oMathParaPr>
+                    <m:oMath xmlns:m="http://schemas.openxmlformats.org/officeDocument/2006/math">
+                      <m:r>
+                        <a:rPr lang="hu-HU" b="0" i="1" smtClean="0">
+                          <a:latin typeface="Cambria Math" charset="0"/>
+                        </a:rPr>
+                        <m:t>𝑣</m:t>
+                      </m:r>
+                      <m:r>
+                        <a:rPr lang="hu-HU" b="0" i="1" smtClean="0">
+                          <a:latin typeface="Cambria Math" charset="0"/>
+                        </a:rPr>
+                        <m:t>(</m:t>
+                      </m:r>
+                      <m:r>
+                        <a:rPr lang="hu-HU" b="0" i="1" smtClean="0">
+                          <a:latin typeface="Cambria Math" charset="0"/>
+                        </a:rPr>
+                        <m:t>𝑥</m:t>
+                      </m:r>
+                      <m:r>
+                        <a:rPr lang="hu-HU" b="0" i="1" smtClean="0">
+                          <a:latin typeface="Cambria Math" charset="0"/>
+                        </a:rPr>
+                        <m:t>)</m:t>
+                      </m:r>
+                    </m:oMath>
+                  </m:oMathPara>
+                </a14:m>
+                <a:endParaRPr lang="hu-HU" b="0" dirty="0" smtClean="0"/>
+              </a:p>
+            </p:txBody>
+          </p:sp>
+        </mc:Choice>
+        <mc:Fallback xmlns="">
+          <p:sp>
+            <p:nvSpPr>
+              <p:cNvPr id="55" name="TextBox 54"/>
+              <p:cNvSpPr txBox="1">
+                <a:spLocks noRot="1" noChangeAspect="1" noMove="1" noResize="1" noEditPoints="1" noAdjustHandles="1" noChangeArrowheads="1" noChangeShapeType="1" noTextEdit="1"/>
+              </p:cNvSpPr>
+              <p:nvPr/>
+            </p:nvSpPr>
+            <p:spPr>
+              <a:xfrm>
+                <a:off x="2638310" y="926249"/>
+                <a:ext cx="507447" cy="276999"/>
+              </a:xfrm>
+              <a:prstGeom prst="rect">
+                <a:avLst/>
+              </a:prstGeom>
+              <a:blipFill rotWithShape="0">
+                <a:blip r:embed="rId7"/>
+                <a:stretch>
+                  <a:fillRect l="-6024" t="-2222" r="-16867" b="-35556"/>
+                </a:stretch>
+              </a:blipFill>
+            </p:spPr>
+            <p:txBody>
+              <a:bodyPr/>
+              <a:lstStyle/>
+              <a:p>
+                <a:r>
+                  <a:rPr lang="en-GB">
+                    <a:noFill/>
+                  </a:rPr>
+                  <a:t> </a:t>
+                </a:r>
+              </a:p>
+            </p:txBody>
+          </p:sp>
+        </mc:Fallback>
+      </mc:AlternateContent>
+      <p:cxnSp>
+        <p:nvCxnSpPr>
+          <p:cNvPr id="56" name="Straight Arrow Connector 55"/>
+          <p:cNvCxnSpPr/>
+          <p:nvPr/>
+        </p:nvCxnSpPr>
+        <p:spPr>
+          <a:xfrm>
+            <a:off x="1990924" y="787750"/>
+            <a:ext cx="894125" cy="0"/>
+          </a:xfrm>
+          <a:prstGeom prst="straightConnector1">
+            <a:avLst/>
+          </a:prstGeom>
+          <a:ln>
+            <a:solidFill>
+              <a:schemeClr val="tx1"/>
+            </a:solidFill>
+            <a:headEnd type="none"/>
+            <a:tailEnd type="none" w="med" len="lg"/>
+          </a:ln>
+        </p:spPr>
+        <p:style>
+          <a:lnRef idx="1">
+            <a:schemeClr val="accent1"/>
+          </a:lnRef>
+          <a:fillRef idx="0">
+            <a:schemeClr val="accent1"/>
+          </a:fillRef>
+          <a:effectRef idx="0">
+            <a:schemeClr val="accent1"/>
+          </a:effectRef>
+          <a:fontRef idx="minor">
+            <a:schemeClr val="tx1"/>
+          </a:fontRef>
+        </p:style>
+      </p:cxnSp>
+      <p:cxnSp>
+        <p:nvCxnSpPr>
+          <p:cNvPr id="57" name="Straight Arrow Connector 56"/>
+          <p:cNvCxnSpPr/>
+          <p:nvPr/>
+        </p:nvCxnSpPr>
+        <p:spPr>
+          <a:xfrm>
+            <a:off x="1990924" y="940150"/>
+            <a:ext cx="647386" cy="0"/>
+          </a:xfrm>
+          <a:prstGeom prst="straightConnector1">
+            <a:avLst/>
+          </a:prstGeom>
+          <a:ln>
+            <a:solidFill>
+              <a:schemeClr val="tx1"/>
+            </a:solidFill>
+            <a:headEnd type="none"/>
+            <a:tailEnd type="none" w="med" len="lg"/>
+          </a:ln>
+        </p:spPr>
+        <p:style>
+          <a:lnRef idx="1">
+            <a:schemeClr val="accent1"/>
+          </a:lnRef>
+          <a:fillRef idx="0">
+            <a:schemeClr val="accent1"/>
+          </a:fillRef>
+          <a:effectRef idx="0">
+            <a:schemeClr val="accent1"/>
+          </a:effectRef>
+          <a:fontRef idx="minor">
+            <a:schemeClr val="tx1"/>
+          </a:fontRef>
+        </p:style>
+      </p:cxnSp>
+      <p:cxnSp>
+        <p:nvCxnSpPr>
+          <p:cNvPr id="58" name="Straight Arrow Connector 57"/>
+          <p:cNvCxnSpPr/>
+          <p:nvPr/>
+        </p:nvCxnSpPr>
+        <p:spPr>
+          <a:xfrm>
+            <a:off x="1984200" y="1092550"/>
+            <a:ext cx="467392" cy="0"/>
+          </a:xfrm>
+          <a:prstGeom prst="straightConnector1">
+            <a:avLst/>
+          </a:prstGeom>
+          <a:ln>
+            <a:solidFill>
+              <a:schemeClr val="tx1"/>
+            </a:solidFill>
+            <a:headEnd type="none"/>
+            <a:tailEnd type="none" w="med" len="lg"/>
+          </a:ln>
+        </p:spPr>
+        <p:style>
+          <a:lnRef idx="1">
+            <a:schemeClr val="accent1"/>
+          </a:lnRef>
+          <a:fillRef idx="0">
+            <a:schemeClr val="accent1"/>
+          </a:fillRef>
+          <a:effectRef idx="0">
+            <a:schemeClr val="accent1"/>
+          </a:effectRef>
+          <a:fontRef idx="minor">
+            <a:schemeClr val="tx1"/>
+          </a:fontRef>
+        </p:style>
+      </p:cxnSp>
+      <p:cxnSp>
+        <p:nvCxnSpPr>
+          <p:cNvPr id="59" name="Straight Arrow Connector 58"/>
+          <p:cNvCxnSpPr/>
+          <p:nvPr/>
+        </p:nvCxnSpPr>
+        <p:spPr>
+          <a:xfrm>
+            <a:off x="1984200" y="1244950"/>
+            <a:ext cx="356100" cy="0"/>
+          </a:xfrm>
+          <a:prstGeom prst="straightConnector1">
+            <a:avLst/>
+          </a:prstGeom>
+          <a:ln>
+            <a:solidFill>
+              <a:schemeClr val="tx1"/>
+            </a:solidFill>
+            <a:headEnd type="none"/>
+            <a:tailEnd type="none" w="med" len="lg"/>
+          </a:ln>
+        </p:spPr>
+        <p:style>
+          <a:lnRef idx="1">
+            <a:schemeClr val="accent1"/>
+          </a:lnRef>
+          <a:fillRef idx="0">
+            <a:schemeClr val="accent1"/>
+          </a:fillRef>
+          <a:effectRef idx="0">
+            <a:schemeClr val="accent1"/>
+          </a:effectRef>
+          <a:fontRef idx="minor">
+            <a:schemeClr val="tx1"/>
+          </a:fontRef>
+        </p:style>
+      </p:cxnSp>
+      <p:cxnSp>
+        <p:nvCxnSpPr>
+          <p:cNvPr id="60" name="Straight Arrow Connector 59"/>
+          <p:cNvCxnSpPr/>
+          <p:nvPr/>
+        </p:nvCxnSpPr>
+        <p:spPr>
+          <a:xfrm>
+            <a:off x="1984200" y="1397350"/>
+            <a:ext cx="258824" cy="0"/>
+          </a:xfrm>
+          <a:prstGeom prst="straightConnector1">
+            <a:avLst/>
+          </a:prstGeom>
+          <a:ln>
+            <a:solidFill>
+              <a:schemeClr val="tx1"/>
+            </a:solidFill>
+            <a:headEnd type="none"/>
+            <a:tailEnd type="none" w="med" len="lg"/>
+          </a:ln>
+        </p:spPr>
+        <p:style>
+          <a:lnRef idx="1">
+            <a:schemeClr val="accent1"/>
+          </a:lnRef>
+          <a:fillRef idx="0">
+            <a:schemeClr val="accent1"/>
+          </a:fillRef>
+          <a:effectRef idx="0">
+            <a:schemeClr val="accent1"/>
+          </a:effectRef>
+          <a:fontRef idx="minor">
+            <a:schemeClr val="tx1"/>
+          </a:fontRef>
+        </p:style>
+      </p:cxnSp>
+      <p:cxnSp>
+        <p:nvCxnSpPr>
+          <p:cNvPr id="61" name="Straight Arrow Connector 60"/>
+          <p:cNvCxnSpPr/>
+          <p:nvPr/>
+        </p:nvCxnSpPr>
+        <p:spPr>
+          <a:xfrm>
+            <a:off x="1984200" y="1549750"/>
+            <a:ext cx="187488" cy="0"/>
+          </a:xfrm>
+          <a:prstGeom prst="straightConnector1">
+            <a:avLst/>
+          </a:prstGeom>
+          <a:ln>
+            <a:solidFill>
+              <a:schemeClr val="tx1"/>
+            </a:solidFill>
+            <a:headEnd type="none"/>
+            <a:tailEnd type="none" w="med" len="lg"/>
+          </a:ln>
+        </p:spPr>
+        <p:style>
+          <a:lnRef idx="1">
+            <a:schemeClr val="accent1"/>
+          </a:lnRef>
+          <a:fillRef idx="0">
+            <a:schemeClr val="accent1"/>
+          </a:fillRef>
+          <a:effectRef idx="0">
+            <a:schemeClr val="accent1"/>
+          </a:effectRef>
+          <a:fontRef idx="minor">
+            <a:schemeClr val="tx1"/>
+          </a:fontRef>
+        </p:style>
+      </p:cxnSp>
+      <p:cxnSp>
+        <p:nvCxnSpPr>
+          <p:cNvPr id="62" name="Straight Arrow Connector 61"/>
+          <p:cNvCxnSpPr/>
+          <p:nvPr/>
+        </p:nvCxnSpPr>
+        <p:spPr>
+          <a:xfrm>
+            <a:off x="1984200" y="1702150"/>
+            <a:ext cx="135607" cy="0"/>
+          </a:xfrm>
+          <a:prstGeom prst="straightConnector1">
+            <a:avLst/>
+          </a:prstGeom>
+          <a:ln>
+            <a:solidFill>
+              <a:schemeClr val="tx1"/>
+            </a:solidFill>
+            <a:headEnd type="none"/>
+            <a:tailEnd type="none" w="med" len="lg"/>
+          </a:ln>
+        </p:spPr>
+        <p:style>
+          <a:lnRef idx="1">
+            <a:schemeClr val="accent1"/>
+          </a:lnRef>
+          <a:fillRef idx="0">
+            <a:schemeClr val="accent1"/>
+          </a:fillRef>
+          <a:effectRef idx="0">
+            <a:schemeClr val="accent1"/>
+          </a:effectRef>
+          <a:fontRef idx="minor">
+            <a:schemeClr val="tx1"/>
+          </a:fontRef>
+        </p:style>
+      </p:cxnSp>
+      <p:cxnSp>
+        <p:nvCxnSpPr>
+          <p:cNvPr id="63" name="Straight Arrow Connector 62"/>
+          <p:cNvCxnSpPr/>
+          <p:nvPr/>
+        </p:nvCxnSpPr>
+        <p:spPr>
+          <a:xfrm>
+            <a:off x="1984200" y="1854550"/>
+            <a:ext cx="75809" cy="0"/>
+          </a:xfrm>
+          <a:prstGeom prst="straightConnector1">
+            <a:avLst/>
+          </a:prstGeom>
+          <a:ln>
+            <a:solidFill>
+              <a:schemeClr val="tx1"/>
+            </a:solidFill>
+            <a:headEnd type="none"/>
+            <a:tailEnd type="none" w="med" len="lg"/>
+          </a:ln>
+        </p:spPr>
+        <p:style>
+          <a:lnRef idx="1">
+            <a:schemeClr val="accent1"/>
+          </a:lnRef>
+          <a:fillRef idx="0">
+            <a:schemeClr val="accent1"/>
+          </a:fillRef>
+          <a:effectRef idx="0">
+            <a:schemeClr val="accent1"/>
+          </a:effectRef>
+          <a:fontRef idx="minor">
+            <a:schemeClr val="tx1"/>
+          </a:fontRef>
+        </p:style>
+      </p:cxnSp>
+      <mc:AlternateContent xmlns:mc="http://schemas.openxmlformats.org/markup-compatibility/2006" xmlns:a14="http://schemas.microsoft.com/office/drawing/2010/main">
+        <mc:Choice Requires="a14">
+          <p:sp>
+            <p:nvSpPr>
+              <p:cNvPr id="64" name="TextBox 63"/>
+              <p:cNvSpPr txBox="1"/>
+              <p:nvPr/>
+            </p:nvSpPr>
+            <p:spPr>
+              <a:xfrm>
+                <a:off x="2648153" y="2034190"/>
+                <a:ext cx="1013932" cy="276999"/>
+              </a:xfrm>
+              <a:prstGeom prst="rect">
+                <a:avLst/>
+              </a:prstGeom>
+              <a:noFill/>
+            </p:spPr>
+            <p:txBody>
+              <a:bodyPr wrap="none" lIns="0" tIns="0" rIns="0" bIns="0" rtlCol="0">
+                <a:spAutoFit/>
+              </a:bodyPr>
+              <a:lstStyle/>
+              <a:p>
+                <a14:m>
+                  <m:oMath xmlns:m="http://schemas.openxmlformats.org/officeDocument/2006/math">
+                    <m:sSub>
+                      <m:sSubPr>
+                        <m:ctrlPr>
+                          <a:rPr lang="hu-HU" b="0" i="1" smtClean="0">
+                            <a:latin typeface="Cambria Math" charset="0"/>
+                          </a:rPr>
+                        </m:ctrlPr>
+                      </m:sSubPr>
+                      <m:e>
+                        <m:r>
+                          <a:rPr lang="hu-HU" b="0" i="1" smtClean="0">
+                            <a:latin typeface="Cambria Math" charset="0"/>
+                          </a:rPr>
+                          <m:t>𝑣</m:t>
+                        </m:r>
+                      </m:e>
+                      <m:sub>
+                        <m:r>
+                          <a:rPr lang="hu-HU" b="0" i="1" smtClean="0">
+                            <a:latin typeface="Cambria Math" charset="0"/>
+                          </a:rPr>
+                          <m:t>1</m:t>
+                        </m:r>
+                      </m:sub>
+                    </m:sSub>
+                    <m:r>
+                      <a:rPr lang="hu-HU" b="0" i="1" smtClean="0">
+                        <a:latin typeface="Cambria Math" charset="0"/>
+                      </a:rPr>
+                      <m:t>=0</m:t>
+                    </m:r>
+                  </m:oMath>
+                </a14:m>
+                <a:r>
+                  <a:rPr lang="hu-HU" b="0" dirty="0" smtClean="0"/>
+                  <a:t>m/s</a:t>
+                </a:r>
+              </a:p>
+            </p:txBody>
+          </p:sp>
+        </mc:Choice>
+        <mc:Fallback xmlns="">
+          <p:sp>
+            <p:nvSpPr>
+              <p:cNvPr id="64" name="TextBox 63"/>
+              <p:cNvSpPr txBox="1">
+                <a:spLocks noRot="1" noChangeAspect="1" noMove="1" noResize="1" noEditPoints="1" noAdjustHandles="1" noChangeArrowheads="1" noChangeShapeType="1" noTextEdit="1"/>
+              </p:cNvSpPr>
+              <p:nvPr/>
+            </p:nvSpPr>
+            <p:spPr>
+              <a:xfrm>
+                <a:off x="2648153" y="2034190"/>
+                <a:ext cx="1013932" cy="276999"/>
+              </a:xfrm>
+              <a:prstGeom prst="rect">
+                <a:avLst/>
+              </a:prstGeom>
+              <a:blipFill rotWithShape="0">
+                <a:blip r:embed="rId8"/>
+                <a:stretch>
+                  <a:fillRect l="-5389" t="-28889" r="-13174" b="-51111"/>
+                </a:stretch>
+              </a:blipFill>
+            </p:spPr>
+            <p:txBody>
+              <a:bodyPr/>
+              <a:lstStyle/>
+              <a:p>
+                <a:r>
+                  <a:rPr lang="en-GB">
+                    <a:noFill/>
+                  </a:rPr>
+                  <a:t> </a:t>
+                </a:r>
+              </a:p>
+            </p:txBody>
+          </p:sp>
+        </mc:Fallback>
+      </mc:AlternateContent>
       <p:grpSp>
         <p:nvGrpSpPr>
           <p:cNvPr id="10" name="Group 9"/>
@@ -21518,8 +21758,8 @@
             </a:prstGeom>
           </p:spPr>
         </p:pic>
-        <mc:AlternateContent xmlns:mc="http://schemas.openxmlformats.org/markup-compatibility/2006">
-          <mc:Choice xmlns:a14="http://schemas.microsoft.com/office/drawing/2010/main" Requires="a14">
+        <mc:AlternateContent xmlns:mc="http://schemas.openxmlformats.org/markup-compatibility/2006" xmlns:a14="http://schemas.microsoft.com/office/drawing/2010/main">
+          <mc:Choice Requires="a14">
             <p:sp>
               <p:nvSpPr>
                 <p:cNvPr id="9" name="TextBox 8"/>
@@ -21567,7 +21807,7 @@
               </p:txBody>
             </p:sp>
           </mc:Choice>
-          <mc:Fallback>
+          <mc:Fallback xmlns="">
             <p:sp>
               <p:nvSpPr>
                 <p:cNvPr id="9" name="TextBox 8"/>
@@ -21606,8 +21846,8 @@
             </p:sp>
           </mc:Fallback>
         </mc:AlternateContent>
-        <mc:AlternateContent xmlns:mc="http://schemas.openxmlformats.org/markup-compatibility/2006">
-          <mc:Choice xmlns:a14="http://schemas.microsoft.com/office/drawing/2010/main" Requires="a14">
+        <mc:AlternateContent xmlns:mc="http://schemas.openxmlformats.org/markup-compatibility/2006" xmlns:a14="http://schemas.microsoft.com/office/drawing/2010/main">
+          <mc:Choice Requires="a14">
             <p:sp>
               <p:nvSpPr>
                 <p:cNvPr id="38" name="TextBox 37"/>
@@ -21655,7 +21895,7 @@
               </p:txBody>
             </p:sp>
           </mc:Choice>
-          <mc:Fallback>
+          <mc:Fallback xmlns="">
             <p:sp>
               <p:nvSpPr>
                 <p:cNvPr id="38" name="TextBox 37"/>
@@ -21694,8 +21934,8 @@
             </p:sp>
           </mc:Fallback>
         </mc:AlternateContent>
-        <mc:AlternateContent xmlns:mc="http://schemas.openxmlformats.org/markup-compatibility/2006">
-          <mc:Choice xmlns:a14="http://schemas.microsoft.com/office/drawing/2010/main" Requires="a14">
+        <mc:AlternateContent xmlns:mc="http://schemas.openxmlformats.org/markup-compatibility/2006" xmlns:a14="http://schemas.microsoft.com/office/drawing/2010/main">
+          <mc:Choice Requires="a14">
             <p:sp>
               <p:nvSpPr>
                 <p:cNvPr id="45" name="TextBox 44"/>
@@ -21743,7 +21983,7 @@
               </p:txBody>
             </p:sp>
           </mc:Choice>
-          <mc:Fallback>
+          <mc:Fallback xmlns="">
             <p:sp>
               <p:nvSpPr>
                 <p:cNvPr id="45" name="TextBox 44"/>
@@ -21782,8 +22022,8 @@
             </p:sp>
           </mc:Fallback>
         </mc:AlternateContent>
-        <mc:AlternateContent xmlns:mc="http://schemas.openxmlformats.org/markup-compatibility/2006">
-          <mc:Choice xmlns:a14="http://schemas.microsoft.com/office/drawing/2010/main" Requires="a14">
+        <mc:AlternateContent xmlns:mc="http://schemas.openxmlformats.org/markup-compatibility/2006" xmlns:a14="http://schemas.microsoft.com/office/drawing/2010/main">
+          <mc:Choice Requires="a14">
             <p:sp>
               <p:nvSpPr>
                 <p:cNvPr id="48" name="TextBox 47"/>
@@ -21831,7 +22071,7 @@
               </p:txBody>
             </p:sp>
           </mc:Choice>
-          <mc:Fallback>
+          <mc:Fallback xmlns="">
             <p:sp>
               <p:nvSpPr>
                 <p:cNvPr id="48" name="TextBox 47"/>
@@ -21870,8 +22110,8 @@
             </p:sp>
           </mc:Fallback>
         </mc:AlternateContent>
-        <mc:AlternateContent xmlns:mc="http://schemas.openxmlformats.org/markup-compatibility/2006">
-          <mc:Choice xmlns:a14="http://schemas.microsoft.com/office/drawing/2010/main" Requires="a14">
+        <mc:AlternateContent xmlns:mc="http://schemas.openxmlformats.org/markup-compatibility/2006" xmlns:a14="http://schemas.microsoft.com/office/drawing/2010/main">
+          <mc:Choice Requires="a14">
             <p:sp>
               <p:nvSpPr>
                 <p:cNvPr id="65" name="TextBox 64"/>
@@ -21919,7 +22159,7 @@
               </p:txBody>
             </p:sp>
           </mc:Choice>
-          <mc:Fallback>
+          <mc:Fallback xmlns="">
             <p:sp>
               <p:nvSpPr>
                 <p:cNvPr id="65" name="TextBox 64"/>
@@ -21958,8 +22198,8 @@
             </p:sp>
           </mc:Fallback>
         </mc:AlternateContent>
-        <mc:AlternateContent xmlns:mc="http://schemas.openxmlformats.org/markup-compatibility/2006">
-          <mc:Choice xmlns:a14="http://schemas.microsoft.com/office/drawing/2010/main" Requires="a14">
+        <mc:AlternateContent xmlns:mc="http://schemas.openxmlformats.org/markup-compatibility/2006" xmlns:a14="http://schemas.microsoft.com/office/drawing/2010/main">
+          <mc:Choice Requires="a14">
             <p:sp>
               <p:nvSpPr>
                 <p:cNvPr id="66" name="TextBox 65"/>
@@ -22007,7 +22247,7 @@
               </p:txBody>
             </p:sp>
           </mc:Choice>
-          <mc:Fallback>
+          <mc:Fallback xmlns="">
             <p:sp>
               <p:nvSpPr>
                 <p:cNvPr id="66" name="TextBox 65"/>
@@ -22028,6 +22268,919 @@
                   <a:blip r:embed="rId20"/>
                   <a:stretch>
                     <a:fillRect l="-8333" t="-28261" r="-15278" b="-50000"/>
+                  </a:stretch>
+                </a:blipFill>
+              </p:spPr>
+              <p:txBody>
+                <a:bodyPr/>
+                <a:lstStyle/>
+                <a:p>
+                  <a:r>
+                    <a:rPr lang="en-GB">
+                      <a:noFill/>
+                    </a:rPr>
+                    <a:t> </a:t>
+                  </a:r>
+                </a:p>
+              </p:txBody>
+            </p:sp>
+          </mc:Fallback>
+        </mc:AlternateContent>
+      </p:grpSp>
+      <p:cxnSp>
+        <p:nvCxnSpPr>
+          <p:cNvPr id="71" name="Straight Arrow Connector 70"/>
+          <p:cNvCxnSpPr/>
+          <p:nvPr/>
+        </p:nvCxnSpPr>
+        <p:spPr>
+          <a:xfrm flipH="1" flipV="1">
+            <a:off x="1649008" y="685648"/>
+            <a:ext cx="6724" cy="1634743"/>
+          </a:xfrm>
+          <a:prstGeom prst="straightConnector1">
+            <a:avLst/>
+          </a:prstGeom>
+          <a:ln w="12700">
+            <a:solidFill>
+              <a:schemeClr val="tx1"/>
+            </a:solidFill>
+            <a:headEnd type="triangle" w="med" len="lg"/>
+            <a:tailEnd type="triangle" w="med" len="lg"/>
+          </a:ln>
+        </p:spPr>
+        <p:style>
+          <a:lnRef idx="1">
+            <a:schemeClr val="accent1"/>
+          </a:lnRef>
+          <a:fillRef idx="0">
+            <a:schemeClr val="accent1"/>
+          </a:fillRef>
+          <a:effectRef idx="0">
+            <a:schemeClr val="accent1"/>
+          </a:effectRef>
+          <a:fontRef idx="minor">
+            <a:schemeClr val="tx1"/>
+          </a:fontRef>
+        </p:style>
+      </p:cxnSp>
+      <mc:AlternateContent xmlns:mc="http://schemas.openxmlformats.org/markup-compatibility/2006" xmlns:a14="http://schemas.microsoft.com/office/drawing/2010/main">
+        <mc:Choice Requires="a14">
+          <p:sp>
+            <p:nvSpPr>
+              <p:cNvPr id="72" name="TextBox 71"/>
+              <p:cNvSpPr txBox="1"/>
+              <p:nvPr/>
+            </p:nvSpPr>
+            <p:spPr>
+              <a:xfrm>
+                <a:off x="1407346" y="1540286"/>
+                <a:ext cx="183319" cy="276999"/>
+              </a:xfrm>
+              <a:prstGeom prst="rect">
+                <a:avLst/>
+              </a:prstGeom>
+              <a:noFill/>
+            </p:spPr>
+            <p:txBody>
+              <a:bodyPr wrap="square" lIns="0" tIns="0" rIns="0" bIns="0" rtlCol="0">
+                <a:spAutoFit/>
+              </a:bodyPr>
+              <a:lstStyle/>
+              <a:p>
+                <a:pPr/>
+                <a14:m>
+                  <m:oMathPara xmlns:m="http://schemas.openxmlformats.org/officeDocument/2006/math">
+                    <m:oMathParaPr>
+                      <m:jc m:val="centerGroup"/>
+                    </m:oMathParaPr>
+                    <m:oMath xmlns:m="http://schemas.openxmlformats.org/officeDocument/2006/math">
+                      <m:r>
+                        <a:rPr lang="hu-HU" b="0" i="1" smtClean="0">
+                          <a:latin typeface="Cambria Math" charset="0"/>
+                        </a:rPr>
+                        <m:t>𝐿</m:t>
+                      </m:r>
+                    </m:oMath>
+                  </m:oMathPara>
+                </a14:m>
+                <a:endParaRPr lang="hu-HU" b="0" dirty="0" smtClean="0"/>
+              </a:p>
+            </p:txBody>
+          </p:sp>
+        </mc:Choice>
+        <mc:Fallback xmlns="">
+          <p:sp>
+            <p:nvSpPr>
+              <p:cNvPr id="72" name="TextBox 71"/>
+              <p:cNvSpPr txBox="1">
+                <a:spLocks noRot="1" noChangeAspect="1" noMove="1" noResize="1" noEditPoints="1" noAdjustHandles="1" noChangeArrowheads="1" noChangeShapeType="1" noTextEdit="1"/>
+              </p:cNvSpPr>
+              <p:nvPr/>
+            </p:nvSpPr>
+            <p:spPr>
+              <a:xfrm>
+                <a:off x="1407346" y="1540286"/>
+                <a:ext cx="183319" cy="276999"/>
+              </a:xfrm>
+              <a:prstGeom prst="rect">
+                <a:avLst/>
+              </a:prstGeom>
+              <a:blipFill rotWithShape="0">
+                <a:blip r:embed="rId21"/>
+                <a:stretch>
+                  <a:fillRect l="-26667" r="-26667" b="-6667"/>
+                </a:stretch>
+              </a:blipFill>
+            </p:spPr>
+            <p:txBody>
+              <a:bodyPr/>
+              <a:lstStyle/>
+              <a:p>
+                <a:r>
+                  <a:rPr lang="en-GB">
+                    <a:noFill/>
+                  </a:rPr>
+                  <a:t> </a:t>
+                </a:r>
+              </a:p>
+            </p:txBody>
+          </p:sp>
+        </mc:Fallback>
+      </mc:AlternateContent>
+      <p:grpSp>
+        <p:nvGrpSpPr>
+          <p:cNvPr id="21" name="Group 20"/>
+          <p:cNvGrpSpPr/>
+          <p:nvPr/>
+        </p:nvGrpSpPr>
+        <p:grpSpPr>
+          <a:xfrm>
+            <a:off x="984504" y="3056300"/>
+            <a:ext cx="2922429" cy="3457943"/>
+            <a:chOff x="984504" y="3056300"/>
+            <a:chExt cx="2922429" cy="3457943"/>
+          </a:xfrm>
+        </p:grpSpPr>
+        <p:sp>
+          <p:nvSpPr>
+            <p:cNvPr id="68" name="Rectangle 67"/>
+            <p:cNvSpPr/>
+            <p:nvPr/>
+          </p:nvSpPr>
+          <p:spPr>
+            <a:xfrm>
+              <a:off x="993736" y="3605483"/>
+              <a:ext cx="2913197" cy="2908760"/>
+            </a:xfrm>
+            <a:prstGeom prst="rect">
+              <a:avLst/>
+            </a:prstGeom>
+            <a:pattFill prst="wdUpDiag">
+              <a:fgClr>
+                <a:schemeClr val="tx1"/>
+              </a:fgClr>
+              <a:bgClr>
+                <a:schemeClr val="bg1"/>
+              </a:bgClr>
+            </a:pattFill>
+            <a:ln>
+              <a:noFill/>
+            </a:ln>
+          </p:spPr>
+          <p:style>
+            <a:lnRef idx="2">
+              <a:schemeClr val="accent1">
+                <a:shade val="50000"/>
+              </a:schemeClr>
+            </a:lnRef>
+            <a:fillRef idx="1">
+              <a:schemeClr val="accent1"/>
+            </a:fillRef>
+            <a:effectRef idx="0">
+              <a:schemeClr val="accent1"/>
+            </a:effectRef>
+            <a:fontRef idx="minor">
+              <a:schemeClr val="lt1"/>
+            </a:fontRef>
+          </p:style>
+          <p:txBody>
+            <a:bodyPr rtlCol="0" anchor="ctr"/>
+            <a:lstStyle/>
+            <a:p>
+              <a:pPr algn="ctr"/>
+              <a:endParaRPr lang="en-GB"/>
+            </a:p>
+          </p:txBody>
+        </p:sp>
+        <p:sp>
+          <p:nvSpPr>
+            <p:cNvPr id="67" name="Rectangle 66"/>
+            <p:cNvSpPr/>
+            <p:nvPr/>
+          </p:nvSpPr>
+          <p:spPr>
+            <a:xfrm>
+              <a:off x="1069501" y="3673615"/>
+              <a:ext cx="2761668" cy="2758654"/>
+            </a:xfrm>
+            <a:prstGeom prst="rect">
+              <a:avLst/>
+            </a:prstGeom>
+            <a:solidFill>
+              <a:schemeClr val="accent5">
+                <a:lumMod val="20000"/>
+                <a:lumOff val="80000"/>
+              </a:schemeClr>
+            </a:solidFill>
+            <a:ln w="12700">
+              <a:solidFill>
+                <a:schemeClr val="tx1"/>
+              </a:solidFill>
+            </a:ln>
+          </p:spPr>
+          <p:style>
+            <a:lnRef idx="2">
+              <a:schemeClr val="accent1">
+                <a:shade val="50000"/>
+              </a:schemeClr>
+            </a:lnRef>
+            <a:fillRef idx="1">
+              <a:schemeClr val="accent1"/>
+            </a:fillRef>
+            <a:effectRef idx="0">
+              <a:schemeClr val="accent1"/>
+            </a:effectRef>
+            <a:fontRef idx="minor">
+              <a:schemeClr val="lt1"/>
+            </a:fontRef>
+          </p:style>
+          <p:txBody>
+            <a:bodyPr rtlCol="0" anchor="ctr"/>
+            <a:lstStyle/>
+            <a:p>
+              <a:pPr algn="ctr"/>
+              <a:endParaRPr lang="en-GB"/>
+            </a:p>
+          </p:txBody>
+        </p:sp>
+        <p:cxnSp>
+          <p:nvCxnSpPr>
+            <p:cNvPr id="75" name="Straight Arrow Connector 74"/>
+            <p:cNvCxnSpPr/>
+            <p:nvPr/>
+          </p:nvCxnSpPr>
+          <p:spPr>
+            <a:xfrm flipV="1">
+              <a:off x="1463719" y="3673615"/>
+              <a:ext cx="0" cy="2758654"/>
+            </a:xfrm>
+            <a:prstGeom prst="straightConnector1">
+              <a:avLst/>
+            </a:prstGeom>
+            <a:ln w="12700">
+              <a:solidFill>
+                <a:schemeClr val="tx1"/>
+              </a:solidFill>
+              <a:headEnd type="triangle" w="med" len="lg"/>
+              <a:tailEnd type="triangle" w="med" len="lg"/>
+            </a:ln>
+          </p:spPr>
+          <p:style>
+            <a:lnRef idx="1">
+              <a:schemeClr val="accent1"/>
+            </a:lnRef>
+            <a:fillRef idx="0">
+              <a:schemeClr val="accent1"/>
+            </a:fillRef>
+            <a:effectRef idx="0">
+              <a:schemeClr val="accent1"/>
+            </a:effectRef>
+            <a:fontRef idx="minor">
+              <a:schemeClr val="tx1"/>
+            </a:fontRef>
+          </p:style>
+        </p:cxnSp>
+        <p:cxnSp>
+          <p:nvCxnSpPr>
+            <p:cNvPr id="76" name="Straight Connector 75"/>
+            <p:cNvCxnSpPr>
+              <a:stCxn id="67" idx="1"/>
+            </p:cNvCxnSpPr>
+            <p:nvPr/>
+          </p:nvCxnSpPr>
+          <p:spPr>
+            <a:xfrm>
+              <a:off x="1069501" y="5052942"/>
+              <a:ext cx="2761668" cy="0"/>
+            </a:xfrm>
+            <a:prstGeom prst="line">
+              <a:avLst/>
+            </a:prstGeom>
+            <a:ln w="9525">
+              <a:solidFill>
+                <a:schemeClr val="tx1"/>
+              </a:solidFill>
+              <a:prstDash val="dash"/>
+            </a:ln>
+          </p:spPr>
+          <p:style>
+            <a:lnRef idx="1">
+              <a:schemeClr val="accent1"/>
+            </a:lnRef>
+            <a:fillRef idx="0">
+              <a:schemeClr val="accent1"/>
+            </a:fillRef>
+            <a:effectRef idx="0">
+              <a:schemeClr val="accent1"/>
+            </a:effectRef>
+            <a:fontRef idx="minor">
+              <a:schemeClr val="tx1"/>
+            </a:fontRef>
+          </p:style>
+        </p:cxnSp>
+        <mc:AlternateContent xmlns:mc="http://schemas.openxmlformats.org/markup-compatibility/2006" xmlns:a14="http://schemas.microsoft.com/office/drawing/2010/main">
+          <mc:Choice Requires="a14">
+            <p:sp>
+              <p:nvSpPr>
+                <p:cNvPr id="78" name="TextBox 77"/>
+                <p:cNvSpPr txBox="1"/>
+                <p:nvPr/>
+              </p:nvSpPr>
+              <p:spPr>
+                <a:xfrm>
+                  <a:off x="1232320" y="4095007"/>
+                  <a:ext cx="183319" cy="276999"/>
+                </a:xfrm>
+                <a:prstGeom prst="rect">
+                  <a:avLst/>
+                </a:prstGeom>
+                <a:noFill/>
+              </p:spPr>
+              <p:txBody>
+                <a:bodyPr wrap="square" lIns="0" tIns="0" rIns="0" bIns="0" rtlCol="0">
+                  <a:spAutoFit/>
+                </a:bodyPr>
+                <a:lstStyle/>
+                <a:p>
+                  <a:pPr/>
+                  <a14:m>
+                    <m:oMathPara xmlns:m="http://schemas.openxmlformats.org/officeDocument/2006/math">
+                      <m:oMathParaPr>
+                        <m:jc m:val="centerGroup"/>
+                      </m:oMathParaPr>
+                      <m:oMath xmlns:m="http://schemas.openxmlformats.org/officeDocument/2006/math">
+                        <m:r>
+                          <a:rPr lang="hu-HU" b="0" i="1" smtClean="0">
+                            <a:latin typeface="Cambria Math" charset="0"/>
+                          </a:rPr>
+                          <m:t>𝐿</m:t>
+                        </m:r>
+                      </m:oMath>
+                    </m:oMathPara>
+                  </a14:m>
+                  <a:endParaRPr lang="hu-HU" b="0" dirty="0" smtClean="0"/>
+                </a:p>
+              </p:txBody>
+            </p:sp>
+          </mc:Choice>
+          <mc:Fallback xmlns="">
+            <p:sp>
+              <p:nvSpPr>
+                <p:cNvPr id="78" name="TextBox 77"/>
+                <p:cNvSpPr txBox="1">
+                  <a:spLocks noRot="1" noChangeAspect="1" noMove="1" noResize="1" noEditPoints="1" noAdjustHandles="1" noChangeArrowheads="1" noChangeShapeType="1" noTextEdit="1"/>
+                </p:cNvSpPr>
+                <p:nvPr/>
+              </p:nvSpPr>
+              <p:spPr>
+                <a:xfrm>
+                  <a:off x="1232320" y="4095007"/>
+                  <a:ext cx="183319" cy="276999"/>
+                </a:xfrm>
+                <a:prstGeom prst="rect">
+                  <a:avLst/>
+                </a:prstGeom>
+                <a:blipFill rotWithShape="0">
+                  <a:blip r:embed="rId22"/>
+                  <a:stretch>
+                    <a:fillRect l="-26667" r="-26667" b="-6667"/>
+                  </a:stretch>
+                </a:blipFill>
+              </p:spPr>
+              <p:txBody>
+                <a:bodyPr/>
+                <a:lstStyle/>
+                <a:p>
+                  <a:r>
+                    <a:rPr lang="en-GB">
+                      <a:noFill/>
+                    </a:rPr>
+                    <a:t> </a:t>
+                  </a:r>
+                </a:p>
+              </p:txBody>
+            </p:sp>
+          </mc:Fallback>
+        </mc:AlternateContent>
+        <p:cxnSp>
+          <p:nvCxnSpPr>
+            <p:cNvPr id="69" name="Straight Arrow Connector 68"/>
+            <p:cNvCxnSpPr/>
+            <p:nvPr/>
+          </p:nvCxnSpPr>
+          <p:spPr>
+            <a:xfrm>
+              <a:off x="1793229" y="3381034"/>
+              <a:ext cx="1391770" cy="0"/>
+            </a:xfrm>
+            <a:prstGeom prst="straightConnector1">
+              <a:avLst/>
+            </a:prstGeom>
+            <a:ln w="12700">
+              <a:solidFill>
+                <a:schemeClr val="tx1"/>
+              </a:solidFill>
+              <a:tailEnd type="triangle" w="med" len="lg"/>
+            </a:ln>
+          </p:spPr>
+          <p:style>
+            <a:lnRef idx="1">
+              <a:schemeClr val="accent1"/>
+            </a:lnRef>
+            <a:fillRef idx="0">
+              <a:schemeClr val="accent1"/>
+            </a:fillRef>
+            <a:effectRef idx="0">
+              <a:schemeClr val="accent1"/>
+            </a:effectRef>
+            <a:fontRef idx="minor">
+              <a:schemeClr val="tx1"/>
+            </a:fontRef>
+          </p:style>
+        </p:cxnSp>
+        <p:sp>
+          <p:nvSpPr>
+            <p:cNvPr id="73" name="Rectangle 72"/>
+            <p:cNvSpPr/>
+            <p:nvPr/>
+          </p:nvSpPr>
+          <p:spPr>
+            <a:xfrm>
+              <a:off x="984504" y="3535447"/>
+              <a:ext cx="2915707" cy="155069"/>
+            </a:xfrm>
+            <a:prstGeom prst="rect">
+              <a:avLst/>
+            </a:prstGeom>
+            <a:solidFill>
+              <a:schemeClr val="bg1"/>
+            </a:solidFill>
+            <a:ln w="12700">
+              <a:solidFill>
+                <a:schemeClr val="tx1"/>
+              </a:solidFill>
+            </a:ln>
+          </p:spPr>
+          <p:style>
+            <a:lnRef idx="2">
+              <a:schemeClr val="accent1">
+                <a:shade val="50000"/>
+              </a:schemeClr>
+            </a:lnRef>
+            <a:fillRef idx="1">
+              <a:schemeClr val="accent1"/>
+            </a:fillRef>
+            <a:effectRef idx="0">
+              <a:schemeClr val="accent1"/>
+            </a:effectRef>
+            <a:fontRef idx="minor">
+              <a:schemeClr val="lt1"/>
+            </a:fontRef>
+          </p:style>
+          <p:txBody>
+            <a:bodyPr rtlCol="0" anchor="ctr"/>
+            <a:lstStyle/>
+            <a:p>
+              <a:pPr algn="ctr"/>
+              <a:endParaRPr lang="en-GB"/>
+            </a:p>
+          </p:txBody>
+        </p:sp>
+        <mc:AlternateContent xmlns:mc="http://schemas.openxmlformats.org/markup-compatibility/2006" xmlns:a14="http://schemas.microsoft.com/office/drawing/2010/main">
+          <mc:Choice Requires="a14">
+            <p:sp>
+              <p:nvSpPr>
+                <p:cNvPr id="80" name="TextBox 79"/>
+                <p:cNvSpPr txBox="1"/>
+                <p:nvPr/>
+              </p:nvSpPr>
+              <p:spPr>
+                <a:xfrm>
+                  <a:off x="1951629" y="3056300"/>
+                  <a:ext cx="1152816" cy="276999"/>
+                </a:xfrm>
+                <a:prstGeom prst="rect">
+                  <a:avLst/>
+                </a:prstGeom>
+                <a:noFill/>
+              </p:spPr>
+              <p:txBody>
+                <a:bodyPr wrap="none" lIns="0" tIns="0" rIns="0" bIns="0" rtlCol="0">
+                  <a:spAutoFit/>
+                </a:bodyPr>
+                <a:lstStyle/>
+                <a:p>
+                  <a14:m>
+                    <m:oMath xmlns:m="http://schemas.openxmlformats.org/officeDocument/2006/math">
+                      <m:sSub>
+                        <m:sSubPr>
+                          <m:ctrlPr>
+                            <a:rPr lang="hu-HU" b="0" i="1" smtClean="0">
+                              <a:latin typeface="Cambria Math" charset="0"/>
+                            </a:rPr>
+                          </m:ctrlPr>
+                        </m:sSubPr>
+                        <m:e>
+                          <m:r>
+                            <a:rPr lang="hu-HU" b="0" i="1" smtClean="0">
+                              <a:latin typeface="Cambria Math" charset="0"/>
+                            </a:rPr>
+                            <m:t>𝑣</m:t>
+                          </m:r>
+                        </m:e>
+                        <m:sub>
+                          <m:r>
+                            <a:rPr lang="hu-HU" b="0" i="1" smtClean="0">
+                              <a:latin typeface="Cambria Math" charset="0"/>
+                            </a:rPr>
+                            <m:t>𝑙𝑖𝑑</m:t>
+                          </m:r>
+                        </m:sub>
+                      </m:sSub>
+                      <m:r>
+                        <a:rPr lang="hu-HU" b="0" i="0" smtClean="0">
+                          <a:latin typeface="Cambria Math" charset="0"/>
+                        </a:rPr>
+                        <m:t>=1</m:t>
+                      </m:r>
+                    </m:oMath>
+                  </a14:m>
+                  <a:r>
+                    <a:rPr lang="hu-HU" b="0" dirty="0" smtClean="0"/>
+                    <a:t>m/s</a:t>
+                  </a:r>
+                </a:p>
+              </p:txBody>
+            </p:sp>
+          </mc:Choice>
+          <mc:Fallback xmlns="">
+            <p:sp>
+              <p:nvSpPr>
+                <p:cNvPr id="80" name="TextBox 79"/>
+                <p:cNvSpPr txBox="1">
+                  <a:spLocks noRot="1" noChangeAspect="1" noMove="1" noResize="1" noEditPoints="1" noAdjustHandles="1" noChangeArrowheads="1" noChangeShapeType="1" noTextEdit="1"/>
+                </p:cNvSpPr>
+                <p:nvPr/>
+              </p:nvSpPr>
+              <p:spPr>
+                <a:xfrm>
+                  <a:off x="1951629" y="3056300"/>
+                  <a:ext cx="1152816" cy="276999"/>
+                </a:xfrm>
+                <a:prstGeom prst="rect">
+                  <a:avLst/>
+                </a:prstGeom>
+                <a:blipFill rotWithShape="0">
+                  <a:blip r:embed="rId23"/>
+                  <a:stretch>
+                    <a:fillRect l="-4762" t="-28261" r="-12169" b="-50000"/>
+                  </a:stretch>
+                </a:blipFill>
+              </p:spPr>
+              <p:txBody>
+                <a:bodyPr/>
+                <a:lstStyle/>
+                <a:p>
+                  <a:r>
+                    <a:rPr lang="en-GB">
+                      <a:noFill/>
+                    </a:rPr>
+                    <a:t> </a:t>
+                  </a:r>
+                </a:p>
+              </p:txBody>
+            </p:sp>
+          </mc:Fallback>
+        </mc:AlternateContent>
+        <p:cxnSp>
+          <p:nvCxnSpPr>
+            <p:cNvPr id="81" name="Straight Connector 80"/>
+            <p:cNvCxnSpPr>
+              <a:stCxn id="67" idx="0"/>
+            </p:cNvCxnSpPr>
+            <p:nvPr/>
+          </p:nvCxnSpPr>
+          <p:spPr>
+            <a:xfrm>
+              <a:off x="2450335" y="3673615"/>
+              <a:ext cx="0" cy="2758654"/>
+            </a:xfrm>
+            <a:prstGeom prst="line">
+              <a:avLst/>
+            </a:prstGeom>
+            <a:ln w="9525">
+              <a:solidFill>
+                <a:schemeClr val="tx1"/>
+              </a:solidFill>
+              <a:prstDash val="dash"/>
+            </a:ln>
+          </p:spPr>
+          <p:style>
+            <a:lnRef idx="1">
+              <a:schemeClr val="accent1"/>
+            </a:lnRef>
+            <a:fillRef idx="0">
+              <a:schemeClr val="accent1"/>
+            </a:fillRef>
+            <a:effectRef idx="0">
+              <a:schemeClr val="accent1"/>
+            </a:effectRef>
+            <a:fontRef idx="minor">
+              <a:schemeClr val="tx1"/>
+            </a:fontRef>
+          </p:style>
+        </p:cxnSp>
+        <p:sp>
+          <p:nvSpPr>
+            <p:cNvPr id="15" name="Arc 14"/>
+            <p:cNvSpPr/>
+            <p:nvPr/>
+          </p:nvSpPr>
+          <p:spPr>
+            <a:xfrm rot="20602918">
+              <a:off x="1541761" y="4129985"/>
+              <a:ext cx="1859756" cy="1859756"/>
+            </a:xfrm>
+            <a:prstGeom prst="arc">
+              <a:avLst>
+                <a:gd name="adj1" fmla="val 14248505"/>
+                <a:gd name="adj2" fmla="val 7888463"/>
+              </a:avLst>
+            </a:prstGeom>
+            <a:ln w="38100">
+              <a:solidFill>
+                <a:schemeClr val="tx1"/>
+              </a:solidFill>
+              <a:headEnd type="none" w="med" len="med"/>
+              <a:tailEnd type="triangle" w="med" len="lg"/>
+            </a:ln>
+          </p:spPr>
+          <p:style>
+            <a:lnRef idx="1">
+              <a:schemeClr val="accent1"/>
+            </a:lnRef>
+            <a:fillRef idx="0">
+              <a:schemeClr val="accent1"/>
+            </a:fillRef>
+            <a:effectRef idx="0">
+              <a:schemeClr val="accent1"/>
+            </a:effectRef>
+            <a:fontRef idx="minor">
+              <a:schemeClr val="tx1"/>
+            </a:fontRef>
+          </p:style>
+          <p:txBody>
+            <a:bodyPr rtlCol="0" anchor="ctr"/>
+            <a:lstStyle/>
+            <a:p>
+              <a:pPr algn="ctr"/>
+              <a:endParaRPr lang="en-GB"/>
+            </a:p>
+          </p:txBody>
+        </p:sp>
+        <p:cxnSp>
+          <p:nvCxnSpPr>
+            <p:cNvPr id="82" name="Straight Arrow Connector 81"/>
+            <p:cNvCxnSpPr/>
+            <p:nvPr/>
+          </p:nvCxnSpPr>
+          <p:spPr>
+            <a:xfrm>
+              <a:off x="2450335" y="5052942"/>
+              <a:ext cx="578994" cy="0"/>
+            </a:xfrm>
+            <a:prstGeom prst="straightConnector1">
+              <a:avLst/>
+            </a:prstGeom>
+            <a:ln w="12700">
+              <a:solidFill>
+                <a:schemeClr val="tx1"/>
+              </a:solidFill>
+              <a:tailEnd type="triangle" w="med" len="lg"/>
+            </a:ln>
+          </p:spPr>
+          <p:style>
+            <a:lnRef idx="1">
+              <a:schemeClr val="accent1"/>
+            </a:lnRef>
+            <a:fillRef idx="0">
+              <a:schemeClr val="accent1"/>
+            </a:fillRef>
+            <a:effectRef idx="0">
+              <a:schemeClr val="accent1"/>
+            </a:effectRef>
+            <a:fontRef idx="minor">
+              <a:schemeClr val="tx1"/>
+            </a:fontRef>
+          </p:style>
+        </p:cxnSp>
+        <p:cxnSp>
+          <p:nvCxnSpPr>
+            <p:cNvPr id="83" name="Straight Arrow Connector 82"/>
+            <p:cNvCxnSpPr/>
+            <p:nvPr/>
+          </p:nvCxnSpPr>
+          <p:spPr>
+            <a:xfrm flipV="1">
+              <a:off x="2450335" y="4505550"/>
+              <a:ext cx="0" cy="542279"/>
+            </a:xfrm>
+            <a:prstGeom prst="straightConnector1">
+              <a:avLst/>
+            </a:prstGeom>
+            <a:ln w="12700">
+              <a:solidFill>
+                <a:schemeClr val="tx1"/>
+              </a:solidFill>
+              <a:tailEnd type="triangle" w="med" len="lg"/>
+            </a:ln>
+          </p:spPr>
+          <p:style>
+            <a:lnRef idx="1">
+              <a:schemeClr val="accent1"/>
+            </a:lnRef>
+            <a:fillRef idx="0">
+              <a:schemeClr val="accent1"/>
+            </a:fillRef>
+            <a:effectRef idx="0">
+              <a:schemeClr val="accent1"/>
+            </a:effectRef>
+            <a:fontRef idx="minor">
+              <a:schemeClr val="tx1"/>
+            </a:fontRef>
+          </p:style>
+        </p:cxnSp>
+        <mc:AlternateContent xmlns:mc="http://schemas.openxmlformats.org/markup-compatibility/2006" xmlns:a14="http://schemas.microsoft.com/office/drawing/2010/main">
+          <mc:Choice Requires="a14">
+            <p:sp>
+              <p:nvSpPr>
+                <p:cNvPr id="84" name="TextBox 83"/>
+                <p:cNvSpPr txBox="1"/>
+                <p:nvPr/>
+              </p:nvSpPr>
+              <p:spPr>
+                <a:xfrm>
+                  <a:off x="2205342" y="4337284"/>
+                  <a:ext cx="183319" cy="276999"/>
+                </a:xfrm>
+                <a:prstGeom prst="rect">
+                  <a:avLst/>
+                </a:prstGeom>
+                <a:noFill/>
+              </p:spPr>
+              <p:txBody>
+                <a:bodyPr wrap="square" lIns="0" tIns="0" rIns="0" bIns="0" rtlCol="0">
+                  <a:spAutoFit/>
+                </a:bodyPr>
+                <a:lstStyle/>
+                <a:p>
+                  <a:pPr/>
+                  <a14:m>
+                    <m:oMathPara xmlns:m="http://schemas.openxmlformats.org/officeDocument/2006/math">
+                      <m:oMathParaPr>
+                        <m:jc m:val="centerGroup"/>
+                      </m:oMathParaPr>
+                      <m:oMath xmlns:m="http://schemas.openxmlformats.org/officeDocument/2006/math">
+                        <m:r>
+                          <a:rPr lang="hu-HU" b="0" i="1" smtClean="0">
+                            <a:latin typeface="Cambria Math" charset="0"/>
+                          </a:rPr>
+                          <m:t>𝑥</m:t>
+                        </m:r>
+                      </m:oMath>
+                    </m:oMathPara>
+                  </a14:m>
+                  <a:endParaRPr lang="hu-HU" b="0" dirty="0" smtClean="0"/>
+                </a:p>
+              </p:txBody>
+            </p:sp>
+          </mc:Choice>
+          <mc:Fallback xmlns="">
+            <p:sp>
+              <p:nvSpPr>
+                <p:cNvPr id="84" name="TextBox 83"/>
+                <p:cNvSpPr txBox="1">
+                  <a:spLocks noRot="1" noChangeAspect="1" noMove="1" noResize="1" noEditPoints="1" noAdjustHandles="1" noChangeArrowheads="1" noChangeShapeType="1" noTextEdit="1"/>
+                </p:cNvSpPr>
+                <p:nvPr/>
+              </p:nvSpPr>
+              <p:spPr>
+                <a:xfrm>
+                  <a:off x="2205342" y="4337284"/>
+                  <a:ext cx="183319" cy="276999"/>
+                </a:xfrm>
+                <a:prstGeom prst="rect">
+                  <a:avLst/>
+                </a:prstGeom>
+                <a:blipFill rotWithShape="0">
+                  <a:blip r:embed="rId24"/>
+                  <a:stretch>
+                    <a:fillRect l="-20000" r="-10000"/>
+                  </a:stretch>
+                </a:blipFill>
+              </p:spPr>
+              <p:txBody>
+                <a:bodyPr/>
+                <a:lstStyle/>
+                <a:p>
+                  <a:r>
+                    <a:rPr lang="en-GB">
+                      <a:noFill/>
+                    </a:rPr>
+                    <a:t> </a:t>
+                  </a:r>
+                </a:p>
+              </p:txBody>
+            </p:sp>
+          </mc:Fallback>
+        </mc:AlternateContent>
+        <mc:AlternateContent xmlns:mc="http://schemas.openxmlformats.org/markup-compatibility/2006" xmlns:a14="http://schemas.microsoft.com/office/drawing/2010/main">
+          <mc:Choice Requires="a14">
+            <p:sp>
+              <p:nvSpPr>
+                <p:cNvPr id="85" name="TextBox 84"/>
+                <p:cNvSpPr txBox="1"/>
+                <p:nvPr/>
+              </p:nvSpPr>
+              <p:spPr>
+                <a:xfrm>
+                  <a:off x="2917727" y="5060124"/>
+                  <a:ext cx="186718" cy="276999"/>
+                </a:xfrm>
+                <a:prstGeom prst="rect">
+                  <a:avLst/>
+                </a:prstGeom>
+                <a:noFill/>
+              </p:spPr>
+              <p:txBody>
+                <a:bodyPr wrap="none" lIns="0" tIns="0" rIns="0" bIns="0" rtlCol="0">
+                  <a:spAutoFit/>
+                </a:bodyPr>
+                <a:lstStyle/>
+                <a:p>
+                  <a:pPr/>
+                  <a14:m>
+                    <m:oMathPara xmlns:m="http://schemas.openxmlformats.org/officeDocument/2006/math">
+                      <m:oMathParaPr>
+                        <m:jc m:val="centerGroup"/>
+                      </m:oMathParaPr>
+                      <m:oMath xmlns:m="http://schemas.openxmlformats.org/officeDocument/2006/math">
+                        <m:r>
+                          <a:rPr lang="hu-HU" b="0" i="1" smtClean="0">
+                            <a:latin typeface="Cambria Math" charset="0"/>
+                          </a:rPr>
+                          <m:t>𝑦</m:t>
+                        </m:r>
+                      </m:oMath>
+                    </m:oMathPara>
+                  </a14:m>
+                  <a:endParaRPr lang="hu-HU" b="0" dirty="0" smtClean="0"/>
+                </a:p>
+              </p:txBody>
+            </p:sp>
+          </mc:Choice>
+          <mc:Fallback xmlns="">
+            <p:sp>
+              <p:nvSpPr>
+                <p:cNvPr id="85" name="TextBox 84"/>
+                <p:cNvSpPr txBox="1">
+                  <a:spLocks noRot="1" noChangeAspect="1" noMove="1" noResize="1" noEditPoints="1" noAdjustHandles="1" noChangeArrowheads="1" noChangeShapeType="1" noTextEdit="1"/>
+                </p:cNvSpPr>
+                <p:nvPr/>
+              </p:nvSpPr>
+              <p:spPr>
+                <a:xfrm>
+                  <a:off x="2917727" y="5060124"/>
+                  <a:ext cx="186718" cy="276999"/>
+                </a:xfrm>
+                <a:prstGeom prst="rect">
+                  <a:avLst/>
+                </a:prstGeom>
+                <a:blipFill rotWithShape="0">
+                  <a:blip r:embed="rId25"/>
+                  <a:stretch>
+                    <a:fillRect l="-33333" r="-26667" b="-23913"/>
                   </a:stretch>
                 </a:blipFill>
               </p:spPr>
@@ -22068,6 +23221,3110 @@
 </file>
 
 <file path=ppt/slides/slide7.xml><?xml version="1.0" encoding="utf-8"?>
+<p:sld xmlns:a="http://schemas.openxmlformats.org/drawingml/2006/main" xmlns:r="http://schemas.openxmlformats.org/officeDocument/2006/relationships" xmlns:p="http://schemas.openxmlformats.org/presentationml/2006/main">
+  <p:cSld>
+    <p:spTree>
+      <p:nvGrpSpPr>
+        <p:cNvPr id="1" name=""/>
+        <p:cNvGrpSpPr/>
+        <p:nvPr/>
+      </p:nvGrpSpPr>
+      <p:grpSpPr>
+        <a:xfrm>
+          <a:off x="0" y="0"/>
+          <a:ext cx="0" cy="0"/>
+          <a:chOff x="0" y="0"/>
+          <a:chExt cx="0" cy="0"/>
+        </a:xfrm>
+      </p:grpSpPr>
+      <p:grpSp>
+        <p:nvGrpSpPr>
+          <p:cNvPr id="110" name="Group 109"/>
+          <p:cNvGrpSpPr/>
+          <p:nvPr/>
+        </p:nvGrpSpPr>
+        <p:grpSpPr>
+          <a:xfrm>
+            <a:off x="4479312" y="1165986"/>
+            <a:ext cx="7676023" cy="3906596"/>
+            <a:chOff x="2000504" y="1648178"/>
+            <a:chExt cx="7676023" cy="3906596"/>
+          </a:xfrm>
+        </p:grpSpPr>
+        <p:pic>
+          <p:nvPicPr>
+            <p:cNvPr id="111" name="Picture 110"/>
+            <p:cNvPicPr>
+              <a:picLocks noChangeAspect="1"/>
+            </p:cNvPicPr>
+            <p:nvPr/>
+          </p:nvPicPr>
+          <p:blipFill rotWithShape="1">
+            <a:blip r:embed="rId2">
+              <a:extLst>
+                <a:ext uri="{28A0092B-C50C-407E-A947-70E740481C1C}">
+                  <a14:useLocalDpi xmlns:a14="http://schemas.microsoft.com/office/drawing/2010/main" val="0"/>
+                </a:ext>
+              </a:extLst>
+            </a:blip>
+            <a:srcRect l="13595" t="24032" r="12986" b="24389"/>
+            <a:stretch/>
+          </p:blipFill>
+          <p:spPr>
+            <a:xfrm>
+              <a:off x="2551289" y="1648178"/>
+              <a:ext cx="7125238" cy="3537264"/>
+            </a:xfrm>
+            <a:prstGeom prst="rect">
+              <a:avLst/>
+            </a:prstGeom>
+          </p:spPr>
+        </p:pic>
+        <mc:AlternateContent xmlns:mc="http://schemas.openxmlformats.org/markup-compatibility/2006">
+          <mc:Choice xmlns:a14="http://schemas.microsoft.com/office/drawing/2010/main" Requires="a14">
+            <p:sp>
+              <p:nvSpPr>
+                <p:cNvPr id="112" name="TextBox 111"/>
+                <p:cNvSpPr txBox="1"/>
+                <p:nvPr/>
+              </p:nvSpPr>
+              <p:spPr>
+                <a:xfrm>
+                  <a:off x="2000504" y="3142390"/>
+                  <a:ext cx="634276" cy="369332"/>
+                </a:xfrm>
+                <a:prstGeom prst="rect">
+                  <a:avLst/>
+                </a:prstGeom>
+                <a:noFill/>
+              </p:spPr>
+              <p:txBody>
+                <a:bodyPr wrap="none" rtlCol="0">
+                  <a:spAutoFit/>
+                </a:bodyPr>
+                <a:lstStyle/>
+                <a:p>
+                  <a:pPr/>
+                  <a:r>
+                    <a:rPr lang="hu-HU" b="0" dirty="0" smtClean="0"/>
+                    <a:t>z</a:t>
+                  </a:r>
+                  <a14:m>
+                    <m:oMath xmlns:m="http://schemas.openxmlformats.org/officeDocument/2006/math">
+                      <m:r>
+                        <a:rPr lang="hu-HU" b="0" i="1" smtClean="0">
+                          <a:latin typeface="Cambria Math" charset="0"/>
+                        </a:rPr>
+                        <m:t>[</m:t>
+                      </m:r>
+                      <m:r>
+                        <a:rPr lang="hu-HU" b="0" i="1" smtClean="0">
+                          <a:latin typeface="Cambria Math" charset="0"/>
+                        </a:rPr>
+                        <m:t>𝑚</m:t>
+                      </m:r>
+                      <m:r>
+                        <a:rPr lang="hu-HU" b="0" i="1" smtClean="0">
+                          <a:latin typeface="Cambria Math" charset="0"/>
+                        </a:rPr>
+                        <m:t>]</m:t>
+                      </m:r>
+                    </m:oMath>
+                  </a14:m>
+                  <a:endParaRPr lang="en-GB" dirty="0"/>
+                </a:p>
+              </p:txBody>
+            </p:sp>
+          </mc:Choice>
+          <mc:Fallback>
+            <p:sp>
+              <p:nvSpPr>
+                <p:cNvPr id="112" name="TextBox 111"/>
+                <p:cNvSpPr txBox="1">
+                  <a:spLocks noRot="1" noChangeAspect="1" noMove="1" noResize="1" noEditPoints="1" noAdjustHandles="1" noChangeArrowheads="1" noChangeShapeType="1" noTextEdit="1"/>
+                </p:cNvSpPr>
+                <p:nvPr/>
+              </p:nvSpPr>
+              <p:spPr>
+                <a:xfrm>
+                  <a:off x="2000504" y="3142390"/>
+                  <a:ext cx="634276" cy="369332"/>
+                </a:xfrm>
+                <a:prstGeom prst="rect">
+                  <a:avLst/>
+                </a:prstGeom>
+                <a:blipFill rotWithShape="0">
+                  <a:blip r:embed="rId3"/>
+                  <a:stretch>
+                    <a:fillRect l="-8654" t="-8197" r="-1923" b="-24590"/>
+                  </a:stretch>
+                </a:blipFill>
+              </p:spPr>
+              <p:txBody>
+                <a:bodyPr/>
+                <a:lstStyle/>
+                <a:p>
+                  <a:r>
+                    <a:rPr lang="en-GB">
+                      <a:noFill/>
+                    </a:rPr>
+                    <a:t> </a:t>
+                  </a:r>
+                </a:p>
+              </p:txBody>
+            </p:sp>
+          </mc:Fallback>
+        </mc:AlternateContent>
+        <mc:AlternateContent xmlns:mc="http://schemas.openxmlformats.org/markup-compatibility/2006" xmlns:a14="http://schemas.microsoft.com/office/drawing/2010/main">
+          <mc:Choice Requires="a14">
+            <p:sp>
+              <p:nvSpPr>
+                <p:cNvPr id="113" name="TextBox 112"/>
+                <p:cNvSpPr txBox="1"/>
+                <p:nvPr/>
+              </p:nvSpPr>
+              <p:spPr>
+                <a:xfrm>
+                  <a:off x="8236003" y="5185442"/>
+                  <a:ext cx="1440523" cy="369332"/>
+                </a:xfrm>
+                <a:prstGeom prst="rect">
+                  <a:avLst/>
+                </a:prstGeom>
+                <a:noFill/>
+              </p:spPr>
+              <p:txBody>
+                <a:bodyPr wrap="none" rtlCol="0">
+                  <a:spAutoFit/>
+                </a:bodyPr>
+                <a:lstStyle/>
+                <a:p>
+                  <a:pPr/>
+                  <a14:m>
+                    <m:oMathPara xmlns:m="http://schemas.openxmlformats.org/officeDocument/2006/math">
+                      <m:oMathParaPr>
+                        <m:jc m:val="centerGroup"/>
+                      </m:oMathParaPr>
+                      <m:oMath xmlns:m="http://schemas.openxmlformats.org/officeDocument/2006/math">
+                        <m:r>
+                          <a:rPr lang="hu-HU" b="0" i="1" smtClean="0">
+                            <a:latin typeface="Cambria Math" charset="0"/>
+                          </a:rPr>
+                          <m:t>𝑡</m:t>
+                        </m:r>
+                        <m:r>
+                          <a:rPr lang="hu-HU" b="0" i="1" smtClean="0">
+                            <a:latin typeface="Cambria Math" charset="0"/>
+                          </a:rPr>
+                          <m:t> [</m:t>
+                        </m:r>
+                        <m:sSup>
+                          <m:sSupPr>
+                            <m:ctrlPr>
+                              <a:rPr lang="hu-HU" b="0" i="1" smtClean="0">
+                                <a:latin typeface="Cambria Math" charset="0"/>
+                              </a:rPr>
+                            </m:ctrlPr>
+                          </m:sSupPr>
+                          <m:e>
+                            <m:r>
+                              <a:rPr lang="hu-HU" b="0" i="1" smtClean="0">
+                                <a:latin typeface="Cambria Math" charset="0"/>
+                              </a:rPr>
+                              <m:t>5</m:t>
+                            </m:r>
+                            <m:r>
+                              <a:rPr lang="hu-HU" b="0" i="1" smtClean="0">
+                                <a:latin typeface="Cambria Math" charset="0"/>
+                                <a:ea typeface="Cambria Math" charset="0"/>
+                                <a:cs typeface="Cambria Math" charset="0"/>
+                              </a:rPr>
+                              <m:t>∙</m:t>
+                            </m:r>
+                            <m:r>
+                              <a:rPr lang="hu-HU" b="0" i="1" smtClean="0">
+                                <a:latin typeface="Cambria Math" charset="0"/>
+                              </a:rPr>
+                              <m:t>10</m:t>
+                            </m:r>
+                          </m:e>
+                          <m:sup>
+                            <m:r>
+                              <a:rPr lang="hu-HU" b="0" i="1" smtClean="0">
+                                <a:latin typeface="Cambria Math" charset="0"/>
+                              </a:rPr>
+                              <m:t>−3</m:t>
+                            </m:r>
+                          </m:sup>
+                        </m:sSup>
+                        <m:r>
+                          <a:rPr lang="hu-HU" b="0" i="1" smtClean="0">
+                            <a:latin typeface="Cambria Math" charset="0"/>
+                          </a:rPr>
+                          <m:t>𝑠</m:t>
+                        </m:r>
+                        <m:r>
+                          <a:rPr lang="hu-HU" b="0" i="1" smtClean="0">
+                            <a:latin typeface="Cambria Math" charset="0"/>
+                          </a:rPr>
+                          <m:t>]</m:t>
+                        </m:r>
+                      </m:oMath>
+                    </m:oMathPara>
+                  </a14:m>
+                  <a:endParaRPr lang="en-GB" dirty="0"/>
+                </a:p>
+              </p:txBody>
+            </p:sp>
+          </mc:Choice>
+          <mc:Fallback xmlns="">
+            <p:sp>
+              <p:nvSpPr>
+                <p:cNvPr id="70" name="TextBox 69"/>
+                <p:cNvSpPr txBox="1">
+                  <a:spLocks noRot="1" noChangeAspect="1" noMove="1" noResize="1" noEditPoints="1" noAdjustHandles="1" noChangeArrowheads="1" noChangeShapeType="1" noTextEdit="1"/>
+                </p:cNvSpPr>
+                <p:nvPr/>
+              </p:nvSpPr>
+              <p:spPr>
+                <a:xfrm>
+                  <a:off x="8236003" y="5185442"/>
+                  <a:ext cx="1440523" cy="369332"/>
+                </a:xfrm>
+                <a:prstGeom prst="rect">
+                  <a:avLst/>
+                </a:prstGeom>
+                <a:blipFill rotWithShape="0">
+                  <a:blip r:embed="rId4"/>
+                  <a:stretch>
+                    <a:fillRect t="-98333" b="-123333"/>
+                  </a:stretch>
+                </a:blipFill>
+              </p:spPr>
+              <p:txBody>
+                <a:bodyPr/>
+                <a:lstStyle/>
+                <a:p>
+                  <a:r>
+                    <a:rPr lang="en-GB">
+                      <a:noFill/>
+                    </a:rPr>
+                    <a:t> </a:t>
+                  </a:r>
+                </a:p>
+              </p:txBody>
+            </p:sp>
+          </mc:Fallback>
+        </mc:AlternateContent>
+      </p:grpSp>
+      <p:grpSp>
+        <p:nvGrpSpPr>
+          <p:cNvPr id="118" name="Group 117"/>
+          <p:cNvGrpSpPr/>
+          <p:nvPr/>
+        </p:nvGrpSpPr>
+        <p:grpSpPr>
+          <a:xfrm>
+            <a:off x="156406" y="944244"/>
+            <a:ext cx="4152775" cy="4763354"/>
+            <a:chOff x="156406" y="944244"/>
+            <a:chExt cx="4152775" cy="4763354"/>
+          </a:xfrm>
+        </p:grpSpPr>
+        <p:sp>
+          <p:nvSpPr>
+            <p:cNvPr id="85" name="Rectangle 84"/>
+            <p:cNvSpPr/>
+            <p:nvPr/>
+          </p:nvSpPr>
+          <p:spPr>
+            <a:xfrm>
+              <a:off x="869069" y="944244"/>
+              <a:ext cx="3081816" cy="3096790"/>
+            </a:xfrm>
+            <a:prstGeom prst="rect">
+              <a:avLst/>
+            </a:prstGeom>
+            <a:solidFill>
+              <a:schemeClr val="accent5">
+                <a:lumMod val="75000"/>
+              </a:schemeClr>
+            </a:solidFill>
+            <a:ln w="28575">
+              <a:solidFill>
+                <a:schemeClr val="tx1"/>
+              </a:solidFill>
+            </a:ln>
+          </p:spPr>
+          <p:style>
+            <a:lnRef idx="2">
+              <a:schemeClr val="accent1">
+                <a:shade val="50000"/>
+              </a:schemeClr>
+            </a:lnRef>
+            <a:fillRef idx="1">
+              <a:schemeClr val="accent1"/>
+            </a:fillRef>
+            <a:effectRef idx="0">
+              <a:schemeClr val="accent1"/>
+            </a:effectRef>
+            <a:fontRef idx="minor">
+              <a:schemeClr val="lt1"/>
+            </a:fontRef>
+          </p:style>
+          <p:txBody>
+            <a:bodyPr rtlCol="0" anchor="ctr"/>
+            <a:lstStyle/>
+            <a:p>
+              <a:pPr algn="ctr"/>
+              <a:endParaRPr lang="en-GB" sz="2000"/>
+            </a:p>
+          </p:txBody>
+        </p:sp>
+        <p:sp>
+          <p:nvSpPr>
+            <p:cNvPr id="2" name="Rectangle 1"/>
+            <p:cNvSpPr/>
+            <p:nvPr/>
+          </p:nvSpPr>
+          <p:spPr>
+            <a:xfrm>
+              <a:off x="1031744" y="1121039"/>
+              <a:ext cx="2743200" cy="2743200"/>
+            </a:xfrm>
+            <a:prstGeom prst="rect">
+              <a:avLst/>
+            </a:prstGeom>
+            <a:solidFill>
+              <a:schemeClr val="accent1">
+                <a:lumMod val="20000"/>
+                <a:lumOff val="80000"/>
+              </a:schemeClr>
+            </a:solidFill>
+            <a:ln w="28575">
+              <a:solidFill>
+                <a:schemeClr val="tx1"/>
+              </a:solidFill>
+            </a:ln>
+          </p:spPr>
+          <p:style>
+            <a:lnRef idx="2">
+              <a:schemeClr val="accent1">
+                <a:shade val="50000"/>
+              </a:schemeClr>
+            </a:lnRef>
+            <a:fillRef idx="1">
+              <a:schemeClr val="accent1"/>
+            </a:fillRef>
+            <a:effectRef idx="0">
+              <a:schemeClr val="accent1"/>
+            </a:effectRef>
+            <a:fontRef idx="minor">
+              <a:schemeClr val="lt1"/>
+            </a:fontRef>
+          </p:style>
+          <p:txBody>
+            <a:bodyPr rtlCol="0" anchor="ctr"/>
+            <a:lstStyle/>
+            <a:p>
+              <a:pPr algn="ctr"/>
+              <a:endParaRPr lang="en-GB" sz="2000"/>
+            </a:p>
+          </p:txBody>
+        </p:sp>
+        <p:grpSp>
+          <p:nvGrpSpPr>
+            <p:cNvPr id="4" name="Group 3"/>
+            <p:cNvGrpSpPr/>
+            <p:nvPr/>
+          </p:nvGrpSpPr>
+          <p:grpSpPr>
+            <a:xfrm>
+              <a:off x="1045009" y="2583581"/>
+              <a:ext cx="2451293" cy="1262254"/>
+              <a:chOff x="872287" y="2150098"/>
+              <a:chExt cx="2451293" cy="1262254"/>
+            </a:xfrm>
+          </p:grpSpPr>
+          <p:sp>
+            <p:nvSpPr>
+              <p:cNvPr id="3" name="Oval 2"/>
+              <p:cNvSpPr/>
+              <p:nvPr/>
+            </p:nvSpPr>
+            <p:spPr>
+              <a:xfrm>
+                <a:off x="872287" y="3062398"/>
+                <a:ext cx="349954" cy="349954"/>
+              </a:xfrm>
+              <a:prstGeom prst="ellipse">
+                <a:avLst/>
+              </a:prstGeom>
+              <a:gradFill flip="none" rotWithShape="1">
+                <a:gsLst>
+                  <a:gs pos="0">
+                    <a:schemeClr val="tx1">
+                      <a:lumMod val="50000"/>
+                      <a:lumOff val="50000"/>
+                      <a:shade val="30000"/>
+                      <a:satMod val="115000"/>
+                    </a:schemeClr>
+                  </a:gs>
+                  <a:gs pos="100000">
+                    <a:schemeClr val="bg2">
+                      <a:lumMod val="75000"/>
+                    </a:schemeClr>
+                  </a:gs>
+                </a:gsLst>
+                <a:path path="circle">
+                  <a:fillToRect t="100000" r="100000"/>
+                </a:path>
+                <a:tileRect l="-100000" b="-100000"/>
+              </a:gradFill>
+              <a:ln>
+                <a:noFill/>
+              </a:ln>
+            </p:spPr>
+            <p:style>
+              <a:lnRef idx="2">
+                <a:schemeClr val="accent1">
+                  <a:shade val="50000"/>
+                </a:schemeClr>
+              </a:lnRef>
+              <a:fillRef idx="1">
+                <a:schemeClr val="accent1"/>
+              </a:fillRef>
+              <a:effectRef idx="0">
+                <a:schemeClr val="accent1"/>
+              </a:effectRef>
+              <a:fontRef idx="minor">
+                <a:schemeClr val="lt1"/>
+              </a:fontRef>
+            </p:style>
+            <p:txBody>
+              <a:bodyPr rtlCol="0" anchor="ctr"/>
+              <a:lstStyle/>
+              <a:p>
+                <a:pPr algn="ctr"/>
+                <a:endParaRPr lang="en-GB" sz="2000"/>
+              </a:p>
+            </p:txBody>
+          </p:sp>
+          <p:sp>
+            <p:nvSpPr>
+              <p:cNvPr id="9" name="Oval 8"/>
+              <p:cNvSpPr/>
+              <p:nvPr/>
+            </p:nvSpPr>
+            <p:spPr>
+              <a:xfrm>
+                <a:off x="1222241" y="3062398"/>
+                <a:ext cx="349954" cy="349954"/>
+              </a:xfrm>
+              <a:prstGeom prst="ellipse">
+                <a:avLst/>
+              </a:prstGeom>
+              <a:gradFill flip="none" rotWithShape="1">
+                <a:gsLst>
+                  <a:gs pos="0">
+                    <a:schemeClr val="tx1">
+                      <a:lumMod val="50000"/>
+                      <a:lumOff val="50000"/>
+                      <a:shade val="30000"/>
+                      <a:satMod val="115000"/>
+                    </a:schemeClr>
+                  </a:gs>
+                  <a:gs pos="100000">
+                    <a:schemeClr val="bg2">
+                      <a:lumMod val="75000"/>
+                    </a:schemeClr>
+                  </a:gs>
+                </a:gsLst>
+                <a:path path="circle">
+                  <a:fillToRect t="100000" r="100000"/>
+                </a:path>
+                <a:tileRect l="-100000" b="-100000"/>
+              </a:gradFill>
+              <a:ln>
+                <a:noFill/>
+              </a:ln>
+            </p:spPr>
+            <p:style>
+              <a:lnRef idx="2">
+                <a:schemeClr val="accent1">
+                  <a:shade val="50000"/>
+                </a:schemeClr>
+              </a:lnRef>
+              <a:fillRef idx="1">
+                <a:schemeClr val="accent1"/>
+              </a:fillRef>
+              <a:effectRef idx="0">
+                <a:schemeClr val="accent1"/>
+              </a:effectRef>
+              <a:fontRef idx="minor">
+                <a:schemeClr val="lt1"/>
+              </a:fontRef>
+            </p:style>
+            <p:txBody>
+              <a:bodyPr rtlCol="0" anchor="ctr"/>
+              <a:lstStyle/>
+              <a:p>
+                <a:pPr algn="ctr"/>
+                <a:endParaRPr lang="en-GB" sz="2000"/>
+              </a:p>
+            </p:txBody>
+          </p:sp>
+          <p:sp>
+            <p:nvSpPr>
+              <p:cNvPr id="10" name="Oval 9"/>
+              <p:cNvSpPr/>
+              <p:nvPr/>
+            </p:nvSpPr>
+            <p:spPr>
+              <a:xfrm>
+                <a:off x="1572195" y="3062398"/>
+                <a:ext cx="349954" cy="349954"/>
+              </a:xfrm>
+              <a:prstGeom prst="ellipse">
+                <a:avLst/>
+              </a:prstGeom>
+              <a:gradFill flip="none" rotWithShape="1">
+                <a:gsLst>
+                  <a:gs pos="0">
+                    <a:schemeClr val="tx1">
+                      <a:lumMod val="50000"/>
+                      <a:lumOff val="50000"/>
+                      <a:shade val="30000"/>
+                      <a:satMod val="115000"/>
+                    </a:schemeClr>
+                  </a:gs>
+                  <a:gs pos="100000">
+                    <a:schemeClr val="bg2">
+                      <a:lumMod val="75000"/>
+                    </a:schemeClr>
+                  </a:gs>
+                </a:gsLst>
+                <a:path path="circle">
+                  <a:fillToRect t="100000" r="100000"/>
+                </a:path>
+                <a:tileRect l="-100000" b="-100000"/>
+              </a:gradFill>
+              <a:ln>
+                <a:noFill/>
+              </a:ln>
+            </p:spPr>
+            <p:style>
+              <a:lnRef idx="2">
+                <a:schemeClr val="accent1">
+                  <a:shade val="50000"/>
+                </a:schemeClr>
+              </a:lnRef>
+              <a:fillRef idx="1">
+                <a:schemeClr val="accent1"/>
+              </a:fillRef>
+              <a:effectRef idx="0">
+                <a:schemeClr val="accent1"/>
+              </a:effectRef>
+              <a:fontRef idx="minor">
+                <a:schemeClr val="lt1"/>
+              </a:fontRef>
+            </p:style>
+            <p:txBody>
+              <a:bodyPr rtlCol="0" anchor="ctr"/>
+              <a:lstStyle/>
+              <a:p>
+                <a:pPr algn="ctr"/>
+                <a:endParaRPr lang="en-GB" sz="2000"/>
+              </a:p>
+            </p:txBody>
+          </p:sp>
+          <p:sp>
+            <p:nvSpPr>
+              <p:cNvPr id="13" name="Oval 12"/>
+              <p:cNvSpPr/>
+              <p:nvPr/>
+            </p:nvSpPr>
+            <p:spPr>
+              <a:xfrm>
+                <a:off x="1922149" y="3062398"/>
+                <a:ext cx="349954" cy="349954"/>
+              </a:xfrm>
+              <a:prstGeom prst="ellipse">
+                <a:avLst/>
+              </a:prstGeom>
+              <a:gradFill flip="none" rotWithShape="1">
+                <a:gsLst>
+                  <a:gs pos="0">
+                    <a:schemeClr val="tx1">
+                      <a:lumMod val="50000"/>
+                      <a:lumOff val="50000"/>
+                      <a:shade val="30000"/>
+                      <a:satMod val="115000"/>
+                    </a:schemeClr>
+                  </a:gs>
+                  <a:gs pos="100000">
+                    <a:schemeClr val="bg2">
+                      <a:lumMod val="75000"/>
+                    </a:schemeClr>
+                  </a:gs>
+                </a:gsLst>
+                <a:path path="circle">
+                  <a:fillToRect t="100000" r="100000"/>
+                </a:path>
+                <a:tileRect l="-100000" b="-100000"/>
+              </a:gradFill>
+              <a:ln>
+                <a:noFill/>
+              </a:ln>
+            </p:spPr>
+            <p:style>
+              <a:lnRef idx="2">
+                <a:schemeClr val="accent1">
+                  <a:shade val="50000"/>
+                </a:schemeClr>
+              </a:lnRef>
+              <a:fillRef idx="1">
+                <a:schemeClr val="accent1"/>
+              </a:fillRef>
+              <a:effectRef idx="0">
+                <a:schemeClr val="accent1"/>
+              </a:effectRef>
+              <a:fontRef idx="minor">
+                <a:schemeClr val="lt1"/>
+              </a:fontRef>
+            </p:style>
+            <p:txBody>
+              <a:bodyPr rtlCol="0" anchor="ctr"/>
+              <a:lstStyle/>
+              <a:p>
+                <a:pPr algn="ctr"/>
+                <a:endParaRPr lang="en-GB" sz="2000"/>
+              </a:p>
+            </p:txBody>
+          </p:sp>
+          <p:sp>
+            <p:nvSpPr>
+              <p:cNvPr id="14" name="Oval 13"/>
+              <p:cNvSpPr/>
+              <p:nvPr/>
+            </p:nvSpPr>
+            <p:spPr>
+              <a:xfrm>
+                <a:off x="2272103" y="3062398"/>
+                <a:ext cx="349954" cy="349954"/>
+              </a:xfrm>
+              <a:prstGeom prst="ellipse">
+                <a:avLst/>
+              </a:prstGeom>
+              <a:gradFill flip="none" rotWithShape="1">
+                <a:gsLst>
+                  <a:gs pos="0">
+                    <a:schemeClr val="tx1">
+                      <a:lumMod val="50000"/>
+                      <a:lumOff val="50000"/>
+                      <a:shade val="30000"/>
+                      <a:satMod val="115000"/>
+                    </a:schemeClr>
+                  </a:gs>
+                  <a:gs pos="100000">
+                    <a:schemeClr val="bg2">
+                      <a:lumMod val="75000"/>
+                    </a:schemeClr>
+                  </a:gs>
+                </a:gsLst>
+                <a:path path="circle">
+                  <a:fillToRect t="100000" r="100000"/>
+                </a:path>
+                <a:tileRect l="-100000" b="-100000"/>
+              </a:gradFill>
+              <a:ln>
+                <a:noFill/>
+              </a:ln>
+            </p:spPr>
+            <p:style>
+              <a:lnRef idx="2">
+                <a:schemeClr val="accent1">
+                  <a:shade val="50000"/>
+                </a:schemeClr>
+              </a:lnRef>
+              <a:fillRef idx="1">
+                <a:schemeClr val="accent1"/>
+              </a:fillRef>
+              <a:effectRef idx="0">
+                <a:schemeClr val="accent1"/>
+              </a:effectRef>
+              <a:fontRef idx="minor">
+                <a:schemeClr val="lt1"/>
+              </a:fontRef>
+            </p:style>
+            <p:txBody>
+              <a:bodyPr rtlCol="0" anchor="ctr"/>
+              <a:lstStyle/>
+              <a:p>
+                <a:pPr algn="ctr"/>
+                <a:endParaRPr lang="en-GB" sz="2000"/>
+              </a:p>
+            </p:txBody>
+          </p:sp>
+          <p:sp>
+            <p:nvSpPr>
+              <p:cNvPr id="15" name="Oval 14"/>
+              <p:cNvSpPr/>
+              <p:nvPr/>
+            </p:nvSpPr>
+            <p:spPr>
+              <a:xfrm>
+                <a:off x="2622057" y="3062398"/>
+                <a:ext cx="349954" cy="349954"/>
+              </a:xfrm>
+              <a:prstGeom prst="ellipse">
+                <a:avLst/>
+              </a:prstGeom>
+              <a:gradFill flip="none" rotWithShape="1">
+                <a:gsLst>
+                  <a:gs pos="0">
+                    <a:schemeClr val="tx1">
+                      <a:lumMod val="50000"/>
+                      <a:lumOff val="50000"/>
+                      <a:shade val="30000"/>
+                      <a:satMod val="115000"/>
+                    </a:schemeClr>
+                  </a:gs>
+                  <a:gs pos="100000">
+                    <a:schemeClr val="bg2">
+                      <a:lumMod val="75000"/>
+                    </a:schemeClr>
+                  </a:gs>
+                </a:gsLst>
+                <a:path path="circle">
+                  <a:fillToRect t="100000" r="100000"/>
+                </a:path>
+                <a:tileRect l="-100000" b="-100000"/>
+              </a:gradFill>
+              <a:ln>
+                <a:noFill/>
+              </a:ln>
+            </p:spPr>
+            <p:style>
+              <a:lnRef idx="2">
+                <a:schemeClr val="accent1">
+                  <a:shade val="50000"/>
+                </a:schemeClr>
+              </a:lnRef>
+              <a:fillRef idx="1">
+                <a:schemeClr val="accent1"/>
+              </a:fillRef>
+              <a:effectRef idx="0">
+                <a:schemeClr val="accent1"/>
+              </a:effectRef>
+              <a:fontRef idx="minor">
+                <a:schemeClr val="lt1"/>
+              </a:fontRef>
+            </p:style>
+            <p:txBody>
+              <a:bodyPr rtlCol="0" anchor="ctr"/>
+              <a:lstStyle/>
+              <a:p>
+                <a:pPr algn="ctr"/>
+                <a:endParaRPr lang="en-GB" sz="2000"/>
+              </a:p>
+            </p:txBody>
+          </p:sp>
+          <p:sp>
+            <p:nvSpPr>
+              <p:cNvPr id="16" name="Oval 15"/>
+              <p:cNvSpPr/>
+              <p:nvPr/>
+            </p:nvSpPr>
+            <p:spPr>
+              <a:xfrm>
+                <a:off x="1047264" y="2758298"/>
+                <a:ext cx="349954" cy="349954"/>
+              </a:xfrm>
+              <a:prstGeom prst="ellipse">
+                <a:avLst/>
+              </a:prstGeom>
+              <a:gradFill flip="none" rotWithShape="1">
+                <a:gsLst>
+                  <a:gs pos="0">
+                    <a:schemeClr val="tx1">
+                      <a:lumMod val="50000"/>
+                      <a:lumOff val="50000"/>
+                      <a:shade val="30000"/>
+                      <a:satMod val="115000"/>
+                    </a:schemeClr>
+                  </a:gs>
+                  <a:gs pos="100000">
+                    <a:schemeClr val="bg2">
+                      <a:lumMod val="75000"/>
+                    </a:schemeClr>
+                  </a:gs>
+                </a:gsLst>
+                <a:path path="circle">
+                  <a:fillToRect t="100000" r="100000"/>
+                </a:path>
+                <a:tileRect l="-100000" b="-100000"/>
+              </a:gradFill>
+              <a:ln>
+                <a:noFill/>
+              </a:ln>
+            </p:spPr>
+            <p:style>
+              <a:lnRef idx="2">
+                <a:schemeClr val="accent1">
+                  <a:shade val="50000"/>
+                </a:schemeClr>
+              </a:lnRef>
+              <a:fillRef idx="1">
+                <a:schemeClr val="accent1"/>
+              </a:fillRef>
+              <a:effectRef idx="0">
+                <a:schemeClr val="accent1"/>
+              </a:effectRef>
+              <a:fontRef idx="minor">
+                <a:schemeClr val="lt1"/>
+              </a:fontRef>
+            </p:style>
+            <p:txBody>
+              <a:bodyPr rtlCol="0" anchor="ctr"/>
+              <a:lstStyle/>
+              <a:p>
+                <a:pPr algn="ctr"/>
+                <a:endParaRPr lang="en-GB" sz="2000"/>
+              </a:p>
+            </p:txBody>
+          </p:sp>
+          <p:sp>
+            <p:nvSpPr>
+              <p:cNvPr id="17" name="Oval 16"/>
+              <p:cNvSpPr/>
+              <p:nvPr/>
+            </p:nvSpPr>
+            <p:spPr>
+              <a:xfrm>
+                <a:off x="1397218" y="2758298"/>
+                <a:ext cx="349954" cy="349954"/>
+              </a:xfrm>
+              <a:prstGeom prst="ellipse">
+                <a:avLst/>
+              </a:prstGeom>
+              <a:gradFill flip="none" rotWithShape="1">
+                <a:gsLst>
+                  <a:gs pos="0">
+                    <a:schemeClr val="tx1">
+                      <a:lumMod val="50000"/>
+                      <a:lumOff val="50000"/>
+                      <a:shade val="30000"/>
+                      <a:satMod val="115000"/>
+                    </a:schemeClr>
+                  </a:gs>
+                  <a:gs pos="100000">
+                    <a:schemeClr val="bg2">
+                      <a:lumMod val="75000"/>
+                    </a:schemeClr>
+                  </a:gs>
+                </a:gsLst>
+                <a:path path="circle">
+                  <a:fillToRect t="100000" r="100000"/>
+                </a:path>
+                <a:tileRect l="-100000" b="-100000"/>
+              </a:gradFill>
+              <a:ln>
+                <a:noFill/>
+              </a:ln>
+            </p:spPr>
+            <p:style>
+              <a:lnRef idx="2">
+                <a:schemeClr val="accent1">
+                  <a:shade val="50000"/>
+                </a:schemeClr>
+              </a:lnRef>
+              <a:fillRef idx="1">
+                <a:schemeClr val="accent1"/>
+              </a:fillRef>
+              <a:effectRef idx="0">
+                <a:schemeClr val="accent1"/>
+              </a:effectRef>
+              <a:fontRef idx="minor">
+                <a:schemeClr val="lt1"/>
+              </a:fontRef>
+            </p:style>
+            <p:txBody>
+              <a:bodyPr rtlCol="0" anchor="ctr"/>
+              <a:lstStyle/>
+              <a:p>
+                <a:pPr algn="ctr"/>
+                <a:endParaRPr lang="en-GB" sz="2000"/>
+              </a:p>
+            </p:txBody>
+          </p:sp>
+          <p:sp>
+            <p:nvSpPr>
+              <p:cNvPr id="18" name="Oval 17"/>
+              <p:cNvSpPr/>
+              <p:nvPr/>
+            </p:nvSpPr>
+            <p:spPr>
+              <a:xfrm>
+                <a:off x="1747172" y="2758298"/>
+                <a:ext cx="349954" cy="349954"/>
+              </a:xfrm>
+              <a:prstGeom prst="ellipse">
+                <a:avLst/>
+              </a:prstGeom>
+              <a:gradFill flip="none" rotWithShape="1">
+                <a:gsLst>
+                  <a:gs pos="0">
+                    <a:schemeClr val="tx1">
+                      <a:lumMod val="50000"/>
+                      <a:lumOff val="50000"/>
+                      <a:shade val="30000"/>
+                      <a:satMod val="115000"/>
+                    </a:schemeClr>
+                  </a:gs>
+                  <a:gs pos="100000">
+                    <a:schemeClr val="bg2">
+                      <a:lumMod val="75000"/>
+                    </a:schemeClr>
+                  </a:gs>
+                </a:gsLst>
+                <a:path path="circle">
+                  <a:fillToRect t="100000" r="100000"/>
+                </a:path>
+                <a:tileRect l="-100000" b="-100000"/>
+              </a:gradFill>
+              <a:ln>
+                <a:noFill/>
+              </a:ln>
+            </p:spPr>
+            <p:style>
+              <a:lnRef idx="2">
+                <a:schemeClr val="accent1">
+                  <a:shade val="50000"/>
+                </a:schemeClr>
+              </a:lnRef>
+              <a:fillRef idx="1">
+                <a:schemeClr val="accent1"/>
+              </a:fillRef>
+              <a:effectRef idx="0">
+                <a:schemeClr val="accent1"/>
+              </a:effectRef>
+              <a:fontRef idx="minor">
+                <a:schemeClr val="lt1"/>
+              </a:fontRef>
+            </p:style>
+            <p:txBody>
+              <a:bodyPr rtlCol="0" anchor="ctr"/>
+              <a:lstStyle/>
+              <a:p>
+                <a:pPr algn="ctr"/>
+                <a:endParaRPr lang="en-GB" sz="2000"/>
+              </a:p>
+            </p:txBody>
+          </p:sp>
+          <p:sp>
+            <p:nvSpPr>
+              <p:cNvPr id="19" name="Oval 18"/>
+              <p:cNvSpPr/>
+              <p:nvPr/>
+            </p:nvSpPr>
+            <p:spPr>
+              <a:xfrm>
+                <a:off x="2097126" y="2758298"/>
+                <a:ext cx="349954" cy="349954"/>
+              </a:xfrm>
+              <a:prstGeom prst="ellipse">
+                <a:avLst/>
+              </a:prstGeom>
+              <a:gradFill flip="none" rotWithShape="1">
+                <a:gsLst>
+                  <a:gs pos="0">
+                    <a:schemeClr val="tx1">
+                      <a:lumMod val="50000"/>
+                      <a:lumOff val="50000"/>
+                      <a:shade val="30000"/>
+                      <a:satMod val="115000"/>
+                    </a:schemeClr>
+                  </a:gs>
+                  <a:gs pos="100000">
+                    <a:schemeClr val="bg2">
+                      <a:lumMod val="75000"/>
+                    </a:schemeClr>
+                  </a:gs>
+                </a:gsLst>
+                <a:path path="circle">
+                  <a:fillToRect t="100000" r="100000"/>
+                </a:path>
+                <a:tileRect l="-100000" b="-100000"/>
+              </a:gradFill>
+              <a:ln>
+                <a:noFill/>
+              </a:ln>
+            </p:spPr>
+            <p:style>
+              <a:lnRef idx="2">
+                <a:schemeClr val="accent1">
+                  <a:shade val="50000"/>
+                </a:schemeClr>
+              </a:lnRef>
+              <a:fillRef idx="1">
+                <a:schemeClr val="accent1"/>
+              </a:fillRef>
+              <a:effectRef idx="0">
+                <a:schemeClr val="accent1"/>
+              </a:effectRef>
+              <a:fontRef idx="minor">
+                <a:schemeClr val="lt1"/>
+              </a:fontRef>
+            </p:style>
+            <p:txBody>
+              <a:bodyPr rtlCol="0" anchor="ctr"/>
+              <a:lstStyle/>
+              <a:p>
+                <a:pPr algn="ctr"/>
+                <a:endParaRPr lang="en-GB" sz="2000"/>
+              </a:p>
+            </p:txBody>
+          </p:sp>
+          <p:sp>
+            <p:nvSpPr>
+              <p:cNvPr id="20" name="Oval 19"/>
+              <p:cNvSpPr/>
+              <p:nvPr/>
+            </p:nvSpPr>
+            <p:spPr>
+              <a:xfrm>
+                <a:off x="1222241" y="2454198"/>
+                <a:ext cx="349954" cy="349954"/>
+              </a:xfrm>
+              <a:prstGeom prst="ellipse">
+                <a:avLst/>
+              </a:prstGeom>
+              <a:gradFill flip="none" rotWithShape="1">
+                <a:gsLst>
+                  <a:gs pos="0">
+                    <a:schemeClr val="tx1">
+                      <a:lumMod val="50000"/>
+                      <a:lumOff val="50000"/>
+                      <a:shade val="30000"/>
+                      <a:satMod val="115000"/>
+                    </a:schemeClr>
+                  </a:gs>
+                  <a:gs pos="100000">
+                    <a:schemeClr val="bg2">
+                      <a:lumMod val="75000"/>
+                    </a:schemeClr>
+                  </a:gs>
+                </a:gsLst>
+                <a:path path="circle">
+                  <a:fillToRect t="100000" r="100000"/>
+                </a:path>
+                <a:tileRect l="-100000" b="-100000"/>
+              </a:gradFill>
+              <a:ln>
+                <a:noFill/>
+              </a:ln>
+            </p:spPr>
+            <p:style>
+              <a:lnRef idx="2">
+                <a:schemeClr val="accent1">
+                  <a:shade val="50000"/>
+                </a:schemeClr>
+              </a:lnRef>
+              <a:fillRef idx="1">
+                <a:schemeClr val="accent1"/>
+              </a:fillRef>
+              <a:effectRef idx="0">
+                <a:schemeClr val="accent1"/>
+              </a:effectRef>
+              <a:fontRef idx="minor">
+                <a:schemeClr val="lt1"/>
+              </a:fontRef>
+            </p:style>
+            <p:txBody>
+              <a:bodyPr rtlCol="0" anchor="ctr"/>
+              <a:lstStyle/>
+              <a:p>
+                <a:pPr algn="ctr"/>
+                <a:endParaRPr lang="en-GB" sz="2000"/>
+              </a:p>
+            </p:txBody>
+          </p:sp>
+          <p:sp>
+            <p:nvSpPr>
+              <p:cNvPr id="21" name="Oval 20"/>
+              <p:cNvSpPr/>
+              <p:nvPr/>
+            </p:nvSpPr>
+            <p:spPr>
+              <a:xfrm>
+                <a:off x="1572195" y="2454198"/>
+                <a:ext cx="349954" cy="349954"/>
+              </a:xfrm>
+              <a:prstGeom prst="ellipse">
+                <a:avLst/>
+              </a:prstGeom>
+              <a:gradFill flip="none" rotWithShape="1">
+                <a:gsLst>
+                  <a:gs pos="0">
+                    <a:schemeClr val="tx1">
+                      <a:lumMod val="50000"/>
+                      <a:lumOff val="50000"/>
+                      <a:shade val="30000"/>
+                      <a:satMod val="115000"/>
+                    </a:schemeClr>
+                  </a:gs>
+                  <a:gs pos="100000">
+                    <a:schemeClr val="bg2">
+                      <a:lumMod val="75000"/>
+                    </a:schemeClr>
+                  </a:gs>
+                </a:gsLst>
+                <a:path path="circle">
+                  <a:fillToRect t="100000" r="100000"/>
+                </a:path>
+                <a:tileRect l="-100000" b="-100000"/>
+              </a:gradFill>
+              <a:ln>
+                <a:noFill/>
+              </a:ln>
+            </p:spPr>
+            <p:style>
+              <a:lnRef idx="2">
+                <a:schemeClr val="accent1">
+                  <a:shade val="50000"/>
+                </a:schemeClr>
+              </a:lnRef>
+              <a:fillRef idx="1">
+                <a:schemeClr val="accent1"/>
+              </a:fillRef>
+              <a:effectRef idx="0">
+                <a:schemeClr val="accent1"/>
+              </a:effectRef>
+              <a:fontRef idx="minor">
+                <a:schemeClr val="lt1"/>
+              </a:fontRef>
+            </p:style>
+            <p:txBody>
+              <a:bodyPr rtlCol="0" anchor="ctr"/>
+              <a:lstStyle/>
+              <a:p>
+                <a:pPr algn="ctr"/>
+                <a:endParaRPr lang="en-GB" sz="2000"/>
+              </a:p>
+            </p:txBody>
+          </p:sp>
+          <p:sp>
+            <p:nvSpPr>
+              <p:cNvPr id="22" name="Oval 21"/>
+              <p:cNvSpPr/>
+              <p:nvPr/>
+            </p:nvSpPr>
+            <p:spPr>
+              <a:xfrm>
+                <a:off x="1922149" y="2454198"/>
+                <a:ext cx="349954" cy="349954"/>
+              </a:xfrm>
+              <a:prstGeom prst="ellipse">
+                <a:avLst/>
+              </a:prstGeom>
+              <a:gradFill flip="none" rotWithShape="1">
+                <a:gsLst>
+                  <a:gs pos="0">
+                    <a:schemeClr val="tx1">
+                      <a:lumMod val="50000"/>
+                      <a:lumOff val="50000"/>
+                      <a:shade val="30000"/>
+                      <a:satMod val="115000"/>
+                    </a:schemeClr>
+                  </a:gs>
+                  <a:gs pos="100000">
+                    <a:schemeClr val="bg2">
+                      <a:lumMod val="75000"/>
+                    </a:schemeClr>
+                  </a:gs>
+                </a:gsLst>
+                <a:path path="circle">
+                  <a:fillToRect t="100000" r="100000"/>
+                </a:path>
+                <a:tileRect l="-100000" b="-100000"/>
+              </a:gradFill>
+              <a:ln>
+                <a:noFill/>
+              </a:ln>
+            </p:spPr>
+            <p:style>
+              <a:lnRef idx="2">
+                <a:schemeClr val="accent1">
+                  <a:shade val="50000"/>
+                </a:schemeClr>
+              </a:lnRef>
+              <a:fillRef idx="1">
+                <a:schemeClr val="accent1"/>
+              </a:fillRef>
+              <a:effectRef idx="0">
+                <a:schemeClr val="accent1"/>
+              </a:effectRef>
+              <a:fontRef idx="minor">
+                <a:schemeClr val="lt1"/>
+              </a:fontRef>
+            </p:style>
+            <p:txBody>
+              <a:bodyPr rtlCol="0" anchor="ctr"/>
+              <a:lstStyle/>
+              <a:p>
+                <a:pPr algn="ctr"/>
+                <a:endParaRPr lang="en-GB" sz="2000"/>
+              </a:p>
+            </p:txBody>
+          </p:sp>
+          <p:sp>
+            <p:nvSpPr>
+              <p:cNvPr id="23" name="Oval 22"/>
+              <p:cNvSpPr/>
+              <p:nvPr/>
+            </p:nvSpPr>
+            <p:spPr>
+              <a:xfrm>
+                <a:off x="1747172" y="2150098"/>
+                <a:ext cx="349954" cy="349954"/>
+              </a:xfrm>
+              <a:prstGeom prst="ellipse">
+                <a:avLst/>
+              </a:prstGeom>
+              <a:gradFill flip="none" rotWithShape="1">
+                <a:gsLst>
+                  <a:gs pos="0">
+                    <a:schemeClr val="tx1">
+                      <a:lumMod val="50000"/>
+                      <a:lumOff val="50000"/>
+                      <a:shade val="30000"/>
+                      <a:satMod val="115000"/>
+                    </a:schemeClr>
+                  </a:gs>
+                  <a:gs pos="100000">
+                    <a:schemeClr val="bg2">
+                      <a:lumMod val="75000"/>
+                    </a:schemeClr>
+                  </a:gs>
+                </a:gsLst>
+                <a:path path="circle">
+                  <a:fillToRect t="100000" r="100000"/>
+                </a:path>
+                <a:tileRect l="-100000" b="-100000"/>
+              </a:gradFill>
+              <a:ln>
+                <a:noFill/>
+              </a:ln>
+            </p:spPr>
+            <p:style>
+              <a:lnRef idx="2">
+                <a:schemeClr val="accent1">
+                  <a:shade val="50000"/>
+                </a:schemeClr>
+              </a:lnRef>
+              <a:fillRef idx="1">
+                <a:schemeClr val="accent1"/>
+              </a:fillRef>
+              <a:effectRef idx="0">
+                <a:schemeClr val="accent1"/>
+              </a:effectRef>
+              <a:fontRef idx="minor">
+                <a:schemeClr val="lt1"/>
+              </a:fontRef>
+            </p:style>
+            <p:txBody>
+              <a:bodyPr rtlCol="0" anchor="ctr"/>
+              <a:lstStyle/>
+              <a:p>
+                <a:pPr algn="ctr"/>
+                <a:endParaRPr lang="en-GB" sz="2000"/>
+              </a:p>
+            </p:txBody>
+          </p:sp>
+          <p:sp>
+            <p:nvSpPr>
+              <p:cNvPr id="24" name="Oval 23"/>
+              <p:cNvSpPr/>
+              <p:nvPr/>
+            </p:nvSpPr>
+            <p:spPr>
+              <a:xfrm>
+                <a:off x="2973626" y="3062398"/>
+                <a:ext cx="349954" cy="349954"/>
+              </a:xfrm>
+              <a:prstGeom prst="ellipse">
+                <a:avLst/>
+              </a:prstGeom>
+              <a:gradFill flip="none" rotWithShape="1">
+                <a:gsLst>
+                  <a:gs pos="0">
+                    <a:schemeClr val="tx1">
+                      <a:lumMod val="50000"/>
+                      <a:lumOff val="50000"/>
+                      <a:shade val="30000"/>
+                      <a:satMod val="115000"/>
+                    </a:schemeClr>
+                  </a:gs>
+                  <a:gs pos="100000">
+                    <a:schemeClr val="bg2">
+                      <a:lumMod val="75000"/>
+                    </a:schemeClr>
+                  </a:gs>
+                </a:gsLst>
+                <a:path path="circle">
+                  <a:fillToRect t="100000" r="100000"/>
+                </a:path>
+                <a:tileRect l="-100000" b="-100000"/>
+              </a:gradFill>
+              <a:ln>
+                <a:noFill/>
+              </a:ln>
+            </p:spPr>
+            <p:style>
+              <a:lnRef idx="2">
+                <a:schemeClr val="accent1">
+                  <a:shade val="50000"/>
+                </a:schemeClr>
+              </a:lnRef>
+              <a:fillRef idx="1">
+                <a:schemeClr val="accent1"/>
+              </a:fillRef>
+              <a:effectRef idx="0">
+                <a:schemeClr val="accent1"/>
+              </a:effectRef>
+              <a:fontRef idx="minor">
+                <a:schemeClr val="lt1"/>
+              </a:fontRef>
+            </p:style>
+            <p:txBody>
+              <a:bodyPr rtlCol="0" anchor="ctr"/>
+              <a:lstStyle/>
+              <a:p>
+                <a:pPr algn="ctr"/>
+                <a:endParaRPr lang="en-GB" sz="2000"/>
+              </a:p>
+            </p:txBody>
+          </p:sp>
+          <p:sp>
+            <p:nvSpPr>
+              <p:cNvPr id="25" name="Oval 24"/>
+              <p:cNvSpPr/>
+              <p:nvPr/>
+            </p:nvSpPr>
+            <p:spPr>
+              <a:xfrm>
+                <a:off x="2445465" y="2758298"/>
+                <a:ext cx="349954" cy="349954"/>
+              </a:xfrm>
+              <a:prstGeom prst="ellipse">
+                <a:avLst/>
+              </a:prstGeom>
+              <a:gradFill flip="none" rotWithShape="1">
+                <a:gsLst>
+                  <a:gs pos="0">
+                    <a:schemeClr val="tx1">
+                      <a:lumMod val="50000"/>
+                      <a:lumOff val="50000"/>
+                      <a:shade val="30000"/>
+                      <a:satMod val="115000"/>
+                    </a:schemeClr>
+                  </a:gs>
+                  <a:gs pos="100000">
+                    <a:schemeClr val="bg2">
+                      <a:lumMod val="75000"/>
+                    </a:schemeClr>
+                  </a:gs>
+                </a:gsLst>
+                <a:path path="circle">
+                  <a:fillToRect t="100000" r="100000"/>
+                </a:path>
+                <a:tileRect l="-100000" b="-100000"/>
+              </a:gradFill>
+              <a:ln>
+                <a:noFill/>
+              </a:ln>
+            </p:spPr>
+            <p:style>
+              <a:lnRef idx="2">
+                <a:schemeClr val="accent1">
+                  <a:shade val="50000"/>
+                </a:schemeClr>
+              </a:lnRef>
+              <a:fillRef idx="1">
+                <a:schemeClr val="accent1"/>
+              </a:fillRef>
+              <a:effectRef idx="0">
+                <a:schemeClr val="accent1"/>
+              </a:effectRef>
+              <a:fontRef idx="minor">
+                <a:schemeClr val="lt1"/>
+              </a:fontRef>
+            </p:style>
+            <p:txBody>
+              <a:bodyPr rtlCol="0" anchor="ctr"/>
+              <a:lstStyle/>
+              <a:p>
+                <a:pPr algn="ctr"/>
+                <a:endParaRPr lang="en-GB" sz="2000"/>
+              </a:p>
+            </p:txBody>
+          </p:sp>
+        </p:grpSp>
+        <p:grpSp>
+          <p:nvGrpSpPr>
+            <p:cNvPr id="86" name="Group 85"/>
+            <p:cNvGrpSpPr/>
+            <p:nvPr/>
+          </p:nvGrpSpPr>
+          <p:grpSpPr>
+            <a:xfrm>
+              <a:off x="1962472" y="4056793"/>
+              <a:ext cx="881743" cy="1650805"/>
+              <a:chOff x="2941573" y="4329516"/>
+              <a:chExt cx="881743" cy="1650805"/>
+            </a:xfrm>
+          </p:grpSpPr>
+          <p:cxnSp>
+            <p:nvCxnSpPr>
+              <p:cNvPr id="6" name="Straight Connector 5"/>
+              <p:cNvCxnSpPr>
+                <a:endCxn id="32" idx="0"/>
+              </p:cNvCxnSpPr>
+              <p:nvPr/>
+            </p:nvCxnSpPr>
+            <p:spPr>
+              <a:xfrm flipH="1">
+                <a:off x="3389107" y="4329516"/>
+                <a:ext cx="5524" cy="230956"/>
+              </a:xfrm>
+              <a:prstGeom prst="line">
+                <a:avLst/>
+              </a:prstGeom>
+              <a:ln w="25400">
+                <a:solidFill>
+                  <a:schemeClr val="tx1"/>
+                </a:solidFill>
+              </a:ln>
+            </p:spPr>
+            <p:style>
+              <a:lnRef idx="1">
+                <a:schemeClr val="accent1"/>
+              </a:lnRef>
+              <a:fillRef idx="0">
+                <a:schemeClr val="accent1"/>
+              </a:fillRef>
+              <a:effectRef idx="0">
+                <a:schemeClr val="accent1"/>
+              </a:effectRef>
+              <a:fontRef idx="minor">
+                <a:schemeClr val="tx1"/>
+              </a:fontRef>
+            </p:style>
+          </p:cxnSp>
+          <p:grpSp>
+            <p:nvGrpSpPr>
+              <p:cNvPr id="75" name="Group 74"/>
+              <p:cNvGrpSpPr/>
+              <p:nvPr/>
+            </p:nvGrpSpPr>
+            <p:grpSpPr>
+              <a:xfrm>
+                <a:off x="3158000" y="4560472"/>
+                <a:ext cx="462213" cy="1011182"/>
+                <a:chOff x="3196391" y="4475218"/>
+                <a:chExt cx="462213" cy="985899"/>
+              </a:xfrm>
+            </p:grpSpPr>
+            <p:grpSp>
+              <p:nvGrpSpPr>
+                <p:cNvPr id="74" name="Group 73"/>
+                <p:cNvGrpSpPr/>
+                <p:nvPr/>
+              </p:nvGrpSpPr>
+              <p:grpSpPr>
+                <a:xfrm>
+                  <a:off x="3196391" y="4475218"/>
+                  <a:ext cx="462213" cy="985899"/>
+                  <a:chOff x="3196391" y="4475218"/>
+                  <a:chExt cx="462213" cy="1268495"/>
+                </a:xfrm>
+                <a:noFill/>
+              </p:grpSpPr>
+              <p:sp>
+                <p:nvSpPr>
+                  <p:cNvPr id="32" name="Rectangle 31"/>
+                  <p:cNvSpPr/>
+                  <p:nvPr/>
+                </p:nvSpPr>
+                <p:spPr>
+                  <a:xfrm>
+                    <a:off x="3196391" y="4475218"/>
+                    <a:ext cx="462213" cy="146947"/>
+                  </a:xfrm>
+                  <a:prstGeom prst="rect">
+                    <a:avLst/>
+                  </a:prstGeom>
+                  <a:grpFill/>
+                  <a:ln>
+                    <a:noFill/>
+                  </a:ln>
+                </p:spPr>
+                <p:style>
+                  <a:lnRef idx="2">
+                    <a:schemeClr val="accent1">
+                      <a:shade val="50000"/>
+                    </a:schemeClr>
+                  </a:lnRef>
+                  <a:fillRef idx="1">
+                    <a:schemeClr val="accent1"/>
+                  </a:fillRef>
+                  <a:effectRef idx="0">
+                    <a:schemeClr val="accent1"/>
+                  </a:effectRef>
+                  <a:fontRef idx="minor">
+                    <a:schemeClr val="lt1"/>
+                  </a:fontRef>
+                </p:style>
+                <p:txBody>
+                  <a:bodyPr rtlCol="0" anchor="ctr"/>
+                  <a:lstStyle/>
+                  <a:p>
+                    <a:pPr algn="ctr"/>
+                    <a:endParaRPr lang="en-GB" sz="2000"/>
+                  </a:p>
+                </p:txBody>
+              </p:sp>
+              <p:sp>
+                <p:nvSpPr>
+                  <p:cNvPr id="37" name="Rectangle 36"/>
+                  <p:cNvSpPr/>
+                  <p:nvPr/>
+                </p:nvSpPr>
+                <p:spPr>
+                  <a:xfrm>
+                    <a:off x="3196391" y="4636104"/>
+                    <a:ext cx="462213" cy="146947"/>
+                  </a:xfrm>
+                  <a:prstGeom prst="rect">
+                    <a:avLst/>
+                  </a:prstGeom>
+                  <a:grpFill/>
+                  <a:ln>
+                    <a:noFill/>
+                  </a:ln>
+                </p:spPr>
+                <p:style>
+                  <a:lnRef idx="2">
+                    <a:schemeClr val="accent1">
+                      <a:shade val="50000"/>
+                    </a:schemeClr>
+                  </a:lnRef>
+                  <a:fillRef idx="1">
+                    <a:schemeClr val="accent1"/>
+                  </a:fillRef>
+                  <a:effectRef idx="0">
+                    <a:schemeClr val="accent1"/>
+                  </a:effectRef>
+                  <a:fontRef idx="minor">
+                    <a:schemeClr val="lt1"/>
+                  </a:fontRef>
+                </p:style>
+                <p:txBody>
+                  <a:bodyPr rtlCol="0" anchor="ctr"/>
+                  <a:lstStyle/>
+                  <a:p>
+                    <a:pPr algn="ctr"/>
+                    <a:endParaRPr lang="en-GB" sz="2000"/>
+                  </a:p>
+                </p:txBody>
+              </p:sp>
+              <p:sp>
+                <p:nvSpPr>
+                  <p:cNvPr id="38" name="Rectangle 37"/>
+                  <p:cNvSpPr/>
+                  <p:nvPr/>
+                </p:nvSpPr>
+                <p:spPr>
+                  <a:xfrm>
+                    <a:off x="3196391" y="4796990"/>
+                    <a:ext cx="462213" cy="146947"/>
+                  </a:xfrm>
+                  <a:prstGeom prst="rect">
+                    <a:avLst/>
+                  </a:prstGeom>
+                  <a:grpFill/>
+                  <a:ln>
+                    <a:noFill/>
+                  </a:ln>
+                </p:spPr>
+                <p:style>
+                  <a:lnRef idx="2">
+                    <a:schemeClr val="accent1">
+                      <a:shade val="50000"/>
+                    </a:schemeClr>
+                  </a:lnRef>
+                  <a:fillRef idx="1">
+                    <a:schemeClr val="accent1"/>
+                  </a:fillRef>
+                  <a:effectRef idx="0">
+                    <a:schemeClr val="accent1"/>
+                  </a:effectRef>
+                  <a:fontRef idx="minor">
+                    <a:schemeClr val="lt1"/>
+                  </a:fontRef>
+                </p:style>
+                <p:txBody>
+                  <a:bodyPr rtlCol="0" anchor="ctr"/>
+                  <a:lstStyle/>
+                  <a:p>
+                    <a:pPr algn="ctr"/>
+                    <a:endParaRPr lang="en-GB" sz="2000"/>
+                  </a:p>
+                </p:txBody>
+              </p:sp>
+              <p:sp>
+                <p:nvSpPr>
+                  <p:cNvPr id="39" name="Rectangle 38"/>
+                  <p:cNvSpPr/>
+                  <p:nvPr/>
+                </p:nvSpPr>
+                <p:spPr>
+                  <a:xfrm>
+                    <a:off x="3196391" y="4957876"/>
+                    <a:ext cx="462213" cy="146947"/>
+                  </a:xfrm>
+                  <a:prstGeom prst="rect">
+                    <a:avLst/>
+                  </a:prstGeom>
+                  <a:grpFill/>
+                  <a:ln>
+                    <a:noFill/>
+                  </a:ln>
+                </p:spPr>
+                <p:style>
+                  <a:lnRef idx="2">
+                    <a:schemeClr val="accent1">
+                      <a:shade val="50000"/>
+                    </a:schemeClr>
+                  </a:lnRef>
+                  <a:fillRef idx="1">
+                    <a:schemeClr val="accent1"/>
+                  </a:fillRef>
+                  <a:effectRef idx="0">
+                    <a:schemeClr val="accent1"/>
+                  </a:effectRef>
+                  <a:fontRef idx="minor">
+                    <a:schemeClr val="lt1"/>
+                  </a:fontRef>
+                </p:style>
+                <p:txBody>
+                  <a:bodyPr rtlCol="0" anchor="ctr"/>
+                  <a:lstStyle/>
+                  <a:p>
+                    <a:pPr algn="ctr"/>
+                    <a:endParaRPr lang="en-GB" sz="2000"/>
+                  </a:p>
+                </p:txBody>
+              </p:sp>
+              <p:sp>
+                <p:nvSpPr>
+                  <p:cNvPr id="40" name="Rectangle 39"/>
+                  <p:cNvSpPr/>
+                  <p:nvPr/>
+                </p:nvSpPr>
+                <p:spPr>
+                  <a:xfrm>
+                    <a:off x="3196391" y="5118762"/>
+                    <a:ext cx="462213" cy="146947"/>
+                  </a:xfrm>
+                  <a:prstGeom prst="rect">
+                    <a:avLst/>
+                  </a:prstGeom>
+                  <a:grpFill/>
+                  <a:ln>
+                    <a:noFill/>
+                  </a:ln>
+                </p:spPr>
+                <p:style>
+                  <a:lnRef idx="2">
+                    <a:schemeClr val="accent1">
+                      <a:shade val="50000"/>
+                    </a:schemeClr>
+                  </a:lnRef>
+                  <a:fillRef idx="1">
+                    <a:schemeClr val="accent1"/>
+                  </a:fillRef>
+                  <a:effectRef idx="0">
+                    <a:schemeClr val="accent1"/>
+                  </a:effectRef>
+                  <a:fontRef idx="minor">
+                    <a:schemeClr val="lt1"/>
+                  </a:fontRef>
+                </p:style>
+                <p:txBody>
+                  <a:bodyPr rtlCol="0" anchor="ctr"/>
+                  <a:lstStyle/>
+                  <a:p>
+                    <a:pPr algn="ctr"/>
+                    <a:endParaRPr lang="en-GB" sz="2000"/>
+                  </a:p>
+                </p:txBody>
+              </p:sp>
+              <p:sp>
+                <p:nvSpPr>
+                  <p:cNvPr id="41" name="Rectangle 40"/>
+                  <p:cNvSpPr/>
+                  <p:nvPr/>
+                </p:nvSpPr>
+                <p:spPr>
+                  <a:xfrm>
+                    <a:off x="3196391" y="5440533"/>
+                    <a:ext cx="462213" cy="146947"/>
+                  </a:xfrm>
+                  <a:prstGeom prst="rect">
+                    <a:avLst/>
+                  </a:prstGeom>
+                  <a:grpFill/>
+                  <a:ln>
+                    <a:noFill/>
+                  </a:ln>
+                </p:spPr>
+                <p:style>
+                  <a:lnRef idx="2">
+                    <a:schemeClr val="accent1">
+                      <a:shade val="50000"/>
+                    </a:schemeClr>
+                  </a:lnRef>
+                  <a:fillRef idx="1">
+                    <a:schemeClr val="accent1"/>
+                  </a:fillRef>
+                  <a:effectRef idx="0">
+                    <a:schemeClr val="accent1"/>
+                  </a:effectRef>
+                  <a:fontRef idx="minor">
+                    <a:schemeClr val="lt1"/>
+                  </a:fontRef>
+                </p:style>
+                <p:txBody>
+                  <a:bodyPr rtlCol="0" anchor="ctr"/>
+                  <a:lstStyle/>
+                  <a:p>
+                    <a:pPr algn="ctr"/>
+                    <a:endParaRPr lang="en-GB" sz="2000"/>
+                  </a:p>
+                </p:txBody>
+              </p:sp>
+              <p:sp>
+                <p:nvSpPr>
+                  <p:cNvPr id="42" name="Rectangle 41"/>
+                  <p:cNvSpPr/>
+                  <p:nvPr/>
+                </p:nvSpPr>
+                <p:spPr>
+                  <a:xfrm>
+                    <a:off x="3196391" y="5279648"/>
+                    <a:ext cx="462213" cy="146947"/>
+                  </a:xfrm>
+                  <a:prstGeom prst="rect">
+                    <a:avLst/>
+                  </a:prstGeom>
+                  <a:grpFill/>
+                  <a:ln>
+                    <a:noFill/>
+                  </a:ln>
+                </p:spPr>
+                <p:style>
+                  <a:lnRef idx="2">
+                    <a:schemeClr val="accent1">
+                      <a:shade val="50000"/>
+                    </a:schemeClr>
+                  </a:lnRef>
+                  <a:fillRef idx="1">
+                    <a:schemeClr val="accent1"/>
+                  </a:fillRef>
+                  <a:effectRef idx="0">
+                    <a:schemeClr val="accent1"/>
+                  </a:effectRef>
+                  <a:fontRef idx="minor">
+                    <a:schemeClr val="lt1"/>
+                  </a:fontRef>
+                </p:style>
+                <p:txBody>
+                  <a:bodyPr rtlCol="0" anchor="ctr"/>
+                  <a:lstStyle/>
+                  <a:p>
+                    <a:pPr algn="ctr"/>
+                    <a:endParaRPr lang="en-GB" sz="2000"/>
+                  </a:p>
+                </p:txBody>
+              </p:sp>
+              <p:sp>
+                <p:nvSpPr>
+                  <p:cNvPr id="64" name="Rectangle 63"/>
+                  <p:cNvSpPr/>
+                  <p:nvPr/>
+                </p:nvSpPr>
+                <p:spPr>
+                  <a:xfrm>
+                    <a:off x="3196391" y="5596766"/>
+                    <a:ext cx="462213" cy="146947"/>
+                  </a:xfrm>
+                  <a:prstGeom prst="rect">
+                    <a:avLst/>
+                  </a:prstGeom>
+                  <a:grpFill/>
+                  <a:ln>
+                    <a:noFill/>
+                  </a:ln>
+                </p:spPr>
+                <p:style>
+                  <a:lnRef idx="2">
+                    <a:schemeClr val="accent1">
+                      <a:shade val="50000"/>
+                    </a:schemeClr>
+                  </a:lnRef>
+                  <a:fillRef idx="1">
+                    <a:schemeClr val="accent1"/>
+                  </a:fillRef>
+                  <a:effectRef idx="0">
+                    <a:schemeClr val="accent1"/>
+                  </a:effectRef>
+                  <a:fontRef idx="minor">
+                    <a:schemeClr val="lt1"/>
+                  </a:fontRef>
+                </p:style>
+                <p:txBody>
+                  <a:bodyPr rtlCol="0" anchor="ctr"/>
+                  <a:lstStyle/>
+                  <a:p>
+                    <a:pPr algn="ctr"/>
+                    <a:endParaRPr lang="en-GB" sz="2000"/>
+                  </a:p>
+                </p:txBody>
+              </p:sp>
+            </p:grpSp>
+            <p:cxnSp>
+              <p:nvCxnSpPr>
+                <p:cNvPr id="43" name="Straight Connector 42"/>
+                <p:cNvCxnSpPr>
+                  <a:stCxn id="32" idx="3"/>
+                  <a:endCxn id="37" idx="1"/>
+                </p:cNvCxnSpPr>
+                <p:nvPr/>
+              </p:nvCxnSpPr>
+              <p:spPr>
+                <a:xfrm flipH="1">
+                  <a:off x="3196391" y="4532323"/>
+                  <a:ext cx="462213" cy="125044"/>
+                </a:xfrm>
+                <a:prstGeom prst="line">
+                  <a:avLst/>
+                </a:prstGeom>
+                <a:ln w="25400">
+                  <a:solidFill>
+                    <a:schemeClr val="tx1"/>
+                  </a:solidFill>
+                </a:ln>
+              </p:spPr>
+              <p:style>
+                <a:lnRef idx="1">
+                  <a:schemeClr val="accent1"/>
+                </a:lnRef>
+                <a:fillRef idx="0">
+                  <a:schemeClr val="accent1"/>
+                </a:fillRef>
+                <a:effectRef idx="0">
+                  <a:schemeClr val="accent1"/>
+                </a:effectRef>
+                <a:fontRef idx="minor">
+                  <a:schemeClr val="tx1"/>
+                </a:fontRef>
+              </p:style>
+            </p:cxnSp>
+            <p:cxnSp>
+              <p:nvCxnSpPr>
+                <p:cNvPr id="46" name="Straight Connector 45"/>
+                <p:cNvCxnSpPr>
+                  <a:stCxn id="38" idx="3"/>
+                  <a:endCxn id="37" idx="1"/>
+                </p:cNvCxnSpPr>
+                <p:nvPr/>
+              </p:nvCxnSpPr>
+              <p:spPr>
+                <a:xfrm flipH="1" flipV="1">
+                  <a:off x="3196391" y="4657367"/>
+                  <a:ext cx="462213" cy="125043"/>
+                </a:xfrm>
+                <a:prstGeom prst="line">
+                  <a:avLst/>
+                </a:prstGeom>
+                <a:ln w="25400">
+                  <a:solidFill>
+                    <a:schemeClr val="tx1"/>
+                  </a:solidFill>
+                </a:ln>
+              </p:spPr>
+              <p:style>
+                <a:lnRef idx="1">
+                  <a:schemeClr val="accent1"/>
+                </a:lnRef>
+                <a:fillRef idx="0">
+                  <a:schemeClr val="accent1"/>
+                </a:fillRef>
+                <a:effectRef idx="0">
+                  <a:schemeClr val="accent1"/>
+                </a:effectRef>
+                <a:fontRef idx="minor">
+                  <a:schemeClr val="tx1"/>
+                </a:fontRef>
+              </p:style>
+            </p:cxnSp>
+            <p:cxnSp>
+              <p:nvCxnSpPr>
+                <p:cNvPr id="49" name="Straight Connector 48"/>
+                <p:cNvCxnSpPr>
+                  <a:stCxn id="38" idx="3"/>
+                  <a:endCxn id="39" idx="1"/>
+                </p:cNvCxnSpPr>
+                <p:nvPr/>
+              </p:nvCxnSpPr>
+              <p:spPr>
+                <a:xfrm flipH="1">
+                  <a:off x="3196391" y="4782410"/>
+                  <a:ext cx="462213" cy="125044"/>
+                </a:xfrm>
+                <a:prstGeom prst="line">
+                  <a:avLst/>
+                </a:prstGeom>
+                <a:ln w="25400">
+                  <a:solidFill>
+                    <a:schemeClr val="tx1"/>
+                  </a:solidFill>
+                </a:ln>
+              </p:spPr>
+              <p:style>
+                <a:lnRef idx="1">
+                  <a:schemeClr val="accent1"/>
+                </a:lnRef>
+                <a:fillRef idx="0">
+                  <a:schemeClr val="accent1"/>
+                </a:fillRef>
+                <a:effectRef idx="0">
+                  <a:schemeClr val="accent1"/>
+                </a:effectRef>
+                <a:fontRef idx="minor">
+                  <a:schemeClr val="tx1"/>
+                </a:fontRef>
+              </p:style>
+            </p:cxnSp>
+            <p:cxnSp>
+              <p:nvCxnSpPr>
+                <p:cNvPr id="50" name="Straight Connector 49"/>
+                <p:cNvCxnSpPr>
+                  <a:stCxn id="40" idx="3"/>
+                  <a:endCxn id="39" idx="1"/>
+                </p:cNvCxnSpPr>
+                <p:nvPr/>
+              </p:nvCxnSpPr>
+              <p:spPr>
+                <a:xfrm flipH="1" flipV="1">
+                  <a:off x="3196391" y="4907454"/>
+                  <a:ext cx="462213" cy="125044"/>
+                </a:xfrm>
+                <a:prstGeom prst="line">
+                  <a:avLst/>
+                </a:prstGeom>
+                <a:ln w="25400">
+                  <a:solidFill>
+                    <a:schemeClr val="tx1"/>
+                  </a:solidFill>
+                </a:ln>
+              </p:spPr>
+              <p:style>
+                <a:lnRef idx="1">
+                  <a:schemeClr val="accent1"/>
+                </a:lnRef>
+                <a:fillRef idx="0">
+                  <a:schemeClr val="accent1"/>
+                </a:fillRef>
+                <a:effectRef idx="0">
+                  <a:schemeClr val="accent1"/>
+                </a:effectRef>
+                <a:fontRef idx="minor">
+                  <a:schemeClr val="tx1"/>
+                </a:fontRef>
+              </p:style>
+            </p:cxnSp>
+            <p:cxnSp>
+              <p:nvCxnSpPr>
+                <p:cNvPr id="57" name="Straight Connector 56"/>
+                <p:cNvCxnSpPr>
+                  <a:stCxn id="40" idx="3"/>
+                  <a:endCxn id="42" idx="1"/>
+                </p:cNvCxnSpPr>
+                <p:nvPr/>
+              </p:nvCxnSpPr>
+              <p:spPr>
+                <a:xfrm flipH="1">
+                  <a:off x="3196391" y="5032498"/>
+                  <a:ext cx="462213" cy="125044"/>
+                </a:xfrm>
+                <a:prstGeom prst="line">
+                  <a:avLst/>
+                </a:prstGeom>
+                <a:ln w="25400">
+                  <a:solidFill>
+                    <a:schemeClr val="tx1"/>
+                  </a:solidFill>
+                </a:ln>
+              </p:spPr>
+              <p:style>
+                <a:lnRef idx="1">
+                  <a:schemeClr val="accent1"/>
+                </a:lnRef>
+                <a:fillRef idx="0">
+                  <a:schemeClr val="accent1"/>
+                </a:fillRef>
+                <a:effectRef idx="0">
+                  <a:schemeClr val="accent1"/>
+                </a:effectRef>
+                <a:fontRef idx="minor">
+                  <a:schemeClr val="tx1"/>
+                </a:fontRef>
+              </p:style>
+            </p:cxnSp>
+            <p:cxnSp>
+              <p:nvCxnSpPr>
+                <p:cNvPr id="60" name="Straight Connector 59"/>
+                <p:cNvCxnSpPr>
+                  <a:stCxn id="42" idx="1"/>
+                  <a:endCxn id="41" idx="3"/>
+                </p:cNvCxnSpPr>
+                <p:nvPr/>
+              </p:nvCxnSpPr>
+              <p:spPr>
+                <a:xfrm>
+                  <a:off x="3196391" y="5157542"/>
+                  <a:ext cx="462213" cy="125043"/>
+                </a:xfrm>
+                <a:prstGeom prst="line">
+                  <a:avLst/>
+                </a:prstGeom>
+                <a:ln w="25400">
+                  <a:solidFill>
+                    <a:schemeClr val="tx1"/>
+                  </a:solidFill>
+                </a:ln>
+              </p:spPr>
+              <p:style>
+                <a:lnRef idx="1">
+                  <a:schemeClr val="accent1"/>
+                </a:lnRef>
+                <a:fillRef idx="0">
+                  <a:schemeClr val="accent1"/>
+                </a:fillRef>
+                <a:effectRef idx="0">
+                  <a:schemeClr val="accent1"/>
+                </a:effectRef>
+                <a:fontRef idx="minor">
+                  <a:schemeClr val="tx1"/>
+                </a:fontRef>
+              </p:style>
+            </p:cxnSp>
+            <p:cxnSp>
+              <p:nvCxnSpPr>
+                <p:cNvPr id="65" name="Straight Connector 64"/>
+                <p:cNvCxnSpPr>
+                  <a:stCxn id="64" idx="1"/>
+                  <a:endCxn id="41" idx="3"/>
+                </p:cNvCxnSpPr>
+                <p:nvPr/>
+              </p:nvCxnSpPr>
+              <p:spPr>
+                <a:xfrm flipV="1">
+                  <a:off x="3196391" y="5282585"/>
+                  <a:ext cx="462213" cy="121427"/>
+                </a:xfrm>
+                <a:prstGeom prst="line">
+                  <a:avLst/>
+                </a:prstGeom>
+                <a:ln w="25400">
+                  <a:solidFill>
+                    <a:schemeClr val="tx1"/>
+                  </a:solidFill>
+                </a:ln>
+              </p:spPr>
+              <p:style>
+                <a:lnRef idx="1">
+                  <a:schemeClr val="accent1"/>
+                </a:lnRef>
+                <a:fillRef idx="0">
+                  <a:schemeClr val="accent1"/>
+                </a:fillRef>
+                <a:effectRef idx="0">
+                  <a:schemeClr val="accent1"/>
+                </a:effectRef>
+                <a:fontRef idx="minor">
+                  <a:schemeClr val="tx1"/>
+                </a:fontRef>
+              </p:style>
+            </p:cxnSp>
+            <p:cxnSp>
+              <p:nvCxnSpPr>
+                <p:cNvPr id="68" name="Straight Connector 67"/>
+                <p:cNvCxnSpPr>
+                  <a:stCxn id="32" idx="0"/>
+                  <a:endCxn id="32" idx="3"/>
+                </p:cNvCxnSpPr>
+                <p:nvPr/>
+              </p:nvCxnSpPr>
+              <p:spPr>
+                <a:xfrm>
+                  <a:off x="3427498" y="4475218"/>
+                  <a:ext cx="231106" cy="57105"/>
+                </a:xfrm>
+                <a:prstGeom prst="line">
+                  <a:avLst/>
+                </a:prstGeom>
+                <a:ln w="25400">
+                  <a:solidFill>
+                    <a:schemeClr val="tx1"/>
+                  </a:solidFill>
+                </a:ln>
+              </p:spPr>
+              <p:style>
+                <a:lnRef idx="1">
+                  <a:schemeClr val="accent1"/>
+                </a:lnRef>
+                <a:fillRef idx="0">
+                  <a:schemeClr val="accent1"/>
+                </a:fillRef>
+                <a:effectRef idx="0">
+                  <a:schemeClr val="accent1"/>
+                </a:effectRef>
+                <a:fontRef idx="minor">
+                  <a:schemeClr val="tx1"/>
+                </a:fontRef>
+              </p:style>
+            </p:cxnSp>
+            <p:cxnSp>
+              <p:nvCxnSpPr>
+                <p:cNvPr id="71" name="Straight Connector 70"/>
+                <p:cNvCxnSpPr>
+                  <a:stCxn id="64" idx="2"/>
+                  <a:endCxn id="64" idx="1"/>
+                </p:cNvCxnSpPr>
+                <p:nvPr/>
+              </p:nvCxnSpPr>
+              <p:spPr>
+                <a:xfrm flipH="1" flipV="1">
+                  <a:off x="3196391" y="5404012"/>
+                  <a:ext cx="231107" cy="57105"/>
+                </a:xfrm>
+                <a:prstGeom prst="line">
+                  <a:avLst/>
+                </a:prstGeom>
+                <a:ln w="25400">
+                  <a:solidFill>
+                    <a:schemeClr val="tx1"/>
+                  </a:solidFill>
+                </a:ln>
+              </p:spPr>
+              <p:style>
+                <a:lnRef idx="1">
+                  <a:schemeClr val="accent1"/>
+                </a:lnRef>
+                <a:fillRef idx="0">
+                  <a:schemeClr val="accent1"/>
+                </a:fillRef>
+                <a:effectRef idx="0">
+                  <a:schemeClr val="accent1"/>
+                </a:effectRef>
+                <a:fontRef idx="minor">
+                  <a:schemeClr val="tx1"/>
+                </a:fontRef>
+              </p:style>
+            </p:cxnSp>
+          </p:grpSp>
+          <p:cxnSp>
+            <p:nvCxnSpPr>
+              <p:cNvPr id="77" name="Straight Connector 76"/>
+              <p:cNvCxnSpPr>
+                <a:stCxn id="64" idx="2"/>
+              </p:cNvCxnSpPr>
+              <p:nvPr/>
+            </p:nvCxnSpPr>
+            <p:spPr>
+              <a:xfrm flipH="1">
+                <a:off x="3389106" y="5571654"/>
+                <a:ext cx="1" cy="300109"/>
+              </a:xfrm>
+              <a:prstGeom prst="line">
+                <a:avLst/>
+              </a:prstGeom>
+              <a:ln w="25400">
+                <a:solidFill>
+                  <a:schemeClr val="tx1"/>
+                </a:solidFill>
+              </a:ln>
+            </p:spPr>
+            <p:style>
+              <a:lnRef idx="1">
+                <a:schemeClr val="accent1"/>
+              </a:lnRef>
+              <a:fillRef idx="0">
+                <a:schemeClr val="accent1"/>
+              </a:fillRef>
+              <a:effectRef idx="0">
+                <a:schemeClr val="accent1"/>
+              </a:effectRef>
+              <a:fontRef idx="minor">
+                <a:schemeClr val="tx1"/>
+              </a:fontRef>
+            </p:style>
+          </p:cxnSp>
+          <p:sp>
+            <p:nvSpPr>
+              <p:cNvPr id="81" name="Rectangle 80"/>
+              <p:cNvSpPr/>
+              <p:nvPr/>
+            </p:nvSpPr>
+            <p:spPr>
+              <a:xfrm>
+                <a:off x="2941573" y="5871763"/>
+                <a:ext cx="881743" cy="108558"/>
+              </a:xfrm>
+              <a:prstGeom prst="rect">
+                <a:avLst/>
+              </a:prstGeom>
+              <a:pattFill prst="wdUpDiag">
+                <a:fgClr>
+                  <a:schemeClr val="tx1"/>
+                </a:fgClr>
+                <a:bgClr>
+                  <a:schemeClr val="bg1"/>
+                </a:bgClr>
+              </a:pattFill>
+              <a:ln>
+                <a:noFill/>
+              </a:ln>
+            </p:spPr>
+            <p:style>
+              <a:lnRef idx="2">
+                <a:schemeClr val="accent1">
+                  <a:shade val="50000"/>
+                </a:schemeClr>
+              </a:lnRef>
+              <a:fillRef idx="1">
+                <a:schemeClr val="accent1"/>
+              </a:fillRef>
+              <a:effectRef idx="0">
+                <a:schemeClr val="accent1"/>
+              </a:effectRef>
+              <a:fontRef idx="minor">
+                <a:schemeClr val="lt1"/>
+              </a:fontRef>
+            </p:style>
+            <p:txBody>
+              <a:bodyPr rtlCol="0" anchor="ctr"/>
+              <a:lstStyle/>
+              <a:p>
+                <a:pPr algn="ctr"/>
+                <a:endParaRPr lang="en-GB" sz="2000"/>
+              </a:p>
+            </p:txBody>
+          </p:sp>
+          <p:cxnSp>
+            <p:nvCxnSpPr>
+              <p:cNvPr id="82" name="Straight Connector 81"/>
+              <p:cNvCxnSpPr/>
+              <p:nvPr/>
+            </p:nvCxnSpPr>
+            <p:spPr>
+              <a:xfrm>
+                <a:off x="2941573" y="5871763"/>
+                <a:ext cx="881743" cy="0"/>
+              </a:xfrm>
+              <a:prstGeom prst="line">
+                <a:avLst/>
+              </a:prstGeom>
+              <a:ln w="25400">
+                <a:solidFill>
+                  <a:schemeClr val="tx1"/>
+                </a:solidFill>
+              </a:ln>
+            </p:spPr>
+            <p:style>
+              <a:lnRef idx="1">
+                <a:schemeClr val="accent1"/>
+              </a:lnRef>
+              <a:fillRef idx="0">
+                <a:schemeClr val="accent1"/>
+              </a:fillRef>
+              <a:effectRef idx="0">
+                <a:schemeClr val="accent1"/>
+              </a:effectRef>
+              <a:fontRef idx="minor">
+                <a:schemeClr val="tx1"/>
+              </a:fontRef>
+            </p:style>
+          </p:cxnSp>
+        </p:grpSp>
+        <p:cxnSp>
+          <p:nvCxnSpPr>
+            <p:cNvPr id="87" name="Straight Arrow Connector 86"/>
+            <p:cNvCxnSpPr/>
+            <p:nvPr/>
+          </p:nvCxnSpPr>
+          <p:spPr>
+            <a:xfrm flipV="1">
+              <a:off x="3614985" y="1121039"/>
+              <a:ext cx="0" cy="2737952"/>
+            </a:xfrm>
+            <a:prstGeom prst="straightConnector1">
+              <a:avLst/>
+            </a:prstGeom>
+            <a:ln w="12700">
+              <a:solidFill>
+                <a:schemeClr val="tx1"/>
+              </a:solidFill>
+              <a:headEnd type="triangle" w="med" len="lg"/>
+              <a:tailEnd type="triangle" w="med" len="lg"/>
+            </a:ln>
+          </p:spPr>
+          <p:style>
+            <a:lnRef idx="1">
+              <a:schemeClr val="accent1"/>
+            </a:lnRef>
+            <a:fillRef idx="0">
+              <a:schemeClr val="accent1"/>
+            </a:fillRef>
+            <a:effectRef idx="0">
+              <a:schemeClr val="accent1"/>
+            </a:effectRef>
+            <a:fontRef idx="minor">
+              <a:schemeClr val="tx1"/>
+            </a:fontRef>
+          </p:style>
+        </p:cxnSp>
+        <mc:AlternateContent xmlns:mc="http://schemas.openxmlformats.org/markup-compatibility/2006">
+          <mc:Choice xmlns:a14="http://schemas.microsoft.com/office/drawing/2010/main" Requires="a14">
+            <p:sp>
+              <p:nvSpPr>
+                <p:cNvPr id="88" name="TextBox 87"/>
+                <p:cNvSpPr txBox="1"/>
+                <p:nvPr/>
+              </p:nvSpPr>
+              <p:spPr>
+                <a:xfrm>
+                  <a:off x="3363367" y="1937875"/>
+                  <a:ext cx="183319" cy="430887"/>
+                </a:xfrm>
+                <a:prstGeom prst="rect">
+                  <a:avLst/>
+                </a:prstGeom>
+                <a:noFill/>
+              </p:spPr>
+              <p:txBody>
+                <a:bodyPr wrap="square" lIns="0" tIns="0" rIns="0" bIns="0" rtlCol="0">
+                  <a:spAutoFit/>
+                </a:bodyPr>
+                <a:lstStyle/>
+                <a:p>
+                  <a:pPr/>
+                  <a14:m>
+                    <m:oMathPara xmlns:m="http://schemas.openxmlformats.org/officeDocument/2006/math">
+                      <m:oMathParaPr>
+                        <m:jc m:val="centerGroup"/>
+                      </m:oMathParaPr>
+                      <m:oMath xmlns:m="http://schemas.openxmlformats.org/officeDocument/2006/math">
+                        <m:r>
+                          <a:rPr lang="hu-HU" sz="2800" b="0" i="1" smtClean="0">
+                            <a:latin typeface="Cambria Math" charset="0"/>
+                          </a:rPr>
+                          <m:t>𝐿</m:t>
+                        </m:r>
+                      </m:oMath>
+                    </m:oMathPara>
+                  </a14:m>
+                  <a:endParaRPr lang="hu-HU" sz="2800" b="0" dirty="0" smtClean="0"/>
+                </a:p>
+              </p:txBody>
+            </p:sp>
+          </mc:Choice>
+          <mc:Fallback>
+            <p:sp>
+              <p:nvSpPr>
+                <p:cNvPr id="88" name="TextBox 87"/>
+                <p:cNvSpPr txBox="1">
+                  <a:spLocks noRot="1" noChangeAspect="1" noMove="1" noResize="1" noEditPoints="1" noAdjustHandles="1" noChangeArrowheads="1" noChangeShapeType="1" noTextEdit="1"/>
+                </p:cNvSpPr>
+                <p:nvPr/>
+              </p:nvSpPr>
+              <p:spPr>
+                <a:xfrm>
+                  <a:off x="3363367" y="1937875"/>
+                  <a:ext cx="183319" cy="430887"/>
+                </a:xfrm>
+                <a:prstGeom prst="rect">
+                  <a:avLst/>
+                </a:prstGeom>
+                <a:blipFill rotWithShape="0">
+                  <a:blip r:embed="rId5"/>
+                  <a:stretch>
+                    <a:fillRect/>
+                  </a:stretch>
+                </a:blipFill>
+              </p:spPr>
+              <p:txBody>
+                <a:bodyPr/>
+                <a:lstStyle/>
+                <a:p>
+                  <a:r>
+                    <a:rPr lang="en-GB">
+                      <a:noFill/>
+                    </a:rPr>
+                    <a:t> </a:t>
+                  </a:r>
+                </a:p>
+              </p:txBody>
+            </p:sp>
+          </mc:Fallback>
+        </mc:AlternateContent>
+        <p:cxnSp>
+          <p:nvCxnSpPr>
+            <p:cNvPr id="89" name="Straight Arrow Connector 88"/>
+            <p:cNvCxnSpPr>
+              <a:endCxn id="23" idx="7"/>
+            </p:cNvCxnSpPr>
+            <p:nvPr/>
+          </p:nvCxnSpPr>
+          <p:spPr>
+            <a:xfrm flipH="1">
+              <a:off x="2218598" y="2256215"/>
+              <a:ext cx="352133" cy="378616"/>
+            </a:xfrm>
+            <a:prstGeom prst="straightConnector1">
+              <a:avLst/>
+            </a:prstGeom>
+            <a:ln w="12700">
+              <a:solidFill>
+                <a:schemeClr val="tx1"/>
+              </a:solidFill>
+              <a:headEnd type="none" w="med" len="med"/>
+              <a:tailEnd type="triangle" w="med" len="med"/>
+            </a:ln>
+          </p:spPr>
+          <p:style>
+            <a:lnRef idx="1">
+              <a:schemeClr val="accent1"/>
+            </a:lnRef>
+            <a:fillRef idx="0">
+              <a:schemeClr val="accent1"/>
+            </a:fillRef>
+            <a:effectRef idx="0">
+              <a:schemeClr val="accent1"/>
+            </a:effectRef>
+            <a:fontRef idx="minor">
+              <a:schemeClr val="tx1"/>
+            </a:fontRef>
+          </p:style>
+        </p:cxnSp>
+        <mc:AlternateContent xmlns:mc="http://schemas.openxmlformats.org/markup-compatibility/2006">
+          <mc:Choice xmlns:a14="http://schemas.microsoft.com/office/drawing/2010/main" Requires="a14">
+            <p:sp>
+              <p:nvSpPr>
+                <p:cNvPr id="92" name="TextBox 91"/>
+                <p:cNvSpPr txBox="1"/>
+                <p:nvPr/>
+              </p:nvSpPr>
+              <p:spPr>
+                <a:xfrm>
+                  <a:off x="2153355" y="2078124"/>
+                  <a:ext cx="183319" cy="430887"/>
+                </a:xfrm>
+                <a:prstGeom prst="rect">
+                  <a:avLst/>
+                </a:prstGeom>
+                <a:noFill/>
+              </p:spPr>
+              <p:txBody>
+                <a:bodyPr wrap="square" lIns="0" tIns="0" rIns="0" bIns="0" rtlCol="0">
+                  <a:spAutoFit/>
+                </a:bodyPr>
+                <a:lstStyle/>
+                <a:p>
+                  <a:pPr/>
+                  <a14:m>
+                    <m:oMathPara xmlns:m="http://schemas.openxmlformats.org/officeDocument/2006/math">
+                      <m:oMathParaPr>
+                        <m:jc m:val="centerGroup"/>
+                      </m:oMathParaPr>
+                      <m:oMath xmlns:m="http://schemas.openxmlformats.org/officeDocument/2006/math">
+                        <m:r>
+                          <a:rPr lang="hu-HU" sz="2800" b="0" i="1" smtClean="0">
+                            <a:latin typeface="Cambria Math" charset="0"/>
+                          </a:rPr>
+                          <m:t>𝑅</m:t>
+                        </m:r>
+                      </m:oMath>
+                    </m:oMathPara>
+                  </a14:m>
+                  <a:endParaRPr lang="hu-HU" sz="2800" b="0" dirty="0" smtClean="0"/>
+                </a:p>
+              </p:txBody>
+            </p:sp>
+          </mc:Choice>
+          <mc:Fallback>
+            <p:sp>
+              <p:nvSpPr>
+                <p:cNvPr id="92" name="TextBox 91"/>
+                <p:cNvSpPr txBox="1">
+                  <a:spLocks noRot="1" noChangeAspect="1" noMove="1" noResize="1" noEditPoints="1" noAdjustHandles="1" noChangeArrowheads="1" noChangeShapeType="1" noTextEdit="1"/>
+                </p:cNvSpPr>
+                <p:nvPr/>
+              </p:nvSpPr>
+              <p:spPr>
+                <a:xfrm>
+                  <a:off x="2153355" y="2078124"/>
+                  <a:ext cx="183319" cy="430887"/>
+                </a:xfrm>
+                <a:prstGeom prst="rect">
+                  <a:avLst/>
+                </a:prstGeom>
+                <a:blipFill rotWithShape="0">
+                  <a:blip r:embed="rId6"/>
+                  <a:stretch>
+                    <a:fillRect r="-16667"/>
+                  </a:stretch>
+                </a:blipFill>
+              </p:spPr>
+              <p:txBody>
+                <a:bodyPr/>
+                <a:lstStyle/>
+                <a:p>
+                  <a:r>
+                    <a:rPr lang="en-GB">
+                      <a:noFill/>
+                    </a:rPr>
+                    <a:t> </a:t>
+                  </a:r>
+                </a:p>
+              </p:txBody>
+            </p:sp>
+          </mc:Fallback>
+        </mc:AlternateContent>
+        <p:cxnSp>
+          <p:nvCxnSpPr>
+            <p:cNvPr id="95" name="Straight Arrow Connector 94"/>
+            <p:cNvCxnSpPr>
+              <a:stCxn id="23" idx="7"/>
+            </p:cNvCxnSpPr>
+            <p:nvPr/>
+          </p:nvCxnSpPr>
+          <p:spPr>
+            <a:xfrm flipH="1">
+              <a:off x="2094872" y="2634831"/>
+              <a:ext cx="123726" cy="123415"/>
+            </a:xfrm>
+            <a:prstGeom prst="straightConnector1">
+              <a:avLst/>
+            </a:prstGeom>
+            <a:ln w="12700">
+              <a:solidFill>
+                <a:schemeClr val="tx1"/>
+              </a:solidFill>
+              <a:headEnd type="none" w="med" len="med"/>
+              <a:tailEnd type="none" w="med" len="med"/>
+            </a:ln>
+          </p:spPr>
+          <p:style>
+            <a:lnRef idx="1">
+              <a:schemeClr val="accent1"/>
+            </a:lnRef>
+            <a:fillRef idx="0">
+              <a:schemeClr val="accent1"/>
+            </a:fillRef>
+            <a:effectRef idx="0">
+              <a:schemeClr val="accent1"/>
+            </a:effectRef>
+            <a:fontRef idx="minor">
+              <a:schemeClr val="tx1"/>
+            </a:fontRef>
+          </p:style>
+        </p:cxnSp>
+        <mc:AlternateContent xmlns:mc="http://schemas.openxmlformats.org/markup-compatibility/2006">
+          <mc:Choice xmlns:a14="http://schemas.microsoft.com/office/drawing/2010/main" Requires="a14">
+            <p:sp>
+              <p:nvSpPr>
+                <p:cNvPr id="99" name="TextBox 98"/>
+                <p:cNvSpPr txBox="1"/>
+                <p:nvPr/>
+              </p:nvSpPr>
+              <p:spPr>
+                <a:xfrm>
+                  <a:off x="4125862" y="2307023"/>
+                  <a:ext cx="183319" cy="430887"/>
+                </a:xfrm>
+                <a:prstGeom prst="rect">
+                  <a:avLst/>
+                </a:prstGeom>
+                <a:noFill/>
+              </p:spPr>
+              <p:txBody>
+                <a:bodyPr wrap="square" lIns="0" tIns="0" rIns="0" bIns="0" rtlCol="0">
+                  <a:spAutoFit/>
+                </a:bodyPr>
+                <a:lstStyle/>
+                <a:p>
+                  <a:pPr/>
+                  <a14:m>
+                    <m:oMathPara xmlns:m="http://schemas.openxmlformats.org/officeDocument/2006/math">
+                      <m:oMathParaPr>
+                        <m:jc m:val="centerGroup"/>
+                      </m:oMathParaPr>
+                      <m:oMath xmlns:m="http://schemas.openxmlformats.org/officeDocument/2006/math">
+                        <m:r>
+                          <a:rPr lang="hu-HU" sz="2800" b="0" i="1" smtClean="0">
+                            <a:latin typeface="Cambria Math" charset="0"/>
+                          </a:rPr>
+                          <m:t>𝑀</m:t>
+                        </m:r>
+                      </m:oMath>
+                    </m:oMathPara>
+                  </a14:m>
+                  <a:endParaRPr lang="hu-HU" sz="2800" b="0" dirty="0" smtClean="0"/>
+                </a:p>
+              </p:txBody>
+            </p:sp>
+          </mc:Choice>
+          <mc:Fallback>
+            <p:sp>
+              <p:nvSpPr>
+                <p:cNvPr id="99" name="TextBox 98"/>
+                <p:cNvSpPr txBox="1">
+                  <a:spLocks noRot="1" noChangeAspect="1" noMove="1" noResize="1" noEditPoints="1" noAdjustHandles="1" noChangeArrowheads="1" noChangeShapeType="1" noTextEdit="1"/>
+                </p:cNvSpPr>
+                <p:nvPr/>
+              </p:nvSpPr>
+              <p:spPr>
+                <a:xfrm>
+                  <a:off x="4125862" y="2307023"/>
+                  <a:ext cx="183319" cy="430887"/>
+                </a:xfrm>
+                <a:prstGeom prst="rect">
+                  <a:avLst/>
+                </a:prstGeom>
+                <a:blipFill rotWithShape="0">
+                  <a:blip r:embed="rId7"/>
+                  <a:stretch>
+                    <a:fillRect r="-60000"/>
+                  </a:stretch>
+                </a:blipFill>
+              </p:spPr>
+              <p:txBody>
+                <a:bodyPr/>
+                <a:lstStyle/>
+                <a:p>
+                  <a:r>
+                    <a:rPr lang="en-GB">
+                      <a:noFill/>
+                    </a:rPr>
+                    <a:t> </a:t>
+                  </a:r>
+                </a:p>
+              </p:txBody>
+            </p:sp>
+          </mc:Fallback>
+        </mc:AlternateContent>
+        <mc:AlternateContent xmlns:mc="http://schemas.openxmlformats.org/markup-compatibility/2006">
+          <mc:Choice xmlns:a14="http://schemas.microsoft.com/office/drawing/2010/main" Requires="a14">
+            <p:sp>
+              <p:nvSpPr>
+                <p:cNvPr id="100" name="TextBox 99"/>
+                <p:cNvSpPr txBox="1"/>
+                <p:nvPr/>
+              </p:nvSpPr>
+              <p:spPr>
+                <a:xfrm>
+                  <a:off x="2950856" y="4604973"/>
+                  <a:ext cx="183319" cy="430887"/>
+                </a:xfrm>
+                <a:prstGeom prst="rect">
+                  <a:avLst/>
+                </a:prstGeom>
+                <a:noFill/>
+              </p:spPr>
+              <p:txBody>
+                <a:bodyPr wrap="square" lIns="0" tIns="0" rIns="0" bIns="0" rtlCol="0">
+                  <a:spAutoFit/>
+                </a:bodyPr>
+                <a:lstStyle/>
+                <a:p>
+                  <a:pPr/>
+                  <a14:m>
+                    <m:oMathPara xmlns:m="http://schemas.openxmlformats.org/officeDocument/2006/math">
+                      <m:oMathParaPr>
+                        <m:jc m:val="centerGroup"/>
+                      </m:oMathParaPr>
+                      <m:oMath xmlns:m="http://schemas.openxmlformats.org/officeDocument/2006/math">
+                        <m:r>
+                          <a:rPr lang="hu-HU" sz="2800" b="0" i="1" smtClean="0">
+                            <a:latin typeface="Cambria Math" charset="0"/>
+                          </a:rPr>
+                          <m:t>𝑆</m:t>
+                        </m:r>
+                      </m:oMath>
+                    </m:oMathPara>
+                  </a14:m>
+                  <a:endParaRPr lang="hu-HU" sz="2800" b="0" dirty="0" smtClean="0"/>
+                </a:p>
+              </p:txBody>
+            </p:sp>
+          </mc:Choice>
+          <mc:Fallback>
+            <p:sp>
+              <p:nvSpPr>
+                <p:cNvPr id="100" name="TextBox 99"/>
+                <p:cNvSpPr txBox="1">
+                  <a:spLocks noRot="1" noChangeAspect="1" noMove="1" noResize="1" noEditPoints="1" noAdjustHandles="1" noChangeArrowheads="1" noChangeShapeType="1" noTextEdit="1"/>
+                </p:cNvSpPr>
+                <p:nvPr/>
+              </p:nvSpPr>
+              <p:spPr>
+                <a:xfrm>
+                  <a:off x="2950856" y="4604973"/>
+                  <a:ext cx="183319" cy="430887"/>
+                </a:xfrm>
+                <a:prstGeom prst="rect">
+                  <a:avLst/>
+                </a:prstGeom>
+                <a:blipFill rotWithShape="0">
+                  <a:blip r:embed="rId8"/>
+                  <a:stretch>
+                    <a:fillRect/>
+                  </a:stretch>
+                </a:blipFill>
+              </p:spPr>
+              <p:txBody>
+                <a:bodyPr/>
+                <a:lstStyle/>
+                <a:p>
+                  <a:r>
+                    <a:rPr lang="en-GB">
+                      <a:noFill/>
+                    </a:rPr>
+                    <a:t> </a:t>
+                  </a:r>
+                </a:p>
+              </p:txBody>
+            </p:sp>
+          </mc:Fallback>
+        </mc:AlternateContent>
+        <p:cxnSp>
+          <p:nvCxnSpPr>
+            <p:cNvPr id="102" name="Straight Arrow Connector 101"/>
+            <p:cNvCxnSpPr/>
+            <p:nvPr/>
+          </p:nvCxnSpPr>
+          <p:spPr>
+            <a:xfrm flipH="1" flipV="1">
+              <a:off x="436827" y="1789505"/>
+              <a:ext cx="1" cy="700510"/>
+            </a:xfrm>
+            <a:prstGeom prst="straightConnector1">
+              <a:avLst/>
+            </a:prstGeom>
+            <a:ln w="12700">
+              <a:solidFill>
+                <a:schemeClr val="tx1"/>
+              </a:solidFill>
+              <a:headEnd type="none" w="med" len="med"/>
+              <a:tailEnd type="triangle" w="med" len="med"/>
+            </a:ln>
+          </p:spPr>
+          <p:style>
+            <a:lnRef idx="1">
+              <a:schemeClr val="accent1"/>
+            </a:lnRef>
+            <a:fillRef idx="0">
+              <a:schemeClr val="accent1"/>
+            </a:fillRef>
+            <a:effectRef idx="0">
+              <a:schemeClr val="accent1"/>
+            </a:effectRef>
+            <a:fontRef idx="minor">
+              <a:schemeClr val="tx1"/>
+            </a:fontRef>
+          </p:style>
+        </p:cxnSp>
+        <p:cxnSp>
+          <p:nvCxnSpPr>
+            <p:cNvPr id="104" name="Straight Arrow Connector 103"/>
+            <p:cNvCxnSpPr>
+              <a:stCxn id="85" idx="1"/>
+            </p:cNvCxnSpPr>
+            <p:nvPr/>
+          </p:nvCxnSpPr>
+          <p:spPr>
+            <a:xfrm flipH="1">
+              <a:off x="234678" y="2492639"/>
+              <a:ext cx="634391" cy="0"/>
+            </a:xfrm>
+            <a:prstGeom prst="straightConnector1">
+              <a:avLst/>
+            </a:prstGeom>
+            <a:ln w="12700">
+              <a:solidFill>
+                <a:schemeClr val="tx1"/>
+              </a:solidFill>
+              <a:headEnd type="none" w="med" len="med"/>
+              <a:tailEnd type="none" w="med" len="med"/>
+            </a:ln>
+          </p:spPr>
+          <p:style>
+            <a:lnRef idx="1">
+              <a:schemeClr val="accent1"/>
+            </a:lnRef>
+            <a:fillRef idx="0">
+              <a:schemeClr val="accent1"/>
+            </a:fillRef>
+            <a:effectRef idx="0">
+              <a:schemeClr val="accent1"/>
+            </a:effectRef>
+            <a:fontRef idx="minor">
+              <a:schemeClr val="tx1"/>
+            </a:fontRef>
+          </p:style>
+        </p:cxnSp>
+        <mc:AlternateContent xmlns:mc="http://schemas.openxmlformats.org/markup-compatibility/2006">
+          <mc:Choice xmlns:a14="http://schemas.microsoft.com/office/drawing/2010/main" Requires="a14">
+            <p:sp>
+              <p:nvSpPr>
+                <p:cNvPr id="108" name="TextBox 107"/>
+                <p:cNvSpPr txBox="1"/>
+                <p:nvPr/>
+              </p:nvSpPr>
+              <p:spPr>
+                <a:xfrm>
+                  <a:off x="156406" y="1708792"/>
+                  <a:ext cx="183319" cy="430887"/>
+                </a:xfrm>
+                <a:prstGeom prst="rect">
+                  <a:avLst/>
+                </a:prstGeom>
+                <a:noFill/>
+              </p:spPr>
+              <p:txBody>
+                <a:bodyPr wrap="square" lIns="0" tIns="0" rIns="0" bIns="0" rtlCol="0">
+                  <a:spAutoFit/>
+                </a:bodyPr>
+                <a:lstStyle/>
+                <a:p>
+                  <a:pPr/>
+                  <a14:m>
+                    <m:oMathPara xmlns:m="http://schemas.openxmlformats.org/officeDocument/2006/math">
+                      <m:oMathParaPr>
+                        <m:jc m:val="centerGroup"/>
+                      </m:oMathParaPr>
+                      <m:oMath xmlns:m="http://schemas.openxmlformats.org/officeDocument/2006/math">
+                        <m:r>
+                          <a:rPr lang="hu-HU" sz="2800" b="0" i="1" smtClean="0">
+                            <a:latin typeface="Cambria Math" charset="0"/>
+                          </a:rPr>
+                          <m:t>𝑍</m:t>
+                        </m:r>
+                      </m:oMath>
+                    </m:oMathPara>
+                  </a14:m>
+                  <a:endParaRPr lang="hu-HU" sz="2800" b="0" dirty="0" smtClean="0"/>
+                </a:p>
+              </p:txBody>
+            </p:sp>
+          </mc:Choice>
+          <mc:Fallback>
+            <p:sp>
+              <p:nvSpPr>
+                <p:cNvPr id="108" name="TextBox 107"/>
+                <p:cNvSpPr txBox="1">
+                  <a:spLocks noRot="1" noChangeAspect="1" noMove="1" noResize="1" noEditPoints="1" noAdjustHandles="1" noChangeArrowheads="1" noChangeShapeType="1" noTextEdit="1"/>
+                </p:cNvSpPr>
+                <p:nvPr/>
+              </p:nvSpPr>
+              <p:spPr>
+                <a:xfrm>
+                  <a:off x="156406" y="1708792"/>
+                  <a:ext cx="183319" cy="430887"/>
+                </a:xfrm>
+                <a:prstGeom prst="rect">
+                  <a:avLst/>
+                </a:prstGeom>
+                <a:blipFill rotWithShape="0">
+                  <a:blip r:embed="rId9"/>
+                  <a:stretch>
+                    <a:fillRect l="-3333" r="-13333"/>
+                  </a:stretch>
+                </a:blipFill>
+              </p:spPr>
+              <p:txBody>
+                <a:bodyPr/>
+                <a:lstStyle/>
+                <a:p>
+                  <a:r>
+                    <a:rPr lang="en-GB">
+                      <a:noFill/>
+                    </a:rPr>
+                    <a:t> </a:t>
+                  </a:r>
+                </a:p>
+              </p:txBody>
+            </p:sp>
+          </mc:Fallback>
+        </mc:AlternateContent>
+        <p:cxnSp>
+          <p:nvCxnSpPr>
+            <p:cNvPr id="114" name="Straight Arrow Connector 113"/>
+            <p:cNvCxnSpPr/>
+            <p:nvPr/>
+          </p:nvCxnSpPr>
+          <p:spPr>
+            <a:xfrm flipH="1">
+              <a:off x="1343130" y="4442135"/>
+              <a:ext cx="1" cy="641252"/>
+            </a:xfrm>
+            <a:prstGeom prst="straightConnector1">
+              <a:avLst/>
+            </a:prstGeom>
+            <a:ln w="12700">
+              <a:solidFill>
+                <a:schemeClr val="tx1"/>
+              </a:solidFill>
+              <a:headEnd type="none" w="med" len="med"/>
+              <a:tailEnd type="triangle" w="med" len="med"/>
+            </a:ln>
+          </p:spPr>
+          <p:style>
+            <a:lnRef idx="1">
+              <a:schemeClr val="accent1"/>
+            </a:lnRef>
+            <a:fillRef idx="0">
+              <a:schemeClr val="accent1"/>
+            </a:fillRef>
+            <a:effectRef idx="0">
+              <a:schemeClr val="accent1"/>
+            </a:effectRef>
+            <a:fontRef idx="minor">
+              <a:schemeClr val="tx1"/>
+            </a:fontRef>
+          </p:style>
+        </p:cxnSp>
+        <mc:AlternateContent xmlns:mc="http://schemas.openxmlformats.org/markup-compatibility/2006">
+          <mc:Choice xmlns:a14="http://schemas.microsoft.com/office/drawing/2010/main" Requires="a14">
+            <p:sp>
+              <p:nvSpPr>
+                <p:cNvPr id="117" name="TextBox 116"/>
+                <p:cNvSpPr txBox="1"/>
+                <p:nvPr/>
+              </p:nvSpPr>
+              <p:spPr>
+                <a:xfrm>
+                  <a:off x="1015206" y="4395999"/>
+                  <a:ext cx="183319" cy="430887"/>
+                </a:xfrm>
+                <a:prstGeom prst="rect">
+                  <a:avLst/>
+                </a:prstGeom>
+                <a:noFill/>
+              </p:spPr>
+              <p:txBody>
+                <a:bodyPr wrap="square" lIns="0" tIns="0" rIns="0" bIns="0" rtlCol="0">
+                  <a:spAutoFit/>
+                </a:bodyPr>
+                <a:lstStyle/>
+                <a:p>
+                  <a:pPr/>
+                  <a14:m>
+                    <m:oMathPara xmlns:m="http://schemas.openxmlformats.org/officeDocument/2006/math">
+                      <m:oMathParaPr>
+                        <m:jc m:val="centerGroup"/>
+                      </m:oMathParaPr>
+                      <m:oMath xmlns:m="http://schemas.openxmlformats.org/officeDocument/2006/math">
+                        <m:r>
+                          <a:rPr lang="hu-HU" sz="2800" b="0" i="1" smtClean="0">
+                            <a:latin typeface="Cambria Math" charset="0"/>
+                          </a:rPr>
+                          <m:t>𝑔</m:t>
+                        </m:r>
+                      </m:oMath>
+                    </m:oMathPara>
+                  </a14:m>
+                  <a:endParaRPr lang="hu-HU" sz="2800" b="0" dirty="0" smtClean="0"/>
+                </a:p>
+              </p:txBody>
+            </p:sp>
+          </mc:Choice>
+          <mc:Fallback>
+            <p:sp>
+              <p:nvSpPr>
+                <p:cNvPr id="117" name="TextBox 116"/>
+                <p:cNvSpPr txBox="1">
+                  <a:spLocks noRot="1" noChangeAspect="1" noMove="1" noResize="1" noEditPoints="1" noAdjustHandles="1" noChangeArrowheads="1" noChangeShapeType="1" noTextEdit="1"/>
+                </p:cNvSpPr>
+                <p:nvPr/>
+              </p:nvSpPr>
+              <p:spPr>
+                <a:xfrm>
+                  <a:off x="1015206" y="4395999"/>
+                  <a:ext cx="183319" cy="430887"/>
+                </a:xfrm>
+                <a:prstGeom prst="rect">
+                  <a:avLst/>
+                </a:prstGeom>
+                <a:blipFill rotWithShape="0">
+                  <a:blip r:embed="rId10"/>
+                  <a:stretch>
+                    <a:fillRect r="-6667"/>
+                  </a:stretch>
+                </a:blipFill>
+              </p:spPr>
+              <p:txBody>
+                <a:bodyPr/>
+                <a:lstStyle/>
+                <a:p>
+                  <a:r>
+                    <a:rPr lang="en-GB">
+                      <a:noFill/>
+                    </a:rPr>
+                    <a:t> </a:t>
+                  </a:r>
+                </a:p>
+              </p:txBody>
+            </p:sp>
+          </mc:Fallback>
+        </mc:AlternateContent>
+      </p:grpSp>
+    </p:spTree>
+    <p:extLst>
+      <p:ext uri="{BB962C8B-B14F-4D97-AF65-F5344CB8AC3E}">
+        <p14:creationId xmlns:p14="http://schemas.microsoft.com/office/powerpoint/2010/main" val="1981066456"/>
+      </p:ext>
+    </p:extLst>
+  </p:cSld>
+  <p:clrMapOvr>
+    <a:masterClrMapping/>
+  </p:clrMapOvr>
+  <p:timing>
+    <p:tnLst>
+      <p:par>
+        <p:cTn id="1" dur="indefinite" restart="never" nodeType="tmRoot"/>
+      </p:par>
+    </p:tnLst>
+  </p:timing>
+</p:sld>
+</file>
+
+<file path=ppt/slides/slide8.xml><?xml version="1.0" encoding="utf-8"?>
 <p:sld xmlns:a="http://schemas.openxmlformats.org/drawingml/2006/main" xmlns:r="http://schemas.openxmlformats.org/officeDocument/2006/relationships" xmlns:p="http://schemas.openxmlformats.org/presentationml/2006/main">
   <p:cSld>
     <p:spTree>

--- a/abrak.pptx
+++ b/abrak.pptx
@@ -5,7 +5,7 @@
     <p:sldMasterId id="2147483648" r:id="rId1"/>
   </p:sldMasterIdLst>
   <p:notesMasterIdLst>
-    <p:notesMasterId r:id="rId10"/>
+    <p:notesMasterId r:id="rId14"/>
   </p:notesMasterIdLst>
   <p:sldIdLst>
     <p:sldId id="274" r:id="rId2"/>
@@ -15,7 +15,11 @@
     <p:sldId id="273" r:id="rId6"/>
     <p:sldId id="276" r:id="rId7"/>
     <p:sldId id="278" r:id="rId8"/>
-    <p:sldId id="261" r:id="rId9"/>
+    <p:sldId id="279" r:id="rId9"/>
+    <p:sldId id="282" r:id="rId10"/>
+    <p:sldId id="280" r:id="rId11"/>
+    <p:sldId id="281" r:id="rId12"/>
+    <p:sldId id="261" r:id="rId13"/>
   </p:sldIdLst>
   <p:sldSz cx="12192000" cy="6858000"/>
   <p:notesSz cx="6858000" cy="9144000"/>
@@ -215,7 +219,7 @@
           <a:p>
             <a:fld id="{14239B35-D6DD-EA44-B274-DB31CBBE2D98}" type="datetimeFigureOut">
               <a:rPr lang="en-GB" smtClean="0"/>
-              <a:t>11/07/2017</a:t>
+              <a:t>22/07/2017</a:t>
             </a:fld>
             <a:endParaRPr lang="en-GB"/>
           </a:p>
@@ -614,7 +618,7 @@
           <a:p>
             <a:fld id="{8C151DFB-7B28-114B-8074-0837DBB019C8}" type="datetimeFigureOut">
               <a:rPr lang="en-GB" smtClean="0"/>
-              <a:t>11/07/2017</a:t>
+              <a:t>22/07/2017</a:t>
             </a:fld>
             <a:endParaRPr lang="en-GB"/>
           </a:p>
@@ -784,7 +788,7 @@
           <a:p>
             <a:fld id="{8C151DFB-7B28-114B-8074-0837DBB019C8}" type="datetimeFigureOut">
               <a:rPr lang="en-GB" smtClean="0"/>
-              <a:t>11/07/2017</a:t>
+              <a:t>22/07/2017</a:t>
             </a:fld>
             <a:endParaRPr lang="en-GB"/>
           </a:p>
@@ -964,7 +968,7 @@
           <a:p>
             <a:fld id="{8C151DFB-7B28-114B-8074-0837DBB019C8}" type="datetimeFigureOut">
               <a:rPr lang="en-GB" smtClean="0"/>
-              <a:t>11/07/2017</a:t>
+              <a:t>22/07/2017</a:t>
             </a:fld>
             <a:endParaRPr lang="en-GB"/>
           </a:p>
@@ -1134,7 +1138,7 @@
           <a:p>
             <a:fld id="{8C151DFB-7B28-114B-8074-0837DBB019C8}" type="datetimeFigureOut">
               <a:rPr lang="en-GB" smtClean="0"/>
-              <a:t>11/07/2017</a:t>
+              <a:t>22/07/2017</a:t>
             </a:fld>
             <a:endParaRPr lang="en-GB"/>
           </a:p>
@@ -1380,7 +1384,7 @@
           <a:p>
             <a:fld id="{8C151DFB-7B28-114B-8074-0837DBB019C8}" type="datetimeFigureOut">
               <a:rPr lang="en-GB" smtClean="0"/>
-              <a:t>11/07/2017</a:t>
+              <a:t>22/07/2017</a:t>
             </a:fld>
             <a:endParaRPr lang="en-GB"/>
           </a:p>
@@ -1612,7 +1616,7 @@
           <a:p>
             <a:fld id="{8C151DFB-7B28-114B-8074-0837DBB019C8}" type="datetimeFigureOut">
               <a:rPr lang="en-GB" smtClean="0"/>
-              <a:t>11/07/2017</a:t>
+              <a:t>22/07/2017</a:t>
             </a:fld>
             <a:endParaRPr lang="en-GB"/>
           </a:p>
@@ -1979,7 +1983,7 @@
           <a:p>
             <a:fld id="{8C151DFB-7B28-114B-8074-0837DBB019C8}" type="datetimeFigureOut">
               <a:rPr lang="en-GB" smtClean="0"/>
-              <a:t>11/07/2017</a:t>
+              <a:t>22/07/2017</a:t>
             </a:fld>
             <a:endParaRPr lang="en-GB"/>
           </a:p>
@@ -2097,7 +2101,7 @@
           <a:p>
             <a:fld id="{8C151DFB-7B28-114B-8074-0837DBB019C8}" type="datetimeFigureOut">
               <a:rPr lang="en-GB" smtClean="0"/>
-              <a:t>11/07/2017</a:t>
+              <a:t>22/07/2017</a:t>
             </a:fld>
             <a:endParaRPr lang="en-GB"/>
           </a:p>
@@ -2192,7 +2196,7 @@
           <a:p>
             <a:fld id="{8C151DFB-7B28-114B-8074-0837DBB019C8}" type="datetimeFigureOut">
               <a:rPr lang="en-GB" smtClean="0"/>
-              <a:t>11/07/2017</a:t>
+              <a:t>22/07/2017</a:t>
             </a:fld>
             <a:endParaRPr lang="en-GB"/>
           </a:p>
@@ -2469,7 +2473,7 @@
           <a:p>
             <a:fld id="{8C151DFB-7B28-114B-8074-0837DBB019C8}" type="datetimeFigureOut">
               <a:rPr lang="en-GB" smtClean="0"/>
-              <a:t>11/07/2017</a:t>
+              <a:t>22/07/2017</a:t>
             </a:fld>
             <a:endParaRPr lang="en-GB"/>
           </a:p>
@@ -2722,7 +2726,7 @@
           <a:p>
             <a:fld id="{8C151DFB-7B28-114B-8074-0837DBB019C8}" type="datetimeFigureOut">
               <a:rPr lang="en-GB" smtClean="0"/>
-              <a:t>11/07/2017</a:t>
+              <a:t>22/07/2017</a:t>
             </a:fld>
             <a:endParaRPr lang="en-GB"/>
           </a:p>
@@ -2935,7 +2939,7 @@
           <a:p>
             <a:fld id="{8C151DFB-7B28-114B-8074-0837DBB019C8}" type="datetimeFigureOut">
               <a:rPr lang="en-GB" smtClean="0"/>
-              <a:t>11/07/2017</a:t>
+              <a:t>22/07/2017</a:t>
             </a:fld>
             <a:endParaRPr lang="en-GB"/>
           </a:p>
@@ -3408,7 +3412,7 @@
         <p:spPr>
           <a:xfrm>
             <a:off x="1589373" y="4068369"/>
-            <a:ext cx="8808996" cy="1314763"/>
+            <a:ext cx="8808996" cy="1853966"/>
           </a:xfrm>
           <a:prstGeom prst="roundRect">
             <a:avLst>
@@ -3584,10 +3588,10 @@
         </p:nvGrpSpPr>
         <p:grpSpPr>
           <a:xfrm>
-            <a:off x="2277248" y="1606133"/>
-            <a:ext cx="7250950" cy="3250331"/>
+            <a:off x="2286065" y="1606134"/>
+            <a:ext cx="7155318" cy="3525969"/>
             <a:chOff x="2277248" y="1606133"/>
-            <a:chExt cx="7250950" cy="3250331"/>
+            <a:chExt cx="7155318" cy="3525969"/>
           </a:xfrm>
         </p:grpSpPr>
         <p:cxnSp>
@@ -3845,8 +3849,8 @@
           </p:nvCxnSpPr>
           <p:spPr>
             <a:xfrm rot="16200000" flipH="1">
-              <a:off x="8615844" y="1581036"/>
-              <a:ext cx="176941" cy="1647767"/>
+              <a:off x="8568028" y="1628852"/>
+              <a:ext cx="176941" cy="1552135"/>
             </a:xfrm>
             <a:prstGeom prst="bentConnector3">
               <a:avLst>
@@ -3886,9 +3890,9 @@
             <p:nvPr/>
           </p:nvCxnSpPr>
           <p:spPr>
-            <a:xfrm rot="16200000" flipH="1">
-              <a:off x="7794922" y="2401958"/>
-              <a:ext cx="176940" cy="5923"/>
+            <a:xfrm rot="5400000">
+              <a:off x="7735547" y="2348506"/>
+              <a:ext cx="176940" cy="112828"/>
             </a:xfrm>
             <a:prstGeom prst="bentConnector3">
               <a:avLst>
@@ -4010,9 +4014,9 @@
             <p:nvPr/>
           </p:nvCxnSpPr>
           <p:spPr>
-            <a:xfrm>
-              <a:off x="9528198" y="3196027"/>
-              <a:ext cx="0" cy="81044"/>
+            <a:xfrm flipH="1">
+              <a:off x="9422652" y="3196027"/>
+              <a:ext cx="9914" cy="81044"/>
             </a:xfrm>
             <a:prstGeom prst="line">
               <a:avLst/>
@@ -4051,7 +4055,7 @@
           </p:nvCxnSpPr>
           <p:spPr>
             <a:xfrm>
-              <a:off x="7886354" y="3196027"/>
+              <a:off x="7767603" y="3196027"/>
               <a:ext cx="0" cy="81044"/>
             </a:xfrm>
             <a:prstGeom prst="line">
@@ -4091,8 +4095,8 @@
           </p:nvCxnSpPr>
           <p:spPr>
             <a:xfrm rot="16200000" flipH="1">
-              <a:off x="7206022" y="3036329"/>
-              <a:ext cx="221539" cy="2168256"/>
+              <a:off x="7176716" y="3065635"/>
+              <a:ext cx="280150" cy="2168256"/>
             </a:xfrm>
             <a:prstGeom prst="bentConnector3">
               <a:avLst>
@@ -4133,8 +4137,8 @@
           </p:nvCxnSpPr>
           <p:spPr>
             <a:xfrm rot="16200000" flipH="1">
-              <a:off x="8591073" y="4535596"/>
-              <a:ext cx="130714" cy="511022"/>
+              <a:off x="8561434" y="4781595"/>
+              <a:ext cx="189993" cy="511022"/>
             </a:xfrm>
             <a:prstGeom prst="bentConnector3">
               <a:avLst>
@@ -4175,50 +4179,8 @@
           </p:nvCxnSpPr>
           <p:spPr>
             <a:xfrm rot="5400000">
-              <a:off x="7665437" y="4120390"/>
-              <a:ext cx="130122" cy="1340842"/>
-            </a:xfrm>
-            <a:prstGeom prst="bentConnector3">
-              <a:avLst>
-                <a:gd name="adj1" fmla="val 50000"/>
-              </a:avLst>
-            </a:prstGeom>
-            <a:ln w="28575" cap="rnd">
-              <a:solidFill>
-                <a:schemeClr val="bg2">
-                  <a:lumMod val="50000"/>
-                </a:schemeClr>
-              </a:solidFill>
-            </a:ln>
-          </p:spPr>
-          <p:style>
-            <a:lnRef idx="1">
-              <a:schemeClr val="accent1"/>
-            </a:lnRef>
-            <a:fillRef idx="0">
-              <a:schemeClr val="accent1"/>
-            </a:fillRef>
-            <a:effectRef idx="0">
-              <a:schemeClr val="accent1"/>
-            </a:effectRef>
-            <a:fontRef idx="minor">
-              <a:schemeClr val="tx1"/>
-            </a:fontRef>
-          </p:style>
-        </p:cxnSp>
-        <p:cxnSp>
-          <p:nvCxnSpPr>
-            <p:cNvPr id="305" name="Elbow Connector 304"/>
-            <p:cNvCxnSpPr>
-              <a:stCxn id="27" idx="2"/>
-              <a:endCxn id="35" idx="0"/>
-            </p:cNvCxnSpPr>
-            <p:nvPr/>
-          </p:nvCxnSpPr>
-          <p:spPr>
-            <a:xfrm rot="5400000">
-              <a:off x="4156405" y="2151002"/>
-              <a:ext cx="217573" cy="3934945"/>
+              <a:off x="7636127" y="4366060"/>
+              <a:ext cx="188743" cy="1340842"/>
             </a:xfrm>
             <a:prstGeom prst="bentConnector3">
               <a:avLst>
@@ -4259,52 +4221,13 @@
           </p:nvCxnSpPr>
           <p:spPr>
             <a:xfrm rot="5400000">
-              <a:off x="8146697" y="4602242"/>
-              <a:ext cx="130714" cy="377730"/>
+              <a:off x="8117058" y="4848241"/>
+              <a:ext cx="189993" cy="377730"/>
             </a:xfrm>
             <a:prstGeom prst="bentConnector3">
               <a:avLst>
                 <a:gd name="adj1" fmla="val 50000"/>
               </a:avLst>
-            </a:prstGeom>
-            <a:ln w="28575" cap="rnd">
-              <a:solidFill>
-                <a:schemeClr val="bg2">
-                  <a:lumMod val="50000"/>
-                </a:schemeClr>
-              </a:solidFill>
-            </a:ln>
-          </p:spPr>
-          <p:style>
-            <a:lnRef idx="1">
-              <a:schemeClr val="accent1"/>
-            </a:lnRef>
-            <a:fillRef idx="0">
-              <a:schemeClr val="accent1"/>
-            </a:fillRef>
-            <a:effectRef idx="0">
-              <a:schemeClr val="accent1"/>
-            </a:effectRef>
-            <a:fontRef idx="minor">
-              <a:schemeClr val="tx1"/>
-            </a:fontRef>
-          </p:style>
-        </p:cxnSp>
-        <p:cxnSp>
-          <p:nvCxnSpPr>
-            <p:cNvPr id="100" name="Straight Connector 99"/>
-            <p:cNvCxnSpPr>
-              <a:endCxn id="38" idx="0"/>
-            </p:cNvCxnSpPr>
-            <p:nvPr/>
-          </p:nvCxnSpPr>
-          <p:spPr>
-            <a:xfrm>
-              <a:off x="5588555" y="4136159"/>
-              <a:ext cx="0" cy="91102"/>
-            </a:xfrm>
-            <a:prstGeom prst="line">
-              <a:avLst/>
             </a:prstGeom>
             <a:ln w="28575" cap="rnd">
               <a:solidFill>
@@ -4339,8 +4262,8 @@
           </p:nvCxnSpPr>
           <p:spPr>
             <a:xfrm>
-              <a:off x="4666414" y="4136159"/>
-              <a:ext cx="0" cy="91102"/>
+              <a:off x="4361884" y="4136159"/>
+              <a:ext cx="0" cy="153680"/>
             </a:xfrm>
             <a:prstGeom prst="line">
               <a:avLst/>
@@ -4378,8 +4301,8 @@
           </p:nvCxnSpPr>
           <p:spPr>
             <a:xfrm flipV="1">
-              <a:off x="3577756" y="4136159"/>
-              <a:ext cx="0" cy="91101"/>
+              <a:off x="5417124" y="4136160"/>
+              <a:ext cx="8817" cy="153677"/>
             </a:xfrm>
             <a:prstGeom prst="line">
               <a:avLst/>
@@ -4907,8 +4830,8 @@
         </p:nvSpPr>
         <p:spPr>
           <a:xfrm>
-            <a:off x="8799947" y="2493391"/>
-            <a:ext cx="1456502" cy="702636"/>
+            <a:off x="8608682" y="2493391"/>
+            <a:ext cx="1647767" cy="702636"/>
           </a:xfrm>
           <a:prstGeom prst="roundRect">
             <a:avLst>
@@ -4984,8 +4907,8 @@
         </p:nvSpPr>
         <p:spPr>
           <a:xfrm>
-            <a:off x="8799947" y="3277071"/>
-            <a:ext cx="1456502" cy="710314"/>
+            <a:off x="8588854" y="3277071"/>
+            <a:ext cx="1667595" cy="710314"/>
           </a:xfrm>
           <a:prstGeom prst="roundRect">
             <a:avLst>
@@ -5039,7 +4962,20 @@
                 <a:ea typeface="Calibri" charset="0"/>
                 <a:cs typeface="Calibri" charset="0"/>
               </a:rPr>
-              <a:t>+, -, *, /, ^</a:t>
+              <a:t>+, -, *, </a:t>
+            </a:r>
+            <a:r>
+              <a:rPr lang="hu-HU" sz="2000" b="1" smtClean="0">
+                <a:solidFill>
+                  <a:schemeClr val="bg2">
+                    <a:lumMod val="25000"/>
+                  </a:schemeClr>
+                </a:solidFill>
+                <a:latin typeface="Calibri" charset="0"/>
+                <a:ea typeface="Calibri" charset="0"/>
+                <a:cs typeface="Calibri" charset="0"/>
+              </a:rPr>
+              <a:t>/, ^,%</a:t>
             </a:r>
             <a:endParaRPr lang="hu-HU" sz="2000" b="1" dirty="0">
               <a:solidFill>
@@ -5062,7 +4998,7 @@
         </p:nvSpPr>
         <p:spPr>
           <a:xfrm>
-            <a:off x="7158103" y="3277071"/>
+            <a:off x="7039352" y="3277071"/>
             <a:ext cx="1456502" cy="710314"/>
           </a:xfrm>
           <a:prstGeom prst="roundRect">
@@ -5223,12 +5159,12 @@
         </p:nvSpPr>
         <p:spPr>
           <a:xfrm>
-            <a:off x="6577476" y="4231227"/>
-            <a:ext cx="3646886" cy="494523"/>
+            <a:off x="6577476" y="4289838"/>
+            <a:ext cx="3646886" cy="652272"/>
           </a:xfrm>
           <a:prstGeom prst="roundRect">
             <a:avLst>
-              <a:gd name="adj" fmla="val 28447"/>
+              <a:gd name="adj" fmla="val 12891"/>
             </a:avLst>
           </a:prstGeom>
           <a:solidFill>
@@ -5290,8 +5226,8 @@
         </p:nvSpPr>
         <p:spPr>
           <a:xfrm>
-            <a:off x="1664898" y="4227261"/>
-            <a:ext cx="1265640" cy="1064768"/>
+            <a:off x="1664898" y="4913367"/>
+            <a:ext cx="1265640" cy="900588"/>
           </a:xfrm>
           <a:prstGeom prst="roundRect">
             <a:avLst>
@@ -5382,12 +5318,12 @@
         </p:nvSpPr>
         <p:spPr>
           <a:xfrm>
-            <a:off x="3013428" y="4227260"/>
-            <a:ext cx="1128655" cy="1064768"/>
+            <a:off x="4861613" y="4289838"/>
+            <a:ext cx="1128655" cy="1524116"/>
           </a:xfrm>
           <a:prstGeom prst="roundRect">
             <a:avLst>
-              <a:gd name="adj" fmla="val 15680"/>
+              <a:gd name="adj" fmla="val 9723"/>
             </a:avLst>
           </a:prstGeom>
           <a:solidFill>
@@ -5474,8 +5410,8 @@
         </p:nvSpPr>
         <p:spPr>
           <a:xfrm>
-            <a:off x="4218633" y="4227261"/>
-            <a:ext cx="895561" cy="1064767"/>
+            <a:off x="3933036" y="4289839"/>
+            <a:ext cx="857696" cy="1524116"/>
           </a:xfrm>
           <a:prstGeom prst="roundRect">
             <a:avLst>
@@ -5566,12 +5502,12 @@
         </p:nvSpPr>
         <p:spPr>
           <a:xfrm>
-            <a:off x="5179455" y="4227261"/>
-            <a:ext cx="818199" cy="1064768"/>
+            <a:off x="3033320" y="4913367"/>
+            <a:ext cx="818199" cy="900588"/>
           </a:xfrm>
           <a:prstGeom prst="roundRect">
             <a:avLst>
-              <a:gd name="adj" fmla="val 16496"/>
+              <a:gd name="adj" fmla="val 13209"/>
             </a:avLst>
           </a:prstGeom>
           <a:solidFill>
@@ -5733,7 +5669,7 @@
         </p:nvSpPr>
         <p:spPr>
           <a:xfrm>
-            <a:off x="7158103" y="2493390"/>
+            <a:off x="7039352" y="2493390"/>
             <a:ext cx="1456502" cy="702637"/>
           </a:xfrm>
           <a:prstGeom prst="roundRect">
@@ -5810,12 +5746,12 @@
         </p:nvSpPr>
         <p:spPr>
           <a:xfrm>
-            <a:off x="8503700" y="4856464"/>
-            <a:ext cx="816482" cy="441760"/>
+            <a:off x="8503700" y="5132103"/>
+            <a:ext cx="816482" cy="687122"/>
           </a:xfrm>
           <a:prstGeom prst="roundRect">
             <a:avLst>
-              <a:gd name="adj" fmla="val 26146"/>
+              <a:gd name="adj" fmla="val 10672"/>
             </a:avLst>
           </a:prstGeom>
           <a:solidFill>
@@ -5888,12 +5824,12 @@
         </p:nvSpPr>
         <p:spPr>
           <a:xfrm>
-            <a:off x="7630376" y="4856464"/>
-            <a:ext cx="785625" cy="441760"/>
+            <a:off x="7630376" y="5132103"/>
+            <a:ext cx="785625" cy="687122"/>
           </a:xfrm>
           <a:prstGeom prst="roundRect">
             <a:avLst>
-              <a:gd name="adj" fmla="val 30900"/>
+              <a:gd name="adj" fmla="val 12331"/>
             </a:avLst>
           </a:prstGeom>
           <a:solidFill>
@@ -5966,12 +5902,12 @@
         </p:nvSpPr>
         <p:spPr>
           <a:xfrm>
-            <a:off x="6577476" y="4855872"/>
-            <a:ext cx="965201" cy="442945"/>
+            <a:off x="6577476" y="5130853"/>
+            <a:ext cx="965201" cy="688965"/>
           </a:xfrm>
           <a:prstGeom prst="roundRect">
             <a:avLst>
-              <a:gd name="adj" fmla="val 23706"/>
+              <a:gd name="adj" fmla="val 12903"/>
             </a:avLst>
           </a:prstGeom>
           <a:solidFill>
@@ -6044,12 +5980,12 @@
         </p:nvSpPr>
         <p:spPr>
           <a:xfrm>
-            <a:off x="9407881" y="4856464"/>
-            <a:ext cx="816481" cy="441760"/>
+            <a:off x="9407881" y="5130853"/>
+            <a:ext cx="816481" cy="688372"/>
           </a:xfrm>
           <a:prstGeom prst="roundRect">
             <a:avLst>
-              <a:gd name="adj" fmla="val 26146"/>
+              <a:gd name="adj" fmla="val 13767"/>
             </a:avLst>
           </a:prstGeom>
           <a:solidFill>
@@ -6125,8 +6061,8 @@
         </p:nvCxnSpPr>
         <p:spPr>
           <a:xfrm rot="16200000" flipH="1">
-            <a:off x="9043163" y="4083505"/>
-            <a:ext cx="130714" cy="1415203"/>
+            <a:off x="9014149" y="4328879"/>
+            <a:ext cx="188743" cy="1415203"/>
           </a:xfrm>
           <a:prstGeom prst="bentConnector3">
             <a:avLst>
@@ -6164,8 +6100,8 @@
         </p:nvSpPr>
         <p:spPr>
           <a:xfrm>
-            <a:off x="6066017" y="4219840"/>
-            <a:ext cx="408677" cy="1064768"/>
+            <a:off x="6066018" y="4273730"/>
+            <a:ext cx="408677" cy="1540223"/>
           </a:xfrm>
           <a:prstGeom prst="roundRect">
             <a:avLst>
@@ -6242,11 +6178,214 @@
         </p:nvCxnSpPr>
         <p:spPr>
           <a:xfrm>
-            <a:off x="6270356" y="4136159"/>
-            <a:ext cx="0" cy="83681"/>
+            <a:off x="6270357" y="4136159"/>
+            <a:ext cx="0" cy="137571"/>
           </a:xfrm>
           <a:prstGeom prst="line">
             <a:avLst/>
+          </a:prstGeom>
+          <a:ln w="28575" cap="rnd">
+            <a:solidFill>
+              <a:schemeClr val="bg2">
+                <a:lumMod val="50000"/>
+              </a:schemeClr>
+            </a:solidFill>
+          </a:ln>
+        </p:spPr>
+        <p:style>
+          <a:lnRef idx="1">
+            <a:schemeClr val="accent1"/>
+          </a:lnRef>
+          <a:fillRef idx="0">
+            <a:schemeClr val="accent1"/>
+          </a:fillRef>
+          <a:effectRef idx="0">
+            <a:schemeClr val="accent1"/>
+          </a:effectRef>
+          <a:fontRef idx="minor">
+            <a:schemeClr val="tx1"/>
+          </a:fontRef>
+        </p:style>
+      </p:cxnSp>
+      <p:sp>
+        <p:nvSpPr>
+          <p:cNvPr id="52" name="Rounded Rectangle 51"/>
+          <p:cNvSpPr/>
+          <p:nvPr/>
+        </p:nvSpPr>
+        <p:spPr>
+          <a:xfrm>
+            <a:off x="1692722" y="4275761"/>
+            <a:ext cx="2145033" cy="494523"/>
+          </a:xfrm>
+          <a:prstGeom prst="roundRect">
+            <a:avLst>
+              <a:gd name="adj" fmla="val 28447"/>
+            </a:avLst>
+          </a:prstGeom>
+          <a:solidFill>
+            <a:schemeClr val="bg1">
+              <a:lumMod val="85000"/>
+            </a:schemeClr>
+          </a:solidFill>
+          <a:ln w="19050">
+            <a:solidFill>
+              <a:schemeClr val="tx1">
+                <a:lumMod val="65000"/>
+                <a:lumOff val="35000"/>
+              </a:schemeClr>
+            </a:solidFill>
+          </a:ln>
+        </p:spPr>
+        <p:style>
+          <a:lnRef idx="2">
+            <a:schemeClr val="accent1">
+              <a:shade val="50000"/>
+            </a:schemeClr>
+          </a:lnRef>
+          <a:fillRef idx="1">
+            <a:schemeClr val="accent1"/>
+          </a:fillRef>
+          <a:effectRef idx="0">
+            <a:schemeClr val="accent1"/>
+          </a:effectRef>
+          <a:fontRef idx="minor">
+            <a:schemeClr val="lt1"/>
+          </a:fontRef>
+        </p:style>
+        <p:txBody>
+          <a:bodyPr rtlCol="0" anchor="ctr"/>
+          <a:lstStyle/>
+          <a:p>
+            <a:pPr algn="ctr"/>
+            <a:r>
+              <a:rPr lang="hu-HU" sz="2000" smtClean="0">
+                <a:solidFill>
+                  <a:schemeClr val="bg2">
+                    <a:lumMod val="25000"/>
+                  </a:schemeClr>
+                </a:solidFill>
+                <a:latin typeface="Calibri" charset="0"/>
+                <a:ea typeface="Calibri" charset="0"/>
+                <a:cs typeface="Calibri" charset="0"/>
+              </a:rPr>
+              <a:t>Filter</a:t>
+            </a:r>
+            <a:endParaRPr lang="hu-HU" sz="2000" dirty="0">
+              <a:solidFill>
+                <a:schemeClr val="bg2">
+                  <a:lumMod val="25000"/>
+                </a:schemeClr>
+              </a:solidFill>
+              <a:latin typeface="Calibri" charset="0"/>
+              <a:ea typeface="Calibri" charset="0"/>
+              <a:cs typeface="Calibri" charset="0"/>
+            </a:endParaRPr>
+          </a:p>
+        </p:txBody>
+      </p:sp>
+      <p:cxnSp>
+        <p:nvCxnSpPr>
+          <p:cNvPr id="61" name="Elbow Connector 60"/>
+          <p:cNvCxnSpPr>
+            <a:stCxn id="52" idx="2"/>
+            <a:endCxn id="38" idx="0"/>
+          </p:cNvCxnSpPr>
+          <p:nvPr/>
+        </p:nvCxnSpPr>
+        <p:spPr>
+          <a:xfrm rot="16200000" flipH="1">
+            <a:off x="3032288" y="4503234"/>
+            <a:ext cx="143083" cy="677181"/>
+          </a:xfrm>
+          <a:prstGeom prst="bentConnector3">
+            <a:avLst>
+              <a:gd name="adj1" fmla="val 50000"/>
+            </a:avLst>
+          </a:prstGeom>
+          <a:ln w="28575" cap="rnd">
+            <a:solidFill>
+              <a:schemeClr val="bg2">
+                <a:lumMod val="50000"/>
+              </a:schemeClr>
+            </a:solidFill>
+          </a:ln>
+        </p:spPr>
+        <p:style>
+          <a:lnRef idx="1">
+            <a:schemeClr val="accent1"/>
+          </a:lnRef>
+          <a:fillRef idx="0">
+            <a:schemeClr val="accent1"/>
+          </a:fillRef>
+          <a:effectRef idx="0">
+            <a:schemeClr val="accent1"/>
+          </a:effectRef>
+          <a:fontRef idx="minor">
+            <a:schemeClr val="tx1"/>
+          </a:fontRef>
+        </p:style>
+      </p:cxnSp>
+      <p:cxnSp>
+        <p:nvCxnSpPr>
+          <p:cNvPr id="64" name="Elbow Connector 63"/>
+          <p:cNvCxnSpPr>
+            <a:stCxn id="52" idx="2"/>
+            <a:endCxn id="35" idx="0"/>
+          </p:cNvCxnSpPr>
+          <p:nvPr/>
+        </p:nvCxnSpPr>
+        <p:spPr>
+          <a:xfrm rot="5400000">
+            <a:off x="2459938" y="4608065"/>
+            <a:ext cx="143083" cy="467521"/>
+          </a:xfrm>
+          <a:prstGeom prst="bentConnector3">
+            <a:avLst>
+              <a:gd name="adj1" fmla="val 50000"/>
+            </a:avLst>
+          </a:prstGeom>
+          <a:ln w="28575" cap="rnd">
+            <a:solidFill>
+              <a:schemeClr val="bg2">
+                <a:lumMod val="50000"/>
+              </a:schemeClr>
+            </a:solidFill>
+          </a:ln>
+        </p:spPr>
+        <p:style>
+          <a:lnRef idx="1">
+            <a:schemeClr val="accent1"/>
+          </a:lnRef>
+          <a:fillRef idx="0">
+            <a:schemeClr val="accent1"/>
+          </a:fillRef>
+          <a:effectRef idx="0">
+            <a:schemeClr val="accent1"/>
+          </a:effectRef>
+          <a:fontRef idx="minor">
+            <a:schemeClr val="tx1"/>
+          </a:fontRef>
+        </p:style>
+      </p:cxnSp>
+      <p:cxnSp>
+        <p:nvCxnSpPr>
+          <p:cNvPr id="112" name="Elbow Connector 111"/>
+          <p:cNvCxnSpPr>
+            <a:stCxn id="27" idx="2"/>
+            <a:endCxn id="52" idx="0"/>
+          </p:cNvCxnSpPr>
+          <p:nvPr/>
+        </p:nvCxnSpPr>
+        <p:spPr>
+          <a:xfrm rot="5400000">
+            <a:off x="4365915" y="2409012"/>
+            <a:ext cx="266073" cy="3467424"/>
+          </a:xfrm>
+          <a:prstGeom prst="bentConnector3">
+            <a:avLst>
+              <a:gd name="adj1" fmla="val 50000"/>
+            </a:avLst>
           </a:prstGeom>
           <a:ln w="28575" cap="rnd">
             <a:solidFill>
@@ -6275,6 +6414,2609 @@
     <p:extLst>
       <p:ext uri="{BB962C8B-B14F-4D97-AF65-F5344CB8AC3E}">
         <p14:creationId xmlns:p14="http://schemas.microsoft.com/office/powerpoint/2010/main" val="1411398266"/>
+      </p:ext>
+    </p:extLst>
+  </p:cSld>
+  <p:clrMapOvr>
+    <a:masterClrMapping/>
+  </p:clrMapOvr>
+  <p:timing>
+    <p:tnLst>
+      <p:par>
+        <p:cTn id="1" dur="indefinite" restart="never" nodeType="tmRoot"/>
+      </p:par>
+    </p:tnLst>
+  </p:timing>
+</p:sld>
+</file>
+
+<file path=ppt/slides/slide10.xml><?xml version="1.0" encoding="utf-8"?>
+<p:sld xmlns:a="http://schemas.openxmlformats.org/drawingml/2006/main" xmlns:r="http://schemas.openxmlformats.org/officeDocument/2006/relationships" xmlns:p="http://schemas.openxmlformats.org/presentationml/2006/main">
+  <p:cSld>
+    <p:spTree>
+      <p:nvGrpSpPr>
+        <p:cNvPr id="1" name=""/>
+        <p:cNvGrpSpPr/>
+        <p:nvPr/>
+      </p:nvGrpSpPr>
+      <p:grpSpPr>
+        <a:xfrm>
+          <a:off x="0" y="0"/>
+          <a:ext cx="0" cy="0"/>
+          <a:chOff x="0" y="0"/>
+          <a:chExt cx="0" cy="0"/>
+        </a:xfrm>
+      </p:grpSpPr>
+      <p:grpSp>
+        <p:nvGrpSpPr>
+          <p:cNvPr id="12" name="Group 11"/>
+          <p:cNvGrpSpPr/>
+          <p:nvPr/>
+        </p:nvGrpSpPr>
+        <p:grpSpPr>
+          <a:xfrm>
+            <a:off x="1129115" y="842468"/>
+            <a:ext cx="9633046" cy="4348336"/>
+            <a:chOff x="1129115" y="842468"/>
+            <a:chExt cx="9633046" cy="4348336"/>
+          </a:xfrm>
+        </p:grpSpPr>
+        <p:pic>
+          <p:nvPicPr>
+            <p:cNvPr id="35" name="Picture 34"/>
+            <p:cNvPicPr>
+              <a:picLocks noChangeAspect="1"/>
+            </p:cNvPicPr>
+            <p:nvPr/>
+          </p:nvPicPr>
+          <p:blipFill>
+            <a:blip r:embed="rId2">
+              <a:extLst>
+                <a:ext uri="{28A0092B-C50C-407E-A947-70E740481C1C}">
+                  <a14:useLocalDpi xmlns:a14="http://schemas.microsoft.com/office/drawing/2010/main" val="0"/>
+                </a:ext>
+              </a:extLst>
+            </a:blip>
+            <a:stretch>
+              <a:fillRect/>
+            </a:stretch>
+          </p:blipFill>
+          <p:spPr>
+            <a:xfrm>
+              <a:off x="6029221" y="3108311"/>
+              <a:ext cx="4732940" cy="2082493"/>
+            </a:xfrm>
+            <a:prstGeom prst="rect">
+              <a:avLst/>
+            </a:prstGeom>
+          </p:spPr>
+        </p:pic>
+        <p:pic>
+          <p:nvPicPr>
+            <p:cNvPr id="36" name="Picture 35"/>
+            <p:cNvPicPr>
+              <a:picLocks noChangeAspect="1"/>
+            </p:cNvPicPr>
+            <p:nvPr/>
+          </p:nvPicPr>
+          <p:blipFill>
+            <a:blip r:embed="rId3">
+              <a:extLst>
+                <a:ext uri="{28A0092B-C50C-407E-A947-70E740481C1C}">
+                  <a14:useLocalDpi xmlns:a14="http://schemas.microsoft.com/office/drawing/2010/main" val="0"/>
+                </a:ext>
+              </a:extLst>
+            </a:blip>
+            <a:stretch>
+              <a:fillRect/>
+            </a:stretch>
+          </p:blipFill>
+          <p:spPr>
+            <a:xfrm>
+              <a:off x="6029221" y="876787"/>
+              <a:ext cx="4732940" cy="2076577"/>
+            </a:xfrm>
+            <a:prstGeom prst="rect">
+              <a:avLst/>
+            </a:prstGeom>
+          </p:spPr>
+        </p:pic>
+        <p:pic>
+          <p:nvPicPr>
+            <p:cNvPr id="37" name="Picture 36"/>
+            <p:cNvPicPr>
+              <a:picLocks noChangeAspect="1"/>
+            </p:cNvPicPr>
+            <p:nvPr/>
+          </p:nvPicPr>
+          <p:blipFill>
+            <a:blip r:embed="rId4">
+              <a:extLst>
+                <a:ext uri="{28A0092B-C50C-407E-A947-70E740481C1C}">
+                  <a14:useLocalDpi xmlns:a14="http://schemas.microsoft.com/office/drawing/2010/main" val="0"/>
+                </a:ext>
+              </a:extLst>
+            </a:blip>
+            <a:stretch>
+              <a:fillRect/>
+            </a:stretch>
+          </p:blipFill>
+          <p:spPr>
+            <a:xfrm>
+              <a:off x="1129115" y="878623"/>
+              <a:ext cx="4724569" cy="2072904"/>
+            </a:xfrm>
+            <a:prstGeom prst="rect">
+              <a:avLst/>
+            </a:prstGeom>
+          </p:spPr>
+        </p:pic>
+        <p:pic>
+          <p:nvPicPr>
+            <p:cNvPr id="38" name="Picture 37"/>
+            <p:cNvPicPr>
+              <a:picLocks noChangeAspect="1"/>
+            </p:cNvPicPr>
+            <p:nvPr/>
+          </p:nvPicPr>
+          <p:blipFill>
+            <a:blip r:embed="rId5">
+              <a:extLst>
+                <a:ext uri="{28A0092B-C50C-407E-A947-70E740481C1C}">
+                  <a14:useLocalDpi xmlns:a14="http://schemas.microsoft.com/office/drawing/2010/main" val="0"/>
+                </a:ext>
+              </a:extLst>
+            </a:blip>
+            <a:stretch>
+              <a:fillRect/>
+            </a:stretch>
+          </p:blipFill>
+          <p:spPr>
+            <a:xfrm>
+              <a:off x="1129115" y="3106349"/>
+              <a:ext cx="4724569" cy="2078810"/>
+            </a:xfrm>
+            <a:prstGeom prst="rect">
+              <a:avLst/>
+            </a:prstGeom>
+          </p:spPr>
+        </p:pic>
+        <mc:AlternateContent xmlns:mc="http://schemas.openxmlformats.org/markup-compatibility/2006" xmlns:a14="http://schemas.microsoft.com/office/drawing/2010/main">
+          <mc:Choice Requires="a14">
+            <p:sp>
+              <p:nvSpPr>
+                <p:cNvPr id="26" name="TextBox 25"/>
+                <p:cNvSpPr txBox="1"/>
+                <p:nvPr/>
+              </p:nvSpPr>
+              <p:spPr>
+                <a:xfrm>
+                  <a:off x="3069391" y="2748770"/>
+                  <a:ext cx="844014" cy="276999"/>
+                </a:xfrm>
+                <a:prstGeom prst="rect">
+                  <a:avLst/>
+                </a:prstGeom>
+                <a:noFill/>
+              </p:spPr>
+              <p:txBody>
+                <a:bodyPr wrap="none" lIns="0" tIns="0" rIns="0" bIns="0" rtlCol="0">
+                  <a:spAutoFit/>
+                </a:bodyPr>
+                <a:lstStyle/>
+                <a:p>
+                  <a14:m>
+                    <m:oMath xmlns:m="http://schemas.openxmlformats.org/officeDocument/2006/math">
+                      <m:r>
+                        <a:rPr lang="hu-HU" b="0" i="1" smtClean="0">
+                          <a:latin typeface="Cambria Math" charset="0"/>
+                        </a:rPr>
+                        <m:t>𝑡</m:t>
+                      </m:r>
+                      <m:r>
+                        <a:rPr lang="hu-HU" b="0" i="1" smtClean="0">
+                          <a:latin typeface="Cambria Math" charset="0"/>
+                        </a:rPr>
+                        <m:t>=1.2 </m:t>
+                      </m:r>
+                    </m:oMath>
+                  </a14:m>
+                  <a:r>
+                    <a:rPr lang="en-GB" dirty="0" smtClean="0"/>
+                    <a:t>s</a:t>
+                  </a:r>
+                  <a:endParaRPr lang="en-GB" dirty="0"/>
+                </a:p>
+              </p:txBody>
+            </p:sp>
+          </mc:Choice>
+          <mc:Fallback xmlns="">
+            <p:sp>
+              <p:nvSpPr>
+                <p:cNvPr id="26" name="TextBox 25"/>
+                <p:cNvSpPr txBox="1">
+                  <a:spLocks noRot="1" noChangeAspect="1" noMove="1" noResize="1" noEditPoints="1" noAdjustHandles="1" noChangeArrowheads="1" noChangeShapeType="1" noTextEdit="1"/>
+                </p:cNvSpPr>
+                <p:nvPr/>
+              </p:nvSpPr>
+              <p:spPr>
+                <a:xfrm>
+                  <a:off x="3069391" y="2748770"/>
+                  <a:ext cx="844014" cy="276999"/>
+                </a:xfrm>
+                <a:prstGeom prst="rect">
+                  <a:avLst/>
+                </a:prstGeom>
+                <a:blipFill rotWithShape="0">
+                  <a:blip r:embed="rId6"/>
+                  <a:stretch>
+                    <a:fillRect l="-8696" t="-146667" r="-16667" b="-182222"/>
+                  </a:stretch>
+                </a:blipFill>
+              </p:spPr>
+              <p:txBody>
+                <a:bodyPr/>
+                <a:lstStyle/>
+                <a:p>
+                  <a:r>
+                    <a:rPr lang="en-GB">
+                      <a:noFill/>
+                    </a:rPr>
+                    <a:t> </a:t>
+                  </a:r>
+                </a:p>
+              </p:txBody>
+            </p:sp>
+          </mc:Fallback>
+        </mc:AlternateContent>
+        <mc:AlternateContent xmlns:mc="http://schemas.openxmlformats.org/markup-compatibility/2006" xmlns:a14="http://schemas.microsoft.com/office/drawing/2010/main">
+          <mc:Choice Requires="a14">
+            <p:sp>
+              <p:nvSpPr>
+                <p:cNvPr id="27" name="TextBox 26"/>
+                <p:cNvSpPr txBox="1"/>
+                <p:nvPr/>
+              </p:nvSpPr>
+              <p:spPr>
+                <a:xfrm>
+                  <a:off x="8195848" y="842468"/>
+                  <a:ext cx="844014" cy="276999"/>
+                </a:xfrm>
+                <a:prstGeom prst="rect">
+                  <a:avLst/>
+                </a:prstGeom>
+                <a:noFill/>
+              </p:spPr>
+              <p:txBody>
+                <a:bodyPr wrap="none" lIns="0" tIns="0" rIns="0" bIns="0" rtlCol="0">
+                  <a:spAutoFit/>
+                </a:bodyPr>
+                <a:lstStyle/>
+                <a:p>
+                  <a14:m>
+                    <m:oMath xmlns:m="http://schemas.openxmlformats.org/officeDocument/2006/math">
+                      <m:r>
+                        <a:rPr lang="hu-HU" b="0" i="1" smtClean="0">
+                          <a:latin typeface="Cambria Math" charset="0"/>
+                        </a:rPr>
+                        <m:t>𝑡</m:t>
+                      </m:r>
+                      <m:r>
+                        <a:rPr lang="hu-HU" b="0" i="1" smtClean="0">
+                          <a:latin typeface="Cambria Math" charset="0"/>
+                        </a:rPr>
+                        <m:t>=0.6 </m:t>
+                      </m:r>
+                    </m:oMath>
+                  </a14:m>
+                  <a:r>
+                    <a:rPr lang="en-GB" dirty="0" smtClean="0"/>
+                    <a:t>s</a:t>
+                  </a:r>
+                  <a:endParaRPr lang="en-GB" dirty="0"/>
+                </a:p>
+              </p:txBody>
+            </p:sp>
+          </mc:Choice>
+          <mc:Fallback xmlns="">
+            <p:sp>
+              <p:nvSpPr>
+                <p:cNvPr id="27" name="TextBox 26"/>
+                <p:cNvSpPr txBox="1">
+                  <a:spLocks noRot="1" noChangeAspect="1" noMove="1" noResize="1" noEditPoints="1" noAdjustHandles="1" noChangeArrowheads="1" noChangeShapeType="1" noTextEdit="1"/>
+                </p:cNvSpPr>
+                <p:nvPr/>
+              </p:nvSpPr>
+              <p:spPr>
+                <a:xfrm>
+                  <a:off x="8195848" y="842468"/>
+                  <a:ext cx="844014" cy="276999"/>
+                </a:xfrm>
+                <a:prstGeom prst="rect">
+                  <a:avLst/>
+                </a:prstGeom>
+                <a:blipFill rotWithShape="0">
+                  <a:blip r:embed="rId7"/>
+                  <a:stretch>
+                    <a:fillRect l="-8633" t="-143478" r="-16547" b="-176087"/>
+                  </a:stretch>
+                </a:blipFill>
+              </p:spPr>
+              <p:txBody>
+                <a:bodyPr/>
+                <a:lstStyle/>
+                <a:p>
+                  <a:r>
+                    <a:rPr lang="en-GB">
+                      <a:noFill/>
+                    </a:rPr>
+                    <a:t> </a:t>
+                  </a:r>
+                </a:p>
+              </p:txBody>
+            </p:sp>
+          </mc:Fallback>
+        </mc:AlternateContent>
+        <mc:AlternateContent xmlns:mc="http://schemas.openxmlformats.org/markup-compatibility/2006" xmlns:a14="http://schemas.microsoft.com/office/drawing/2010/main">
+          <mc:Choice Requires="a14">
+            <p:sp>
+              <p:nvSpPr>
+                <p:cNvPr id="28" name="TextBox 27"/>
+                <p:cNvSpPr txBox="1"/>
+                <p:nvPr/>
+              </p:nvSpPr>
+              <p:spPr>
+                <a:xfrm>
+                  <a:off x="3157557" y="842469"/>
+                  <a:ext cx="667683" cy="276999"/>
+                </a:xfrm>
+                <a:prstGeom prst="rect">
+                  <a:avLst/>
+                </a:prstGeom>
+                <a:noFill/>
+              </p:spPr>
+              <p:txBody>
+                <a:bodyPr wrap="none" lIns="0" tIns="0" rIns="0" bIns="0" rtlCol="0">
+                  <a:spAutoFit/>
+                </a:bodyPr>
+                <a:lstStyle/>
+                <a:p>
+                  <a14:m>
+                    <m:oMath xmlns:m="http://schemas.openxmlformats.org/officeDocument/2006/math">
+                      <m:r>
+                        <a:rPr lang="hu-HU" b="0" i="1" smtClean="0">
+                          <a:latin typeface="Cambria Math" charset="0"/>
+                        </a:rPr>
+                        <m:t>𝑡</m:t>
+                      </m:r>
+                      <m:r>
+                        <a:rPr lang="hu-HU" b="0" i="1" smtClean="0">
+                          <a:latin typeface="Cambria Math" charset="0"/>
+                        </a:rPr>
+                        <m:t>=0 </m:t>
+                      </m:r>
+                    </m:oMath>
+                  </a14:m>
+                  <a:r>
+                    <a:rPr lang="en-GB" dirty="0" smtClean="0"/>
+                    <a:t>s</a:t>
+                  </a:r>
+                  <a:endParaRPr lang="en-GB" dirty="0"/>
+                </a:p>
+              </p:txBody>
+            </p:sp>
+          </mc:Choice>
+          <mc:Fallback xmlns="">
+            <p:sp>
+              <p:nvSpPr>
+                <p:cNvPr id="28" name="TextBox 27"/>
+                <p:cNvSpPr txBox="1">
+                  <a:spLocks noRot="1" noChangeAspect="1" noMove="1" noResize="1" noEditPoints="1" noAdjustHandles="1" noChangeArrowheads="1" noChangeShapeType="1" noTextEdit="1"/>
+                </p:cNvSpPr>
+                <p:nvPr/>
+              </p:nvSpPr>
+              <p:spPr>
+                <a:xfrm>
+                  <a:off x="3157557" y="842469"/>
+                  <a:ext cx="667683" cy="276999"/>
+                </a:xfrm>
+                <a:prstGeom prst="rect">
+                  <a:avLst/>
+                </a:prstGeom>
+                <a:blipFill rotWithShape="0">
+                  <a:blip r:embed="rId8"/>
+                  <a:stretch>
+                    <a:fillRect l="-10909" t="-143478" r="-20000" b="-176087"/>
+                  </a:stretch>
+                </a:blipFill>
+              </p:spPr>
+              <p:txBody>
+                <a:bodyPr/>
+                <a:lstStyle/>
+                <a:p>
+                  <a:r>
+                    <a:rPr lang="en-GB">
+                      <a:noFill/>
+                    </a:rPr>
+                    <a:t> </a:t>
+                  </a:r>
+                </a:p>
+              </p:txBody>
+            </p:sp>
+          </mc:Fallback>
+        </mc:AlternateContent>
+        <mc:AlternateContent xmlns:mc="http://schemas.openxmlformats.org/markup-compatibility/2006" xmlns:a14="http://schemas.microsoft.com/office/drawing/2010/main">
+          <mc:Choice Requires="a14">
+            <p:sp>
+              <p:nvSpPr>
+                <p:cNvPr id="29" name="TextBox 28"/>
+                <p:cNvSpPr txBox="1"/>
+                <p:nvPr/>
+              </p:nvSpPr>
+              <p:spPr>
+                <a:xfrm>
+                  <a:off x="8195848" y="2750669"/>
+                  <a:ext cx="844014" cy="276999"/>
+                </a:xfrm>
+                <a:prstGeom prst="rect">
+                  <a:avLst/>
+                </a:prstGeom>
+                <a:noFill/>
+              </p:spPr>
+              <p:txBody>
+                <a:bodyPr wrap="none" lIns="0" tIns="0" rIns="0" bIns="0" rtlCol="0">
+                  <a:spAutoFit/>
+                </a:bodyPr>
+                <a:lstStyle/>
+                <a:p>
+                  <a14:m>
+                    <m:oMath xmlns:m="http://schemas.openxmlformats.org/officeDocument/2006/math">
+                      <m:r>
+                        <a:rPr lang="hu-HU" b="0" i="1" smtClean="0">
+                          <a:latin typeface="Cambria Math" charset="0"/>
+                        </a:rPr>
+                        <m:t>𝑡</m:t>
+                      </m:r>
+                      <m:r>
+                        <a:rPr lang="hu-HU" b="0" i="1" smtClean="0">
+                          <a:latin typeface="Cambria Math" charset="0"/>
+                        </a:rPr>
+                        <m:t>=1.8 </m:t>
+                      </m:r>
+                    </m:oMath>
+                  </a14:m>
+                  <a:r>
+                    <a:rPr lang="en-GB" dirty="0" smtClean="0"/>
+                    <a:t>s</a:t>
+                  </a:r>
+                  <a:endParaRPr lang="en-GB" dirty="0"/>
+                </a:p>
+              </p:txBody>
+            </p:sp>
+          </mc:Choice>
+          <mc:Fallback xmlns="">
+            <p:sp>
+              <p:nvSpPr>
+                <p:cNvPr id="29" name="TextBox 28"/>
+                <p:cNvSpPr txBox="1">
+                  <a:spLocks noRot="1" noChangeAspect="1" noMove="1" noResize="1" noEditPoints="1" noAdjustHandles="1" noChangeArrowheads="1" noChangeShapeType="1" noTextEdit="1"/>
+                </p:cNvSpPr>
+                <p:nvPr/>
+              </p:nvSpPr>
+              <p:spPr>
+                <a:xfrm>
+                  <a:off x="8195848" y="2750669"/>
+                  <a:ext cx="844014" cy="276999"/>
+                </a:xfrm>
+                <a:prstGeom prst="rect">
+                  <a:avLst/>
+                </a:prstGeom>
+                <a:blipFill rotWithShape="0">
+                  <a:blip r:embed="rId9"/>
+                  <a:stretch>
+                    <a:fillRect l="-8633" t="-143478" r="-16547" b="-176087"/>
+                  </a:stretch>
+                </a:blipFill>
+              </p:spPr>
+              <p:txBody>
+                <a:bodyPr/>
+                <a:lstStyle/>
+                <a:p>
+                  <a:r>
+                    <a:rPr lang="en-GB">
+                      <a:noFill/>
+                    </a:rPr>
+                    <a:t> </a:t>
+                  </a:r>
+                </a:p>
+              </p:txBody>
+            </p:sp>
+          </mc:Fallback>
+        </mc:AlternateContent>
+      </p:grpSp>
+    </p:spTree>
+    <p:extLst>
+      <p:ext uri="{BB962C8B-B14F-4D97-AF65-F5344CB8AC3E}">
+        <p14:creationId xmlns:p14="http://schemas.microsoft.com/office/powerpoint/2010/main" val="302992722"/>
+      </p:ext>
+    </p:extLst>
+  </p:cSld>
+  <p:clrMapOvr>
+    <a:masterClrMapping/>
+  </p:clrMapOvr>
+  <p:timing>
+    <p:tnLst>
+      <p:par>
+        <p:cTn id="1" dur="indefinite" restart="never" nodeType="tmRoot"/>
+      </p:par>
+    </p:tnLst>
+  </p:timing>
+</p:sld>
+</file>
+
+<file path=ppt/slides/slide11.xml><?xml version="1.0" encoding="utf-8"?>
+<p:sld xmlns:a="http://schemas.openxmlformats.org/drawingml/2006/main" xmlns:r="http://schemas.openxmlformats.org/officeDocument/2006/relationships" xmlns:p="http://schemas.openxmlformats.org/presentationml/2006/main">
+  <p:cSld>
+    <p:spTree>
+      <p:nvGrpSpPr>
+        <p:cNvPr id="1" name=""/>
+        <p:cNvGrpSpPr/>
+        <p:nvPr/>
+      </p:nvGrpSpPr>
+      <p:grpSpPr>
+        <a:xfrm>
+          <a:off x="0" y="0"/>
+          <a:ext cx="0" cy="0"/>
+          <a:chOff x="0" y="0"/>
+          <a:chExt cx="0" cy="0"/>
+        </a:xfrm>
+      </p:grpSpPr>
+      <p:grpSp>
+        <p:nvGrpSpPr>
+          <p:cNvPr id="24" name="Group 23"/>
+          <p:cNvGrpSpPr/>
+          <p:nvPr/>
+        </p:nvGrpSpPr>
+        <p:grpSpPr>
+          <a:xfrm>
+            <a:off x="1036687" y="105748"/>
+            <a:ext cx="8056355" cy="2390869"/>
+            <a:chOff x="1345031" y="594845"/>
+            <a:chExt cx="8056355" cy="2390869"/>
+          </a:xfrm>
+        </p:grpSpPr>
+        <p:sp>
+          <p:nvSpPr>
+            <p:cNvPr id="11" name="Rectangle 10"/>
+            <p:cNvSpPr/>
+            <p:nvPr/>
+          </p:nvSpPr>
+          <p:spPr>
+            <a:xfrm>
+              <a:off x="3985004" y="1673560"/>
+              <a:ext cx="4153724" cy="177263"/>
+            </a:xfrm>
+            <a:prstGeom prst="rect">
+              <a:avLst/>
+            </a:prstGeom>
+            <a:solidFill>
+              <a:schemeClr val="accent1">
+                <a:lumMod val="20000"/>
+                <a:lumOff val="80000"/>
+              </a:schemeClr>
+            </a:solidFill>
+            <a:ln w="28575">
+              <a:noFill/>
+            </a:ln>
+          </p:spPr>
+          <p:style>
+            <a:lnRef idx="2">
+              <a:schemeClr val="accent1">
+                <a:shade val="50000"/>
+              </a:schemeClr>
+            </a:lnRef>
+            <a:fillRef idx="1">
+              <a:schemeClr val="accent1"/>
+            </a:fillRef>
+            <a:effectRef idx="0">
+              <a:schemeClr val="accent1"/>
+            </a:effectRef>
+            <a:fontRef idx="minor">
+              <a:schemeClr val="lt1"/>
+            </a:fontRef>
+          </p:style>
+          <p:txBody>
+            <a:bodyPr rtlCol="0" anchor="ctr"/>
+            <a:lstStyle/>
+            <a:p>
+              <a:pPr algn="ctr"/>
+              <a:endParaRPr lang="en-GB" sz="2000"/>
+            </a:p>
+          </p:txBody>
+        </p:sp>
+        <p:sp>
+          <p:nvSpPr>
+            <p:cNvPr id="13" name="Rectangle 12"/>
+            <p:cNvSpPr/>
+            <p:nvPr/>
+          </p:nvSpPr>
+          <p:spPr>
+            <a:xfrm>
+              <a:off x="2053438" y="1673560"/>
+              <a:ext cx="1939253" cy="177262"/>
+            </a:xfrm>
+            <a:prstGeom prst="rect">
+              <a:avLst/>
+            </a:prstGeom>
+            <a:solidFill>
+              <a:schemeClr val="accent1">
+                <a:lumMod val="60000"/>
+                <a:lumOff val="40000"/>
+              </a:schemeClr>
+            </a:solidFill>
+            <a:ln w="28575">
+              <a:noFill/>
+            </a:ln>
+          </p:spPr>
+          <p:style>
+            <a:lnRef idx="2">
+              <a:schemeClr val="accent1">
+                <a:shade val="50000"/>
+              </a:schemeClr>
+            </a:lnRef>
+            <a:fillRef idx="1">
+              <a:schemeClr val="accent1"/>
+            </a:fillRef>
+            <a:effectRef idx="0">
+              <a:schemeClr val="accent1"/>
+            </a:effectRef>
+            <a:fontRef idx="minor">
+              <a:schemeClr val="lt1"/>
+            </a:fontRef>
+          </p:style>
+          <p:txBody>
+            <a:bodyPr rtlCol="0" anchor="ctr"/>
+            <a:lstStyle/>
+            <a:p>
+              <a:pPr algn="ctr"/>
+              <a:endParaRPr lang="en-GB" sz="2000"/>
+            </a:p>
+          </p:txBody>
+        </p:sp>
+        <p:cxnSp>
+          <p:nvCxnSpPr>
+            <p:cNvPr id="14" name="Straight Arrow Connector 13"/>
+            <p:cNvCxnSpPr/>
+            <p:nvPr/>
+          </p:nvCxnSpPr>
+          <p:spPr>
+            <a:xfrm>
+              <a:off x="2045752" y="2974354"/>
+              <a:ext cx="6092976" cy="11360"/>
+            </a:xfrm>
+            <a:prstGeom prst="straightConnector1">
+              <a:avLst/>
+            </a:prstGeom>
+            <a:ln w="12700">
+              <a:solidFill>
+                <a:schemeClr val="tx1"/>
+              </a:solidFill>
+              <a:headEnd type="triangle" w="med" len="lg"/>
+              <a:tailEnd type="triangle" w="med" len="lg"/>
+            </a:ln>
+          </p:spPr>
+          <p:style>
+            <a:lnRef idx="1">
+              <a:schemeClr val="accent1"/>
+            </a:lnRef>
+            <a:fillRef idx="0">
+              <a:schemeClr val="accent1"/>
+            </a:fillRef>
+            <a:effectRef idx="0">
+              <a:schemeClr val="accent1"/>
+            </a:effectRef>
+            <a:fontRef idx="minor">
+              <a:schemeClr val="tx1"/>
+            </a:fontRef>
+          </p:style>
+        </p:cxnSp>
+        <mc:AlternateContent xmlns:mc="http://schemas.openxmlformats.org/markup-compatibility/2006" xmlns:a14="http://schemas.microsoft.com/office/drawing/2010/main">
+          <mc:Choice Requires="a14">
+            <p:sp>
+              <p:nvSpPr>
+                <p:cNvPr id="15" name="TextBox 14"/>
+                <p:cNvSpPr txBox="1"/>
+                <p:nvPr/>
+              </p:nvSpPr>
+              <p:spPr>
+                <a:xfrm>
+                  <a:off x="4908921" y="2509389"/>
+                  <a:ext cx="183319" cy="430887"/>
+                </a:xfrm>
+                <a:prstGeom prst="rect">
+                  <a:avLst/>
+                </a:prstGeom>
+                <a:noFill/>
+              </p:spPr>
+              <p:txBody>
+                <a:bodyPr wrap="square" lIns="0" tIns="0" rIns="0" bIns="0" rtlCol="0">
+                  <a:spAutoFit/>
+                </a:bodyPr>
+                <a:lstStyle/>
+                <a:p>
+                  <a:pPr/>
+                  <a14:m>
+                    <m:oMathPara xmlns:m="http://schemas.openxmlformats.org/officeDocument/2006/math">
+                      <m:oMathParaPr>
+                        <m:jc m:val="centerGroup"/>
+                      </m:oMathParaPr>
+                      <m:oMath xmlns:m="http://schemas.openxmlformats.org/officeDocument/2006/math">
+                        <m:r>
+                          <a:rPr lang="hu-HU" sz="2800" b="0" i="1" smtClean="0">
+                            <a:latin typeface="Cambria Math" charset="0"/>
+                          </a:rPr>
+                          <m:t>𝐿</m:t>
+                        </m:r>
+                      </m:oMath>
+                    </m:oMathPara>
+                  </a14:m>
+                  <a:endParaRPr lang="hu-HU" sz="2800" b="0" dirty="0" smtClean="0"/>
+                </a:p>
+              </p:txBody>
+            </p:sp>
+          </mc:Choice>
+          <mc:Fallback xmlns="">
+            <p:sp>
+              <p:nvSpPr>
+                <p:cNvPr id="15" name="TextBox 14"/>
+                <p:cNvSpPr txBox="1">
+                  <a:spLocks noRot="1" noChangeAspect="1" noMove="1" noResize="1" noEditPoints="1" noAdjustHandles="1" noChangeArrowheads="1" noChangeShapeType="1" noTextEdit="1"/>
+                </p:cNvSpPr>
+                <p:nvPr/>
+              </p:nvSpPr>
+              <p:spPr>
+                <a:xfrm>
+                  <a:off x="4908921" y="2509389"/>
+                  <a:ext cx="183319" cy="430887"/>
+                </a:xfrm>
+                <a:prstGeom prst="rect">
+                  <a:avLst/>
+                </a:prstGeom>
+                <a:blipFill rotWithShape="0">
+                  <a:blip r:embed="rId2"/>
+                  <a:stretch>
+                    <a:fillRect/>
+                  </a:stretch>
+                </a:blipFill>
+              </p:spPr>
+              <p:txBody>
+                <a:bodyPr/>
+                <a:lstStyle/>
+                <a:p>
+                  <a:r>
+                    <a:rPr lang="hu-HU">
+                      <a:noFill/>
+                    </a:rPr>
+                    <a:t> </a:t>
+                  </a:r>
+                </a:p>
+              </p:txBody>
+            </p:sp>
+          </mc:Fallback>
+        </mc:AlternateContent>
+        <mc:AlternateContent xmlns:mc="http://schemas.openxmlformats.org/markup-compatibility/2006" xmlns:a14="http://schemas.microsoft.com/office/drawing/2010/main">
+          <mc:Choice Requires="a14">
+            <p:sp>
+              <p:nvSpPr>
+                <p:cNvPr id="19" name="TextBox 18"/>
+                <p:cNvSpPr txBox="1"/>
+                <p:nvPr/>
+              </p:nvSpPr>
+              <p:spPr>
+                <a:xfrm>
+                  <a:off x="2675217" y="2186410"/>
+                  <a:ext cx="688008" cy="430887"/>
+                </a:xfrm>
+                <a:prstGeom prst="rect">
+                  <a:avLst/>
+                </a:prstGeom>
+                <a:noFill/>
+              </p:spPr>
+              <p:txBody>
+                <a:bodyPr wrap="square" lIns="0" tIns="0" rIns="0" bIns="0" rtlCol="0">
+                  <a:spAutoFit/>
+                </a:bodyPr>
+                <a:lstStyle/>
+                <a:p>
+                  <a:pPr/>
+                  <a14:m>
+                    <m:oMathPara xmlns:m="http://schemas.openxmlformats.org/officeDocument/2006/math">
+                      <m:oMathParaPr>
+                        <m:jc m:val="centerGroup"/>
+                      </m:oMathParaPr>
+                      <m:oMath xmlns:m="http://schemas.openxmlformats.org/officeDocument/2006/math">
+                        <m:r>
+                          <a:rPr lang="hu-HU" sz="2800" b="0" i="1" smtClean="0">
+                            <a:latin typeface="Cambria Math" charset="0"/>
+                          </a:rPr>
+                          <m:t>𝑆</m:t>
+                        </m:r>
+                        <m:r>
+                          <a:rPr lang="hu-HU" sz="2800" b="0" i="1" smtClean="0">
+                            <a:latin typeface="Cambria Math" charset="0"/>
+                          </a:rPr>
+                          <m:t>(</m:t>
+                        </m:r>
+                        <m:r>
+                          <a:rPr lang="hu-HU" sz="2800" b="0" i="1" smtClean="0">
+                            <a:latin typeface="Cambria Math" charset="0"/>
+                          </a:rPr>
+                          <m:t>𝑡</m:t>
+                        </m:r>
+                        <m:r>
+                          <a:rPr lang="hu-HU" sz="2800" b="0" i="1" smtClean="0">
+                            <a:latin typeface="Cambria Math" charset="0"/>
+                          </a:rPr>
+                          <m:t>)</m:t>
+                        </m:r>
+                      </m:oMath>
+                    </m:oMathPara>
+                  </a14:m>
+                  <a:endParaRPr lang="hu-HU" sz="2800" b="0" dirty="0" smtClean="0"/>
+                </a:p>
+              </p:txBody>
+            </p:sp>
+          </mc:Choice>
+          <mc:Fallback xmlns="">
+            <p:sp>
+              <p:nvSpPr>
+                <p:cNvPr id="19" name="TextBox 18"/>
+                <p:cNvSpPr txBox="1">
+                  <a:spLocks noRot="1" noChangeAspect="1" noMove="1" noResize="1" noEditPoints="1" noAdjustHandles="1" noChangeArrowheads="1" noChangeShapeType="1" noTextEdit="1"/>
+                </p:cNvSpPr>
+                <p:nvPr/>
+              </p:nvSpPr>
+              <p:spPr>
+                <a:xfrm>
+                  <a:off x="2675217" y="2186410"/>
+                  <a:ext cx="688008" cy="430887"/>
+                </a:xfrm>
+                <a:prstGeom prst="rect">
+                  <a:avLst/>
+                </a:prstGeom>
+                <a:blipFill rotWithShape="0">
+                  <a:blip r:embed="rId3"/>
+                  <a:stretch>
+                    <a:fillRect/>
+                  </a:stretch>
+                </a:blipFill>
+              </p:spPr>
+              <p:txBody>
+                <a:bodyPr/>
+                <a:lstStyle/>
+                <a:p>
+                  <a:r>
+                    <a:rPr lang="hu-HU">
+                      <a:noFill/>
+                    </a:rPr>
+                    <a:t> </a:t>
+                  </a:r>
+                </a:p>
+              </p:txBody>
+            </p:sp>
+          </mc:Fallback>
+        </mc:AlternateContent>
+        <p:cxnSp>
+          <p:nvCxnSpPr>
+            <p:cNvPr id="21" name="Straight Arrow Connector 20"/>
+            <p:cNvCxnSpPr/>
+            <p:nvPr/>
+          </p:nvCxnSpPr>
+          <p:spPr>
+            <a:xfrm>
+              <a:off x="2045752" y="2634336"/>
+              <a:ext cx="1946939" cy="0"/>
+            </a:xfrm>
+            <a:prstGeom prst="straightConnector1">
+              <a:avLst/>
+            </a:prstGeom>
+            <a:ln w="12700">
+              <a:solidFill>
+                <a:schemeClr val="tx1"/>
+              </a:solidFill>
+              <a:headEnd type="triangle" w="med" len="lg"/>
+              <a:tailEnd type="triangle" w="med" len="lg"/>
+            </a:ln>
+          </p:spPr>
+          <p:style>
+            <a:lnRef idx="1">
+              <a:schemeClr val="accent1"/>
+            </a:lnRef>
+            <a:fillRef idx="0">
+              <a:schemeClr val="accent1"/>
+            </a:fillRef>
+            <a:effectRef idx="0">
+              <a:schemeClr val="accent1"/>
+            </a:effectRef>
+            <a:fontRef idx="minor">
+              <a:schemeClr val="tx1"/>
+            </a:fontRef>
+          </p:style>
+        </p:cxnSp>
+        <p:cxnSp>
+          <p:nvCxnSpPr>
+            <p:cNvPr id="9" name="Straight Connector 8"/>
+            <p:cNvCxnSpPr/>
+            <p:nvPr/>
+          </p:nvCxnSpPr>
+          <p:spPr>
+            <a:xfrm>
+              <a:off x="2055007" y="1673560"/>
+              <a:ext cx="0" cy="177262"/>
+            </a:xfrm>
+            <a:prstGeom prst="line">
+              <a:avLst/>
+            </a:prstGeom>
+            <a:ln w="25400">
+              <a:solidFill>
+                <a:schemeClr val="accent1">
+                  <a:lumMod val="75000"/>
+                </a:schemeClr>
+              </a:solidFill>
+            </a:ln>
+          </p:spPr>
+          <p:style>
+            <a:lnRef idx="1">
+              <a:schemeClr val="accent1"/>
+            </a:lnRef>
+            <a:fillRef idx="0">
+              <a:schemeClr val="accent1"/>
+            </a:fillRef>
+            <a:effectRef idx="0">
+              <a:schemeClr val="accent1"/>
+            </a:effectRef>
+            <a:fontRef idx="minor">
+              <a:schemeClr val="tx1"/>
+            </a:fontRef>
+          </p:style>
+        </p:cxnSp>
+        <mc:AlternateContent xmlns:mc="http://schemas.openxmlformats.org/markup-compatibility/2006" xmlns:a14="http://schemas.microsoft.com/office/drawing/2010/main">
+          <mc:Choice Requires="a14">
+            <p:sp>
+              <p:nvSpPr>
+                <p:cNvPr id="25" name="TextBox 24"/>
+                <p:cNvSpPr txBox="1"/>
+                <p:nvPr/>
+              </p:nvSpPr>
+              <p:spPr>
+                <a:xfrm>
+                  <a:off x="3747427" y="1859349"/>
+                  <a:ext cx="490527" cy="430887"/>
+                </a:xfrm>
+                <a:prstGeom prst="rect">
+                  <a:avLst/>
+                </a:prstGeom>
+                <a:noFill/>
+              </p:spPr>
+              <p:txBody>
+                <a:bodyPr wrap="square" lIns="0" tIns="0" rIns="0" bIns="0" rtlCol="0">
+                  <a:spAutoFit/>
+                </a:bodyPr>
+                <a:lstStyle/>
+                <a:p>
+                  <a:pPr/>
+                  <a14:m>
+                    <m:oMathPara xmlns:m="http://schemas.openxmlformats.org/officeDocument/2006/math">
+                      <m:oMathParaPr>
+                        <m:jc m:val="centerGroup"/>
+                      </m:oMathParaPr>
+                      <m:oMath xmlns:m="http://schemas.openxmlformats.org/officeDocument/2006/math">
+                        <m:sSub>
+                          <m:sSubPr>
+                            <m:ctrlPr>
+                              <a:rPr lang="hu-HU" sz="2800" b="0" i="1" smtClean="0">
+                                <a:latin typeface="Cambria Math" charset="0"/>
+                              </a:rPr>
+                            </m:ctrlPr>
+                          </m:sSubPr>
+                          <m:e>
+                            <m:r>
+                              <a:rPr lang="hu-HU" sz="2800" b="0" i="1" smtClean="0">
+                                <a:latin typeface="Cambria Math" charset="0"/>
+                              </a:rPr>
+                              <m:t>𝑇</m:t>
+                            </m:r>
+                          </m:e>
+                          <m:sub>
+                            <m:r>
+                              <a:rPr lang="hu-HU" sz="2800" b="0" i="1" smtClean="0">
+                                <a:latin typeface="Cambria Math" charset="0"/>
+                              </a:rPr>
+                              <m:t>𝑚</m:t>
+                            </m:r>
+                          </m:sub>
+                        </m:sSub>
+                      </m:oMath>
+                    </m:oMathPara>
+                  </a14:m>
+                  <a:endParaRPr lang="hu-HU" sz="2800" b="0" dirty="0" smtClean="0"/>
+                </a:p>
+              </p:txBody>
+            </p:sp>
+          </mc:Choice>
+          <mc:Fallback xmlns="">
+            <p:sp>
+              <p:nvSpPr>
+                <p:cNvPr id="25" name="TextBox 24"/>
+                <p:cNvSpPr txBox="1">
+                  <a:spLocks noRot="1" noChangeAspect="1" noMove="1" noResize="1" noEditPoints="1" noAdjustHandles="1" noChangeArrowheads="1" noChangeShapeType="1" noTextEdit="1"/>
+                </p:cNvSpPr>
+                <p:nvPr/>
+              </p:nvSpPr>
+              <p:spPr>
+                <a:xfrm>
+                  <a:off x="3747427" y="1859349"/>
+                  <a:ext cx="490527" cy="430887"/>
+                </a:xfrm>
+                <a:prstGeom prst="rect">
+                  <a:avLst/>
+                </a:prstGeom>
+                <a:blipFill rotWithShape="0">
+                  <a:blip r:embed="rId4"/>
+                  <a:stretch>
+                    <a:fillRect/>
+                  </a:stretch>
+                </a:blipFill>
+              </p:spPr>
+              <p:txBody>
+                <a:bodyPr/>
+                <a:lstStyle/>
+                <a:p>
+                  <a:r>
+                    <a:rPr lang="hu-HU">
+                      <a:noFill/>
+                    </a:rPr>
+                    <a:t> </a:t>
+                  </a:r>
+                </a:p>
+              </p:txBody>
+            </p:sp>
+          </mc:Fallback>
+        </mc:AlternateContent>
+        <p:cxnSp>
+          <p:nvCxnSpPr>
+            <p:cNvPr id="16" name="Straight Connector 15"/>
+            <p:cNvCxnSpPr/>
+            <p:nvPr/>
+          </p:nvCxnSpPr>
+          <p:spPr>
+            <a:xfrm>
+              <a:off x="3992691" y="1673560"/>
+              <a:ext cx="0" cy="177262"/>
+            </a:xfrm>
+            <a:prstGeom prst="line">
+              <a:avLst/>
+            </a:prstGeom>
+            <a:ln w="25400">
+              <a:solidFill>
+                <a:srgbClr val="FFC000"/>
+              </a:solidFill>
+            </a:ln>
+          </p:spPr>
+          <p:style>
+            <a:lnRef idx="1">
+              <a:schemeClr val="accent1"/>
+            </a:lnRef>
+            <a:fillRef idx="0">
+              <a:schemeClr val="accent1"/>
+            </a:fillRef>
+            <a:effectRef idx="0">
+              <a:schemeClr val="accent1"/>
+            </a:effectRef>
+            <a:fontRef idx="minor">
+              <a:schemeClr val="tx1"/>
+            </a:fontRef>
+          </p:style>
+        </p:cxnSp>
+        <mc:AlternateContent xmlns:mc="http://schemas.openxmlformats.org/markup-compatibility/2006" xmlns:a14="http://schemas.microsoft.com/office/drawing/2010/main">
+          <mc:Choice Requires="a14">
+            <p:sp>
+              <p:nvSpPr>
+                <p:cNvPr id="39" name="TextBox 38"/>
+                <p:cNvSpPr txBox="1"/>
+                <p:nvPr/>
+              </p:nvSpPr>
+              <p:spPr>
+                <a:xfrm>
+                  <a:off x="1345031" y="1541788"/>
+                  <a:ext cx="690812" cy="430887"/>
+                </a:xfrm>
+                <a:prstGeom prst="rect">
+                  <a:avLst/>
+                </a:prstGeom>
+                <a:noFill/>
+              </p:spPr>
+              <p:txBody>
+                <a:bodyPr wrap="square" lIns="0" tIns="0" rIns="0" bIns="0" rtlCol="0">
+                  <a:spAutoFit/>
+                </a:bodyPr>
+                <a:lstStyle/>
+                <a:p>
+                  <a:pPr/>
+                  <a14:m>
+                    <m:oMathPara xmlns:m="http://schemas.openxmlformats.org/officeDocument/2006/math">
+                      <m:oMathParaPr>
+                        <m:jc m:val="centerGroup"/>
+                      </m:oMathParaPr>
+                      <m:oMath xmlns:m="http://schemas.openxmlformats.org/officeDocument/2006/math">
+                        <m:sSub>
+                          <m:sSubPr>
+                            <m:ctrlPr>
+                              <a:rPr lang="hu-HU" sz="2800" b="0" i="1" smtClean="0">
+                                <a:latin typeface="Cambria Math" charset="0"/>
+                              </a:rPr>
+                            </m:ctrlPr>
+                          </m:sSubPr>
+                          <m:e>
+                            <m:r>
+                              <a:rPr lang="hu-HU" sz="2800" b="0" i="1" smtClean="0">
+                                <a:latin typeface="Cambria Math" charset="0"/>
+                              </a:rPr>
+                              <m:t>𝑇</m:t>
+                            </m:r>
+                          </m:e>
+                          <m:sub>
+                            <m:r>
+                              <a:rPr lang="hu-HU" sz="2800" b="0" i="1" smtClean="0">
+                                <a:latin typeface="Cambria Math" charset="0"/>
+                              </a:rPr>
+                              <m:t>𝑤</m:t>
+                            </m:r>
+                          </m:sub>
+                        </m:sSub>
+                      </m:oMath>
+                    </m:oMathPara>
+                  </a14:m>
+                  <a:endParaRPr lang="hu-HU" sz="2800" b="0" dirty="0" smtClean="0"/>
+                </a:p>
+              </p:txBody>
+            </p:sp>
+          </mc:Choice>
+          <mc:Fallback xmlns="">
+            <p:sp>
+              <p:nvSpPr>
+                <p:cNvPr id="39" name="TextBox 38"/>
+                <p:cNvSpPr txBox="1">
+                  <a:spLocks noRot="1" noChangeAspect="1" noMove="1" noResize="1" noEditPoints="1" noAdjustHandles="1" noChangeArrowheads="1" noChangeShapeType="1" noTextEdit="1"/>
+                </p:cNvSpPr>
+                <p:nvPr/>
+              </p:nvSpPr>
+              <p:spPr>
+                <a:xfrm>
+                  <a:off x="1345031" y="1541788"/>
+                  <a:ext cx="690812" cy="430887"/>
+                </a:xfrm>
+                <a:prstGeom prst="rect">
+                  <a:avLst/>
+                </a:prstGeom>
+                <a:blipFill rotWithShape="0">
+                  <a:blip r:embed="rId5"/>
+                  <a:stretch>
+                    <a:fillRect/>
+                  </a:stretch>
+                </a:blipFill>
+              </p:spPr>
+              <p:txBody>
+                <a:bodyPr/>
+                <a:lstStyle/>
+                <a:p>
+                  <a:r>
+                    <a:rPr lang="hu-HU">
+                      <a:noFill/>
+                    </a:rPr>
+                    <a:t> </a:t>
+                  </a:r>
+                </a:p>
+              </p:txBody>
+            </p:sp>
+          </mc:Fallback>
+        </mc:AlternateContent>
+        <p:cxnSp>
+          <p:nvCxnSpPr>
+            <p:cNvPr id="40" name="Straight Arrow Connector 39"/>
+            <p:cNvCxnSpPr/>
+            <p:nvPr/>
+          </p:nvCxnSpPr>
+          <p:spPr>
+            <a:xfrm>
+              <a:off x="3590247" y="1528479"/>
+              <a:ext cx="804886" cy="13309"/>
+            </a:xfrm>
+            <a:prstGeom prst="straightConnector1">
+              <a:avLst/>
+            </a:prstGeom>
+            <a:ln w="12700">
+              <a:solidFill>
+                <a:schemeClr val="tx1"/>
+              </a:solidFill>
+              <a:headEnd type="none" w="med" len="med"/>
+              <a:tailEnd type="triangle" w="med" len="med"/>
+            </a:ln>
+          </p:spPr>
+          <p:style>
+            <a:lnRef idx="1">
+              <a:schemeClr val="accent1"/>
+            </a:lnRef>
+            <a:fillRef idx="0">
+              <a:schemeClr val="accent1"/>
+            </a:fillRef>
+            <a:effectRef idx="0">
+              <a:schemeClr val="accent1"/>
+            </a:effectRef>
+            <a:fontRef idx="minor">
+              <a:schemeClr val="tx1"/>
+            </a:fontRef>
+          </p:style>
+        </p:cxnSp>
+        <mc:AlternateContent xmlns:mc="http://schemas.openxmlformats.org/markup-compatibility/2006" xmlns:a14="http://schemas.microsoft.com/office/drawing/2010/main">
+          <mc:Choice Requires="a14">
+            <p:sp>
+              <p:nvSpPr>
+                <p:cNvPr id="41" name="TextBox 40"/>
+                <p:cNvSpPr txBox="1"/>
+                <p:nvPr/>
+              </p:nvSpPr>
+              <p:spPr>
+                <a:xfrm>
+                  <a:off x="3648686" y="594845"/>
+                  <a:ext cx="688008" cy="819263"/>
+                </a:xfrm>
+                <a:prstGeom prst="rect">
+                  <a:avLst/>
+                </a:prstGeom>
+                <a:noFill/>
+              </p:spPr>
+              <p:txBody>
+                <a:bodyPr wrap="square" lIns="0" tIns="0" rIns="0" bIns="0" rtlCol="0">
+                  <a:spAutoFit/>
+                </a:bodyPr>
+                <a:lstStyle/>
+                <a:p>
+                  <a:pPr/>
+                  <a14:m>
+                    <m:oMathPara xmlns:m="http://schemas.openxmlformats.org/officeDocument/2006/math">
+                      <m:oMathParaPr>
+                        <m:jc m:val="centerGroup"/>
+                      </m:oMathParaPr>
+                      <m:oMath xmlns:m="http://schemas.openxmlformats.org/officeDocument/2006/math">
+                        <m:f>
+                          <m:fPr>
+                            <m:ctrlPr>
+                              <a:rPr lang="hu-HU" sz="2800" b="0" i="1" smtClean="0">
+                                <a:latin typeface="Cambria Math" charset="0"/>
+                              </a:rPr>
+                            </m:ctrlPr>
+                          </m:fPr>
+                          <m:num>
+                            <m:r>
+                              <a:rPr lang="hu-HU" sz="2800" b="0" i="1" smtClean="0">
+                                <a:latin typeface="Cambria Math" charset="0"/>
+                              </a:rPr>
+                              <m:t>𝜕</m:t>
+                            </m:r>
+                            <m:r>
+                              <a:rPr lang="hu-HU" sz="2800" b="0" i="1" smtClean="0">
+                                <a:latin typeface="Cambria Math" charset="0"/>
+                              </a:rPr>
+                              <m:t>𝑆</m:t>
+                            </m:r>
+                          </m:num>
+                          <m:den>
+                            <m:r>
+                              <a:rPr lang="hu-HU" sz="2800" b="0" i="1" smtClean="0">
+                                <a:latin typeface="Cambria Math" charset="0"/>
+                              </a:rPr>
+                              <m:t>𝜕</m:t>
+                            </m:r>
+                            <m:r>
+                              <a:rPr lang="hu-HU" sz="2800" b="0" i="1" smtClean="0">
+                                <a:latin typeface="Cambria Math" charset="0"/>
+                              </a:rPr>
+                              <m:t>𝑡</m:t>
+                            </m:r>
+                          </m:den>
+                        </m:f>
+                      </m:oMath>
+                    </m:oMathPara>
+                  </a14:m>
+                  <a:endParaRPr lang="hu-HU" sz="2800" b="0" dirty="0" smtClean="0"/>
+                </a:p>
+              </p:txBody>
+            </p:sp>
+          </mc:Choice>
+          <mc:Fallback xmlns="">
+            <p:sp>
+              <p:nvSpPr>
+                <p:cNvPr id="41" name="TextBox 40"/>
+                <p:cNvSpPr txBox="1">
+                  <a:spLocks noRot="1" noChangeAspect="1" noMove="1" noResize="1" noEditPoints="1" noAdjustHandles="1" noChangeArrowheads="1" noChangeShapeType="1" noTextEdit="1"/>
+                </p:cNvSpPr>
+                <p:nvPr/>
+              </p:nvSpPr>
+              <p:spPr>
+                <a:xfrm>
+                  <a:off x="3648686" y="594845"/>
+                  <a:ext cx="688008" cy="819263"/>
+                </a:xfrm>
+                <a:prstGeom prst="rect">
+                  <a:avLst/>
+                </a:prstGeom>
+                <a:blipFill rotWithShape="0">
+                  <a:blip r:embed="rId6"/>
+                  <a:stretch>
+                    <a:fillRect/>
+                  </a:stretch>
+                </a:blipFill>
+              </p:spPr>
+              <p:txBody>
+                <a:bodyPr/>
+                <a:lstStyle/>
+                <a:p>
+                  <a:r>
+                    <a:rPr lang="hu-HU">
+                      <a:noFill/>
+                    </a:rPr>
+                    <a:t> </a:t>
+                  </a:r>
+                </a:p>
+              </p:txBody>
+            </p:sp>
+          </mc:Fallback>
+        </mc:AlternateContent>
+        <p:cxnSp>
+          <p:nvCxnSpPr>
+            <p:cNvPr id="42" name="Straight Connector 41"/>
+            <p:cNvCxnSpPr/>
+            <p:nvPr/>
+          </p:nvCxnSpPr>
+          <p:spPr>
+            <a:xfrm>
+              <a:off x="8138728" y="1668600"/>
+              <a:ext cx="0" cy="177262"/>
+            </a:xfrm>
+            <a:prstGeom prst="line">
+              <a:avLst/>
+            </a:prstGeom>
+            <a:ln w="25400">
+              <a:solidFill>
+                <a:schemeClr val="accent1">
+                  <a:lumMod val="75000"/>
+                </a:schemeClr>
+              </a:solidFill>
+            </a:ln>
+          </p:spPr>
+          <p:style>
+            <a:lnRef idx="1">
+              <a:schemeClr val="accent1"/>
+            </a:lnRef>
+            <a:fillRef idx="0">
+              <a:schemeClr val="accent1"/>
+            </a:fillRef>
+            <a:effectRef idx="0">
+              <a:schemeClr val="accent1"/>
+            </a:effectRef>
+            <a:fontRef idx="minor">
+              <a:schemeClr val="tx1"/>
+            </a:fontRef>
+          </p:style>
+        </p:cxnSp>
+        <mc:AlternateContent xmlns:mc="http://schemas.openxmlformats.org/markup-compatibility/2006" xmlns:a14="http://schemas.microsoft.com/office/drawing/2010/main">
+          <mc:Choice Requires="a14">
+            <p:sp>
+              <p:nvSpPr>
+                <p:cNvPr id="43" name="TextBox 42"/>
+                <p:cNvSpPr txBox="1"/>
+                <p:nvPr/>
+              </p:nvSpPr>
+              <p:spPr>
+                <a:xfrm>
+                  <a:off x="8138727" y="1528479"/>
+                  <a:ext cx="1262659" cy="430887"/>
+                </a:xfrm>
+                <a:prstGeom prst="rect">
+                  <a:avLst/>
+                </a:prstGeom>
+                <a:noFill/>
+              </p:spPr>
+              <p:txBody>
+                <a:bodyPr wrap="square" lIns="0" tIns="0" rIns="0" bIns="0" rtlCol="0">
+                  <a:spAutoFit/>
+                </a:bodyPr>
+                <a:lstStyle/>
+                <a:p>
+                  <a:pPr/>
+                  <a14:m>
+                    <m:oMathPara xmlns:m="http://schemas.openxmlformats.org/officeDocument/2006/math">
+                      <m:oMathParaPr>
+                        <m:jc m:val="centerGroup"/>
+                      </m:oMathParaPr>
+                      <m:oMath xmlns:m="http://schemas.openxmlformats.org/officeDocument/2006/math">
+                        <m:r>
+                          <a:rPr lang="hu-HU" sz="2800" b="0" i="1" smtClean="0">
+                            <a:latin typeface="Cambria Math" charset="0"/>
+                          </a:rPr>
+                          <m:t>𝑞</m:t>
+                        </m:r>
+                        <m:r>
+                          <a:rPr lang="hu-HU" sz="2800" b="0" i="1" smtClean="0">
+                            <a:latin typeface="Cambria Math" charset="0"/>
+                          </a:rPr>
+                          <m:t>=0</m:t>
+                        </m:r>
+                      </m:oMath>
+                    </m:oMathPara>
+                  </a14:m>
+                  <a:endParaRPr lang="hu-HU" sz="2800" b="0" dirty="0" smtClean="0"/>
+                </a:p>
+              </p:txBody>
+            </p:sp>
+          </mc:Choice>
+          <mc:Fallback xmlns="">
+            <p:sp>
+              <p:nvSpPr>
+                <p:cNvPr id="43" name="TextBox 42"/>
+                <p:cNvSpPr txBox="1">
+                  <a:spLocks noRot="1" noChangeAspect="1" noMove="1" noResize="1" noEditPoints="1" noAdjustHandles="1" noChangeArrowheads="1" noChangeShapeType="1" noTextEdit="1"/>
+                </p:cNvSpPr>
+                <p:nvPr/>
+              </p:nvSpPr>
+              <p:spPr>
+                <a:xfrm>
+                  <a:off x="8138727" y="1528479"/>
+                  <a:ext cx="1262659" cy="430887"/>
+                </a:xfrm>
+                <a:prstGeom prst="rect">
+                  <a:avLst/>
+                </a:prstGeom>
+                <a:blipFill rotWithShape="0">
+                  <a:blip r:embed="rId7"/>
+                  <a:stretch>
+                    <a:fillRect/>
+                  </a:stretch>
+                </a:blipFill>
+              </p:spPr>
+              <p:txBody>
+                <a:bodyPr/>
+                <a:lstStyle/>
+                <a:p>
+                  <a:r>
+                    <a:rPr lang="hu-HU">
+                      <a:noFill/>
+                    </a:rPr>
+                    <a:t> </a:t>
+                  </a:r>
+                </a:p>
+              </p:txBody>
+            </p:sp>
+          </mc:Fallback>
+        </mc:AlternateContent>
+      </p:grpSp>
+    </p:spTree>
+    <p:extLst>
+      <p:ext uri="{BB962C8B-B14F-4D97-AF65-F5344CB8AC3E}">
+        <p14:creationId xmlns:p14="http://schemas.microsoft.com/office/powerpoint/2010/main" val="460671715"/>
+      </p:ext>
+    </p:extLst>
+  </p:cSld>
+  <p:clrMapOvr>
+    <a:masterClrMapping/>
+  </p:clrMapOvr>
+  <p:timing>
+    <p:tnLst>
+      <p:par>
+        <p:cTn id="1" dur="indefinite" restart="never" nodeType="tmRoot"/>
+      </p:par>
+    </p:tnLst>
+  </p:timing>
+</p:sld>
+</file>
+
+<file path=ppt/slides/slide12.xml><?xml version="1.0" encoding="utf-8"?>
+<p:sld xmlns:a="http://schemas.openxmlformats.org/drawingml/2006/main" xmlns:r="http://schemas.openxmlformats.org/officeDocument/2006/relationships" xmlns:p="http://schemas.openxmlformats.org/presentationml/2006/main">
+  <p:cSld>
+    <p:spTree>
+      <p:nvGrpSpPr>
+        <p:cNvPr id="1" name=""/>
+        <p:cNvGrpSpPr/>
+        <p:nvPr/>
+      </p:nvGrpSpPr>
+      <p:grpSpPr>
+        <a:xfrm>
+          <a:off x="0" y="0"/>
+          <a:ext cx="0" cy="0"/>
+          <a:chOff x="0" y="0"/>
+          <a:chExt cx="0" cy="0"/>
+        </a:xfrm>
+      </p:grpSpPr>
+      <p:grpSp>
+        <p:nvGrpSpPr>
+          <p:cNvPr id="14" name="Group 13"/>
+          <p:cNvGrpSpPr/>
+          <p:nvPr/>
+        </p:nvGrpSpPr>
+        <p:grpSpPr>
+          <a:xfrm>
+            <a:off x="0" y="0"/>
+            <a:ext cx="5422605" cy="6858000"/>
+            <a:chOff x="0" y="0"/>
+            <a:chExt cx="5422605" cy="6858000"/>
+          </a:xfrm>
+        </p:grpSpPr>
+        <p:pic>
+          <p:nvPicPr>
+            <p:cNvPr id="13" name="Picture 12"/>
+            <p:cNvPicPr>
+              <a:picLocks noChangeAspect="1"/>
+            </p:cNvPicPr>
+            <p:nvPr/>
+          </p:nvPicPr>
+          <p:blipFill>
+            <a:blip r:embed="rId2">
+              <a:extLst>
+                <a:ext uri="{28A0092B-C50C-407E-A947-70E740481C1C}">
+                  <a14:useLocalDpi xmlns:a14="http://schemas.microsoft.com/office/drawing/2010/main" val="0"/>
+                </a:ext>
+              </a:extLst>
+            </a:blip>
+            <a:stretch>
+              <a:fillRect/>
+            </a:stretch>
+          </p:blipFill>
+          <p:spPr>
+            <a:xfrm>
+              <a:off x="0" y="0"/>
+              <a:ext cx="5422605" cy="6858000"/>
+            </a:xfrm>
+            <a:prstGeom prst="rect">
+              <a:avLst/>
+            </a:prstGeom>
+          </p:spPr>
+        </p:pic>
+        <p:grpSp>
+          <p:nvGrpSpPr>
+            <p:cNvPr id="6" name="Group 5"/>
+            <p:cNvGrpSpPr/>
+            <p:nvPr/>
+          </p:nvGrpSpPr>
+          <p:grpSpPr>
+            <a:xfrm>
+              <a:off x="91224" y="551284"/>
+              <a:ext cx="890527" cy="619432"/>
+              <a:chOff x="3878118" y="540774"/>
+              <a:chExt cx="890527" cy="619432"/>
+            </a:xfrm>
+          </p:grpSpPr>
+          <p:sp>
+            <p:nvSpPr>
+              <p:cNvPr id="3" name="Left Brace 2"/>
+              <p:cNvSpPr/>
+              <p:nvPr/>
+            </p:nvSpPr>
+            <p:spPr>
+              <a:xfrm>
+                <a:off x="4670323" y="540774"/>
+                <a:ext cx="98322" cy="619432"/>
+              </a:xfrm>
+              <a:prstGeom prst="leftBrace">
+                <a:avLst>
+                  <a:gd name="adj1" fmla="val 38700"/>
+                  <a:gd name="adj2" fmla="val 50000"/>
+                </a:avLst>
+              </a:prstGeom>
+              <a:ln w="19050">
+                <a:solidFill>
+                  <a:schemeClr val="tx1"/>
+                </a:solidFill>
+              </a:ln>
+            </p:spPr>
+            <p:style>
+              <a:lnRef idx="1">
+                <a:schemeClr val="accent1"/>
+              </a:lnRef>
+              <a:fillRef idx="0">
+                <a:schemeClr val="accent1"/>
+              </a:fillRef>
+              <a:effectRef idx="0">
+                <a:schemeClr val="accent1"/>
+              </a:effectRef>
+              <a:fontRef idx="minor">
+                <a:schemeClr val="tx1"/>
+              </a:fontRef>
+            </p:style>
+            <p:txBody>
+              <a:bodyPr rtlCol="0" anchor="ctr"/>
+              <a:lstStyle/>
+              <a:p>
+                <a:pPr algn="ctr"/>
+                <a:endParaRPr lang="en-GB"/>
+              </a:p>
+            </p:txBody>
+          </p:sp>
+          <p:sp>
+            <p:nvSpPr>
+              <p:cNvPr id="5" name="TextBox 4"/>
+              <p:cNvSpPr txBox="1"/>
+              <p:nvPr/>
+            </p:nvSpPr>
+            <p:spPr>
+              <a:xfrm>
+                <a:off x="3878118" y="711990"/>
+                <a:ext cx="792205" cy="276999"/>
+              </a:xfrm>
+              <a:prstGeom prst="rect">
+                <a:avLst/>
+              </a:prstGeom>
+              <a:noFill/>
+            </p:spPr>
+            <p:txBody>
+              <a:bodyPr wrap="none" rtlCol="0">
+                <a:spAutoFit/>
+              </a:bodyPr>
+              <a:lstStyle/>
+              <a:p>
+                <a:r>
+                  <a:rPr lang="en-GB" sz="1200" smtClean="0">
+                    <a:latin typeface="Times New Roman" charset="0"/>
+                    <a:ea typeface="Times New Roman" charset="0"/>
+                    <a:cs typeface="Times New Roman" charset="0"/>
+                  </a:rPr>
+                  <a:t>Constants</a:t>
+                </a:r>
+                <a:endParaRPr lang="en-GB" sz="1200">
+                  <a:latin typeface="Times New Roman" charset="0"/>
+                  <a:ea typeface="Times New Roman" charset="0"/>
+                  <a:cs typeface="Times New Roman" charset="0"/>
+                </a:endParaRPr>
+              </a:p>
+            </p:txBody>
+          </p:sp>
+        </p:grpSp>
+        <p:grpSp>
+          <p:nvGrpSpPr>
+            <p:cNvPr id="28" name="Group 27"/>
+            <p:cNvGrpSpPr/>
+            <p:nvPr/>
+          </p:nvGrpSpPr>
+          <p:grpSpPr>
+            <a:xfrm>
+              <a:off x="91224" y="1200640"/>
+              <a:ext cx="890527" cy="510849"/>
+              <a:chOff x="3878118" y="540774"/>
+              <a:chExt cx="890527" cy="510849"/>
+            </a:xfrm>
+          </p:grpSpPr>
+          <p:sp>
+            <p:nvSpPr>
+              <p:cNvPr id="29" name="Left Brace 28"/>
+              <p:cNvSpPr/>
+              <p:nvPr/>
+            </p:nvSpPr>
+            <p:spPr>
+              <a:xfrm>
+                <a:off x="4670323" y="540774"/>
+                <a:ext cx="98322" cy="510849"/>
+              </a:xfrm>
+              <a:prstGeom prst="leftBrace">
+                <a:avLst>
+                  <a:gd name="adj1" fmla="val 38700"/>
+                  <a:gd name="adj2" fmla="val 50000"/>
+                </a:avLst>
+              </a:prstGeom>
+              <a:ln w="19050">
+                <a:solidFill>
+                  <a:schemeClr val="tx1"/>
+                </a:solidFill>
+              </a:ln>
+            </p:spPr>
+            <p:style>
+              <a:lnRef idx="1">
+                <a:schemeClr val="accent1"/>
+              </a:lnRef>
+              <a:fillRef idx="0">
+                <a:schemeClr val="accent1"/>
+              </a:fillRef>
+              <a:effectRef idx="0">
+                <a:schemeClr val="accent1"/>
+              </a:effectRef>
+              <a:fontRef idx="minor">
+                <a:schemeClr val="tx1"/>
+              </a:fontRef>
+            </p:style>
+            <p:txBody>
+              <a:bodyPr rtlCol="0" anchor="ctr"/>
+              <a:lstStyle/>
+              <a:p>
+                <a:pPr algn="ctr"/>
+                <a:endParaRPr lang="en-GB"/>
+              </a:p>
+            </p:txBody>
+          </p:sp>
+          <p:sp>
+            <p:nvSpPr>
+              <p:cNvPr id="30" name="TextBox 29"/>
+              <p:cNvSpPr txBox="1"/>
+              <p:nvPr/>
+            </p:nvSpPr>
+            <p:spPr>
+              <a:xfrm>
+                <a:off x="3878118" y="657698"/>
+                <a:ext cx="759247" cy="276999"/>
+              </a:xfrm>
+              <a:prstGeom prst="rect">
+                <a:avLst/>
+              </a:prstGeom>
+              <a:noFill/>
+            </p:spPr>
+            <p:txBody>
+              <a:bodyPr wrap="none" rtlCol="0">
+                <a:spAutoFit/>
+              </a:bodyPr>
+              <a:lstStyle/>
+              <a:p>
+                <a:r>
+                  <a:rPr lang="en-GB" sz="1200" dirty="0" smtClean="0">
+                    <a:latin typeface="Times New Roman" charset="0"/>
+                    <a:ea typeface="Times New Roman" charset="0"/>
+                    <a:cs typeface="Times New Roman" charset="0"/>
+                  </a:rPr>
+                  <a:t>Variables</a:t>
+                </a:r>
+                <a:endParaRPr lang="en-GB" sz="1200" dirty="0">
+                  <a:latin typeface="Times New Roman" charset="0"/>
+                  <a:ea typeface="Times New Roman" charset="0"/>
+                  <a:cs typeface="Times New Roman" charset="0"/>
+                </a:endParaRPr>
+              </a:p>
+            </p:txBody>
+          </p:sp>
+        </p:grpSp>
+        <p:grpSp>
+          <p:nvGrpSpPr>
+            <p:cNvPr id="34" name="Group 33"/>
+            <p:cNvGrpSpPr/>
+            <p:nvPr/>
+          </p:nvGrpSpPr>
+          <p:grpSpPr>
+            <a:xfrm>
+              <a:off x="209387" y="1743333"/>
+              <a:ext cx="772364" cy="2465234"/>
+              <a:chOff x="3996281" y="540774"/>
+              <a:chExt cx="772364" cy="2465234"/>
+            </a:xfrm>
+          </p:grpSpPr>
+          <p:sp>
+            <p:nvSpPr>
+              <p:cNvPr id="35" name="Left Brace 34"/>
+              <p:cNvSpPr/>
+              <p:nvPr/>
+            </p:nvSpPr>
+            <p:spPr>
+              <a:xfrm>
+                <a:off x="4670323" y="540774"/>
+                <a:ext cx="98322" cy="2465234"/>
+              </a:xfrm>
+              <a:prstGeom prst="leftBrace">
+                <a:avLst>
+                  <a:gd name="adj1" fmla="val 38700"/>
+                  <a:gd name="adj2" fmla="val 50000"/>
+                </a:avLst>
+              </a:prstGeom>
+              <a:ln w="19050">
+                <a:solidFill>
+                  <a:schemeClr val="tx1"/>
+                </a:solidFill>
+              </a:ln>
+            </p:spPr>
+            <p:style>
+              <a:lnRef idx="1">
+                <a:schemeClr val="accent1"/>
+              </a:lnRef>
+              <a:fillRef idx="0">
+                <a:schemeClr val="accent1"/>
+              </a:fillRef>
+              <a:effectRef idx="0">
+                <a:schemeClr val="accent1"/>
+              </a:effectRef>
+              <a:fontRef idx="minor">
+                <a:schemeClr val="tx1"/>
+              </a:fontRef>
+            </p:style>
+            <p:txBody>
+              <a:bodyPr rtlCol="0" anchor="ctr"/>
+              <a:lstStyle/>
+              <a:p>
+                <a:pPr algn="ctr"/>
+                <a:endParaRPr lang="en-GB"/>
+              </a:p>
+            </p:txBody>
+          </p:sp>
+          <p:sp>
+            <p:nvSpPr>
+              <p:cNvPr id="36" name="TextBox 35"/>
+              <p:cNvSpPr txBox="1"/>
+              <p:nvPr/>
+            </p:nvSpPr>
+            <p:spPr>
+              <a:xfrm>
+                <a:off x="3996281" y="1527629"/>
+                <a:ext cx="657552" cy="461665"/>
+              </a:xfrm>
+              <a:prstGeom prst="rect">
+                <a:avLst/>
+              </a:prstGeom>
+              <a:noFill/>
+            </p:spPr>
+            <p:txBody>
+              <a:bodyPr wrap="none" rtlCol="0">
+                <a:spAutoFit/>
+              </a:bodyPr>
+              <a:lstStyle/>
+              <a:p>
+                <a:r>
+                  <a:rPr lang="en-GB" sz="1200" smtClean="0">
+                    <a:latin typeface="Times New Roman" charset="0"/>
+                    <a:ea typeface="Times New Roman" charset="0"/>
+                    <a:cs typeface="Times New Roman" charset="0"/>
+                  </a:rPr>
+                  <a:t>Particle</a:t>
+                </a:r>
+              </a:p>
+              <a:p>
+                <a:r>
+                  <a:rPr lang="en-GB" sz="1200" dirty="0" smtClean="0">
+                    <a:latin typeface="Times New Roman" charset="0"/>
+                    <a:ea typeface="Times New Roman" charset="0"/>
+                    <a:cs typeface="Times New Roman" charset="0"/>
+                  </a:rPr>
+                  <a:t>system</a:t>
+                </a:r>
+                <a:endParaRPr lang="en-GB" sz="1200" dirty="0">
+                  <a:latin typeface="Times New Roman" charset="0"/>
+                  <a:ea typeface="Times New Roman" charset="0"/>
+                  <a:cs typeface="Times New Roman" charset="0"/>
+                </a:endParaRPr>
+              </a:p>
+            </p:txBody>
+          </p:sp>
+        </p:grpSp>
+        <p:grpSp>
+          <p:nvGrpSpPr>
+            <p:cNvPr id="7" name="Group 6"/>
+            <p:cNvGrpSpPr/>
+            <p:nvPr/>
+          </p:nvGrpSpPr>
+          <p:grpSpPr>
+            <a:xfrm>
+              <a:off x="4292771" y="1862944"/>
+              <a:ext cx="769409" cy="772413"/>
+              <a:chOff x="7886460" y="1859950"/>
+              <a:chExt cx="769409" cy="772413"/>
+            </a:xfrm>
+          </p:grpSpPr>
+          <p:sp>
+            <p:nvSpPr>
+              <p:cNvPr id="37" name="Left Brace 36"/>
+              <p:cNvSpPr/>
+              <p:nvPr/>
+            </p:nvSpPr>
+            <p:spPr>
+              <a:xfrm rot="10800000">
+                <a:off x="7886460" y="1859950"/>
+                <a:ext cx="98322" cy="772413"/>
+              </a:xfrm>
+              <a:prstGeom prst="leftBrace">
+                <a:avLst>
+                  <a:gd name="adj1" fmla="val 38700"/>
+                  <a:gd name="adj2" fmla="val 50000"/>
+                </a:avLst>
+              </a:prstGeom>
+              <a:ln w="19050">
+                <a:solidFill>
+                  <a:schemeClr val="tx1"/>
+                </a:solidFill>
+              </a:ln>
+            </p:spPr>
+            <p:style>
+              <a:lnRef idx="1">
+                <a:schemeClr val="accent1"/>
+              </a:lnRef>
+              <a:fillRef idx="0">
+                <a:schemeClr val="accent1"/>
+              </a:fillRef>
+              <a:effectRef idx="0">
+                <a:schemeClr val="accent1"/>
+              </a:effectRef>
+              <a:fontRef idx="minor">
+                <a:schemeClr val="tx1"/>
+              </a:fontRef>
+            </p:style>
+            <p:txBody>
+              <a:bodyPr rtlCol="0" anchor="ctr"/>
+              <a:lstStyle/>
+              <a:p>
+                <a:pPr algn="ctr"/>
+                <a:endParaRPr lang="en-GB"/>
+              </a:p>
+            </p:txBody>
+          </p:sp>
+          <p:sp>
+            <p:nvSpPr>
+              <p:cNvPr id="39" name="TextBox 38"/>
+              <p:cNvSpPr txBox="1"/>
+              <p:nvPr/>
+            </p:nvSpPr>
+            <p:spPr>
+              <a:xfrm>
+                <a:off x="7974272" y="2107656"/>
+                <a:ext cx="681597" cy="276999"/>
+              </a:xfrm>
+              <a:prstGeom prst="rect">
+                <a:avLst/>
+              </a:prstGeom>
+              <a:noFill/>
+            </p:spPr>
+            <p:txBody>
+              <a:bodyPr wrap="none" rtlCol="0">
+                <a:spAutoFit/>
+              </a:bodyPr>
+              <a:lstStyle/>
+              <a:p>
+                <a:r>
+                  <a:rPr lang="en-GB" sz="1200" dirty="0" smtClean="0">
+                    <a:latin typeface="Times New Roman" charset="0"/>
+                    <a:ea typeface="Times New Roman" charset="0"/>
+                    <a:cs typeface="Times New Roman" charset="0"/>
+                  </a:rPr>
+                  <a:t>Domain</a:t>
+                </a:r>
+                <a:endParaRPr lang="en-GB" sz="1200" dirty="0">
+                  <a:latin typeface="Times New Roman" charset="0"/>
+                  <a:ea typeface="Times New Roman" charset="0"/>
+                  <a:cs typeface="Times New Roman" charset="0"/>
+                </a:endParaRPr>
+              </a:p>
+            </p:txBody>
+          </p:sp>
+        </p:grpSp>
+        <p:grpSp>
+          <p:nvGrpSpPr>
+            <p:cNvPr id="40" name="Group 39"/>
+            <p:cNvGrpSpPr/>
+            <p:nvPr/>
+          </p:nvGrpSpPr>
+          <p:grpSpPr>
+            <a:xfrm>
+              <a:off x="3768934" y="2672336"/>
+              <a:ext cx="1284734" cy="890177"/>
+              <a:chOff x="7886460" y="1859949"/>
+              <a:chExt cx="1284734" cy="890177"/>
+            </a:xfrm>
+          </p:grpSpPr>
+          <p:sp>
+            <p:nvSpPr>
+              <p:cNvPr id="42" name="Left Brace 41"/>
+              <p:cNvSpPr/>
+              <p:nvPr/>
+            </p:nvSpPr>
+            <p:spPr>
+              <a:xfrm rot="10800000">
+                <a:off x="7886460" y="1859949"/>
+                <a:ext cx="98322" cy="890177"/>
+              </a:xfrm>
+              <a:prstGeom prst="leftBrace">
+                <a:avLst>
+                  <a:gd name="adj1" fmla="val 38700"/>
+                  <a:gd name="adj2" fmla="val 50000"/>
+                </a:avLst>
+              </a:prstGeom>
+              <a:ln w="19050">
+                <a:solidFill>
+                  <a:schemeClr val="tx1"/>
+                </a:solidFill>
+              </a:ln>
+            </p:spPr>
+            <p:style>
+              <a:lnRef idx="1">
+                <a:schemeClr val="accent1"/>
+              </a:lnRef>
+              <a:fillRef idx="0">
+                <a:schemeClr val="accent1"/>
+              </a:fillRef>
+              <a:effectRef idx="0">
+                <a:schemeClr val="accent1"/>
+              </a:effectRef>
+              <a:fontRef idx="minor">
+                <a:schemeClr val="tx1"/>
+              </a:fontRef>
+            </p:style>
+            <p:txBody>
+              <a:bodyPr rtlCol="0" anchor="ctr"/>
+              <a:lstStyle/>
+              <a:p>
+                <a:pPr algn="ctr"/>
+                <a:endParaRPr lang="en-GB"/>
+              </a:p>
+            </p:txBody>
+          </p:sp>
+          <p:sp>
+            <p:nvSpPr>
+              <p:cNvPr id="43" name="TextBox 42"/>
+              <p:cNvSpPr txBox="1"/>
+              <p:nvPr/>
+            </p:nvSpPr>
+            <p:spPr>
+              <a:xfrm>
+                <a:off x="7975033" y="2166538"/>
+                <a:ext cx="1196161" cy="276999"/>
+              </a:xfrm>
+              <a:prstGeom prst="rect">
+                <a:avLst/>
+              </a:prstGeom>
+              <a:noFill/>
+            </p:spPr>
+            <p:txBody>
+              <a:bodyPr wrap="none" rtlCol="0">
+                <a:spAutoFit/>
+              </a:bodyPr>
+              <a:lstStyle/>
+              <a:p>
+                <a:r>
+                  <a:rPr lang="en-GB" sz="1200" dirty="0" smtClean="0">
+                    <a:latin typeface="Times New Roman" charset="0"/>
+                    <a:ea typeface="Times New Roman" charset="0"/>
+                    <a:cs typeface="Times New Roman" charset="0"/>
+                  </a:rPr>
+                  <a:t>Particles on grid</a:t>
+                </a:r>
+                <a:endParaRPr lang="en-GB" sz="1200" dirty="0">
+                  <a:latin typeface="Times New Roman" charset="0"/>
+                  <a:ea typeface="Times New Roman" charset="0"/>
+                  <a:cs typeface="Times New Roman" charset="0"/>
+                </a:endParaRPr>
+              </a:p>
+            </p:txBody>
+          </p:sp>
+        </p:grpSp>
+        <p:grpSp>
+          <p:nvGrpSpPr>
+            <p:cNvPr id="45" name="Group 44"/>
+            <p:cNvGrpSpPr/>
+            <p:nvPr/>
+          </p:nvGrpSpPr>
+          <p:grpSpPr>
+            <a:xfrm>
+              <a:off x="3485155" y="3596551"/>
+              <a:ext cx="1388928" cy="493589"/>
+              <a:chOff x="7886460" y="1859949"/>
+              <a:chExt cx="1388928" cy="493589"/>
+            </a:xfrm>
+          </p:grpSpPr>
+          <p:sp>
+            <p:nvSpPr>
+              <p:cNvPr id="46" name="Left Brace 45"/>
+              <p:cNvSpPr/>
+              <p:nvPr/>
+            </p:nvSpPr>
+            <p:spPr>
+              <a:xfrm rot="10800000">
+                <a:off x="7886460" y="1859949"/>
+                <a:ext cx="98322" cy="493589"/>
+              </a:xfrm>
+              <a:prstGeom prst="leftBrace">
+                <a:avLst>
+                  <a:gd name="adj1" fmla="val 38700"/>
+                  <a:gd name="adj2" fmla="val 50000"/>
+                </a:avLst>
+              </a:prstGeom>
+              <a:ln w="19050">
+                <a:solidFill>
+                  <a:schemeClr val="tx1"/>
+                </a:solidFill>
+              </a:ln>
+            </p:spPr>
+            <p:style>
+              <a:lnRef idx="1">
+                <a:schemeClr val="accent1"/>
+              </a:lnRef>
+              <a:fillRef idx="0">
+                <a:schemeClr val="accent1"/>
+              </a:fillRef>
+              <a:effectRef idx="0">
+                <a:schemeClr val="accent1"/>
+              </a:effectRef>
+              <a:fontRef idx="minor">
+                <a:schemeClr val="tx1"/>
+              </a:fontRef>
+            </p:style>
+            <p:txBody>
+              <a:bodyPr rtlCol="0" anchor="ctr"/>
+              <a:lstStyle/>
+              <a:p>
+                <a:pPr algn="ctr"/>
+                <a:endParaRPr lang="en-GB"/>
+              </a:p>
+            </p:txBody>
+          </p:sp>
+          <p:sp>
+            <p:nvSpPr>
+              <p:cNvPr id="47" name="TextBox 46"/>
+              <p:cNvSpPr txBox="1"/>
+              <p:nvPr/>
+            </p:nvSpPr>
+            <p:spPr>
+              <a:xfrm>
+                <a:off x="7975032" y="1968243"/>
+                <a:ext cx="1300356" cy="276999"/>
+              </a:xfrm>
+              <a:prstGeom prst="rect">
+                <a:avLst/>
+              </a:prstGeom>
+              <a:noFill/>
+            </p:spPr>
+            <p:txBody>
+              <a:bodyPr wrap="none" rtlCol="0">
+                <a:spAutoFit/>
+              </a:bodyPr>
+              <a:lstStyle/>
+              <a:p>
+                <a:r>
+                  <a:rPr lang="en-GB" sz="1200" dirty="0" smtClean="0">
+                    <a:latin typeface="Times New Roman" charset="0"/>
+                    <a:ea typeface="Times New Roman" charset="0"/>
+                    <a:cs typeface="Times New Roman" charset="0"/>
+                  </a:rPr>
+                  <a:t>Particles from file</a:t>
+                </a:r>
+                <a:endParaRPr lang="en-GB" sz="1200" dirty="0">
+                  <a:latin typeface="Times New Roman" charset="0"/>
+                  <a:ea typeface="Times New Roman" charset="0"/>
+                  <a:cs typeface="Times New Roman" charset="0"/>
+                </a:endParaRPr>
+              </a:p>
+            </p:txBody>
+          </p:sp>
+        </p:grpSp>
+        <p:grpSp>
+          <p:nvGrpSpPr>
+            <p:cNvPr id="48" name="Group 47"/>
+            <p:cNvGrpSpPr/>
+            <p:nvPr/>
+          </p:nvGrpSpPr>
+          <p:grpSpPr>
+            <a:xfrm>
+              <a:off x="380966" y="4263636"/>
+              <a:ext cx="600785" cy="605641"/>
+              <a:chOff x="7938350" y="2002216"/>
+              <a:chExt cx="600785" cy="605641"/>
+            </a:xfrm>
+          </p:grpSpPr>
+          <p:sp>
+            <p:nvSpPr>
+              <p:cNvPr id="49" name="Left Brace 48"/>
+              <p:cNvSpPr/>
+              <p:nvPr/>
+            </p:nvSpPr>
+            <p:spPr>
+              <a:xfrm rot="10800000" flipH="1">
+                <a:off x="8460311" y="2002216"/>
+                <a:ext cx="78824" cy="605641"/>
+              </a:xfrm>
+              <a:prstGeom prst="leftBrace">
+                <a:avLst>
+                  <a:gd name="adj1" fmla="val 38700"/>
+                  <a:gd name="adj2" fmla="val 50000"/>
+                </a:avLst>
+              </a:prstGeom>
+              <a:ln w="19050">
+                <a:solidFill>
+                  <a:schemeClr val="tx1"/>
+                </a:solidFill>
+              </a:ln>
+            </p:spPr>
+            <p:style>
+              <a:lnRef idx="1">
+                <a:schemeClr val="accent1"/>
+              </a:lnRef>
+              <a:fillRef idx="0">
+                <a:schemeClr val="accent1"/>
+              </a:fillRef>
+              <a:effectRef idx="0">
+                <a:schemeClr val="accent1"/>
+              </a:effectRef>
+              <a:fontRef idx="minor">
+                <a:schemeClr val="tx1"/>
+              </a:fontRef>
+            </p:style>
+            <p:txBody>
+              <a:bodyPr rtlCol="0" anchor="ctr"/>
+              <a:lstStyle/>
+              <a:p>
+                <a:pPr algn="ctr"/>
+                <a:endParaRPr lang="en-GB"/>
+              </a:p>
+            </p:txBody>
+          </p:sp>
+          <p:sp>
+            <p:nvSpPr>
+              <p:cNvPr id="50" name="TextBox 49"/>
+              <p:cNvSpPr txBox="1"/>
+              <p:nvPr/>
+            </p:nvSpPr>
+            <p:spPr>
+              <a:xfrm>
+                <a:off x="7938350" y="2166537"/>
+                <a:ext cx="561372" cy="276999"/>
+              </a:xfrm>
+              <a:prstGeom prst="rect">
+                <a:avLst/>
+              </a:prstGeom>
+              <a:noFill/>
+            </p:spPr>
+            <p:txBody>
+              <a:bodyPr wrap="none" rtlCol="0">
+                <a:spAutoFit/>
+              </a:bodyPr>
+              <a:lstStyle/>
+              <a:p>
+                <a:r>
+                  <a:rPr lang="en-GB" sz="1200" dirty="0" smtClean="0">
+                    <a:latin typeface="Times New Roman" charset="0"/>
+                    <a:ea typeface="Times New Roman" charset="0"/>
+                    <a:cs typeface="Times New Roman" charset="0"/>
+                  </a:rPr>
+                  <a:t>Fields</a:t>
+                </a:r>
+                <a:endParaRPr lang="en-GB" sz="1200" dirty="0">
+                  <a:latin typeface="Times New Roman" charset="0"/>
+                  <a:ea typeface="Times New Roman" charset="0"/>
+                  <a:cs typeface="Times New Roman" charset="0"/>
+                </a:endParaRPr>
+              </a:p>
+            </p:txBody>
+          </p:sp>
+        </p:grpSp>
+        <p:grpSp>
+          <p:nvGrpSpPr>
+            <p:cNvPr id="51" name="Group 50"/>
+            <p:cNvGrpSpPr/>
+            <p:nvPr/>
+          </p:nvGrpSpPr>
+          <p:grpSpPr>
+            <a:xfrm>
+              <a:off x="91224" y="5041401"/>
+              <a:ext cx="661652" cy="605641"/>
+              <a:chOff x="7877483" y="2002216"/>
+              <a:chExt cx="661652" cy="605641"/>
+            </a:xfrm>
+          </p:grpSpPr>
+          <p:sp>
+            <p:nvSpPr>
+              <p:cNvPr id="52" name="Left Brace 51"/>
+              <p:cNvSpPr/>
+              <p:nvPr/>
+            </p:nvSpPr>
+            <p:spPr>
+              <a:xfrm rot="10800000" flipH="1">
+                <a:off x="8460311" y="2002216"/>
+                <a:ext cx="78824" cy="605641"/>
+              </a:xfrm>
+              <a:prstGeom prst="leftBrace">
+                <a:avLst>
+                  <a:gd name="adj1" fmla="val 38700"/>
+                  <a:gd name="adj2" fmla="val 50000"/>
+                </a:avLst>
+              </a:prstGeom>
+              <a:ln w="19050">
+                <a:solidFill>
+                  <a:schemeClr val="tx1"/>
+                </a:solidFill>
+              </a:ln>
+            </p:spPr>
+            <p:style>
+              <a:lnRef idx="1">
+                <a:schemeClr val="accent1"/>
+              </a:lnRef>
+              <a:fillRef idx="0">
+                <a:schemeClr val="accent1"/>
+              </a:fillRef>
+              <a:effectRef idx="0">
+                <a:schemeClr val="accent1"/>
+              </a:effectRef>
+              <a:fontRef idx="minor">
+                <a:schemeClr val="tx1"/>
+              </a:fontRef>
+            </p:style>
+            <p:txBody>
+              <a:bodyPr rtlCol="0" anchor="ctr"/>
+              <a:lstStyle/>
+              <a:p>
+                <a:pPr algn="ctr"/>
+                <a:endParaRPr lang="en-GB"/>
+              </a:p>
+            </p:txBody>
+          </p:sp>
+          <p:sp>
+            <p:nvSpPr>
+              <p:cNvPr id="53" name="TextBox 52"/>
+              <p:cNvSpPr txBox="1"/>
+              <p:nvPr/>
+            </p:nvSpPr>
+            <p:spPr>
+              <a:xfrm>
+                <a:off x="7877483" y="2166537"/>
+                <a:ext cx="602601" cy="276999"/>
+              </a:xfrm>
+              <a:prstGeom prst="rect">
+                <a:avLst/>
+              </a:prstGeom>
+              <a:noFill/>
+            </p:spPr>
+            <p:txBody>
+              <a:bodyPr wrap="none" rtlCol="0">
+                <a:spAutoFit/>
+              </a:bodyPr>
+              <a:lstStyle/>
+              <a:p>
+                <a:r>
+                  <a:rPr lang="en-GB" sz="1200" smtClean="0">
+                    <a:latin typeface="Times New Roman" charset="0"/>
+                    <a:ea typeface="Times New Roman" charset="0"/>
+                    <a:cs typeface="Times New Roman" charset="0"/>
+                  </a:rPr>
+                  <a:t>UDE’s</a:t>
+                </a:r>
+                <a:endParaRPr lang="en-GB" sz="1200" dirty="0">
+                  <a:latin typeface="Times New Roman" charset="0"/>
+                  <a:ea typeface="Times New Roman" charset="0"/>
+                  <a:cs typeface="Times New Roman" charset="0"/>
+                </a:endParaRPr>
+              </a:p>
+            </p:txBody>
+          </p:sp>
+        </p:grpSp>
+        <p:grpSp>
+          <p:nvGrpSpPr>
+            <p:cNvPr id="54" name="Group 53"/>
+            <p:cNvGrpSpPr/>
+            <p:nvPr/>
+          </p:nvGrpSpPr>
+          <p:grpSpPr>
+            <a:xfrm>
+              <a:off x="3143337" y="5820763"/>
+              <a:ext cx="1687750" cy="907889"/>
+              <a:chOff x="7886460" y="1859948"/>
+              <a:chExt cx="1687750" cy="907889"/>
+            </a:xfrm>
+          </p:grpSpPr>
+          <p:sp>
+            <p:nvSpPr>
+              <p:cNvPr id="55" name="Left Brace 54"/>
+              <p:cNvSpPr/>
+              <p:nvPr/>
+            </p:nvSpPr>
+            <p:spPr>
+              <a:xfrm rot="10800000">
+                <a:off x="7886460" y="1859948"/>
+                <a:ext cx="98322" cy="907889"/>
+              </a:xfrm>
+              <a:prstGeom prst="leftBrace">
+                <a:avLst>
+                  <a:gd name="adj1" fmla="val 38700"/>
+                  <a:gd name="adj2" fmla="val 50000"/>
+                </a:avLst>
+              </a:prstGeom>
+              <a:ln w="19050">
+                <a:solidFill>
+                  <a:schemeClr val="tx1"/>
+                </a:solidFill>
+              </a:ln>
+            </p:spPr>
+            <p:style>
+              <a:lnRef idx="1">
+                <a:schemeClr val="accent1"/>
+              </a:lnRef>
+              <a:fillRef idx="0">
+                <a:schemeClr val="accent1"/>
+              </a:fillRef>
+              <a:effectRef idx="0">
+                <a:schemeClr val="accent1"/>
+              </a:effectRef>
+              <a:fontRef idx="minor">
+                <a:schemeClr val="tx1"/>
+              </a:fontRef>
+            </p:style>
+            <p:txBody>
+              <a:bodyPr rtlCol="0" anchor="ctr"/>
+              <a:lstStyle/>
+              <a:p>
+                <a:pPr algn="ctr"/>
+                <a:endParaRPr lang="en-GB"/>
+              </a:p>
+            </p:txBody>
+          </p:sp>
+          <p:sp>
+            <p:nvSpPr>
+              <p:cNvPr id="56" name="TextBox 55"/>
+              <p:cNvSpPr txBox="1"/>
+              <p:nvPr/>
+            </p:nvSpPr>
+            <p:spPr>
+              <a:xfrm>
+                <a:off x="7935620" y="2175393"/>
+                <a:ext cx="1638590" cy="276999"/>
+              </a:xfrm>
+              <a:prstGeom prst="rect">
+                <a:avLst/>
+              </a:prstGeom>
+              <a:noFill/>
+            </p:spPr>
+            <p:txBody>
+              <a:bodyPr wrap="none" rtlCol="0">
+                <a:spAutoFit/>
+              </a:bodyPr>
+              <a:lstStyle/>
+              <a:p>
+                <a:r>
+                  <a:rPr lang="en-GB" sz="1200" dirty="0" smtClean="0">
+                    <a:latin typeface="Times New Roman" charset="0"/>
+                    <a:ea typeface="Times New Roman" charset="0"/>
+                    <a:cs typeface="Times New Roman" charset="0"/>
+                  </a:rPr>
+                  <a:t>Simulation parameters</a:t>
+                </a:r>
+                <a:endParaRPr lang="en-GB" sz="1200" dirty="0">
+                  <a:latin typeface="Times New Roman" charset="0"/>
+                  <a:ea typeface="Times New Roman" charset="0"/>
+                  <a:cs typeface="Times New Roman" charset="0"/>
+                </a:endParaRPr>
+              </a:p>
+            </p:txBody>
+          </p:sp>
+        </p:grpSp>
+      </p:grpSp>
+      <p:grpSp>
+        <p:nvGrpSpPr>
+          <p:cNvPr id="12" name="Group 11"/>
+          <p:cNvGrpSpPr/>
+          <p:nvPr/>
+        </p:nvGrpSpPr>
+        <p:grpSpPr>
+          <a:xfrm>
+            <a:off x="5881314" y="0"/>
+            <a:ext cx="4989585" cy="1743333"/>
+            <a:chOff x="5881314" y="0"/>
+            <a:chExt cx="4989585" cy="1743333"/>
+          </a:xfrm>
+        </p:grpSpPr>
+        <p:pic>
+          <p:nvPicPr>
+            <p:cNvPr id="10" name="Picture 9"/>
+            <p:cNvPicPr>
+              <a:picLocks noChangeAspect="1"/>
+            </p:cNvPicPr>
+            <p:nvPr/>
+          </p:nvPicPr>
+          <p:blipFill>
+            <a:blip r:embed="rId3">
+              <a:extLst>
+                <a:ext uri="{28A0092B-C50C-407E-A947-70E740481C1C}">
+                  <a14:useLocalDpi xmlns:a14="http://schemas.microsoft.com/office/drawing/2010/main" val="0"/>
+                </a:ext>
+              </a:extLst>
+            </a:blip>
+            <a:stretch>
+              <a:fillRect/>
+            </a:stretch>
+          </p:blipFill>
+          <p:spPr>
+            <a:xfrm>
+              <a:off x="5881314" y="0"/>
+              <a:ext cx="3335892" cy="1743333"/>
+            </a:xfrm>
+            <a:prstGeom prst="rect">
+              <a:avLst/>
+            </a:prstGeom>
+          </p:spPr>
+        </p:pic>
+        <p:sp>
+          <p:nvSpPr>
+            <p:cNvPr id="60" name="Left Brace 59"/>
+            <p:cNvSpPr/>
+            <p:nvPr/>
+          </p:nvSpPr>
+          <p:spPr>
+            <a:xfrm rot="10800000">
+              <a:off x="8978047" y="272844"/>
+              <a:ext cx="98322" cy="391495"/>
+            </a:xfrm>
+            <a:prstGeom prst="leftBrace">
+              <a:avLst>
+                <a:gd name="adj1" fmla="val 38700"/>
+                <a:gd name="adj2" fmla="val 50000"/>
+              </a:avLst>
+            </a:prstGeom>
+            <a:ln w="19050">
+              <a:solidFill>
+                <a:schemeClr val="tx1"/>
+              </a:solidFill>
+            </a:ln>
+          </p:spPr>
+          <p:style>
+            <a:lnRef idx="1">
+              <a:schemeClr val="accent1"/>
+            </a:lnRef>
+            <a:fillRef idx="0">
+              <a:schemeClr val="accent1"/>
+            </a:fillRef>
+            <a:effectRef idx="0">
+              <a:schemeClr val="accent1"/>
+            </a:effectRef>
+            <a:fontRef idx="minor">
+              <a:schemeClr val="tx1"/>
+            </a:fontRef>
+          </p:style>
+          <p:txBody>
+            <a:bodyPr rtlCol="0" anchor="ctr"/>
+            <a:lstStyle/>
+            <a:p>
+              <a:pPr algn="ctr"/>
+              <a:endParaRPr lang="en-GB"/>
+            </a:p>
+          </p:txBody>
+        </p:sp>
+        <p:sp>
+          <p:nvSpPr>
+            <p:cNvPr id="63" name="TextBox 62"/>
+            <p:cNvSpPr txBox="1"/>
+            <p:nvPr/>
+          </p:nvSpPr>
+          <p:spPr>
+            <a:xfrm>
+              <a:off x="9076369" y="330091"/>
+              <a:ext cx="1794530" cy="276999"/>
+            </a:xfrm>
+            <a:prstGeom prst="rect">
+              <a:avLst/>
+            </a:prstGeom>
+            <a:noFill/>
+          </p:spPr>
+          <p:txBody>
+            <a:bodyPr wrap="none" rtlCol="0">
+              <a:spAutoFit/>
+            </a:bodyPr>
+            <a:lstStyle/>
+            <a:p>
+              <a:r>
+                <a:rPr lang="en-GB" sz="1200" dirty="0" smtClean="0">
+                  <a:latin typeface="Times New Roman" charset="0"/>
+                  <a:ea typeface="Times New Roman" charset="0"/>
+                  <a:cs typeface="Times New Roman" charset="0"/>
+                </a:rPr>
+                <a:t>Reference to the VTK-file</a:t>
+              </a:r>
+              <a:endParaRPr lang="en-GB" sz="1200" dirty="0">
+                <a:latin typeface="Times New Roman" charset="0"/>
+                <a:ea typeface="Times New Roman" charset="0"/>
+                <a:cs typeface="Times New Roman" charset="0"/>
+              </a:endParaRPr>
+            </a:p>
+          </p:txBody>
+        </p:sp>
+      </p:grpSp>
+    </p:spTree>
+    <p:extLst>
+      <p:ext uri="{BB962C8B-B14F-4D97-AF65-F5344CB8AC3E}">
+        <p14:creationId xmlns:p14="http://schemas.microsoft.com/office/powerpoint/2010/main" val="1412171152"/>
       </p:ext>
     </p:extLst>
   </p:cSld>
@@ -22410,16 +25152,16 @@
       </mc:AlternateContent>
       <p:grpSp>
         <p:nvGrpSpPr>
-          <p:cNvPr id="21" name="Group 20"/>
+          <p:cNvPr id="22" name="Group 21"/>
           <p:cNvGrpSpPr/>
           <p:nvPr/>
         </p:nvGrpSpPr>
         <p:grpSpPr>
           <a:xfrm>
-            <a:off x="984504" y="3056300"/>
-            <a:ext cx="2922429" cy="3457943"/>
-            <a:chOff x="984504" y="3056300"/>
-            <a:chExt cx="2922429" cy="3457943"/>
+            <a:off x="318520" y="3153050"/>
+            <a:ext cx="4263630" cy="3279219"/>
+            <a:chOff x="318520" y="3153050"/>
+            <a:chExt cx="4263630" cy="3279219"/>
           </a:xfrm>
         </p:grpSpPr>
         <p:sp>
@@ -22430,8 +25172,8 @@
           </p:nvSpPr>
           <p:spPr>
             <a:xfrm>
-              <a:off x="993736" y="3605483"/>
-              <a:ext cx="2913197" cy="2908760"/>
+              <a:off x="318520" y="3788211"/>
+              <a:ext cx="4263630" cy="2644058"/>
             </a:xfrm>
             <a:prstGeom prst="rect">
               <a:avLst/>
@@ -22481,8 +25223,56 @@
           </p:nvSpPr>
           <p:spPr>
             <a:xfrm>
-              <a:off x="1069501" y="3673615"/>
-              <a:ext cx="2761668" cy="2758654"/>
+              <a:off x="429406" y="3788211"/>
+              <a:ext cx="4041858" cy="2529462"/>
+            </a:xfrm>
+            <a:prstGeom prst="rect">
+              <a:avLst/>
+            </a:prstGeom>
+            <a:solidFill>
+              <a:schemeClr val="bg1"/>
+            </a:solidFill>
+            <a:ln w="12700">
+              <a:solidFill>
+                <a:schemeClr val="tx1"/>
+              </a:solidFill>
+            </a:ln>
+          </p:spPr>
+          <p:style>
+            <a:lnRef idx="2">
+              <a:schemeClr val="accent1">
+                <a:shade val="50000"/>
+              </a:schemeClr>
+            </a:lnRef>
+            <a:fillRef idx="1">
+              <a:schemeClr val="accent1"/>
+            </a:fillRef>
+            <a:effectRef idx="0">
+              <a:schemeClr val="accent1"/>
+            </a:effectRef>
+            <a:fontRef idx="minor">
+              <a:schemeClr val="lt1"/>
+            </a:fontRef>
+          </p:style>
+          <p:txBody>
+            <a:bodyPr rtlCol="0" anchor="ctr"/>
+            <a:lstStyle/>
+            <a:p>
+              <a:pPr algn="ctr"/>
+              <a:endParaRPr lang="en-GB"/>
+            </a:p>
+          </p:txBody>
+        </p:sp>
+        <p:sp>
+          <p:nvSpPr>
+            <p:cNvPr id="70" name="Rectangle 69"/>
+            <p:cNvSpPr/>
+            <p:nvPr/>
+          </p:nvSpPr>
+          <p:spPr>
+            <a:xfrm>
+              <a:off x="429406" y="4424082"/>
+              <a:ext cx="1309801" cy="1893591"/>
             </a:xfrm>
             <a:prstGeom prst="rect">
               <a:avLst/>
@@ -22526,14 +25316,14 @@
         </p:sp>
         <p:cxnSp>
           <p:nvCxnSpPr>
-            <p:cNvPr id="75" name="Straight Arrow Connector 74"/>
+            <p:cNvPr id="69" name="Straight Arrow Connector 68"/>
             <p:cNvCxnSpPr/>
             <p:nvPr/>
           </p:nvCxnSpPr>
           <p:spPr>
             <a:xfrm flipV="1">
-              <a:off x="1463719" y="3673615"/>
-              <a:ext cx="0" cy="2758654"/>
+              <a:off x="1943308" y="4424082"/>
+              <a:ext cx="0" cy="1893591"/>
             </a:xfrm>
             <a:prstGeom prst="straightConnector1">
               <a:avLst/>
@@ -22561,56 +25351,18 @@
             </a:fontRef>
           </p:style>
         </p:cxnSp>
-        <p:cxnSp>
-          <p:nvCxnSpPr>
-            <p:cNvPr id="76" name="Straight Connector 75"/>
-            <p:cNvCxnSpPr>
-              <a:stCxn id="67" idx="1"/>
-            </p:cNvCxnSpPr>
-            <p:nvPr/>
-          </p:nvCxnSpPr>
-          <p:spPr>
-            <a:xfrm>
-              <a:off x="1069501" y="5052942"/>
-              <a:ext cx="2761668" cy="0"/>
-            </a:xfrm>
-            <a:prstGeom prst="line">
-              <a:avLst/>
-            </a:prstGeom>
-            <a:ln w="9525">
-              <a:solidFill>
-                <a:schemeClr val="tx1"/>
-              </a:solidFill>
-              <a:prstDash val="dash"/>
-            </a:ln>
-          </p:spPr>
-          <p:style>
-            <a:lnRef idx="1">
-              <a:schemeClr val="accent1"/>
-            </a:lnRef>
-            <a:fillRef idx="0">
-              <a:schemeClr val="accent1"/>
-            </a:fillRef>
-            <a:effectRef idx="0">
-              <a:schemeClr val="accent1"/>
-            </a:effectRef>
-            <a:fontRef idx="minor">
-              <a:schemeClr val="tx1"/>
-            </a:fontRef>
-          </p:style>
-        </p:cxnSp>
         <mc:AlternateContent xmlns:mc="http://schemas.openxmlformats.org/markup-compatibility/2006" xmlns:a14="http://schemas.microsoft.com/office/drawing/2010/main">
           <mc:Choice Requires="a14">
             <p:sp>
               <p:nvSpPr>
-                <p:cNvPr id="78" name="TextBox 77"/>
+                <p:cNvPr id="73" name="TextBox 72"/>
                 <p:cNvSpPr txBox="1"/>
                 <p:nvPr/>
               </p:nvSpPr>
               <p:spPr>
                 <a:xfrm>
-                  <a:off x="1232320" y="4095007"/>
-                  <a:ext cx="183319" cy="276999"/>
+                  <a:off x="2066378" y="5155433"/>
+                  <a:ext cx="183319" cy="430887"/>
                 </a:xfrm>
                 <a:prstGeom prst="rect">
                   <a:avLst/>
@@ -22631,15 +25383,15 @@
                       </m:oMathParaPr>
                       <m:oMath xmlns:m="http://schemas.openxmlformats.org/officeDocument/2006/math">
                         <m:r>
-                          <a:rPr lang="hu-HU" b="0" i="1" smtClean="0">
+                          <a:rPr lang="hu-HU" sz="2800" b="0" i="1" smtClean="0">
                             <a:latin typeface="Cambria Math" charset="0"/>
                           </a:rPr>
-                          <m:t>𝐿</m:t>
+                          <m:t>𝐻</m:t>
                         </m:r>
                       </m:oMath>
                     </m:oMathPara>
                   </a14:m>
-                  <a:endParaRPr lang="hu-HU" b="0" dirty="0" smtClean="0"/>
+                  <a:endParaRPr lang="hu-HU" sz="2800" b="0" dirty="0" smtClean="0"/>
                 </a:p>
               </p:txBody>
             </p:sp>
@@ -22647,7 +25399,7 @@
           <mc:Fallback xmlns="">
             <p:sp>
               <p:nvSpPr>
-                <p:cNvPr id="78" name="TextBox 77"/>
+                <p:cNvPr id="73" name="TextBox 72"/>
                 <p:cNvSpPr txBox="1">
                   <a:spLocks noRot="1" noChangeAspect="1" noMove="1" noResize="1" noEditPoints="1" noAdjustHandles="1" noChangeArrowheads="1" noChangeShapeType="1" noTextEdit="1"/>
                 </p:cNvSpPr>
@@ -22655,8 +25407,8 @@
               </p:nvSpPr>
               <p:spPr>
                 <a:xfrm>
-                  <a:off x="1232320" y="4095007"/>
-                  <a:ext cx="183319" cy="276999"/>
+                  <a:off x="2066378" y="5155433"/>
+                  <a:ext cx="183319" cy="430887"/>
                 </a:xfrm>
                 <a:prstGeom prst="rect">
                   <a:avLst/>
@@ -22664,7 +25416,7 @@
                 <a:blipFill rotWithShape="0">
                   <a:blip r:embed="rId22"/>
                   <a:stretch>
-                    <a:fillRect l="-26667" r="-26667" b="-6667"/>
+                    <a:fillRect r="-36667"/>
                   </a:stretch>
                 </a:blipFill>
               </p:spPr>
@@ -22673,7 +25425,7 @@
                 <a:lstStyle/>
                 <a:p>
                   <a:r>
-                    <a:rPr lang="en-GB">
+                    <a:rPr lang="hu-HU">
                       <a:noFill/>
                     </a:rPr>
                     <a:t> </a:t>
@@ -22685,14 +25437,14 @@
         </mc:AlternateContent>
         <p:cxnSp>
           <p:nvCxnSpPr>
-            <p:cNvPr id="69" name="Straight Arrow Connector 68"/>
+            <p:cNvPr id="74" name="Straight Arrow Connector 73"/>
             <p:cNvCxnSpPr/>
             <p:nvPr/>
           </p:nvCxnSpPr>
           <p:spPr>
-            <a:xfrm>
-              <a:off x="1793229" y="3381034"/>
-              <a:ext cx="1391770" cy="0"/>
+            <a:xfrm flipH="1">
+              <a:off x="429407" y="4248390"/>
+              <a:ext cx="1309800" cy="0"/>
             </a:xfrm>
             <a:prstGeom prst="straightConnector1">
               <a:avLst/>
@@ -22701,318 +25453,7 @@
               <a:solidFill>
                 <a:schemeClr val="tx1"/>
               </a:solidFill>
-              <a:tailEnd type="triangle" w="med" len="lg"/>
-            </a:ln>
-          </p:spPr>
-          <p:style>
-            <a:lnRef idx="1">
-              <a:schemeClr val="accent1"/>
-            </a:lnRef>
-            <a:fillRef idx="0">
-              <a:schemeClr val="accent1"/>
-            </a:fillRef>
-            <a:effectRef idx="0">
-              <a:schemeClr val="accent1"/>
-            </a:effectRef>
-            <a:fontRef idx="minor">
-              <a:schemeClr val="tx1"/>
-            </a:fontRef>
-          </p:style>
-        </p:cxnSp>
-        <p:sp>
-          <p:nvSpPr>
-            <p:cNvPr id="73" name="Rectangle 72"/>
-            <p:cNvSpPr/>
-            <p:nvPr/>
-          </p:nvSpPr>
-          <p:spPr>
-            <a:xfrm>
-              <a:off x="984504" y="3535447"/>
-              <a:ext cx="2915707" cy="155069"/>
-            </a:xfrm>
-            <a:prstGeom prst="rect">
-              <a:avLst/>
-            </a:prstGeom>
-            <a:solidFill>
-              <a:schemeClr val="bg1"/>
-            </a:solidFill>
-            <a:ln w="12700">
-              <a:solidFill>
-                <a:schemeClr val="tx1"/>
-              </a:solidFill>
-            </a:ln>
-          </p:spPr>
-          <p:style>
-            <a:lnRef idx="2">
-              <a:schemeClr val="accent1">
-                <a:shade val="50000"/>
-              </a:schemeClr>
-            </a:lnRef>
-            <a:fillRef idx="1">
-              <a:schemeClr val="accent1"/>
-            </a:fillRef>
-            <a:effectRef idx="0">
-              <a:schemeClr val="accent1"/>
-            </a:effectRef>
-            <a:fontRef idx="minor">
-              <a:schemeClr val="lt1"/>
-            </a:fontRef>
-          </p:style>
-          <p:txBody>
-            <a:bodyPr rtlCol="0" anchor="ctr"/>
-            <a:lstStyle/>
-            <a:p>
-              <a:pPr algn="ctr"/>
-              <a:endParaRPr lang="en-GB"/>
-            </a:p>
-          </p:txBody>
-        </p:sp>
-        <mc:AlternateContent xmlns:mc="http://schemas.openxmlformats.org/markup-compatibility/2006" xmlns:a14="http://schemas.microsoft.com/office/drawing/2010/main">
-          <mc:Choice Requires="a14">
-            <p:sp>
-              <p:nvSpPr>
-                <p:cNvPr id="80" name="TextBox 79"/>
-                <p:cNvSpPr txBox="1"/>
-                <p:nvPr/>
-              </p:nvSpPr>
-              <p:spPr>
-                <a:xfrm>
-                  <a:off x="1951629" y="3056300"/>
-                  <a:ext cx="1152816" cy="276999"/>
-                </a:xfrm>
-                <a:prstGeom prst="rect">
-                  <a:avLst/>
-                </a:prstGeom>
-                <a:noFill/>
-              </p:spPr>
-              <p:txBody>
-                <a:bodyPr wrap="none" lIns="0" tIns="0" rIns="0" bIns="0" rtlCol="0">
-                  <a:spAutoFit/>
-                </a:bodyPr>
-                <a:lstStyle/>
-                <a:p>
-                  <a14:m>
-                    <m:oMath xmlns:m="http://schemas.openxmlformats.org/officeDocument/2006/math">
-                      <m:sSub>
-                        <m:sSubPr>
-                          <m:ctrlPr>
-                            <a:rPr lang="hu-HU" b="0" i="1" smtClean="0">
-                              <a:latin typeface="Cambria Math" charset="0"/>
-                            </a:rPr>
-                          </m:ctrlPr>
-                        </m:sSubPr>
-                        <m:e>
-                          <m:r>
-                            <a:rPr lang="hu-HU" b="0" i="1" smtClean="0">
-                              <a:latin typeface="Cambria Math" charset="0"/>
-                            </a:rPr>
-                            <m:t>𝑣</m:t>
-                          </m:r>
-                        </m:e>
-                        <m:sub>
-                          <m:r>
-                            <a:rPr lang="hu-HU" b="0" i="1" smtClean="0">
-                              <a:latin typeface="Cambria Math" charset="0"/>
-                            </a:rPr>
-                            <m:t>𝑙𝑖𝑑</m:t>
-                          </m:r>
-                        </m:sub>
-                      </m:sSub>
-                      <m:r>
-                        <a:rPr lang="hu-HU" b="0" i="0" smtClean="0">
-                          <a:latin typeface="Cambria Math" charset="0"/>
-                        </a:rPr>
-                        <m:t>=1</m:t>
-                      </m:r>
-                    </m:oMath>
-                  </a14:m>
-                  <a:r>
-                    <a:rPr lang="hu-HU" b="0" dirty="0" smtClean="0"/>
-                    <a:t>m/s</a:t>
-                  </a:r>
-                </a:p>
-              </p:txBody>
-            </p:sp>
-          </mc:Choice>
-          <mc:Fallback xmlns="">
-            <p:sp>
-              <p:nvSpPr>
-                <p:cNvPr id="80" name="TextBox 79"/>
-                <p:cNvSpPr txBox="1">
-                  <a:spLocks noRot="1" noChangeAspect="1" noMove="1" noResize="1" noEditPoints="1" noAdjustHandles="1" noChangeArrowheads="1" noChangeShapeType="1" noTextEdit="1"/>
-                </p:cNvSpPr>
-                <p:nvPr/>
-              </p:nvSpPr>
-              <p:spPr>
-                <a:xfrm>
-                  <a:off x="1951629" y="3056300"/>
-                  <a:ext cx="1152816" cy="276999"/>
-                </a:xfrm>
-                <a:prstGeom prst="rect">
-                  <a:avLst/>
-                </a:prstGeom>
-                <a:blipFill rotWithShape="0">
-                  <a:blip r:embed="rId23"/>
-                  <a:stretch>
-                    <a:fillRect l="-4762" t="-28261" r="-12169" b="-50000"/>
-                  </a:stretch>
-                </a:blipFill>
-              </p:spPr>
-              <p:txBody>
-                <a:bodyPr/>
-                <a:lstStyle/>
-                <a:p>
-                  <a:r>
-                    <a:rPr lang="en-GB">
-                      <a:noFill/>
-                    </a:rPr>
-                    <a:t> </a:t>
-                  </a:r>
-                </a:p>
-              </p:txBody>
-            </p:sp>
-          </mc:Fallback>
-        </mc:AlternateContent>
-        <p:cxnSp>
-          <p:nvCxnSpPr>
-            <p:cNvPr id="81" name="Straight Connector 80"/>
-            <p:cNvCxnSpPr>
-              <a:stCxn id="67" idx="0"/>
-            </p:cNvCxnSpPr>
-            <p:nvPr/>
-          </p:nvCxnSpPr>
-          <p:spPr>
-            <a:xfrm>
-              <a:off x="2450335" y="3673615"/>
-              <a:ext cx="0" cy="2758654"/>
-            </a:xfrm>
-            <a:prstGeom prst="line">
-              <a:avLst/>
-            </a:prstGeom>
-            <a:ln w="9525">
-              <a:solidFill>
-                <a:schemeClr val="tx1"/>
-              </a:solidFill>
-              <a:prstDash val="dash"/>
-            </a:ln>
-          </p:spPr>
-          <p:style>
-            <a:lnRef idx="1">
-              <a:schemeClr val="accent1"/>
-            </a:lnRef>
-            <a:fillRef idx="0">
-              <a:schemeClr val="accent1"/>
-            </a:fillRef>
-            <a:effectRef idx="0">
-              <a:schemeClr val="accent1"/>
-            </a:effectRef>
-            <a:fontRef idx="minor">
-              <a:schemeClr val="tx1"/>
-            </a:fontRef>
-          </p:style>
-        </p:cxnSp>
-        <p:sp>
-          <p:nvSpPr>
-            <p:cNvPr id="15" name="Arc 14"/>
-            <p:cNvSpPr/>
-            <p:nvPr/>
-          </p:nvSpPr>
-          <p:spPr>
-            <a:xfrm rot="20602918">
-              <a:off x="1541761" y="4129985"/>
-              <a:ext cx="1859756" cy="1859756"/>
-            </a:xfrm>
-            <a:prstGeom prst="arc">
-              <a:avLst>
-                <a:gd name="adj1" fmla="val 14248505"/>
-                <a:gd name="adj2" fmla="val 7888463"/>
-              </a:avLst>
-            </a:prstGeom>
-            <a:ln w="38100">
-              <a:solidFill>
-                <a:schemeClr val="tx1"/>
-              </a:solidFill>
-              <a:headEnd type="none" w="med" len="med"/>
-              <a:tailEnd type="triangle" w="med" len="lg"/>
-            </a:ln>
-          </p:spPr>
-          <p:style>
-            <a:lnRef idx="1">
-              <a:schemeClr val="accent1"/>
-            </a:lnRef>
-            <a:fillRef idx="0">
-              <a:schemeClr val="accent1"/>
-            </a:fillRef>
-            <a:effectRef idx="0">
-              <a:schemeClr val="accent1"/>
-            </a:effectRef>
-            <a:fontRef idx="minor">
-              <a:schemeClr val="tx1"/>
-            </a:fontRef>
-          </p:style>
-          <p:txBody>
-            <a:bodyPr rtlCol="0" anchor="ctr"/>
-            <a:lstStyle/>
-            <a:p>
-              <a:pPr algn="ctr"/>
-              <a:endParaRPr lang="en-GB"/>
-            </a:p>
-          </p:txBody>
-        </p:sp>
-        <p:cxnSp>
-          <p:nvCxnSpPr>
-            <p:cNvPr id="82" name="Straight Arrow Connector 81"/>
-            <p:cNvCxnSpPr/>
-            <p:nvPr/>
-          </p:nvCxnSpPr>
-          <p:spPr>
-            <a:xfrm>
-              <a:off x="2450335" y="5052942"/>
-              <a:ext cx="578994" cy="0"/>
-            </a:xfrm>
-            <a:prstGeom prst="straightConnector1">
-              <a:avLst/>
-            </a:prstGeom>
-            <a:ln w="12700">
-              <a:solidFill>
-                <a:schemeClr val="tx1"/>
-              </a:solidFill>
-              <a:tailEnd type="triangle" w="med" len="lg"/>
-            </a:ln>
-          </p:spPr>
-          <p:style>
-            <a:lnRef idx="1">
-              <a:schemeClr val="accent1"/>
-            </a:lnRef>
-            <a:fillRef idx="0">
-              <a:schemeClr val="accent1"/>
-            </a:fillRef>
-            <a:effectRef idx="0">
-              <a:schemeClr val="accent1"/>
-            </a:effectRef>
-            <a:fontRef idx="minor">
-              <a:schemeClr val="tx1"/>
-            </a:fontRef>
-          </p:style>
-        </p:cxnSp>
-        <p:cxnSp>
-          <p:nvCxnSpPr>
-            <p:cNvPr id="83" name="Straight Arrow Connector 82"/>
-            <p:cNvCxnSpPr/>
-            <p:nvPr/>
-          </p:nvCxnSpPr>
-          <p:spPr>
-            <a:xfrm flipV="1">
-              <a:off x="2450335" y="4505550"/>
-              <a:ext cx="0" cy="542279"/>
-            </a:xfrm>
-            <a:prstGeom prst="straightConnector1">
-              <a:avLst/>
-            </a:prstGeom>
-            <a:ln w="12700">
-              <a:solidFill>
-                <a:schemeClr val="tx1"/>
-              </a:solidFill>
+              <a:headEnd type="triangle" w="med" len="lg"/>
               <a:tailEnd type="triangle" w="med" len="lg"/>
             </a:ln>
           </p:spPr>
@@ -23035,14 +25476,14 @@
           <mc:Choice Requires="a14">
             <p:sp>
               <p:nvSpPr>
-                <p:cNvPr id="84" name="TextBox 83"/>
+                <p:cNvPr id="75" name="TextBox 74"/>
                 <p:cNvSpPr txBox="1"/>
                 <p:nvPr/>
               </p:nvSpPr>
               <p:spPr>
                 <a:xfrm>
-                  <a:off x="2205342" y="4337284"/>
-                  <a:ext cx="183319" cy="276999"/>
+                  <a:off x="894483" y="3835505"/>
+                  <a:ext cx="379645" cy="430887"/>
                 </a:xfrm>
                 <a:prstGeom prst="rect">
                   <a:avLst/>
@@ -23063,15 +25504,15 @@
                       </m:oMathParaPr>
                       <m:oMath xmlns:m="http://schemas.openxmlformats.org/officeDocument/2006/math">
                         <m:r>
-                          <a:rPr lang="hu-HU" b="0" i="1" smtClean="0">
+                          <a:rPr lang="hu-HU" sz="2800" b="0" i="1" smtClean="0">
                             <a:latin typeface="Cambria Math" charset="0"/>
                           </a:rPr>
-                          <m:t>𝑥</m:t>
+                          <m:t>𝑊</m:t>
                         </m:r>
                       </m:oMath>
                     </m:oMathPara>
                   </a14:m>
-                  <a:endParaRPr lang="hu-HU" b="0" dirty="0" smtClean="0"/>
+                  <a:endParaRPr lang="hu-HU" sz="2800" b="0" dirty="0" smtClean="0"/>
                 </a:p>
               </p:txBody>
             </p:sp>
@@ -23079,7 +25520,7 @@
           <mc:Fallback xmlns="">
             <p:sp>
               <p:nvSpPr>
-                <p:cNvPr id="84" name="TextBox 83"/>
+                <p:cNvPr id="75" name="TextBox 74"/>
                 <p:cNvSpPr txBox="1">
                   <a:spLocks noRot="1" noChangeAspect="1" noMove="1" noResize="1" noEditPoints="1" noAdjustHandles="1" noChangeArrowheads="1" noChangeShapeType="1" noTextEdit="1"/>
                 </p:cNvSpPr>
@@ -23087,16 +25528,16 @@
               </p:nvSpPr>
               <p:spPr>
                 <a:xfrm>
-                  <a:off x="2205342" y="4337284"/>
-                  <a:ext cx="183319" cy="276999"/>
+                  <a:off x="894483" y="3835505"/>
+                  <a:ext cx="379645" cy="430887"/>
                 </a:xfrm>
                 <a:prstGeom prst="rect">
                   <a:avLst/>
                 </a:prstGeom>
                 <a:blipFill rotWithShape="0">
-                  <a:blip r:embed="rId24"/>
+                  <a:blip r:embed="rId23"/>
                   <a:stretch>
-                    <a:fillRect l="-20000" r="-10000"/>
+                    <a:fillRect/>
                   </a:stretch>
                 </a:blipFill>
               </p:spPr>
@@ -23105,7 +25546,7 @@
                 <a:lstStyle/>
                 <a:p>
                   <a:r>
-                    <a:rPr lang="en-GB">
+                    <a:rPr lang="hu-HU">
                       <a:noFill/>
                     </a:rPr>
                     <a:t> </a:t>
@@ -23115,18 +25556,55 @@
             </p:sp>
           </mc:Fallback>
         </mc:AlternateContent>
+        <p:cxnSp>
+          <p:nvCxnSpPr>
+            <p:cNvPr id="76" name="Straight Arrow Connector 75"/>
+            <p:cNvCxnSpPr/>
+            <p:nvPr/>
+          </p:nvCxnSpPr>
+          <p:spPr>
+            <a:xfrm flipV="1">
+              <a:off x="2985442" y="3809105"/>
+              <a:ext cx="0" cy="2508568"/>
+            </a:xfrm>
+            <a:prstGeom prst="straightConnector1">
+              <a:avLst/>
+            </a:prstGeom>
+            <a:ln w="12700">
+              <a:solidFill>
+                <a:schemeClr val="tx1"/>
+              </a:solidFill>
+              <a:headEnd type="triangle" w="med" len="lg"/>
+              <a:tailEnd type="triangle" w="med" len="lg"/>
+            </a:ln>
+          </p:spPr>
+          <p:style>
+            <a:lnRef idx="1">
+              <a:schemeClr val="accent1"/>
+            </a:lnRef>
+            <a:fillRef idx="0">
+              <a:schemeClr val="accent1"/>
+            </a:fillRef>
+            <a:effectRef idx="0">
+              <a:schemeClr val="accent1"/>
+            </a:effectRef>
+            <a:fontRef idx="minor">
+              <a:schemeClr val="tx1"/>
+            </a:fontRef>
+          </p:style>
+        </p:cxnSp>
         <mc:AlternateContent xmlns:mc="http://schemas.openxmlformats.org/markup-compatibility/2006" xmlns:a14="http://schemas.microsoft.com/office/drawing/2010/main">
           <mc:Choice Requires="a14">
             <p:sp>
               <p:nvSpPr>
-                <p:cNvPr id="85" name="TextBox 84"/>
+                <p:cNvPr id="77" name="TextBox 76"/>
                 <p:cNvSpPr txBox="1"/>
                 <p:nvPr/>
               </p:nvSpPr>
               <p:spPr>
                 <a:xfrm>
-                  <a:off x="2917727" y="5060124"/>
-                  <a:ext cx="186718" cy="276999"/>
+                  <a:off x="3108512" y="4540455"/>
+                  <a:ext cx="183319" cy="464871"/>
                 </a:xfrm>
                 <a:prstGeom prst="rect">
                   <a:avLst/>
@@ -23134,7 +25612,7 @@
                 <a:noFill/>
               </p:spPr>
               <p:txBody>
-                <a:bodyPr wrap="none" lIns="0" tIns="0" rIns="0" bIns="0" rtlCol="0">
+                <a:bodyPr wrap="square" lIns="0" tIns="0" rIns="0" bIns="0" rtlCol="0">
                   <a:spAutoFit/>
                 </a:bodyPr>
                 <a:lstStyle/>
@@ -23146,16 +25624,35 @@
                         <m:jc m:val="centerGroup"/>
                       </m:oMathParaPr>
                       <m:oMath xmlns:m="http://schemas.openxmlformats.org/officeDocument/2006/math">
-                        <m:r>
-                          <a:rPr lang="hu-HU" b="0" i="1" smtClean="0">
-                            <a:latin typeface="Cambria Math" charset="0"/>
-                          </a:rPr>
-                          <m:t>𝑦</m:t>
-                        </m:r>
+                        <m:sSub>
+                          <m:sSubPr>
+                            <m:ctrlPr>
+                              <a:rPr lang="hu-HU" sz="2800" b="0" i="1" smtClean="0">
+                                <a:latin typeface="Cambria Math" charset="0"/>
+                              </a:rPr>
+                            </m:ctrlPr>
+                          </m:sSubPr>
+                          <m:e>
+                            <m:r>
+                              <a:rPr lang="hu-HU" sz="2800" b="0" i="1" smtClean="0">
+                                <a:latin typeface="Cambria Math" charset="0"/>
+                              </a:rPr>
+                              <m:t>𝐿</m:t>
+                            </m:r>
+                          </m:e>
+                          <m:sub>
+                            <m:r>
+                              <a:rPr lang="hu-HU" sz="2800" b="0" i="1" smtClean="0">
+                                <a:latin typeface="Cambria Math" charset="0"/>
+                              </a:rPr>
+                              <m:t>𝑦</m:t>
+                            </m:r>
+                          </m:sub>
+                        </m:sSub>
                       </m:oMath>
                     </m:oMathPara>
                   </a14:m>
-                  <a:endParaRPr lang="hu-HU" b="0" dirty="0" smtClean="0"/>
+                  <a:endParaRPr lang="hu-HU" sz="2800" b="0" dirty="0" smtClean="0"/>
                 </a:p>
               </p:txBody>
             </p:sp>
@@ -23163,7 +25660,7 @@
           <mc:Fallback xmlns="">
             <p:sp>
               <p:nvSpPr>
-                <p:cNvPr id="85" name="TextBox 84"/>
+                <p:cNvPr id="77" name="TextBox 76"/>
                 <p:cNvSpPr txBox="1">
                   <a:spLocks noRot="1" noChangeAspect="1" noMove="1" noResize="1" noEditPoints="1" noAdjustHandles="1" noChangeArrowheads="1" noChangeShapeType="1" noTextEdit="1"/>
                 </p:cNvSpPr>
@@ -23171,16 +25668,16 @@
               </p:nvSpPr>
               <p:spPr>
                 <a:xfrm>
-                  <a:off x="2917727" y="5060124"/>
-                  <a:ext cx="186718" cy="276999"/>
+                  <a:off x="3108512" y="4540455"/>
+                  <a:ext cx="183319" cy="464871"/>
                 </a:xfrm>
                 <a:prstGeom prst="rect">
                   <a:avLst/>
                 </a:prstGeom>
                 <a:blipFill rotWithShape="0">
-                  <a:blip r:embed="rId25"/>
+                  <a:blip r:embed="rId24"/>
                   <a:stretch>
-                    <a:fillRect l="-33333" r="-26667" b="-23913"/>
+                    <a:fillRect r="-90000"/>
                   </a:stretch>
                 </a:blipFill>
               </p:spPr>
@@ -23189,7 +25686,147 @@
                 <a:lstStyle/>
                 <a:p>
                   <a:r>
-                    <a:rPr lang="en-GB">
+                    <a:rPr lang="hu-HU">
+                      <a:noFill/>
+                    </a:rPr>
+                    <a:t> </a:t>
+                  </a:r>
+                </a:p>
+              </p:txBody>
+            </p:sp>
+          </mc:Fallback>
+        </mc:AlternateContent>
+        <p:cxnSp>
+          <p:nvCxnSpPr>
+            <p:cNvPr id="78" name="Straight Arrow Connector 77"/>
+            <p:cNvCxnSpPr/>
+            <p:nvPr/>
+          </p:nvCxnSpPr>
+          <p:spPr>
+            <a:xfrm flipH="1">
+              <a:off x="431379" y="3636284"/>
+              <a:ext cx="4039885" cy="0"/>
+            </a:xfrm>
+            <a:prstGeom prst="straightConnector1">
+              <a:avLst/>
+            </a:prstGeom>
+            <a:ln w="12700">
+              <a:solidFill>
+                <a:schemeClr val="tx1"/>
+              </a:solidFill>
+              <a:headEnd type="triangle" w="med" len="lg"/>
+              <a:tailEnd type="triangle" w="med" len="lg"/>
+            </a:ln>
+          </p:spPr>
+          <p:style>
+            <a:lnRef idx="1">
+              <a:schemeClr val="accent1"/>
+            </a:lnRef>
+            <a:fillRef idx="0">
+              <a:schemeClr val="accent1"/>
+            </a:fillRef>
+            <a:effectRef idx="0">
+              <a:schemeClr val="accent1"/>
+            </a:effectRef>
+            <a:fontRef idx="minor">
+              <a:schemeClr val="tx1"/>
+            </a:fontRef>
+          </p:style>
+        </p:cxnSp>
+        <mc:AlternateContent xmlns:mc="http://schemas.openxmlformats.org/markup-compatibility/2006" xmlns:a14="http://schemas.microsoft.com/office/drawing/2010/main">
+          <mc:Choice Requires="a14">
+            <p:sp>
+              <p:nvSpPr>
+                <p:cNvPr id="79" name="TextBox 78"/>
+                <p:cNvSpPr txBox="1"/>
+                <p:nvPr/>
+              </p:nvSpPr>
+              <p:spPr>
+                <a:xfrm>
+                  <a:off x="2265137" y="3153050"/>
+                  <a:ext cx="413005" cy="430887"/>
+                </a:xfrm>
+                <a:prstGeom prst="rect">
+                  <a:avLst/>
+                </a:prstGeom>
+                <a:noFill/>
+              </p:spPr>
+              <p:txBody>
+                <a:bodyPr wrap="square" lIns="0" tIns="0" rIns="0" bIns="0" rtlCol="0">
+                  <a:spAutoFit/>
+                </a:bodyPr>
+                <a:lstStyle/>
+                <a:p>
+                  <a:pPr/>
+                  <a14:m>
+                    <m:oMathPara xmlns:m="http://schemas.openxmlformats.org/officeDocument/2006/math">
+                      <m:oMathParaPr>
+                        <m:jc m:val="centerGroup"/>
+                      </m:oMathParaPr>
+                      <m:oMath xmlns:m="http://schemas.openxmlformats.org/officeDocument/2006/math">
+                        <m:sSub>
+                          <m:sSubPr>
+                            <m:ctrlPr>
+                              <a:rPr lang="hu-HU" sz="2800" b="0" i="1" smtClean="0">
+                                <a:latin typeface="Cambria Math" charset="0"/>
+                              </a:rPr>
+                            </m:ctrlPr>
+                          </m:sSubPr>
+                          <m:e>
+                            <m:r>
+                              <a:rPr lang="hu-HU" sz="2800" b="0" i="1" smtClean="0">
+                                <a:latin typeface="Cambria Math" charset="0"/>
+                              </a:rPr>
+                              <m:t>𝐿</m:t>
+                            </m:r>
+                          </m:e>
+                          <m:sub>
+                            <m:r>
+                              <a:rPr lang="hu-HU" sz="2800" b="0" i="1" smtClean="0">
+                                <a:latin typeface="Cambria Math" charset="0"/>
+                              </a:rPr>
+                              <m:t>𝑥</m:t>
+                            </m:r>
+                          </m:sub>
+                        </m:sSub>
+                      </m:oMath>
+                    </m:oMathPara>
+                  </a14:m>
+                  <a:endParaRPr lang="hu-HU" sz="2800" b="0" dirty="0" smtClean="0"/>
+                </a:p>
+              </p:txBody>
+            </p:sp>
+          </mc:Choice>
+          <mc:Fallback xmlns="">
+            <p:sp>
+              <p:nvSpPr>
+                <p:cNvPr id="79" name="TextBox 78"/>
+                <p:cNvSpPr txBox="1">
+                  <a:spLocks noRot="1" noChangeAspect="1" noMove="1" noResize="1" noEditPoints="1" noAdjustHandles="1" noChangeArrowheads="1" noChangeShapeType="1" noTextEdit="1"/>
+                </p:cNvSpPr>
+                <p:nvPr/>
+              </p:nvSpPr>
+              <p:spPr>
+                <a:xfrm>
+                  <a:off x="2265137" y="3153050"/>
+                  <a:ext cx="413005" cy="430887"/>
+                </a:xfrm>
+                <a:prstGeom prst="rect">
+                  <a:avLst/>
+                </a:prstGeom>
+                <a:blipFill rotWithShape="0">
+                  <a:blip r:embed="rId25"/>
+                  <a:stretch>
+                    <a:fillRect/>
+                  </a:stretch>
+                </a:blipFill>
+              </p:spPr>
+              <p:txBody>
+                <a:bodyPr/>
+                <a:lstStyle/>
+                <a:p>
+                  <a:r>
+                    <a:rPr lang="hu-HU">
                       <a:noFill/>
                     </a:rPr>
                     <a:t> </a:t>
@@ -23280,8 +25917,8 @@
             </a:prstGeom>
           </p:spPr>
         </p:pic>
-        <mc:AlternateContent xmlns:mc="http://schemas.openxmlformats.org/markup-compatibility/2006">
-          <mc:Choice xmlns:a14="http://schemas.microsoft.com/office/drawing/2010/main" Requires="a14">
+        <mc:AlternateContent xmlns:mc="http://schemas.openxmlformats.org/markup-compatibility/2006" xmlns:a14="http://schemas.microsoft.com/office/drawing/2010/main">
+          <mc:Choice Requires="a14">
             <p:sp>
               <p:nvSpPr>
                 <p:cNvPr id="112" name="TextBox 111"/>
@@ -23304,7 +25941,6 @@
                 </a:bodyPr>
                 <a:lstStyle/>
                 <a:p>
-                  <a:pPr/>
                   <a:r>
                     <a:rPr lang="hu-HU" b="0" dirty="0" smtClean="0"/>
                     <a:t>z</a:t>
@@ -23336,7 +25972,7 @@
               </p:txBody>
             </p:sp>
           </mc:Choice>
-          <mc:Fallback>
+          <mc:Fallback xmlns="">
             <p:sp>
               <p:nvSpPr>
                 <p:cNvPr id="112" name="TextBox 111"/>
@@ -25608,8 +28244,8 @@
             </a:fontRef>
           </p:style>
         </p:cxnSp>
-        <mc:AlternateContent xmlns:mc="http://schemas.openxmlformats.org/markup-compatibility/2006">
-          <mc:Choice xmlns:a14="http://schemas.microsoft.com/office/drawing/2010/main" Requires="a14">
+        <mc:AlternateContent xmlns:mc="http://schemas.openxmlformats.org/markup-compatibility/2006" xmlns:a14="http://schemas.microsoft.com/office/drawing/2010/main">
+          <mc:Choice Requires="a14">
             <p:sp>
               <p:nvSpPr>
                 <p:cNvPr id="88" name="TextBox 87"/>
@@ -25653,7 +28289,7 @@
               </p:txBody>
             </p:sp>
           </mc:Choice>
-          <mc:Fallback>
+          <mc:Fallback xmlns="">
             <p:sp>
               <p:nvSpPr>
                 <p:cNvPr id="88" name="TextBox 87"/>
@@ -25731,8 +28367,8 @@
             </a:fontRef>
           </p:style>
         </p:cxnSp>
-        <mc:AlternateContent xmlns:mc="http://schemas.openxmlformats.org/markup-compatibility/2006">
-          <mc:Choice xmlns:a14="http://schemas.microsoft.com/office/drawing/2010/main" Requires="a14">
+        <mc:AlternateContent xmlns:mc="http://schemas.openxmlformats.org/markup-compatibility/2006" xmlns:a14="http://schemas.microsoft.com/office/drawing/2010/main">
+          <mc:Choice Requires="a14">
             <p:sp>
               <p:nvSpPr>
                 <p:cNvPr id="92" name="TextBox 91"/>
@@ -25776,7 +28412,7 @@
               </p:txBody>
             </p:sp>
           </mc:Choice>
-          <mc:Fallback>
+          <mc:Fallback xmlns="">
             <p:sp>
               <p:nvSpPr>
                 <p:cNvPr id="92" name="TextBox 91"/>
@@ -25854,8 +28490,8 @@
             </a:fontRef>
           </p:style>
         </p:cxnSp>
-        <mc:AlternateContent xmlns:mc="http://schemas.openxmlformats.org/markup-compatibility/2006">
-          <mc:Choice xmlns:a14="http://schemas.microsoft.com/office/drawing/2010/main" Requires="a14">
+        <mc:AlternateContent xmlns:mc="http://schemas.openxmlformats.org/markup-compatibility/2006" xmlns:a14="http://schemas.microsoft.com/office/drawing/2010/main">
+          <mc:Choice Requires="a14">
             <p:sp>
               <p:nvSpPr>
                 <p:cNvPr id="99" name="TextBox 98"/>
@@ -25899,7 +28535,7 @@
               </p:txBody>
             </p:sp>
           </mc:Choice>
-          <mc:Fallback>
+          <mc:Fallback xmlns="">
             <p:sp>
               <p:nvSpPr>
                 <p:cNvPr id="99" name="TextBox 98"/>
@@ -25938,8 +28574,8 @@
             </p:sp>
           </mc:Fallback>
         </mc:AlternateContent>
-        <mc:AlternateContent xmlns:mc="http://schemas.openxmlformats.org/markup-compatibility/2006">
-          <mc:Choice xmlns:a14="http://schemas.microsoft.com/office/drawing/2010/main" Requires="a14">
+        <mc:AlternateContent xmlns:mc="http://schemas.openxmlformats.org/markup-compatibility/2006" xmlns:a14="http://schemas.microsoft.com/office/drawing/2010/main">
+          <mc:Choice Requires="a14">
             <p:sp>
               <p:nvSpPr>
                 <p:cNvPr id="100" name="TextBox 99"/>
@@ -25983,7 +28619,7 @@
               </p:txBody>
             </p:sp>
           </mc:Choice>
-          <mc:Fallback>
+          <mc:Fallback xmlns="">
             <p:sp>
               <p:nvSpPr>
                 <p:cNvPr id="100" name="TextBox 99"/>
@@ -26098,8 +28734,8 @@
             </a:fontRef>
           </p:style>
         </p:cxnSp>
-        <mc:AlternateContent xmlns:mc="http://schemas.openxmlformats.org/markup-compatibility/2006">
-          <mc:Choice xmlns:a14="http://schemas.microsoft.com/office/drawing/2010/main" Requires="a14">
+        <mc:AlternateContent xmlns:mc="http://schemas.openxmlformats.org/markup-compatibility/2006" xmlns:a14="http://schemas.microsoft.com/office/drawing/2010/main">
+          <mc:Choice Requires="a14">
             <p:sp>
               <p:nvSpPr>
                 <p:cNvPr id="108" name="TextBox 107"/>
@@ -26143,7 +28779,7 @@
               </p:txBody>
             </p:sp>
           </mc:Choice>
-          <mc:Fallback>
+          <mc:Fallback xmlns="">
             <p:sp>
               <p:nvSpPr>
                 <p:cNvPr id="108" name="TextBox 107"/>
@@ -26219,8 +28855,8 @@
             </a:fontRef>
           </p:style>
         </p:cxnSp>
-        <mc:AlternateContent xmlns:mc="http://schemas.openxmlformats.org/markup-compatibility/2006">
-          <mc:Choice xmlns:a14="http://schemas.microsoft.com/office/drawing/2010/main" Requires="a14">
+        <mc:AlternateContent xmlns:mc="http://schemas.openxmlformats.org/markup-compatibility/2006" xmlns:a14="http://schemas.microsoft.com/office/drawing/2010/main">
+          <mc:Choice Requires="a14">
             <p:sp>
               <p:nvSpPr>
                 <p:cNvPr id="117" name="TextBox 116"/>
@@ -26264,7 +28900,7 @@
               </p:txBody>
             </p:sp>
           </mc:Choice>
-          <mc:Fallback>
+          <mc:Fallback xmlns="">
             <p:sp>
               <p:nvSpPr>
                 <p:cNvPr id="117" name="TextBox 116"/>
@@ -26343,1015 +28979,443 @@
       </p:grpSpPr>
       <p:grpSp>
         <p:nvGrpSpPr>
-          <p:cNvPr id="14" name="Group 13"/>
+          <p:cNvPr id="179" name="Group 178"/>
           <p:cNvGrpSpPr/>
           <p:nvPr/>
         </p:nvGrpSpPr>
         <p:grpSpPr>
           <a:xfrm>
-            <a:off x="0" y="0"/>
-            <a:ext cx="5422605" cy="6858000"/>
-            <a:chOff x="0" y="0"/>
-            <a:chExt cx="5422605" cy="6858000"/>
+            <a:off x="979113" y="2062378"/>
+            <a:ext cx="3637766" cy="3096790"/>
+            <a:chOff x="974170" y="2052492"/>
+            <a:chExt cx="3637766" cy="3096790"/>
           </a:xfrm>
         </p:grpSpPr>
-        <p:pic>
-          <p:nvPicPr>
-            <p:cNvPr id="13" name="Picture 12"/>
-            <p:cNvPicPr>
-              <a:picLocks noChangeAspect="1"/>
-            </p:cNvPicPr>
+        <p:sp>
+          <p:nvSpPr>
+            <p:cNvPr id="79" name="Rectangle 78"/>
+            <p:cNvSpPr/>
             <p:nvPr/>
-          </p:nvPicPr>
-          <p:blipFill>
-            <a:blip r:embed="rId2">
-              <a:extLst>
-                <a:ext uri="{28A0092B-C50C-407E-A947-70E740481C1C}">
-                  <a14:useLocalDpi xmlns:a14="http://schemas.microsoft.com/office/drawing/2010/main" val="0"/>
-                </a:ext>
-              </a:extLst>
-            </a:blip>
-            <a:stretch>
-              <a:fillRect/>
-            </a:stretch>
-          </p:blipFill>
+          </p:nvSpPr>
           <p:spPr>
             <a:xfrm>
-              <a:off x="0" y="0"/>
-              <a:ext cx="5422605" cy="6858000"/>
+              <a:off x="974172" y="2052492"/>
+              <a:ext cx="3081816" cy="3096790"/>
             </a:xfrm>
             <a:prstGeom prst="rect">
               <a:avLst/>
             </a:prstGeom>
+            <a:solidFill>
+              <a:schemeClr val="accent1">
+                <a:lumMod val="20000"/>
+                <a:lumOff val="80000"/>
+              </a:schemeClr>
+            </a:solidFill>
+            <a:ln w="28575">
+              <a:noFill/>
+            </a:ln>
           </p:spPr>
-        </p:pic>
-        <p:grpSp>
-          <p:nvGrpSpPr>
-            <p:cNvPr id="6" name="Group 5"/>
-            <p:cNvGrpSpPr/>
+          <p:style>
+            <a:lnRef idx="2">
+              <a:schemeClr val="accent1">
+                <a:shade val="50000"/>
+              </a:schemeClr>
+            </a:lnRef>
+            <a:fillRef idx="1">
+              <a:schemeClr val="accent1"/>
+            </a:fillRef>
+            <a:effectRef idx="0">
+              <a:schemeClr val="accent1"/>
+            </a:effectRef>
+            <a:fontRef idx="minor">
+              <a:schemeClr val="lt1"/>
+            </a:fontRef>
+          </p:style>
+          <p:txBody>
+            <a:bodyPr rtlCol="0" anchor="ctr"/>
+            <a:lstStyle/>
+            <a:p>
+              <a:pPr algn="ctr"/>
+              <a:endParaRPr lang="en-GB" sz="2000"/>
+            </a:p>
+          </p:txBody>
+        </p:sp>
+        <p:sp>
+          <p:nvSpPr>
+            <p:cNvPr id="80" name="Rectangle 79"/>
+            <p:cNvSpPr/>
             <p:nvPr/>
-          </p:nvGrpSpPr>
-          <p:grpSpPr>
-            <a:xfrm>
-              <a:off x="91224" y="551284"/>
-              <a:ext cx="890527" cy="619432"/>
-              <a:chOff x="3878118" y="540774"/>
-              <a:chExt cx="890527" cy="619432"/>
-            </a:xfrm>
-          </p:grpSpPr>
-          <p:sp>
-            <p:nvSpPr>
-              <p:cNvPr id="3" name="Left Brace 2"/>
-              <p:cNvSpPr/>
-              <p:nvPr/>
-            </p:nvSpPr>
-            <p:spPr>
-              <a:xfrm>
-                <a:off x="4670323" y="540774"/>
-                <a:ext cx="98322" cy="619432"/>
-              </a:xfrm>
-              <a:prstGeom prst="leftBrace">
-                <a:avLst>
-                  <a:gd name="adj1" fmla="val 38700"/>
-                  <a:gd name="adj2" fmla="val 50000"/>
-                </a:avLst>
-              </a:prstGeom>
-              <a:ln w="19050">
-                <a:solidFill>
-                  <a:schemeClr val="tx1"/>
-                </a:solidFill>
-              </a:ln>
-            </p:spPr>
-            <p:style>
-              <a:lnRef idx="1">
-                <a:schemeClr val="accent1"/>
-              </a:lnRef>
-              <a:fillRef idx="0">
-                <a:schemeClr val="accent1"/>
-              </a:fillRef>
-              <a:effectRef idx="0">
-                <a:schemeClr val="accent1"/>
-              </a:effectRef>
-              <a:fontRef idx="minor">
-                <a:schemeClr val="tx1"/>
-              </a:fontRef>
-            </p:style>
-            <p:txBody>
-              <a:bodyPr rtlCol="0" anchor="ctr"/>
-              <a:lstStyle/>
-              <a:p>
-                <a:pPr algn="ctr"/>
-                <a:endParaRPr lang="en-GB"/>
-              </a:p>
-            </p:txBody>
-          </p:sp>
-          <p:sp>
-            <p:nvSpPr>
-              <p:cNvPr id="5" name="TextBox 4"/>
-              <p:cNvSpPr txBox="1"/>
-              <p:nvPr/>
-            </p:nvSpPr>
-            <p:spPr>
-              <a:xfrm>
-                <a:off x="3878118" y="711990"/>
-                <a:ext cx="792205" cy="276999"/>
-              </a:xfrm>
-              <a:prstGeom prst="rect">
-                <a:avLst/>
-              </a:prstGeom>
-              <a:noFill/>
-            </p:spPr>
-            <p:txBody>
-              <a:bodyPr wrap="none" rtlCol="0">
-                <a:spAutoFit/>
-              </a:bodyPr>
-              <a:lstStyle/>
-              <a:p>
-                <a:r>
-                  <a:rPr lang="en-GB" sz="1200" smtClean="0">
-                    <a:latin typeface="Times New Roman" charset="0"/>
-                    <a:ea typeface="Times New Roman" charset="0"/>
-                    <a:cs typeface="Times New Roman" charset="0"/>
-                  </a:rPr>
-                  <a:t>Constants</a:t>
-                </a:r>
-                <a:endParaRPr lang="en-GB" sz="1200">
-                  <a:latin typeface="Times New Roman" charset="0"/>
-                  <a:ea typeface="Times New Roman" charset="0"/>
-                  <a:cs typeface="Times New Roman" charset="0"/>
-                </a:endParaRPr>
-              </a:p>
-            </p:txBody>
-          </p:sp>
-        </p:grpSp>
-        <p:grpSp>
-          <p:nvGrpSpPr>
-            <p:cNvPr id="28" name="Group 27"/>
-            <p:cNvGrpSpPr/>
-            <p:nvPr/>
-          </p:nvGrpSpPr>
-          <p:grpSpPr>
-            <a:xfrm>
-              <a:off x="91224" y="1200640"/>
-              <a:ext cx="890527" cy="510849"/>
-              <a:chOff x="3878118" y="540774"/>
-              <a:chExt cx="890527" cy="510849"/>
-            </a:xfrm>
-          </p:grpSpPr>
-          <p:sp>
-            <p:nvSpPr>
-              <p:cNvPr id="29" name="Left Brace 28"/>
-              <p:cNvSpPr/>
-              <p:nvPr/>
-            </p:nvSpPr>
-            <p:spPr>
-              <a:xfrm>
-                <a:off x="4670323" y="540774"/>
-                <a:ext cx="98322" cy="510849"/>
-              </a:xfrm>
-              <a:prstGeom prst="leftBrace">
-                <a:avLst>
-                  <a:gd name="adj1" fmla="val 38700"/>
-                  <a:gd name="adj2" fmla="val 50000"/>
-                </a:avLst>
-              </a:prstGeom>
-              <a:ln w="19050">
-                <a:solidFill>
-                  <a:schemeClr val="tx1"/>
-                </a:solidFill>
-              </a:ln>
-            </p:spPr>
-            <p:style>
-              <a:lnRef idx="1">
-                <a:schemeClr val="accent1"/>
-              </a:lnRef>
-              <a:fillRef idx="0">
-                <a:schemeClr val="accent1"/>
-              </a:fillRef>
-              <a:effectRef idx="0">
-                <a:schemeClr val="accent1"/>
-              </a:effectRef>
-              <a:fontRef idx="minor">
-                <a:schemeClr val="tx1"/>
-              </a:fontRef>
-            </p:style>
-            <p:txBody>
-              <a:bodyPr rtlCol="0" anchor="ctr"/>
-              <a:lstStyle/>
-              <a:p>
-                <a:pPr algn="ctr"/>
-                <a:endParaRPr lang="en-GB"/>
-              </a:p>
-            </p:txBody>
-          </p:sp>
-          <p:sp>
-            <p:nvSpPr>
-              <p:cNvPr id="30" name="TextBox 29"/>
-              <p:cNvSpPr txBox="1"/>
-              <p:nvPr/>
-            </p:nvSpPr>
-            <p:spPr>
-              <a:xfrm>
-                <a:off x="3878118" y="657698"/>
-                <a:ext cx="759247" cy="276999"/>
-              </a:xfrm>
-              <a:prstGeom prst="rect">
-                <a:avLst/>
-              </a:prstGeom>
-              <a:noFill/>
-            </p:spPr>
-            <p:txBody>
-              <a:bodyPr wrap="none" rtlCol="0">
-                <a:spAutoFit/>
-              </a:bodyPr>
-              <a:lstStyle/>
-              <a:p>
-                <a:r>
-                  <a:rPr lang="en-GB" sz="1200" dirty="0" smtClean="0">
-                    <a:latin typeface="Times New Roman" charset="0"/>
-                    <a:ea typeface="Times New Roman" charset="0"/>
-                    <a:cs typeface="Times New Roman" charset="0"/>
-                  </a:rPr>
-                  <a:t>Variables</a:t>
-                </a:r>
-                <a:endParaRPr lang="en-GB" sz="1200" dirty="0">
-                  <a:latin typeface="Times New Roman" charset="0"/>
-                  <a:ea typeface="Times New Roman" charset="0"/>
-                  <a:cs typeface="Times New Roman" charset="0"/>
-                </a:endParaRPr>
-              </a:p>
-            </p:txBody>
-          </p:sp>
-        </p:grpSp>
-        <p:grpSp>
-          <p:nvGrpSpPr>
-            <p:cNvPr id="34" name="Group 33"/>
-            <p:cNvGrpSpPr/>
-            <p:nvPr/>
-          </p:nvGrpSpPr>
-          <p:grpSpPr>
-            <a:xfrm>
-              <a:off x="209387" y="1743333"/>
-              <a:ext cx="772364" cy="2465234"/>
-              <a:chOff x="3996281" y="540774"/>
-              <a:chExt cx="772364" cy="2465234"/>
-            </a:xfrm>
-          </p:grpSpPr>
-          <p:sp>
-            <p:nvSpPr>
-              <p:cNvPr id="35" name="Left Brace 34"/>
-              <p:cNvSpPr/>
-              <p:nvPr/>
-            </p:nvSpPr>
-            <p:spPr>
-              <a:xfrm>
-                <a:off x="4670323" y="540774"/>
-                <a:ext cx="98322" cy="2465234"/>
-              </a:xfrm>
-              <a:prstGeom prst="leftBrace">
-                <a:avLst>
-                  <a:gd name="adj1" fmla="val 38700"/>
-                  <a:gd name="adj2" fmla="val 50000"/>
-                </a:avLst>
-              </a:prstGeom>
-              <a:ln w="19050">
-                <a:solidFill>
-                  <a:schemeClr val="tx1"/>
-                </a:solidFill>
-              </a:ln>
-            </p:spPr>
-            <p:style>
-              <a:lnRef idx="1">
-                <a:schemeClr val="accent1"/>
-              </a:lnRef>
-              <a:fillRef idx="0">
-                <a:schemeClr val="accent1"/>
-              </a:fillRef>
-              <a:effectRef idx="0">
-                <a:schemeClr val="accent1"/>
-              </a:effectRef>
-              <a:fontRef idx="minor">
-                <a:schemeClr val="tx1"/>
-              </a:fontRef>
-            </p:style>
-            <p:txBody>
-              <a:bodyPr rtlCol="0" anchor="ctr"/>
-              <a:lstStyle/>
-              <a:p>
-                <a:pPr algn="ctr"/>
-                <a:endParaRPr lang="en-GB"/>
-              </a:p>
-            </p:txBody>
-          </p:sp>
-          <p:sp>
-            <p:nvSpPr>
-              <p:cNvPr id="36" name="TextBox 35"/>
-              <p:cNvSpPr txBox="1"/>
-              <p:nvPr/>
-            </p:nvSpPr>
-            <p:spPr>
-              <a:xfrm>
-                <a:off x="3996281" y="1527629"/>
-                <a:ext cx="657552" cy="461665"/>
-              </a:xfrm>
-              <a:prstGeom prst="rect">
-                <a:avLst/>
-              </a:prstGeom>
-              <a:noFill/>
-            </p:spPr>
-            <p:txBody>
-              <a:bodyPr wrap="none" rtlCol="0">
-                <a:spAutoFit/>
-              </a:bodyPr>
-              <a:lstStyle/>
-              <a:p>
-                <a:r>
-                  <a:rPr lang="en-GB" sz="1200" smtClean="0">
-                    <a:latin typeface="Times New Roman" charset="0"/>
-                    <a:ea typeface="Times New Roman" charset="0"/>
-                    <a:cs typeface="Times New Roman" charset="0"/>
-                  </a:rPr>
-                  <a:t>Particle</a:t>
-                </a:r>
-              </a:p>
-              <a:p>
-                <a:r>
-                  <a:rPr lang="en-GB" sz="1200" dirty="0" smtClean="0">
-                    <a:latin typeface="Times New Roman" charset="0"/>
-                    <a:ea typeface="Times New Roman" charset="0"/>
-                    <a:cs typeface="Times New Roman" charset="0"/>
-                  </a:rPr>
-                  <a:t>system</a:t>
-                </a:r>
-                <a:endParaRPr lang="en-GB" sz="1200" dirty="0">
-                  <a:latin typeface="Times New Roman" charset="0"/>
-                  <a:ea typeface="Times New Roman" charset="0"/>
-                  <a:cs typeface="Times New Roman" charset="0"/>
-                </a:endParaRPr>
-              </a:p>
-            </p:txBody>
-          </p:sp>
-        </p:grpSp>
-        <p:grpSp>
-          <p:nvGrpSpPr>
-            <p:cNvPr id="7" name="Group 6"/>
-            <p:cNvGrpSpPr/>
-            <p:nvPr/>
-          </p:nvGrpSpPr>
-          <p:grpSpPr>
-            <a:xfrm>
-              <a:off x="4292771" y="1862944"/>
-              <a:ext cx="769409" cy="772413"/>
-              <a:chOff x="7886460" y="1859950"/>
-              <a:chExt cx="769409" cy="772413"/>
-            </a:xfrm>
-          </p:grpSpPr>
-          <p:sp>
-            <p:nvSpPr>
-              <p:cNvPr id="37" name="Left Brace 36"/>
-              <p:cNvSpPr/>
-              <p:nvPr/>
-            </p:nvSpPr>
-            <p:spPr>
-              <a:xfrm rot="10800000">
-                <a:off x="7886460" y="1859950"/>
-                <a:ext cx="98322" cy="772413"/>
-              </a:xfrm>
-              <a:prstGeom prst="leftBrace">
-                <a:avLst>
-                  <a:gd name="adj1" fmla="val 38700"/>
-                  <a:gd name="adj2" fmla="val 50000"/>
-                </a:avLst>
-              </a:prstGeom>
-              <a:ln w="19050">
-                <a:solidFill>
-                  <a:schemeClr val="tx1"/>
-                </a:solidFill>
-              </a:ln>
-            </p:spPr>
-            <p:style>
-              <a:lnRef idx="1">
-                <a:schemeClr val="accent1"/>
-              </a:lnRef>
-              <a:fillRef idx="0">
-                <a:schemeClr val="accent1"/>
-              </a:fillRef>
-              <a:effectRef idx="0">
-                <a:schemeClr val="accent1"/>
-              </a:effectRef>
-              <a:fontRef idx="minor">
-                <a:schemeClr val="tx1"/>
-              </a:fontRef>
-            </p:style>
-            <p:txBody>
-              <a:bodyPr rtlCol="0" anchor="ctr"/>
-              <a:lstStyle/>
-              <a:p>
-                <a:pPr algn="ctr"/>
-                <a:endParaRPr lang="en-GB"/>
-              </a:p>
-            </p:txBody>
-          </p:sp>
-          <p:sp>
-            <p:nvSpPr>
-              <p:cNvPr id="39" name="TextBox 38"/>
-              <p:cNvSpPr txBox="1"/>
-              <p:nvPr/>
-            </p:nvSpPr>
-            <p:spPr>
-              <a:xfrm>
-                <a:off x="7974272" y="2107656"/>
-                <a:ext cx="681597" cy="276999"/>
-              </a:xfrm>
-              <a:prstGeom prst="rect">
-                <a:avLst/>
-              </a:prstGeom>
-              <a:noFill/>
-            </p:spPr>
-            <p:txBody>
-              <a:bodyPr wrap="none" rtlCol="0">
-                <a:spAutoFit/>
-              </a:bodyPr>
-              <a:lstStyle/>
-              <a:p>
-                <a:r>
-                  <a:rPr lang="en-GB" sz="1200" dirty="0" smtClean="0">
-                    <a:latin typeface="Times New Roman" charset="0"/>
-                    <a:ea typeface="Times New Roman" charset="0"/>
-                    <a:cs typeface="Times New Roman" charset="0"/>
-                  </a:rPr>
-                  <a:t>Domain</a:t>
-                </a:r>
-                <a:endParaRPr lang="en-GB" sz="1200" dirty="0">
-                  <a:latin typeface="Times New Roman" charset="0"/>
-                  <a:ea typeface="Times New Roman" charset="0"/>
-                  <a:cs typeface="Times New Roman" charset="0"/>
-                </a:endParaRPr>
-              </a:p>
-            </p:txBody>
-          </p:sp>
-        </p:grpSp>
-        <p:grpSp>
-          <p:nvGrpSpPr>
-            <p:cNvPr id="40" name="Group 39"/>
-            <p:cNvGrpSpPr/>
-            <p:nvPr/>
-          </p:nvGrpSpPr>
-          <p:grpSpPr>
-            <a:xfrm>
-              <a:off x="3768934" y="2672336"/>
-              <a:ext cx="1284734" cy="890177"/>
-              <a:chOff x="7886460" y="1859949"/>
-              <a:chExt cx="1284734" cy="890177"/>
-            </a:xfrm>
-          </p:grpSpPr>
-          <p:sp>
-            <p:nvSpPr>
-              <p:cNvPr id="42" name="Left Brace 41"/>
-              <p:cNvSpPr/>
-              <p:nvPr/>
-            </p:nvSpPr>
-            <p:spPr>
-              <a:xfrm rot="10800000">
-                <a:off x="7886460" y="1859949"/>
-                <a:ext cx="98322" cy="890177"/>
-              </a:xfrm>
-              <a:prstGeom prst="leftBrace">
-                <a:avLst>
-                  <a:gd name="adj1" fmla="val 38700"/>
-                  <a:gd name="adj2" fmla="val 50000"/>
-                </a:avLst>
-              </a:prstGeom>
-              <a:ln w="19050">
-                <a:solidFill>
-                  <a:schemeClr val="tx1"/>
-                </a:solidFill>
-              </a:ln>
-            </p:spPr>
-            <p:style>
-              <a:lnRef idx="1">
-                <a:schemeClr val="accent1"/>
-              </a:lnRef>
-              <a:fillRef idx="0">
-                <a:schemeClr val="accent1"/>
-              </a:fillRef>
-              <a:effectRef idx="0">
-                <a:schemeClr val="accent1"/>
-              </a:effectRef>
-              <a:fontRef idx="minor">
-                <a:schemeClr val="tx1"/>
-              </a:fontRef>
-            </p:style>
-            <p:txBody>
-              <a:bodyPr rtlCol="0" anchor="ctr"/>
-              <a:lstStyle/>
-              <a:p>
-                <a:pPr algn="ctr"/>
-                <a:endParaRPr lang="en-GB"/>
-              </a:p>
-            </p:txBody>
-          </p:sp>
-          <p:sp>
-            <p:nvSpPr>
-              <p:cNvPr id="43" name="TextBox 42"/>
-              <p:cNvSpPr txBox="1"/>
-              <p:nvPr/>
-            </p:nvSpPr>
-            <p:spPr>
-              <a:xfrm>
-                <a:off x="7975033" y="2166538"/>
-                <a:ext cx="1196161" cy="276999"/>
-              </a:xfrm>
-              <a:prstGeom prst="rect">
-                <a:avLst/>
-              </a:prstGeom>
-              <a:noFill/>
-            </p:spPr>
-            <p:txBody>
-              <a:bodyPr wrap="none" rtlCol="0">
-                <a:spAutoFit/>
-              </a:bodyPr>
-              <a:lstStyle/>
-              <a:p>
-                <a:r>
-                  <a:rPr lang="en-GB" sz="1200" dirty="0" smtClean="0">
-                    <a:latin typeface="Times New Roman" charset="0"/>
-                    <a:ea typeface="Times New Roman" charset="0"/>
-                    <a:cs typeface="Times New Roman" charset="0"/>
-                  </a:rPr>
-                  <a:t>Particles on grid</a:t>
-                </a:r>
-                <a:endParaRPr lang="en-GB" sz="1200" dirty="0">
-                  <a:latin typeface="Times New Roman" charset="0"/>
-                  <a:ea typeface="Times New Roman" charset="0"/>
-                  <a:cs typeface="Times New Roman" charset="0"/>
-                </a:endParaRPr>
-              </a:p>
-            </p:txBody>
-          </p:sp>
-        </p:grpSp>
-        <p:grpSp>
-          <p:nvGrpSpPr>
-            <p:cNvPr id="45" name="Group 44"/>
-            <p:cNvGrpSpPr/>
-            <p:nvPr/>
-          </p:nvGrpSpPr>
-          <p:grpSpPr>
-            <a:xfrm>
-              <a:off x="3485155" y="3596551"/>
-              <a:ext cx="1388928" cy="493589"/>
-              <a:chOff x="7886460" y="1859949"/>
-              <a:chExt cx="1388928" cy="493589"/>
-            </a:xfrm>
-          </p:grpSpPr>
-          <p:sp>
-            <p:nvSpPr>
-              <p:cNvPr id="46" name="Left Brace 45"/>
-              <p:cNvSpPr/>
-              <p:nvPr/>
-            </p:nvSpPr>
-            <p:spPr>
-              <a:xfrm rot="10800000">
-                <a:off x="7886460" y="1859949"/>
-                <a:ext cx="98322" cy="493589"/>
-              </a:xfrm>
-              <a:prstGeom prst="leftBrace">
-                <a:avLst>
-                  <a:gd name="adj1" fmla="val 38700"/>
-                  <a:gd name="adj2" fmla="val 50000"/>
-                </a:avLst>
-              </a:prstGeom>
-              <a:ln w="19050">
-                <a:solidFill>
-                  <a:schemeClr val="tx1"/>
-                </a:solidFill>
-              </a:ln>
-            </p:spPr>
-            <p:style>
-              <a:lnRef idx="1">
-                <a:schemeClr val="accent1"/>
-              </a:lnRef>
-              <a:fillRef idx="0">
-                <a:schemeClr val="accent1"/>
-              </a:fillRef>
-              <a:effectRef idx="0">
-                <a:schemeClr val="accent1"/>
-              </a:effectRef>
-              <a:fontRef idx="minor">
-                <a:schemeClr val="tx1"/>
-              </a:fontRef>
-            </p:style>
-            <p:txBody>
-              <a:bodyPr rtlCol="0" anchor="ctr"/>
-              <a:lstStyle/>
-              <a:p>
-                <a:pPr algn="ctr"/>
-                <a:endParaRPr lang="en-GB"/>
-              </a:p>
-            </p:txBody>
-          </p:sp>
-          <p:sp>
-            <p:nvSpPr>
-              <p:cNvPr id="47" name="TextBox 46"/>
-              <p:cNvSpPr txBox="1"/>
-              <p:nvPr/>
-            </p:nvSpPr>
-            <p:spPr>
-              <a:xfrm>
-                <a:off x="7975032" y="1968243"/>
-                <a:ext cx="1300356" cy="276999"/>
-              </a:xfrm>
-              <a:prstGeom prst="rect">
-                <a:avLst/>
-              </a:prstGeom>
-              <a:noFill/>
-            </p:spPr>
-            <p:txBody>
-              <a:bodyPr wrap="none" rtlCol="0">
-                <a:spAutoFit/>
-              </a:bodyPr>
-              <a:lstStyle/>
-              <a:p>
-                <a:r>
-                  <a:rPr lang="en-GB" sz="1200" dirty="0" smtClean="0">
-                    <a:latin typeface="Times New Roman" charset="0"/>
-                    <a:ea typeface="Times New Roman" charset="0"/>
-                    <a:cs typeface="Times New Roman" charset="0"/>
-                  </a:rPr>
-                  <a:t>Particles from file</a:t>
-                </a:r>
-                <a:endParaRPr lang="en-GB" sz="1200" dirty="0">
-                  <a:latin typeface="Times New Roman" charset="0"/>
-                  <a:ea typeface="Times New Roman" charset="0"/>
-                  <a:cs typeface="Times New Roman" charset="0"/>
-                </a:endParaRPr>
-              </a:p>
-            </p:txBody>
-          </p:sp>
-        </p:grpSp>
-        <p:grpSp>
-          <p:nvGrpSpPr>
-            <p:cNvPr id="48" name="Group 47"/>
-            <p:cNvGrpSpPr/>
-            <p:nvPr/>
-          </p:nvGrpSpPr>
-          <p:grpSpPr>
-            <a:xfrm>
-              <a:off x="380966" y="4263636"/>
-              <a:ext cx="600785" cy="605641"/>
-              <a:chOff x="7938350" y="2002216"/>
-              <a:chExt cx="600785" cy="605641"/>
-            </a:xfrm>
-          </p:grpSpPr>
-          <p:sp>
-            <p:nvSpPr>
-              <p:cNvPr id="49" name="Left Brace 48"/>
-              <p:cNvSpPr/>
-              <p:nvPr/>
-            </p:nvSpPr>
-            <p:spPr>
-              <a:xfrm rot="10800000" flipH="1">
-                <a:off x="8460311" y="2002216"/>
-                <a:ext cx="78824" cy="605641"/>
-              </a:xfrm>
-              <a:prstGeom prst="leftBrace">
-                <a:avLst>
-                  <a:gd name="adj1" fmla="val 38700"/>
-                  <a:gd name="adj2" fmla="val 50000"/>
-                </a:avLst>
-              </a:prstGeom>
-              <a:ln w="19050">
-                <a:solidFill>
-                  <a:schemeClr val="tx1"/>
-                </a:solidFill>
-              </a:ln>
-            </p:spPr>
-            <p:style>
-              <a:lnRef idx="1">
-                <a:schemeClr val="accent1"/>
-              </a:lnRef>
-              <a:fillRef idx="0">
-                <a:schemeClr val="accent1"/>
-              </a:fillRef>
-              <a:effectRef idx="0">
-                <a:schemeClr val="accent1"/>
-              </a:effectRef>
-              <a:fontRef idx="minor">
-                <a:schemeClr val="tx1"/>
-              </a:fontRef>
-            </p:style>
-            <p:txBody>
-              <a:bodyPr rtlCol="0" anchor="ctr"/>
-              <a:lstStyle/>
-              <a:p>
-                <a:pPr algn="ctr"/>
-                <a:endParaRPr lang="en-GB"/>
-              </a:p>
-            </p:txBody>
-          </p:sp>
-          <p:sp>
-            <p:nvSpPr>
-              <p:cNvPr id="50" name="TextBox 49"/>
-              <p:cNvSpPr txBox="1"/>
-              <p:nvPr/>
-            </p:nvSpPr>
-            <p:spPr>
-              <a:xfrm>
-                <a:off x="7938350" y="2166537"/>
-                <a:ext cx="561372" cy="276999"/>
-              </a:xfrm>
-              <a:prstGeom prst="rect">
-                <a:avLst/>
-              </a:prstGeom>
-              <a:noFill/>
-            </p:spPr>
-            <p:txBody>
-              <a:bodyPr wrap="none" rtlCol="0">
-                <a:spAutoFit/>
-              </a:bodyPr>
-              <a:lstStyle/>
-              <a:p>
-                <a:r>
-                  <a:rPr lang="en-GB" sz="1200" dirty="0" smtClean="0">
-                    <a:latin typeface="Times New Roman" charset="0"/>
-                    <a:ea typeface="Times New Roman" charset="0"/>
-                    <a:cs typeface="Times New Roman" charset="0"/>
-                  </a:rPr>
-                  <a:t>Fields</a:t>
-                </a:r>
-                <a:endParaRPr lang="en-GB" sz="1200" dirty="0">
-                  <a:latin typeface="Times New Roman" charset="0"/>
-                  <a:ea typeface="Times New Roman" charset="0"/>
-                  <a:cs typeface="Times New Roman" charset="0"/>
-                </a:endParaRPr>
-              </a:p>
-            </p:txBody>
-          </p:sp>
-        </p:grpSp>
-        <p:grpSp>
-          <p:nvGrpSpPr>
-            <p:cNvPr id="51" name="Group 50"/>
-            <p:cNvGrpSpPr/>
-            <p:nvPr/>
-          </p:nvGrpSpPr>
-          <p:grpSpPr>
-            <a:xfrm>
-              <a:off x="91224" y="5041401"/>
-              <a:ext cx="661652" cy="605641"/>
-              <a:chOff x="7877483" y="2002216"/>
-              <a:chExt cx="661652" cy="605641"/>
-            </a:xfrm>
-          </p:grpSpPr>
-          <p:sp>
-            <p:nvSpPr>
-              <p:cNvPr id="52" name="Left Brace 51"/>
-              <p:cNvSpPr/>
-              <p:nvPr/>
-            </p:nvSpPr>
-            <p:spPr>
-              <a:xfrm rot="10800000" flipH="1">
-                <a:off x="8460311" y="2002216"/>
-                <a:ext cx="78824" cy="605641"/>
-              </a:xfrm>
-              <a:prstGeom prst="leftBrace">
-                <a:avLst>
-                  <a:gd name="adj1" fmla="val 38700"/>
-                  <a:gd name="adj2" fmla="val 50000"/>
-                </a:avLst>
-              </a:prstGeom>
-              <a:ln w="19050">
-                <a:solidFill>
-                  <a:schemeClr val="tx1"/>
-                </a:solidFill>
-              </a:ln>
-            </p:spPr>
-            <p:style>
-              <a:lnRef idx="1">
-                <a:schemeClr val="accent1"/>
-              </a:lnRef>
-              <a:fillRef idx="0">
-                <a:schemeClr val="accent1"/>
-              </a:fillRef>
-              <a:effectRef idx="0">
-                <a:schemeClr val="accent1"/>
-              </a:effectRef>
-              <a:fontRef idx="minor">
-                <a:schemeClr val="tx1"/>
-              </a:fontRef>
-            </p:style>
-            <p:txBody>
-              <a:bodyPr rtlCol="0" anchor="ctr"/>
-              <a:lstStyle/>
-              <a:p>
-                <a:pPr algn="ctr"/>
-                <a:endParaRPr lang="en-GB"/>
-              </a:p>
-            </p:txBody>
-          </p:sp>
-          <p:sp>
-            <p:nvSpPr>
-              <p:cNvPr id="53" name="TextBox 52"/>
-              <p:cNvSpPr txBox="1"/>
-              <p:nvPr/>
-            </p:nvSpPr>
-            <p:spPr>
-              <a:xfrm>
-                <a:off x="7877483" y="2166537"/>
-                <a:ext cx="602601" cy="276999"/>
-              </a:xfrm>
-              <a:prstGeom prst="rect">
-                <a:avLst/>
-              </a:prstGeom>
-              <a:noFill/>
-            </p:spPr>
-            <p:txBody>
-              <a:bodyPr wrap="none" rtlCol="0">
-                <a:spAutoFit/>
-              </a:bodyPr>
-              <a:lstStyle/>
-              <a:p>
-                <a:r>
-                  <a:rPr lang="en-GB" sz="1200" smtClean="0">
-                    <a:latin typeface="Times New Roman" charset="0"/>
-                    <a:ea typeface="Times New Roman" charset="0"/>
-                    <a:cs typeface="Times New Roman" charset="0"/>
-                  </a:rPr>
-                  <a:t>UDE’s</a:t>
-                </a:r>
-                <a:endParaRPr lang="en-GB" sz="1200" dirty="0">
-                  <a:latin typeface="Times New Roman" charset="0"/>
-                  <a:ea typeface="Times New Roman" charset="0"/>
-                  <a:cs typeface="Times New Roman" charset="0"/>
-                </a:endParaRPr>
-              </a:p>
-            </p:txBody>
-          </p:sp>
-        </p:grpSp>
-        <p:grpSp>
-          <p:nvGrpSpPr>
-            <p:cNvPr id="54" name="Group 53"/>
-            <p:cNvGrpSpPr/>
-            <p:nvPr/>
-          </p:nvGrpSpPr>
-          <p:grpSpPr>
-            <a:xfrm>
-              <a:off x="3143337" y="5820763"/>
-              <a:ext cx="1687750" cy="907889"/>
-              <a:chOff x="7886460" y="1859948"/>
-              <a:chExt cx="1687750" cy="907889"/>
-            </a:xfrm>
-          </p:grpSpPr>
-          <p:sp>
-            <p:nvSpPr>
-              <p:cNvPr id="55" name="Left Brace 54"/>
-              <p:cNvSpPr/>
-              <p:nvPr/>
-            </p:nvSpPr>
-            <p:spPr>
-              <a:xfrm rot="10800000">
-                <a:off x="7886460" y="1859948"/>
-                <a:ext cx="98322" cy="907889"/>
-              </a:xfrm>
-              <a:prstGeom prst="leftBrace">
-                <a:avLst>
-                  <a:gd name="adj1" fmla="val 38700"/>
-                  <a:gd name="adj2" fmla="val 50000"/>
-                </a:avLst>
-              </a:prstGeom>
-              <a:ln w="19050">
-                <a:solidFill>
-                  <a:schemeClr val="tx1"/>
-                </a:solidFill>
-              </a:ln>
-            </p:spPr>
-            <p:style>
-              <a:lnRef idx="1">
-                <a:schemeClr val="accent1"/>
-              </a:lnRef>
-              <a:fillRef idx="0">
-                <a:schemeClr val="accent1"/>
-              </a:fillRef>
-              <a:effectRef idx="0">
-                <a:schemeClr val="accent1"/>
-              </a:effectRef>
-              <a:fontRef idx="minor">
-                <a:schemeClr val="tx1"/>
-              </a:fontRef>
-            </p:style>
-            <p:txBody>
-              <a:bodyPr rtlCol="0" anchor="ctr"/>
-              <a:lstStyle/>
-              <a:p>
-                <a:pPr algn="ctr"/>
-                <a:endParaRPr lang="en-GB"/>
-              </a:p>
-            </p:txBody>
-          </p:sp>
-          <p:sp>
-            <p:nvSpPr>
-              <p:cNvPr id="56" name="TextBox 55"/>
-              <p:cNvSpPr txBox="1"/>
-              <p:nvPr/>
-            </p:nvSpPr>
-            <p:spPr>
-              <a:xfrm>
-                <a:off x="7935620" y="2175393"/>
-                <a:ext cx="1638590" cy="276999"/>
-              </a:xfrm>
-              <a:prstGeom prst="rect">
-                <a:avLst/>
-              </a:prstGeom>
-              <a:noFill/>
-            </p:spPr>
-            <p:txBody>
-              <a:bodyPr wrap="none" rtlCol="0">
-                <a:spAutoFit/>
-              </a:bodyPr>
-              <a:lstStyle/>
-              <a:p>
-                <a:r>
-                  <a:rPr lang="en-GB" sz="1200" dirty="0" smtClean="0">
-                    <a:latin typeface="Times New Roman" charset="0"/>
-                    <a:ea typeface="Times New Roman" charset="0"/>
-                    <a:cs typeface="Times New Roman" charset="0"/>
-                  </a:rPr>
-                  <a:t>Simulation parameters</a:t>
-                </a:r>
-                <a:endParaRPr lang="en-GB" sz="1200" dirty="0">
-                  <a:latin typeface="Times New Roman" charset="0"/>
-                  <a:ea typeface="Times New Roman" charset="0"/>
-                  <a:cs typeface="Times New Roman" charset="0"/>
-                </a:endParaRPr>
-              </a:p>
-            </p:txBody>
-          </p:sp>
-        </p:grpSp>
-      </p:grpSp>
-      <p:grpSp>
-        <p:nvGrpSpPr>
-          <p:cNvPr id="12" name="Group 11"/>
-          <p:cNvGrpSpPr/>
-          <p:nvPr/>
-        </p:nvGrpSpPr>
-        <p:grpSpPr>
-          <a:xfrm>
-            <a:off x="5881314" y="0"/>
-            <a:ext cx="4989585" cy="1743333"/>
-            <a:chOff x="5881314" y="0"/>
-            <a:chExt cx="4989585" cy="1743333"/>
-          </a:xfrm>
-        </p:grpSpPr>
-        <p:pic>
-          <p:nvPicPr>
-            <p:cNvPr id="10" name="Picture 9"/>
-            <p:cNvPicPr>
-              <a:picLocks noChangeAspect="1"/>
-            </p:cNvPicPr>
-            <p:nvPr/>
-          </p:nvPicPr>
-          <p:blipFill>
-            <a:blip r:embed="rId3">
-              <a:extLst>
-                <a:ext uri="{28A0092B-C50C-407E-A947-70E740481C1C}">
-                  <a14:useLocalDpi xmlns:a14="http://schemas.microsoft.com/office/drawing/2010/main" val="0"/>
-                </a:ext>
-              </a:extLst>
-            </a:blip>
-            <a:stretch>
-              <a:fillRect/>
-            </a:stretch>
-          </p:blipFill>
+          </p:nvSpPr>
           <p:spPr>
             <a:xfrm>
-              <a:off x="5881314" y="0"/>
-              <a:ext cx="3335892" cy="1743333"/>
+              <a:off x="974171" y="3293111"/>
+              <a:ext cx="3081816" cy="627248"/>
             </a:xfrm>
             <a:prstGeom prst="rect">
               <a:avLst/>
             </a:prstGeom>
+            <a:solidFill>
+              <a:schemeClr val="accent1">
+                <a:lumMod val="60000"/>
+                <a:lumOff val="40000"/>
+              </a:schemeClr>
+            </a:solidFill>
+            <a:ln w="28575">
+              <a:noFill/>
+            </a:ln>
           </p:spPr>
-        </p:pic>
+          <p:style>
+            <a:lnRef idx="2">
+              <a:schemeClr val="accent1">
+                <a:shade val="50000"/>
+              </a:schemeClr>
+            </a:lnRef>
+            <a:fillRef idx="1">
+              <a:schemeClr val="accent1"/>
+            </a:fillRef>
+            <a:effectRef idx="0">
+              <a:schemeClr val="accent1"/>
+            </a:effectRef>
+            <a:fontRef idx="minor">
+              <a:schemeClr val="lt1"/>
+            </a:fontRef>
+          </p:style>
+          <p:txBody>
+            <a:bodyPr rtlCol="0" anchor="ctr"/>
+            <a:lstStyle/>
+            <a:p>
+              <a:pPr algn="ctr"/>
+              <a:endParaRPr lang="en-GB" sz="2000"/>
+            </a:p>
+          </p:txBody>
+        </p:sp>
+        <p:cxnSp>
+          <p:nvCxnSpPr>
+            <p:cNvPr id="105" name="Straight Arrow Connector 104"/>
+            <p:cNvCxnSpPr/>
+            <p:nvPr/>
+          </p:nvCxnSpPr>
+          <p:spPr>
+            <a:xfrm>
+              <a:off x="974170" y="2515863"/>
+              <a:ext cx="3081817" cy="0"/>
+            </a:xfrm>
+            <a:prstGeom prst="straightConnector1">
+              <a:avLst/>
+            </a:prstGeom>
+            <a:ln w="12700">
+              <a:solidFill>
+                <a:schemeClr val="tx1"/>
+              </a:solidFill>
+              <a:headEnd type="triangle" w="med" len="lg"/>
+              <a:tailEnd type="triangle" w="med" len="lg"/>
+            </a:ln>
+          </p:spPr>
+          <p:style>
+            <a:lnRef idx="1">
+              <a:schemeClr val="accent1"/>
+            </a:lnRef>
+            <a:fillRef idx="0">
+              <a:schemeClr val="accent1"/>
+            </a:fillRef>
+            <a:effectRef idx="0">
+              <a:schemeClr val="accent1"/>
+            </a:effectRef>
+            <a:fontRef idx="minor">
+              <a:schemeClr val="tx1"/>
+            </a:fontRef>
+          </p:style>
+        </p:cxnSp>
+        <mc:AlternateContent xmlns:mc="http://schemas.openxmlformats.org/markup-compatibility/2006" xmlns:a14="http://schemas.microsoft.com/office/drawing/2010/main">
+          <mc:Choice Requires="a14">
+            <p:sp>
+              <p:nvSpPr>
+                <p:cNvPr id="106" name="TextBox 105"/>
+                <p:cNvSpPr txBox="1"/>
+                <p:nvPr/>
+              </p:nvSpPr>
+              <p:spPr>
+                <a:xfrm>
+                  <a:off x="2142092" y="2238865"/>
+                  <a:ext cx="761752" cy="246221"/>
+                </a:xfrm>
+                <a:prstGeom prst="rect">
+                  <a:avLst/>
+                </a:prstGeom>
+                <a:noFill/>
+              </p:spPr>
+              <p:txBody>
+                <a:bodyPr wrap="square" lIns="0" tIns="0" rIns="0" bIns="0" rtlCol="0">
+                  <a:spAutoFit/>
+                </a:bodyPr>
+                <a:lstStyle/>
+                <a:p>
+                  <a:pPr/>
+                  <a14:m>
+                    <m:oMathPara xmlns:m="http://schemas.openxmlformats.org/officeDocument/2006/math">
+                      <m:oMathParaPr>
+                        <m:jc m:val="centerGroup"/>
+                      </m:oMathParaPr>
+                      <m:oMath xmlns:m="http://schemas.openxmlformats.org/officeDocument/2006/math">
+                        <m:r>
+                          <a:rPr lang="hu-HU" sz="1600" b="0" i="1" smtClean="0">
+                            <a:latin typeface="Cambria Math" charset="0"/>
+                          </a:rPr>
+                          <m:t>𝐿</m:t>
+                        </m:r>
+                      </m:oMath>
+                    </m:oMathPara>
+                  </a14:m>
+                  <a:endParaRPr lang="hu-HU" sz="1600" b="0" dirty="0" smtClean="0">
+                    <a:latin typeface="Calibri" charset="0"/>
+                    <a:ea typeface="Calibri" charset="0"/>
+                    <a:cs typeface="Calibri" charset="0"/>
+                  </a:endParaRPr>
+                </a:p>
+              </p:txBody>
+            </p:sp>
+          </mc:Choice>
+          <mc:Fallback xmlns="">
+            <p:sp>
+              <p:nvSpPr>
+                <p:cNvPr id="106" name="TextBox 105"/>
+                <p:cNvSpPr txBox="1">
+                  <a:spLocks noRot="1" noChangeAspect="1" noMove="1" noResize="1" noEditPoints="1" noAdjustHandles="1" noChangeArrowheads="1" noChangeShapeType="1" noTextEdit="1"/>
+                </p:cNvSpPr>
+                <p:nvPr/>
+              </p:nvSpPr>
+              <p:spPr>
+                <a:xfrm>
+                  <a:off x="2142092" y="2238865"/>
+                  <a:ext cx="761752" cy="246221"/>
+                </a:xfrm>
+                <a:prstGeom prst="rect">
+                  <a:avLst/>
+                </a:prstGeom>
+                <a:blipFill rotWithShape="0">
+                  <a:blip r:embed="rId2"/>
+                  <a:stretch>
+                    <a:fillRect b="-5000"/>
+                  </a:stretch>
+                </a:blipFill>
+              </p:spPr>
+              <p:txBody>
+                <a:bodyPr/>
+                <a:lstStyle/>
+                <a:p>
+                  <a:r>
+                    <a:rPr lang="en-GB">
+                      <a:noFill/>
+                    </a:rPr>
+                    <a:t> </a:t>
+                  </a:r>
+                </a:p>
+              </p:txBody>
+            </p:sp>
+          </mc:Fallback>
+        </mc:AlternateContent>
+        <p:cxnSp>
+          <p:nvCxnSpPr>
+            <p:cNvPr id="107" name="Straight Arrow Connector 106"/>
+            <p:cNvCxnSpPr/>
+            <p:nvPr/>
+          </p:nvCxnSpPr>
+          <p:spPr>
+            <a:xfrm>
+              <a:off x="4217226" y="3287504"/>
+              <a:ext cx="0" cy="626766"/>
+            </a:xfrm>
+            <a:prstGeom prst="straightConnector1">
+              <a:avLst/>
+            </a:prstGeom>
+            <a:ln w="12700">
+              <a:solidFill>
+                <a:schemeClr val="tx1"/>
+              </a:solidFill>
+              <a:headEnd type="triangle" w="med" len="lg"/>
+              <a:tailEnd type="triangle" w="med" len="lg"/>
+            </a:ln>
+          </p:spPr>
+          <p:style>
+            <a:lnRef idx="1">
+              <a:schemeClr val="accent1"/>
+            </a:lnRef>
+            <a:fillRef idx="0">
+              <a:schemeClr val="accent1"/>
+            </a:fillRef>
+            <a:effectRef idx="0">
+              <a:schemeClr val="accent1"/>
+            </a:effectRef>
+            <a:fontRef idx="minor">
+              <a:schemeClr val="tx1"/>
+            </a:fontRef>
+          </p:style>
+        </p:cxnSp>
+        <mc:AlternateContent xmlns:mc="http://schemas.openxmlformats.org/markup-compatibility/2006" xmlns:a14="http://schemas.microsoft.com/office/drawing/2010/main">
+          <mc:Choice Requires="a14">
+            <p:sp>
+              <p:nvSpPr>
+                <p:cNvPr id="115" name="TextBox 114"/>
+                <p:cNvSpPr txBox="1"/>
+                <p:nvPr/>
+              </p:nvSpPr>
+              <p:spPr>
+                <a:xfrm>
+                  <a:off x="1591909" y="4115176"/>
+                  <a:ext cx="1846337" cy="246221"/>
+                </a:xfrm>
+                <a:prstGeom prst="rect">
+                  <a:avLst/>
+                </a:prstGeom>
+                <a:noFill/>
+              </p:spPr>
+              <p:txBody>
+                <a:bodyPr wrap="square" lIns="0" tIns="0" rIns="0" bIns="0" rtlCol="0">
+                  <a:spAutoFit/>
+                </a:bodyPr>
+                <a:lstStyle/>
+                <a:p>
+                  <a:pPr/>
+                  <a14:m>
+                    <m:oMathPara xmlns:m="http://schemas.openxmlformats.org/officeDocument/2006/math">
+                      <m:oMathParaPr>
+                        <m:jc m:val="centerGroup"/>
+                      </m:oMathParaPr>
+                      <m:oMath xmlns:m="http://schemas.openxmlformats.org/officeDocument/2006/math">
+                        <m:sSub>
+                          <m:sSubPr>
+                            <m:ctrlPr>
+                              <a:rPr lang="hu-HU" sz="1600" b="0" i="1" smtClean="0">
+                                <a:latin typeface="Cambria Math" charset="0"/>
+                              </a:rPr>
+                            </m:ctrlPr>
+                          </m:sSubPr>
+                          <m:e>
+                            <m:r>
+                              <a:rPr lang="hu-HU" sz="1600" b="0" i="1" smtClean="0">
+                                <a:latin typeface="Cambria Math" charset="0"/>
+                              </a:rPr>
+                              <m:t>𝜔</m:t>
+                            </m:r>
+                          </m:e>
+                          <m:sub>
+                            <m:r>
+                              <a:rPr lang="hu-HU" sz="1600" b="0" i="1" smtClean="0">
+                                <a:latin typeface="Cambria Math" charset="0"/>
+                              </a:rPr>
+                              <m:t>𝑖</m:t>
+                            </m:r>
+                          </m:sub>
+                        </m:sSub>
+                      </m:oMath>
+                    </m:oMathPara>
+                  </a14:m>
+                  <a:endParaRPr lang="hu-HU" sz="1600" b="0" dirty="0" smtClean="0"/>
+                </a:p>
+              </p:txBody>
+            </p:sp>
+          </mc:Choice>
+          <mc:Fallback xmlns="">
+            <p:sp>
+              <p:nvSpPr>
+                <p:cNvPr id="115" name="TextBox 114"/>
+                <p:cNvSpPr txBox="1">
+                  <a:spLocks noRot="1" noChangeAspect="1" noMove="1" noResize="1" noEditPoints="1" noAdjustHandles="1" noChangeArrowheads="1" noChangeShapeType="1" noTextEdit="1"/>
+                </p:cNvSpPr>
+                <p:nvPr/>
+              </p:nvSpPr>
+              <p:spPr>
+                <a:xfrm>
+                  <a:off x="1591909" y="4115176"/>
+                  <a:ext cx="1846337" cy="246221"/>
+                </a:xfrm>
+                <a:prstGeom prst="rect">
+                  <a:avLst/>
+                </a:prstGeom>
+                <a:blipFill rotWithShape="0">
+                  <a:blip r:embed="rId3"/>
+                  <a:stretch>
+                    <a:fillRect b="-17500"/>
+                  </a:stretch>
+                </a:blipFill>
+              </p:spPr>
+              <p:txBody>
+                <a:bodyPr/>
+                <a:lstStyle/>
+                <a:p>
+                  <a:r>
+                    <a:rPr lang="en-GB">
+                      <a:noFill/>
+                    </a:rPr>
+                    <a:t> </a:t>
+                  </a:r>
+                </a:p>
+              </p:txBody>
+            </p:sp>
+          </mc:Fallback>
+        </mc:AlternateContent>
+        <p:cxnSp>
+          <p:nvCxnSpPr>
+            <p:cNvPr id="84" name="Straight Connector 83"/>
+            <p:cNvCxnSpPr>
+              <a:stCxn id="79" idx="1"/>
+              <a:endCxn id="79" idx="3"/>
+            </p:cNvCxnSpPr>
+            <p:nvPr/>
+          </p:nvCxnSpPr>
+          <p:spPr>
+            <a:xfrm>
+              <a:off x="974172" y="3600887"/>
+              <a:ext cx="3081816" cy="0"/>
+            </a:xfrm>
+            <a:prstGeom prst="line">
+              <a:avLst/>
+            </a:prstGeom>
+            <a:ln w="38100">
+              <a:solidFill>
+                <a:srgbClr val="FFC000"/>
+              </a:solidFill>
+              <a:prstDash val="sysDot"/>
+            </a:ln>
+          </p:spPr>
+          <p:style>
+            <a:lnRef idx="1">
+              <a:schemeClr val="accent1"/>
+            </a:lnRef>
+            <a:fillRef idx="0">
+              <a:schemeClr val="accent1"/>
+            </a:fillRef>
+            <a:effectRef idx="0">
+              <a:schemeClr val="accent1"/>
+            </a:effectRef>
+            <a:fontRef idx="minor">
+              <a:schemeClr val="tx1"/>
+            </a:fontRef>
+          </p:style>
+        </p:cxnSp>
         <p:sp>
           <p:nvSpPr>
-            <p:cNvPr id="60" name="Left Brace 59"/>
+            <p:cNvPr id="109" name="Arc 108"/>
             <p:cNvSpPr/>
             <p:nvPr/>
           </p:nvSpPr>
           <p:spPr>
-            <a:xfrm rot="10800000">
-              <a:off x="8978047" y="272844"/>
-              <a:ext cx="98322" cy="391495"/>
+            <a:xfrm rot="9296127">
+              <a:off x="1046589" y="3198248"/>
+              <a:ext cx="173408" cy="173408"/>
             </a:xfrm>
-            <a:prstGeom prst="leftBrace">
+            <a:prstGeom prst="arc">
               <a:avLst>
-                <a:gd name="adj1" fmla="val 38700"/>
-                <a:gd name="adj2" fmla="val 50000"/>
+                <a:gd name="adj1" fmla="val 4644005"/>
+                <a:gd name="adj2" fmla="val 0"/>
               </a:avLst>
             </a:prstGeom>
             <a:ln w="19050">
               <a:solidFill>
                 <a:schemeClr val="tx1"/>
               </a:solidFill>
+              <a:headEnd type="none" w="med" len="med"/>
+              <a:tailEnd type="triangle" w="med" len="med"/>
             </a:ln>
           </p:spPr>
           <p:style>
@@ -27373,53 +29437,1999 @@
             <a:lstStyle/>
             <a:p>
               <a:pPr algn="ctr"/>
-              <a:endParaRPr lang="en-GB"/>
+              <a:endParaRPr lang="en-GB">
+                <a:solidFill>
+                  <a:schemeClr val="bg2">
+                    <a:lumMod val="50000"/>
+                  </a:schemeClr>
+                </a:solidFill>
+              </a:endParaRPr>
             </a:p>
           </p:txBody>
         </p:sp>
         <p:sp>
           <p:nvSpPr>
-            <p:cNvPr id="63" name="TextBox 62"/>
-            <p:cNvSpPr txBox="1"/>
+            <p:cNvPr id="132" name="Arc 131"/>
+            <p:cNvSpPr/>
             <p:nvPr/>
           </p:nvSpPr>
           <p:spPr>
+            <a:xfrm rot="9296127">
+              <a:off x="1324524" y="3198247"/>
+              <a:ext cx="173408" cy="173408"/>
+            </a:xfrm>
+            <a:prstGeom prst="arc">
+              <a:avLst>
+                <a:gd name="adj1" fmla="val 4644005"/>
+                <a:gd name="adj2" fmla="val 0"/>
+              </a:avLst>
+            </a:prstGeom>
+            <a:ln w="19050">
+              <a:solidFill>
+                <a:schemeClr val="tx1"/>
+              </a:solidFill>
+              <a:headEnd type="none" w="med" len="med"/>
+              <a:tailEnd type="triangle" w="med" len="med"/>
+            </a:ln>
+          </p:spPr>
+          <p:style>
+            <a:lnRef idx="1">
+              <a:schemeClr val="accent1"/>
+            </a:lnRef>
+            <a:fillRef idx="0">
+              <a:schemeClr val="accent1"/>
+            </a:fillRef>
+            <a:effectRef idx="0">
+              <a:schemeClr val="accent1"/>
+            </a:effectRef>
+            <a:fontRef idx="minor">
+              <a:schemeClr val="tx1"/>
+            </a:fontRef>
+          </p:style>
+          <p:txBody>
+            <a:bodyPr rtlCol="0" anchor="ctr"/>
+            <a:lstStyle/>
+            <a:p>
+              <a:pPr algn="ctr"/>
+              <a:endParaRPr lang="en-GB">
+                <a:solidFill>
+                  <a:schemeClr val="bg2">
+                    <a:lumMod val="50000"/>
+                  </a:schemeClr>
+                </a:solidFill>
+              </a:endParaRPr>
+            </a:p>
+          </p:txBody>
+        </p:sp>
+        <p:sp>
+          <p:nvSpPr>
+            <p:cNvPr id="136" name="Arc 135"/>
+            <p:cNvSpPr/>
+            <p:nvPr/>
+          </p:nvSpPr>
+          <p:spPr>
+            <a:xfrm rot="9296127">
+              <a:off x="1602459" y="3198248"/>
+              <a:ext cx="173408" cy="173408"/>
+            </a:xfrm>
+            <a:prstGeom prst="arc">
+              <a:avLst>
+                <a:gd name="adj1" fmla="val 4644005"/>
+                <a:gd name="adj2" fmla="val 0"/>
+              </a:avLst>
+            </a:prstGeom>
+            <a:ln w="19050">
+              <a:solidFill>
+                <a:schemeClr val="tx1"/>
+              </a:solidFill>
+              <a:headEnd type="none" w="med" len="med"/>
+              <a:tailEnd type="triangle" w="med" len="med"/>
+            </a:ln>
+          </p:spPr>
+          <p:style>
+            <a:lnRef idx="1">
+              <a:schemeClr val="accent1"/>
+            </a:lnRef>
+            <a:fillRef idx="0">
+              <a:schemeClr val="accent1"/>
+            </a:fillRef>
+            <a:effectRef idx="0">
+              <a:schemeClr val="accent1"/>
+            </a:effectRef>
+            <a:fontRef idx="minor">
+              <a:schemeClr val="tx1"/>
+            </a:fontRef>
+          </p:style>
+          <p:txBody>
+            <a:bodyPr rtlCol="0" anchor="ctr"/>
+            <a:lstStyle/>
+            <a:p>
+              <a:pPr algn="ctr"/>
+              <a:endParaRPr lang="en-GB">
+                <a:solidFill>
+                  <a:schemeClr val="bg2">
+                    <a:lumMod val="50000"/>
+                  </a:schemeClr>
+                </a:solidFill>
+              </a:endParaRPr>
+            </a:p>
+          </p:txBody>
+        </p:sp>
+        <p:sp>
+          <p:nvSpPr>
+            <p:cNvPr id="137" name="Arc 136"/>
+            <p:cNvSpPr/>
+            <p:nvPr/>
+          </p:nvSpPr>
+          <p:spPr>
+            <a:xfrm rot="9296127">
+              <a:off x="1880394" y="3198247"/>
+              <a:ext cx="173408" cy="173408"/>
+            </a:xfrm>
+            <a:prstGeom prst="arc">
+              <a:avLst>
+                <a:gd name="adj1" fmla="val 4644005"/>
+                <a:gd name="adj2" fmla="val 0"/>
+              </a:avLst>
+            </a:prstGeom>
+            <a:ln w="19050">
+              <a:solidFill>
+                <a:schemeClr val="tx1"/>
+              </a:solidFill>
+              <a:headEnd type="none" w="med" len="med"/>
+              <a:tailEnd type="triangle" w="med" len="med"/>
+            </a:ln>
+          </p:spPr>
+          <p:style>
+            <a:lnRef idx="1">
+              <a:schemeClr val="accent1"/>
+            </a:lnRef>
+            <a:fillRef idx="0">
+              <a:schemeClr val="accent1"/>
+            </a:fillRef>
+            <a:effectRef idx="0">
+              <a:schemeClr val="accent1"/>
+            </a:effectRef>
+            <a:fontRef idx="minor">
+              <a:schemeClr val="tx1"/>
+            </a:fontRef>
+          </p:style>
+          <p:txBody>
+            <a:bodyPr rtlCol="0" anchor="ctr"/>
+            <a:lstStyle/>
+            <a:p>
+              <a:pPr algn="ctr"/>
+              <a:endParaRPr lang="en-GB">
+                <a:solidFill>
+                  <a:schemeClr val="bg2">
+                    <a:lumMod val="50000"/>
+                  </a:schemeClr>
+                </a:solidFill>
+              </a:endParaRPr>
+            </a:p>
+          </p:txBody>
+        </p:sp>
+        <p:sp>
+          <p:nvSpPr>
+            <p:cNvPr id="138" name="Arc 137"/>
+            <p:cNvSpPr/>
+            <p:nvPr/>
+          </p:nvSpPr>
+          <p:spPr>
+            <a:xfrm rot="9296127">
+              <a:off x="2158329" y="3198248"/>
+              <a:ext cx="173408" cy="173408"/>
+            </a:xfrm>
+            <a:prstGeom prst="arc">
+              <a:avLst>
+                <a:gd name="adj1" fmla="val 4644005"/>
+                <a:gd name="adj2" fmla="val 0"/>
+              </a:avLst>
+            </a:prstGeom>
+            <a:ln w="19050">
+              <a:solidFill>
+                <a:schemeClr val="tx1"/>
+              </a:solidFill>
+              <a:headEnd type="none" w="med" len="med"/>
+              <a:tailEnd type="triangle" w="med" len="med"/>
+            </a:ln>
+          </p:spPr>
+          <p:style>
+            <a:lnRef idx="1">
+              <a:schemeClr val="accent1"/>
+            </a:lnRef>
+            <a:fillRef idx="0">
+              <a:schemeClr val="accent1"/>
+            </a:fillRef>
+            <a:effectRef idx="0">
+              <a:schemeClr val="accent1"/>
+            </a:effectRef>
+            <a:fontRef idx="minor">
+              <a:schemeClr val="tx1"/>
+            </a:fontRef>
+          </p:style>
+          <p:txBody>
+            <a:bodyPr rtlCol="0" anchor="ctr"/>
+            <a:lstStyle/>
+            <a:p>
+              <a:pPr algn="ctr"/>
+              <a:endParaRPr lang="en-GB">
+                <a:solidFill>
+                  <a:schemeClr val="bg2">
+                    <a:lumMod val="50000"/>
+                  </a:schemeClr>
+                </a:solidFill>
+              </a:endParaRPr>
+            </a:p>
+          </p:txBody>
+        </p:sp>
+        <p:sp>
+          <p:nvSpPr>
+            <p:cNvPr id="139" name="Arc 138"/>
+            <p:cNvSpPr/>
+            <p:nvPr/>
+          </p:nvSpPr>
+          <p:spPr>
+            <a:xfrm rot="9296127">
+              <a:off x="2436264" y="3204095"/>
+              <a:ext cx="173408" cy="173408"/>
+            </a:xfrm>
+            <a:prstGeom prst="arc">
+              <a:avLst>
+                <a:gd name="adj1" fmla="val 4644005"/>
+                <a:gd name="adj2" fmla="val 0"/>
+              </a:avLst>
+            </a:prstGeom>
+            <a:ln w="19050">
+              <a:solidFill>
+                <a:schemeClr val="tx1"/>
+              </a:solidFill>
+              <a:headEnd type="none" w="med" len="med"/>
+              <a:tailEnd type="triangle" w="med" len="med"/>
+            </a:ln>
+          </p:spPr>
+          <p:style>
+            <a:lnRef idx="1">
+              <a:schemeClr val="accent1"/>
+            </a:lnRef>
+            <a:fillRef idx="0">
+              <a:schemeClr val="accent1"/>
+            </a:fillRef>
+            <a:effectRef idx="0">
+              <a:schemeClr val="accent1"/>
+            </a:effectRef>
+            <a:fontRef idx="minor">
+              <a:schemeClr val="tx1"/>
+            </a:fontRef>
+          </p:style>
+          <p:txBody>
+            <a:bodyPr rtlCol="0" anchor="ctr"/>
+            <a:lstStyle/>
+            <a:p>
+              <a:pPr algn="ctr"/>
+              <a:endParaRPr lang="en-GB">
+                <a:solidFill>
+                  <a:schemeClr val="bg2">
+                    <a:lumMod val="50000"/>
+                  </a:schemeClr>
+                </a:solidFill>
+              </a:endParaRPr>
+            </a:p>
+          </p:txBody>
+        </p:sp>
+        <p:sp>
+          <p:nvSpPr>
+            <p:cNvPr id="161" name="Arc 160"/>
+            <p:cNvSpPr/>
+            <p:nvPr/>
+          </p:nvSpPr>
+          <p:spPr>
+            <a:xfrm rot="9296127">
+              <a:off x="2714200" y="3198248"/>
+              <a:ext cx="173408" cy="173408"/>
+            </a:xfrm>
+            <a:prstGeom prst="arc">
+              <a:avLst>
+                <a:gd name="adj1" fmla="val 4644005"/>
+                <a:gd name="adj2" fmla="val 0"/>
+              </a:avLst>
+            </a:prstGeom>
+            <a:ln w="19050">
+              <a:solidFill>
+                <a:schemeClr val="tx1"/>
+              </a:solidFill>
+              <a:headEnd type="none" w="med" len="med"/>
+              <a:tailEnd type="triangle" w="med" len="med"/>
+            </a:ln>
+          </p:spPr>
+          <p:style>
+            <a:lnRef idx="1">
+              <a:schemeClr val="accent1"/>
+            </a:lnRef>
+            <a:fillRef idx="0">
+              <a:schemeClr val="accent1"/>
+            </a:fillRef>
+            <a:effectRef idx="0">
+              <a:schemeClr val="accent1"/>
+            </a:effectRef>
+            <a:fontRef idx="minor">
+              <a:schemeClr val="tx1"/>
+            </a:fontRef>
+          </p:style>
+          <p:txBody>
+            <a:bodyPr rtlCol="0" anchor="ctr"/>
+            <a:lstStyle/>
+            <a:p>
+              <a:pPr algn="ctr"/>
+              <a:endParaRPr lang="en-GB">
+                <a:solidFill>
+                  <a:schemeClr val="bg2">
+                    <a:lumMod val="50000"/>
+                  </a:schemeClr>
+                </a:solidFill>
+              </a:endParaRPr>
+            </a:p>
+          </p:txBody>
+        </p:sp>
+        <p:sp>
+          <p:nvSpPr>
+            <p:cNvPr id="162" name="Arc 161"/>
+            <p:cNvSpPr/>
+            <p:nvPr/>
+          </p:nvSpPr>
+          <p:spPr>
+            <a:xfrm rot="9296127">
+              <a:off x="2992135" y="3198247"/>
+              <a:ext cx="173408" cy="173408"/>
+            </a:xfrm>
+            <a:prstGeom prst="arc">
+              <a:avLst>
+                <a:gd name="adj1" fmla="val 4644005"/>
+                <a:gd name="adj2" fmla="val 0"/>
+              </a:avLst>
+            </a:prstGeom>
+            <a:ln w="19050">
+              <a:solidFill>
+                <a:schemeClr val="tx1"/>
+              </a:solidFill>
+              <a:headEnd type="none" w="med" len="med"/>
+              <a:tailEnd type="triangle" w="med" len="med"/>
+            </a:ln>
+          </p:spPr>
+          <p:style>
+            <a:lnRef idx="1">
+              <a:schemeClr val="accent1"/>
+            </a:lnRef>
+            <a:fillRef idx="0">
+              <a:schemeClr val="accent1"/>
+            </a:fillRef>
+            <a:effectRef idx="0">
+              <a:schemeClr val="accent1"/>
+            </a:effectRef>
+            <a:fontRef idx="minor">
+              <a:schemeClr val="tx1"/>
+            </a:fontRef>
+          </p:style>
+          <p:txBody>
+            <a:bodyPr rtlCol="0" anchor="ctr"/>
+            <a:lstStyle/>
+            <a:p>
+              <a:pPr algn="ctr"/>
+              <a:endParaRPr lang="en-GB">
+                <a:solidFill>
+                  <a:schemeClr val="bg2">
+                    <a:lumMod val="50000"/>
+                  </a:schemeClr>
+                </a:solidFill>
+              </a:endParaRPr>
+            </a:p>
+          </p:txBody>
+        </p:sp>
+        <p:sp>
+          <p:nvSpPr>
+            <p:cNvPr id="163" name="Arc 162"/>
+            <p:cNvSpPr/>
+            <p:nvPr/>
+          </p:nvSpPr>
+          <p:spPr>
+            <a:xfrm rot="9296127">
+              <a:off x="3270070" y="3198248"/>
+              <a:ext cx="173408" cy="173408"/>
+            </a:xfrm>
+            <a:prstGeom prst="arc">
+              <a:avLst>
+                <a:gd name="adj1" fmla="val 4644005"/>
+                <a:gd name="adj2" fmla="val 0"/>
+              </a:avLst>
+            </a:prstGeom>
+            <a:ln w="19050">
+              <a:solidFill>
+                <a:schemeClr val="tx1"/>
+              </a:solidFill>
+              <a:headEnd type="none" w="med" len="med"/>
+              <a:tailEnd type="triangle" w="med" len="med"/>
+            </a:ln>
+          </p:spPr>
+          <p:style>
+            <a:lnRef idx="1">
+              <a:schemeClr val="accent1"/>
+            </a:lnRef>
+            <a:fillRef idx="0">
+              <a:schemeClr val="accent1"/>
+            </a:fillRef>
+            <a:effectRef idx="0">
+              <a:schemeClr val="accent1"/>
+            </a:effectRef>
+            <a:fontRef idx="minor">
+              <a:schemeClr val="tx1"/>
+            </a:fontRef>
+          </p:style>
+          <p:txBody>
+            <a:bodyPr rtlCol="0" anchor="ctr"/>
+            <a:lstStyle/>
+            <a:p>
+              <a:pPr algn="ctr"/>
+              <a:endParaRPr lang="en-GB">
+                <a:solidFill>
+                  <a:schemeClr val="bg2">
+                    <a:lumMod val="50000"/>
+                  </a:schemeClr>
+                </a:solidFill>
+              </a:endParaRPr>
+            </a:p>
+          </p:txBody>
+        </p:sp>
+        <p:sp>
+          <p:nvSpPr>
+            <p:cNvPr id="164" name="Arc 163"/>
+            <p:cNvSpPr/>
+            <p:nvPr/>
+          </p:nvSpPr>
+          <p:spPr>
+            <a:xfrm rot="9296127">
+              <a:off x="3548005" y="3198247"/>
+              <a:ext cx="173408" cy="173408"/>
+            </a:xfrm>
+            <a:prstGeom prst="arc">
+              <a:avLst>
+                <a:gd name="adj1" fmla="val 4644005"/>
+                <a:gd name="adj2" fmla="val 0"/>
+              </a:avLst>
+            </a:prstGeom>
+            <a:ln w="19050">
+              <a:solidFill>
+                <a:schemeClr val="tx1"/>
+              </a:solidFill>
+              <a:headEnd type="none" w="med" len="med"/>
+              <a:tailEnd type="triangle" w="med" len="med"/>
+            </a:ln>
+          </p:spPr>
+          <p:style>
+            <a:lnRef idx="1">
+              <a:schemeClr val="accent1"/>
+            </a:lnRef>
+            <a:fillRef idx="0">
+              <a:schemeClr val="accent1"/>
+            </a:fillRef>
+            <a:effectRef idx="0">
+              <a:schemeClr val="accent1"/>
+            </a:effectRef>
+            <a:fontRef idx="minor">
+              <a:schemeClr val="tx1"/>
+            </a:fontRef>
+          </p:style>
+          <p:txBody>
+            <a:bodyPr rtlCol="0" anchor="ctr"/>
+            <a:lstStyle/>
+            <a:p>
+              <a:pPr algn="ctr"/>
+              <a:endParaRPr lang="en-GB">
+                <a:solidFill>
+                  <a:schemeClr val="bg2">
+                    <a:lumMod val="50000"/>
+                  </a:schemeClr>
+                </a:solidFill>
+              </a:endParaRPr>
+            </a:p>
+          </p:txBody>
+        </p:sp>
+        <p:sp>
+          <p:nvSpPr>
+            <p:cNvPr id="165" name="Arc 164"/>
+            <p:cNvSpPr/>
+            <p:nvPr/>
+          </p:nvSpPr>
+          <p:spPr>
+            <a:xfrm rot="9296127">
+              <a:off x="3825944" y="3198248"/>
+              <a:ext cx="173408" cy="173408"/>
+            </a:xfrm>
+            <a:prstGeom prst="arc">
+              <a:avLst>
+                <a:gd name="adj1" fmla="val 4644005"/>
+                <a:gd name="adj2" fmla="val 0"/>
+              </a:avLst>
+            </a:prstGeom>
+            <a:ln w="19050">
+              <a:solidFill>
+                <a:schemeClr val="tx1"/>
+              </a:solidFill>
+              <a:headEnd type="none" w="med" len="med"/>
+              <a:tailEnd type="triangle" w="med" len="med"/>
+            </a:ln>
+          </p:spPr>
+          <p:style>
+            <a:lnRef idx="1">
+              <a:schemeClr val="accent1"/>
+            </a:lnRef>
+            <a:fillRef idx="0">
+              <a:schemeClr val="accent1"/>
+            </a:fillRef>
+            <a:effectRef idx="0">
+              <a:schemeClr val="accent1"/>
+            </a:effectRef>
+            <a:fontRef idx="minor">
+              <a:schemeClr val="tx1"/>
+            </a:fontRef>
+          </p:style>
+          <p:txBody>
+            <a:bodyPr rtlCol="0" anchor="ctr"/>
+            <a:lstStyle/>
+            <a:p>
+              <a:pPr algn="ctr"/>
+              <a:endParaRPr lang="en-GB">
+                <a:solidFill>
+                  <a:schemeClr val="bg2">
+                    <a:lumMod val="50000"/>
+                  </a:schemeClr>
+                </a:solidFill>
+              </a:endParaRPr>
+            </a:p>
+          </p:txBody>
+        </p:sp>
+        <p:sp>
+          <p:nvSpPr>
+            <p:cNvPr id="166" name="Arc 165"/>
+            <p:cNvSpPr/>
+            <p:nvPr/>
+          </p:nvSpPr>
+          <p:spPr>
+            <a:xfrm rot="7491321">
+              <a:off x="1046589" y="3833657"/>
+              <a:ext cx="173408" cy="173408"/>
+            </a:xfrm>
+            <a:prstGeom prst="arc">
+              <a:avLst>
+                <a:gd name="adj1" fmla="val 4644005"/>
+                <a:gd name="adj2" fmla="val 0"/>
+              </a:avLst>
+            </a:prstGeom>
+            <a:ln w="19050">
+              <a:solidFill>
+                <a:schemeClr val="tx1"/>
+              </a:solidFill>
+              <a:headEnd type="triangle" w="med" len="med"/>
+              <a:tailEnd type="none" w="med" len="med"/>
+            </a:ln>
+          </p:spPr>
+          <p:style>
+            <a:lnRef idx="1">
+              <a:schemeClr val="accent1"/>
+            </a:lnRef>
+            <a:fillRef idx="0">
+              <a:schemeClr val="accent1"/>
+            </a:fillRef>
+            <a:effectRef idx="0">
+              <a:schemeClr val="accent1"/>
+            </a:effectRef>
+            <a:fontRef idx="minor">
+              <a:schemeClr val="tx1"/>
+            </a:fontRef>
+          </p:style>
+          <p:txBody>
+            <a:bodyPr rtlCol="0" anchor="ctr"/>
+            <a:lstStyle/>
+            <a:p>
+              <a:pPr algn="ctr"/>
+              <a:endParaRPr lang="en-GB">
+                <a:solidFill>
+                  <a:schemeClr val="bg2">
+                    <a:lumMod val="50000"/>
+                  </a:schemeClr>
+                </a:solidFill>
+              </a:endParaRPr>
+            </a:p>
+          </p:txBody>
+        </p:sp>
+        <p:sp>
+          <p:nvSpPr>
+            <p:cNvPr id="167" name="Arc 166"/>
+            <p:cNvSpPr/>
+            <p:nvPr/>
+          </p:nvSpPr>
+          <p:spPr>
+            <a:xfrm rot="7491321">
+              <a:off x="1324524" y="3833656"/>
+              <a:ext cx="173408" cy="173408"/>
+            </a:xfrm>
+            <a:prstGeom prst="arc">
+              <a:avLst>
+                <a:gd name="adj1" fmla="val 4644005"/>
+                <a:gd name="adj2" fmla="val 0"/>
+              </a:avLst>
+            </a:prstGeom>
+            <a:ln w="19050">
+              <a:solidFill>
+                <a:schemeClr val="tx1"/>
+              </a:solidFill>
+              <a:headEnd type="triangle" w="med" len="med"/>
+              <a:tailEnd type="none" w="med" len="med"/>
+            </a:ln>
+          </p:spPr>
+          <p:style>
+            <a:lnRef idx="1">
+              <a:schemeClr val="accent1"/>
+            </a:lnRef>
+            <a:fillRef idx="0">
+              <a:schemeClr val="accent1"/>
+            </a:fillRef>
+            <a:effectRef idx="0">
+              <a:schemeClr val="accent1"/>
+            </a:effectRef>
+            <a:fontRef idx="minor">
+              <a:schemeClr val="tx1"/>
+            </a:fontRef>
+          </p:style>
+          <p:txBody>
+            <a:bodyPr rtlCol="0" anchor="ctr"/>
+            <a:lstStyle/>
+            <a:p>
+              <a:pPr algn="ctr"/>
+              <a:endParaRPr lang="en-GB">
+                <a:solidFill>
+                  <a:schemeClr val="bg2">
+                    <a:lumMod val="50000"/>
+                  </a:schemeClr>
+                </a:solidFill>
+              </a:endParaRPr>
+            </a:p>
+          </p:txBody>
+        </p:sp>
+        <p:sp>
+          <p:nvSpPr>
+            <p:cNvPr id="168" name="Arc 167"/>
+            <p:cNvSpPr/>
+            <p:nvPr/>
+          </p:nvSpPr>
+          <p:spPr>
+            <a:xfrm rot="7491321">
+              <a:off x="1602459" y="3833657"/>
+              <a:ext cx="173408" cy="173408"/>
+            </a:xfrm>
+            <a:prstGeom prst="arc">
+              <a:avLst>
+                <a:gd name="adj1" fmla="val 4644005"/>
+                <a:gd name="adj2" fmla="val 0"/>
+              </a:avLst>
+            </a:prstGeom>
+            <a:ln w="19050">
+              <a:solidFill>
+                <a:schemeClr val="tx1"/>
+              </a:solidFill>
+              <a:headEnd type="triangle" w="med" len="med"/>
+              <a:tailEnd type="none" w="med" len="med"/>
+            </a:ln>
+          </p:spPr>
+          <p:style>
+            <a:lnRef idx="1">
+              <a:schemeClr val="accent1"/>
+            </a:lnRef>
+            <a:fillRef idx="0">
+              <a:schemeClr val="accent1"/>
+            </a:fillRef>
+            <a:effectRef idx="0">
+              <a:schemeClr val="accent1"/>
+            </a:effectRef>
+            <a:fontRef idx="minor">
+              <a:schemeClr val="tx1"/>
+            </a:fontRef>
+          </p:style>
+          <p:txBody>
+            <a:bodyPr rtlCol="0" anchor="ctr"/>
+            <a:lstStyle/>
+            <a:p>
+              <a:pPr algn="ctr"/>
+              <a:endParaRPr lang="en-GB">
+                <a:solidFill>
+                  <a:schemeClr val="bg2">
+                    <a:lumMod val="50000"/>
+                  </a:schemeClr>
+                </a:solidFill>
+              </a:endParaRPr>
+            </a:p>
+          </p:txBody>
+        </p:sp>
+        <p:sp>
+          <p:nvSpPr>
+            <p:cNvPr id="169" name="Arc 168"/>
+            <p:cNvSpPr/>
+            <p:nvPr/>
+          </p:nvSpPr>
+          <p:spPr>
+            <a:xfrm rot="7491321">
+              <a:off x="1880394" y="3833656"/>
+              <a:ext cx="173408" cy="173408"/>
+            </a:xfrm>
+            <a:prstGeom prst="arc">
+              <a:avLst>
+                <a:gd name="adj1" fmla="val 4644005"/>
+                <a:gd name="adj2" fmla="val 0"/>
+              </a:avLst>
+            </a:prstGeom>
+            <a:ln w="19050">
+              <a:solidFill>
+                <a:schemeClr val="tx1"/>
+              </a:solidFill>
+              <a:headEnd type="triangle" w="med" len="med"/>
+              <a:tailEnd type="none" w="med" len="med"/>
+            </a:ln>
+          </p:spPr>
+          <p:style>
+            <a:lnRef idx="1">
+              <a:schemeClr val="accent1"/>
+            </a:lnRef>
+            <a:fillRef idx="0">
+              <a:schemeClr val="accent1"/>
+            </a:fillRef>
+            <a:effectRef idx="0">
+              <a:schemeClr val="accent1"/>
+            </a:effectRef>
+            <a:fontRef idx="minor">
+              <a:schemeClr val="tx1"/>
+            </a:fontRef>
+          </p:style>
+          <p:txBody>
+            <a:bodyPr rtlCol="0" anchor="ctr"/>
+            <a:lstStyle/>
+            <a:p>
+              <a:pPr algn="ctr"/>
+              <a:endParaRPr lang="en-GB">
+                <a:solidFill>
+                  <a:schemeClr val="bg2">
+                    <a:lumMod val="50000"/>
+                  </a:schemeClr>
+                </a:solidFill>
+              </a:endParaRPr>
+            </a:p>
+          </p:txBody>
+        </p:sp>
+        <p:sp>
+          <p:nvSpPr>
+            <p:cNvPr id="170" name="Arc 169"/>
+            <p:cNvSpPr/>
+            <p:nvPr/>
+          </p:nvSpPr>
+          <p:spPr>
+            <a:xfrm rot="7491321">
+              <a:off x="2158329" y="3833657"/>
+              <a:ext cx="173408" cy="173408"/>
+            </a:xfrm>
+            <a:prstGeom prst="arc">
+              <a:avLst>
+                <a:gd name="adj1" fmla="val 4644005"/>
+                <a:gd name="adj2" fmla="val 0"/>
+              </a:avLst>
+            </a:prstGeom>
+            <a:ln w="19050">
+              <a:solidFill>
+                <a:schemeClr val="tx1"/>
+              </a:solidFill>
+              <a:headEnd type="triangle" w="med" len="med"/>
+              <a:tailEnd type="none" w="med" len="med"/>
+            </a:ln>
+          </p:spPr>
+          <p:style>
+            <a:lnRef idx="1">
+              <a:schemeClr val="accent1"/>
+            </a:lnRef>
+            <a:fillRef idx="0">
+              <a:schemeClr val="accent1"/>
+            </a:fillRef>
+            <a:effectRef idx="0">
+              <a:schemeClr val="accent1"/>
+            </a:effectRef>
+            <a:fontRef idx="minor">
+              <a:schemeClr val="tx1"/>
+            </a:fontRef>
+          </p:style>
+          <p:txBody>
+            <a:bodyPr rtlCol="0" anchor="ctr"/>
+            <a:lstStyle/>
+            <a:p>
+              <a:pPr algn="ctr"/>
+              <a:endParaRPr lang="en-GB">
+                <a:solidFill>
+                  <a:schemeClr val="bg2">
+                    <a:lumMod val="50000"/>
+                  </a:schemeClr>
+                </a:solidFill>
+              </a:endParaRPr>
+            </a:p>
+          </p:txBody>
+        </p:sp>
+        <p:sp>
+          <p:nvSpPr>
+            <p:cNvPr id="171" name="Arc 170"/>
+            <p:cNvSpPr/>
+            <p:nvPr/>
+          </p:nvSpPr>
+          <p:spPr>
+            <a:xfrm rot="7491321">
+              <a:off x="2436264" y="3839504"/>
+              <a:ext cx="173408" cy="173408"/>
+            </a:xfrm>
+            <a:prstGeom prst="arc">
+              <a:avLst>
+                <a:gd name="adj1" fmla="val 4644005"/>
+                <a:gd name="adj2" fmla="val 0"/>
+              </a:avLst>
+            </a:prstGeom>
+            <a:ln w="19050">
+              <a:solidFill>
+                <a:schemeClr val="tx1"/>
+              </a:solidFill>
+              <a:headEnd type="triangle" w="med" len="med"/>
+              <a:tailEnd type="none" w="med" len="med"/>
+            </a:ln>
+          </p:spPr>
+          <p:style>
+            <a:lnRef idx="1">
+              <a:schemeClr val="accent1"/>
+            </a:lnRef>
+            <a:fillRef idx="0">
+              <a:schemeClr val="accent1"/>
+            </a:fillRef>
+            <a:effectRef idx="0">
+              <a:schemeClr val="accent1"/>
+            </a:effectRef>
+            <a:fontRef idx="minor">
+              <a:schemeClr val="tx1"/>
+            </a:fontRef>
+          </p:style>
+          <p:txBody>
+            <a:bodyPr rtlCol="0" anchor="ctr"/>
+            <a:lstStyle/>
+            <a:p>
+              <a:pPr algn="ctr"/>
+              <a:endParaRPr lang="en-GB">
+                <a:solidFill>
+                  <a:schemeClr val="bg2">
+                    <a:lumMod val="50000"/>
+                  </a:schemeClr>
+                </a:solidFill>
+              </a:endParaRPr>
+            </a:p>
+          </p:txBody>
+        </p:sp>
+        <p:sp>
+          <p:nvSpPr>
+            <p:cNvPr id="172" name="Arc 171"/>
+            <p:cNvSpPr/>
+            <p:nvPr/>
+          </p:nvSpPr>
+          <p:spPr>
+            <a:xfrm rot="7491321">
+              <a:off x="2714200" y="3833657"/>
+              <a:ext cx="173408" cy="173408"/>
+            </a:xfrm>
+            <a:prstGeom prst="arc">
+              <a:avLst>
+                <a:gd name="adj1" fmla="val 4644005"/>
+                <a:gd name="adj2" fmla="val 0"/>
+              </a:avLst>
+            </a:prstGeom>
+            <a:ln w="19050">
+              <a:solidFill>
+                <a:schemeClr val="tx1"/>
+              </a:solidFill>
+              <a:headEnd type="triangle" w="med" len="med"/>
+              <a:tailEnd type="none" w="med" len="med"/>
+            </a:ln>
+          </p:spPr>
+          <p:style>
+            <a:lnRef idx="1">
+              <a:schemeClr val="accent1"/>
+            </a:lnRef>
+            <a:fillRef idx="0">
+              <a:schemeClr val="accent1"/>
+            </a:fillRef>
+            <a:effectRef idx="0">
+              <a:schemeClr val="accent1"/>
+            </a:effectRef>
+            <a:fontRef idx="minor">
+              <a:schemeClr val="tx1"/>
+            </a:fontRef>
+          </p:style>
+          <p:txBody>
+            <a:bodyPr rtlCol="0" anchor="ctr"/>
+            <a:lstStyle/>
+            <a:p>
+              <a:pPr algn="ctr"/>
+              <a:endParaRPr lang="en-GB">
+                <a:solidFill>
+                  <a:schemeClr val="bg2">
+                    <a:lumMod val="50000"/>
+                  </a:schemeClr>
+                </a:solidFill>
+              </a:endParaRPr>
+            </a:p>
+          </p:txBody>
+        </p:sp>
+        <p:sp>
+          <p:nvSpPr>
+            <p:cNvPr id="173" name="Arc 172"/>
+            <p:cNvSpPr/>
+            <p:nvPr/>
+          </p:nvSpPr>
+          <p:spPr>
+            <a:xfrm rot="7491321">
+              <a:off x="2992135" y="3833656"/>
+              <a:ext cx="173408" cy="173408"/>
+            </a:xfrm>
+            <a:prstGeom prst="arc">
+              <a:avLst>
+                <a:gd name="adj1" fmla="val 4644005"/>
+                <a:gd name="adj2" fmla="val 0"/>
+              </a:avLst>
+            </a:prstGeom>
+            <a:ln w="19050">
+              <a:solidFill>
+                <a:schemeClr val="tx1"/>
+              </a:solidFill>
+              <a:headEnd type="triangle" w="med" len="med"/>
+              <a:tailEnd type="none" w="med" len="med"/>
+            </a:ln>
+          </p:spPr>
+          <p:style>
+            <a:lnRef idx="1">
+              <a:schemeClr val="accent1"/>
+            </a:lnRef>
+            <a:fillRef idx="0">
+              <a:schemeClr val="accent1"/>
+            </a:fillRef>
+            <a:effectRef idx="0">
+              <a:schemeClr val="accent1"/>
+            </a:effectRef>
+            <a:fontRef idx="minor">
+              <a:schemeClr val="tx1"/>
+            </a:fontRef>
+          </p:style>
+          <p:txBody>
+            <a:bodyPr rtlCol="0" anchor="ctr"/>
+            <a:lstStyle/>
+            <a:p>
+              <a:pPr algn="ctr"/>
+              <a:endParaRPr lang="en-GB">
+                <a:solidFill>
+                  <a:schemeClr val="bg2">
+                    <a:lumMod val="50000"/>
+                  </a:schemeClr>
+                </a:solidFill>
+              </a:endParaRPr>
+            </a:p>
+          </p:txBody>
+        </p:sp>
+        <p:sp>
+          <p:nvSpPr>
+            <p:cNvPr id="174" name="Arc 173"/>
+            <p:cNvSpPr/>
+            <p:nvPr/>
+          </p:nvSpPr>
+          <p:spPr>
+            <a:xfrm rot="7491321">
+              <a:off x="3270070" y="3833657"/>
+              <a:ext cx="173408" cy="173408"/>
+            </a:xfrm>
+            <a:prstGeom prst="arc">
+              <a:avLst>
+                <a:gd name="adj1" fmla="val 4644005"/>
+                <a:gd name="adj2" fmla="val 0"/>
+              </a:avLst>
+            </a:prstGeom>
+            <a:ln w="19050">
+              <a:solidFill>
+                <a:schemeClr val="tx1"/>
+              </a:solidFill>
+              <a:headEnd type="triangle" w="med" len="med"/>
+              <a:tailEnd type="none" w="med" len="med"/>
+            </a:ln>
+          </p:spPr>
+          <p:style>
+            <a:lnRef idx="1">
+              <a:schemeClr val="accent1"/>
+            </a:lnRef>
+            <a:fillRef idx="0">
+              <a:schemeClr val="accent1"/>
+            </a:fillRef>
+            <a:effectRef idx="0">
+              <a:schemeClr val="accent1"/>
+            </a:effectRef>
+            <a:fontRef idx="minor">
+              <a:schemeClr val="tx1"/>
+            </a:fontRef>
+          </p:style>
+          <p:txBody>
+            <a:bodyPr rtlCol="0" anchor="ctr"/>
+            <a:lstStyle/>
+            <a:p>
+              <a:pPr algn="ctr"/>
+              <a:endParaRPr lang="en-GB">
+                <a:solidFill>
+                  <a:schemeClr val="bg2">
+                    <a:lumMod val="50000"/>
+                  </a:schemeClr>
+                </a:solidFill>
+              </a:endParaRPr>
+            </a:p>
+          </p:txBody>
+        </p:sp>
+        <p:sp>
+          <p:nvSpPr>
+            <p:cNvPr id="175" name="Arc 174"/>
+            <p:cNvSpPr/>
+            <p:nvPr/>
+          </p:nvSpPr>
+          <p:spPr>
+            <a:xfrm rot="7491321">
+              <a:off x="3548005" y="3833656"/>
+              <a:ext cx="173408" cy="173408"/>
+            </a:xfrm>
+            <a:prstGeom prst="arc">
+              <a:avLst>
+                <a:gd name="adj1" fmla="val 4644005"/>
+                <a:gd name="adj2" fmla="val 0"/>
+              </a:avLst>
+            </a:prstGeom>
+            <a:ln w="19050">
+              <a:solidFill>
+                <a:schemeClr val="tx1"/>
+              </a:solidFill>
+              <a:headEnd type="triangle" w="med" len="med"/>
+              <a:tailEnd type="none" w="med" len="med"/>
+            </a:ln>
+          </p:spPr>
+          <p:style>
+            <a:lnRef idx="1">
+              <a:schemeClr val="accent1"/>
+            </a:lnRef>
+            <a:fillRef idx="0">
+              <a:schemeClr val="accent1"/>
+            </a:fillRef>
+            <a:effectRef idx="0">
+              <a:schemeClr val="accent1"/>
+            </a:effectRef>
+            <a:fontRef idx="minor">
+              <a:schemeClr val="tx1"/>
+            </a:fontRef>
+          </p:style>
+          <p:txBody>
+            <a:bodyPr rtlCol="0" anchor="ctr"/>
+            <a:lstStyle/>
+            <a:p>
+              <a:pPr algn="ctr"/>
+              <a:endParaRPr lang="en-GB">
+                <a:solidFill>
+                  <a:schemeClr val="bg2">
+                    <a:lumMod val="50000"/>
+                  </a:schemeClr>
+                </a:solidFill>
+              </a:endParaRPr>
+            </a:p>
+          </p:txBody>
+        </p:sp>
+        <p:sp>
+          <p:nvSpPr>
+            <p:cNvPr id="176" name="Arc 175"/>
+            <p:cNvSpPr/>
+            <p:nvPr/>
+          </p:nvSpPr>
+          <p:spPr>
+            <a:xfrm rot="7491321">
+              <a:off x="3825944" y="3833657"/>
+              <a:ext cx="173408" cy="173408"/>
+            </a:xfrm>
+            <a:prstGeom prst="arc">
+              <a:avLst>
+                <a:gd name="adj1" fmla="val 4644005"/>
+                <a:gd name="adj2" fmla="val 0"/>
+              </a:avLst>
+            </a:prstGeom>
+            <a:ln w="19050">
+              <a:solidFill>
+                <a:schemeClr val="tx1"/>
+              </a:solidFill>
+              <a:headEnd type="triangle" w="med" len="med"/>
+              <a:tailEnd type="none" w="med" len="med"/>
+            </a:ln>
+          </p:spPr>
+          <p:style>
+            <a:lnRef idx="1">
+              <a:schemeClr val="accent1"/>
+            </a:lnRef>
+            <a:fillRef idx="0">
+              <a:schemeClr val="accent1"/>
+            </a:fillRef>
+            <a:effectRef idx="0">
+              <a:schemeClr val="accent1"/>
+            </a:effectRef>
+            <a:fontRef idx="minor">
+              <a:schemeClr val="tx1"/>
+            </a:fontRef>
+          </p:style>
+          <p:txBody>
+            <a:bodyPr rtlCol="0" anchor="ctr"/>
+            <a:lstStyle/>
+            <a:p>
+              <a:pPr algn="ctr"/>
+              <a:endParaRPr lang="en-GB">
+                <a:solidFill>
+                  <a:schemeClr val="bg2">
+                    <a:lumMod val="50000"/>
+                  </a:schemeClr>
+                </a:solidFill>
+              </a:endParaRPr>
+            </a:p>
+          </p:txBody>
+        </p:sp>
+        <mc:AlternateContent xmlns:mc="http://schemas.openxmlformats.org/markup-compatibility/2006" xmlns:a14="http://schemas.microsoft.com/office/drawing/2010/main">
+          <mc:Choice Requires="a14">
+            <p:sp>
+              <p:nvSpPr>
+                <p:cNvPr id="178" name="TextBox 177"/>
+                <p:cNvSpPr txBox="1"/>
+                <p:nvPr/>
+              </p:nvSpPr>
+              <p:spPr>
+                <a:xfrm>
+                  <a:off x="4317319" y="3477776"/>
+                  <a:ext cx="294617" cy="246221"/>
+                </a:xfrm>
+                <a:prstGeom prst="rect">
+                  <a:avLst/>
+                </a:prstGeom>
+                <a:noFill/>
+              </p:spPr>
+              <p:txBody>
+                <a:bodyPr wrap="square" lIns="0" tIns="0" rIns="0" bIns="0" rtlCol="0">
+                  <a:spAutoFit/>
+                </a:bodyPr>
+                <a:lstStyle/>
+                <a:p>
+                  <a:pPr/>
+                  <a14:m>
+                    <m:oMathPara xmlns:m="http://schemas.openxmlformats.org/officeDocument/2006/math">
+                      <m:oMathParaPr>
+                        <m:jc m:val="centerGroup"/>
+                      </m:oMathParaPr>
+                      <m:oMath xmlns:m="http://schemas.openxmlformats.org/officeDocument/2006/math">
+                        <m:r>
+                          <a:rPr lang="hu-HU" sz="1600" b="0" i="1" smtClean="0">
+                            <a:latin typeface="Cambria Math" charset="0"/>
+                          </a:rPr>
+                          <m:t>𝑑</m:t>
+                        </m:r>
+                      </m:oMath>
+                    </m:oMathPara>
+                  </a14:m>
+                  <a:endParaRPr lang="hu-HU" sz="1600" b="0" dirty="0" smtClean="0"/>
+                </a:p>
+              </p:txBody>
+            </p:sp>
+          </mc:Choice>
+          <mc:Fallback xmlns="">
+            <p:sp>
+              <p:nvSpPr>
+                <p:cNvPr id="178" name="TextBox 177"/>
+                <p:cNvSpPr txBox="1">
+                  <a:spLocks noRot="1" noChangeAspect="1" noMove="1" noResize="1" noEditPoints="1" noAdjustHandles="1" noChangeArrowheads="1" noChangeShapeType="1" noTextEdit="1"/>
+                </p:cNvSpPr>
+                <p:nvPr/>
+              </p:nvSpPr>
+              <p:spPr>
+                <a:xfrm>
+                  <a:off x="4317319" y="3477776"/>
+                  <a:ext cx="294617" cy="246221"/>
+                </a:xfrm>
+                <a:prstGeom prst="rect">
+                  <a:avLst/>
+                </a:prstGeom>
+                <a:blipFill rotWithShape="0">
+                  <a:blip r:embed="rId4"/>
+                  <a:stretch>
+                    <a:fillRect b="-4878"/>
+                  </a:stretch>
+                </a:blipFill>
+              </p:spPr>
+              <p:txBody>
+                <a:bodyPr/>
+                <a:lstStyle/>
+                <a:p>
+                  <a:r>
+                    <a:rPr lang="en-GB">
+                      <a:noFill/>
+                    </a:rPr>
+                    <a:t> </a:t>
+                  </a:r>
+                </a:p>
+              </p:txBody>
+            </p:sp>
+          </mc:Fallback>
+        </mc:AlternateContent>
+      </p:grpSp>
+    </p:spTree>
+    <p:extLst>
+      <p:ext uri="{BB962C8B-B14F-4D97-AF65-F5344CB8AC3E}">
+        <p14:creationId xmlns:p14="http://schemas.microsoft.com/office/powerpoint/2010/main" val="1578078142"/>
+      </p:ext>
+    </p:extLst>
+  </p:cSld>
+  <p:clrMapOvr>
+    <a:masterClrMapping/>
+  </p:clrMapOvr>
+  <p:timing>
+    <p:tnLst>
+      <p:par>
+        <p:cTn id="1" dur="indefinite" restart="never" nodeType="tmRoot"/>
+      </p:par>
+    </p:tnLst>
+  </p:timing>
+</p:sld>
+</file>
+
+<file path=ppt/slides/slide9.xml><?xml version="1.0" encoding="utf-8"?>
+<p:sld xmlns:a="http://schemas.openxmlformats.org/drawingml/2006/main" xmlns:r="http://schemas.openxmlformats.org/officeDocument/2006/relationships" xmlns:p="http://schemas.openxmlformats.org/presentationml/2006/main">
+  <p:cSld>
+    <p:spTree>
+      <p:nvGrpSpPr>
+        <p:cNvPr id="1" name=""/>
+        <p:cNvGrpSpPr/>
+        <p:nvPr/>
+      </p:nvGrpSpPr>
+      <p:grpSpPr>
+        <a:xfrm>
+          <a:off x="0" y="0"/>
+          <a:ext cx="0" cy="0"/>
+          <a:chOff x="0" y="0"/>
+          <a:chExt cx="0" cy="0"/>
+        </a:xfrm>
+      </p:grpSpPr>
+      <p:grpSp>
+        <p:nvGrpSpPr>
+          <p:cNvPr id="9" name="Group 8"/>
+          <p:cNvGrpSpPr/>
+          <p:nvPr/>
+        </p:nvGrpSpPr>
+        <p:grpSpPr>
+          <a:xfrm>
+            <a:off x="605733" y="1588514"/>
+            <a:ext cx="11094948" cy="4355086"/>
+            <a:chOff x="1097052" y="2502914"/>
+            <a:chExt cx="11094948" cy="4355086"/>
+          </a:xfrm>
+        </p:grpSpPr>
+        <p:pic>
+          <p:nvPicPr>
+            <p:cNvPr id="2" name="Picture 1"/>
+            <p:cNvPicPr>
+              <a:picLocks noChangeAspect="1"/>
+            </p:cNvPicPr>
+            <p:nvPr/>
+          </p:nvPicPr>
+          <p:blipFill>
+            <a:blip r:embed="rId2">
+              <a:extLst>
+                <a:ext uri="{28A0092B-C50C-407E-A947-70E740481C1C}">
+                  <a14:useLocalDpi xmlns:a14="http://schemas.microsoft.com/office/drawing/2010/main" val="0"/>
+                </a:ext>
+              </a:extLst>
+            </a:blip>
+            <a:stretch>
+              <a:fillRect/>
+            </a:stretch>
+          </p:blipFill>
+          <p:spPr>
             <a:xfrm>
-              <a:off x="9076369" y="330091"/>
-              <a:ext cx="1794530" cy="276999"/>
+              <a:off x="1097052" y="2502917"/>
+              <a:ext cx="3698316" cy="2177541"/>
             </a:xfrm>
             <a:prstGeom prst="rect">
               <a:avLst/>
             </a:prstGeom>
-            <a:noFill/>
           </p:spPr>
-          <p:txBody>
-            <a:bodyPr wrap="none" rtlCol="0">
-              <a:spAutoFit/>
-            </a:bodyPr>
-            <a:lstStyle/>
-            <a:p>
-              <a:r>
-                <a:rPr lang="en-GB" sz="1200" dirty="0" smtClean="0">
-                  <a:latin typeface="Times New Roman" charset="0"/>
-                  <a:ea typeface="Times New Roman" charset="0"/>
-                  <a:cs typeface="Times New Roman" charset="0"/>
-                </a:rPr>
-                <a:t>Reference to the VTK-file</a:t>
-              </a:r>
-              <a:endParaRPr lang="en-GB" sz="1200" dirty="0">
-                <a:latin typeface="Times New Roman" charset="0"/>
-                <a:ea typeface="Times New Roman" charset="0"/>
-                <a:cs typeface="Times New Roman" charset="0"/>
-              </a:endParaRPr>
-            </a:p>
-          </p:txBody>
-        </p:sp>
+        </p:pic>
+        <p:pic>
+          <p:nvPicPr>
+            <p:cNvPr id="3" name="Picture 2"/>
+            <p:cNvPicPr>
+              <a:picLocks noChangeAspect="1"/>
+            </p:cNvPicPr>
+            <p:nvPr/>
+          </p:nvPicPr>
+          <p:blipFill>
+            <a:blip r:embed="rId3">
+              <a:extLst>
+                <a:ext uri="{28A0092B-C50C-407E-A947-70E740481C1C}">
+                  <a14:useLocalDpi xmlns:a14="http://schemas.microsoft.com/office/drawing/2010/main" val="0"/>
+                </a:ext>
+              </a:extLst>
+            </a:blip>
+            <a:stretch>
+              <a:fillRect/>
+            </a:stretch>
+          </p:blipFill>
+          <p:spPr>
+            <a:xfrm>
+              <a:off x="4795368" y="2502918"/>
+              <a:ext cx="3698316" cy="2177541"/>
+            </a:xfrm>
+            <a:prstGeom prst="rect">
+              <a:avLst/>
+            </a:prstGeom>
+          </p:spPr>
+        </p:pic>
+        <p:pic>
+          <p:nvPicPr>
+            <p:cNvPr id="5" name="Picture 4"/>
+            <p:cNvPicPr>
+              <a:picLocks noChangeAspect="1"/>
+            </p:cNvPicPr>
+            <p:nvPr/>
+          </p:nvPicPr>
+          <p:blipFill>
+            <a:blip r:embed="rId4">
+              <a:extLst>
+                <a:ext uri="{28A0092B-C50C-407E-A947-70E740481C1C}">
+                  <a14:useLocalDpi xmlns:a14="http://schemas.microsoft.com/office/drawing/2010/main" val="0"/>
+                </a:ext>
+              </a:extLst>
+            </a:blip>
+            <a:stretch>
+              <a:fillRect/>
+            </a:stretch>
+          </p:blipFill>
+          <p:spPr>
+            <a:xfrm>
+              <a:off x="8493684" y="2502918"/>
+              <a:ext cx="3698316" cy="2177541"/>
+            </a:xfrm>
+            <a:prstGeom prst="rect">
+              <a:avLst/>
+            </a:prstGeom>
+          </p:spPr>
+        </p:pic>
+        <p:pic>
+          <p:nvPicPr>
+            <p:cNvPr id="6" name="Picture 5"/>
+            <p:cNvPicPr>
+              <a:picLocks noChangeAspect="1"/>
+            </p:cNvPicPr>
+            <p:nvPr/>
+          </p:nvPicPr>
+          <p:blipFill>
+            <a:blip r:embed="rId5">
+              <a:extLst>
+                <a:ext uri="{28A0092B-C50C-407E-A947-70E740481C1C}">
+                  <a14:useLocalDpi xmlns:a14="http://schemas.microsoft.com/office/drawing/2010/main" val="0"/>
+                </a:ext>
+              </a:extLst>
+            </a:blip>
+            <a:stretch>
+              <a:fillRect/>
+            </a:stretch>
+          </p:blipFill>
+          <p:spPr>
+            <a:xfrm>
+              <a:off x="1097052" y="4680459"/>
+              <a:ext cx="3698316" cy="2177541"/>
+            </a:xfrm>
+            <a:prstGeom prst="rect">
+              <a:avLst/>
+            </a:prstGeom>
+          </p:spPr>
+        </p:pic>
+        <p:pic>
+          <p:nvPicPr>
+            <p:cNvPr id="7" name="Picture 6"/>
+            <p:cNvPicPr>
+              <a:picLocks noChangeAspect="1"/>
+            </p:cNvPicPr>
+            <p:nvPr/>
+          </p:nvPicPr>
+          <p:blipFill>
+            <a:blip r:embed="rId6">
+              <a:extLst>
+                <a:ext uri="{28A0092B-C50C-407E-A947-70E740481C1C}">
+                  <a14:useLocalDpi xmlns:a14="http://schemas.microsoft.com/office/drawing/2010/main" val="0"/>
+                </a:ext>
+              </a:extLst>
+            </a:blip>
+            <a:stretch>
+              <a:fillRect/>
+            </a:stretch>
+          </p:blipFill>
+          <p:spPr>
+            <a:xfrm>
+              <a:off x="4795368" y="4680459"/>
+              <a:ext cx="3698316" cy="2177541"/>
+            </a:xfrm>
+            <a:prstGeom prst="rect">
+              <a:avLst/>
+            </a:prstGeom>
+          </p:spPr>
+        </p:pic>
+        <p:pic>
+          <p:nvPicPr>
+            <p:cNvPr id="8" name="Picture 7"/>
+            <p:cNvPicPr>
+              <a:picLocks noChangeAspect="1"/>
+            </p:cNvPicPr>
+            <p:nvPr/>
+          </p:nvPicPr>
+          <p:blipFill>
+            <a:blip r:embed="rId7">
+              <a:extLst>
+                <a:ext uri="{28A0092B-C50C-407E-A947-70E740481C1C}">
+                  <a14:useLocalDpi xmlns:a14="http://schemas.microsoft.com/office/drawing/2010/main" val="0"/>
+                </a:ext>
+              </a:extLst>
+            </a:blip>
+            <a:stretch>
+              <a:fillRect/>
+            </a:stretch>
+          </p:blipFill>
+          <p:spPr>
+            <a:xfrm>
+              <a:off x="8493684" y="4680459"/>
+              <a:ext cx="3698316" cy="2177541"/>
+            </a:xfrm>
+            <a:prstGeom prst="rect">
+              <a:avLst/>
+            </a:prstGeom>
+          </p:spPr>
+        </p:pic>
+        <mc:AlternateContent xmlns:mc="http://schemas.openxmlformats.org/markup-compatibility/2006">
+          <mc:Choice xmlns:a14="http://schemas.microsoft.com/office/drawing/2010/main" Requires="a14">
+            <p:sp>
+              <p:nvSpPr>
+                <p:cNvPr id="40" name="TextBox 39"/>
+                <p:cNvSpPr txBox="1"/>
+                <p:nvPr/>
+              </p:nvSpPr>
+              <p:spPr>
+                <a:xfrm>
+                  <a:off x="2612368" y="2502916"/>
+                  <a:ext cx="667683" cy="276999"/>
+                </a:xfrm>
+                <a:prstGeom prst="rect">
+                  <a:avLst/>
+                </a:prstGeom>
+                <a:noFill/>
+              </p:spPr>
+              <p:txBody>
+                <a:bodyPr wrap="none" lIns="0" tIns="0" rIns="0" bIns="0" rtlCol="0">
+                  <a:spAutoFit/>
+                </a:bodyPr>
+                <a:lstStyle/>
+                <a:p>
+                  <a14:m>
+                    <m:oMath xmlns:m="http://schemas.openxmlformats.org/officeDocument/2006/math">
+                      <m:r>
+                        <a:rPr lang="hu-HU" b="0" i="1" smtClean="0">
+                          <a:latin typeface="Cambria Math" charset="0"/>
+                        </a:rPr>
+                        <m:t>𝑡</m:t>
+                      </m:r>
+                      <m:r>
+                        <a:rPr lang="hu-HU" b="0" i="1" smtClean="0">
+                          <a:latin typeface="Cambria Math" charset="0"/>
+                        </a:rPr>
+                        <m:t>=0 </m:t>
+                      </m:r>
+                    </m:oMath>
+                  </a14:m>
+                  <a:r>
+                    <a:rPr lang="en-GB" dirty="0" smtClean="0"/>
+                    <a:t>s</a:t>
+                  </a:r>
+                  <a:endParaRPr lang="en-GB" dirty="0"/>
+                </a:p>
+              </p:txBody>
+            </p:sp>
+          </mc:Choice>
+          <mc:Fallback>
+            <p:sp>
+              <p:nvSpPr>
+                <p:cNvPr id="40" name="TextBox 39"/>
+                <p:cNvSpPr txBox="1">
+                  <a:spLocks noRot="1" noChangeAspect="1" noMove="1" noResize="1" noEditPoints="1" noAdjustHandles="1" noChangeArrowheads="1" noChangeShapeType="1" noTextEdit="1"/>
+                </p:cNvSpPr>
+                <p:nvPr/>
+              </p:nvSpPr>
+              <p:spPr>
+                <a:xfrm>
+                  <a:off x="2612368" y="2502916"/>
+                  <a:ext cx="667683" cy="276999"/>
+                </a:xfrm>
+                <a:prstGeom prst="rect">
+                  <a:avLst/>
+                </a:prstGeom>
+                <a:blipFill rotWithShape="0">
+                  <a:blip r:embed="rId8"/>
+                  <a:stretch>
+                    <a:fillRect l="-11009" t="-148889" r="-21101" b="-180000"/>
+                  </a:stretch>
+                </a:blipFill>
+              </p:spPr>
+              <p:txBody>
+                <a:bodyPr/>
+                <a:lstStyle/>
+                <a:p>
+                  <a:r>
+                    <a:rPr lang="hu-HU">
+                      <a:noFill/>
+                    </a:rPr>
+                    <a:t> </a:t>
+                  </a:r>
+                </a:p>
+              </p:txBody>
+            </p:sp>
+          </mc:Fallback>
+        </mc:AlternateContent>
+        <mc:AlternateContent xmlns:mc="http://schemas.openxmlformats.org/markup-compatibility/2006">
+          <mc:Choice xmlns:a14="http://schemas.microsoft.com/office/drawing/2010/main" Requires="a14">
+            <p:sp>
+              <p:nvSpPr>
+                <p:cNvPr id="41" name="TextBox 40"/>
+                <p:cNvSpPr txBox="1"/>
+                <p:nvPr/>
+              </p:nvSpPr>
+              <p:spPr>
+                <a:xfrm>
+                  <a:off x="6220601" y="2502915"/>
+                  <a:ext cx="844014" cy="276999"/>
+                </a:xfrm>
+                <a:prstGeom prst="rect">
+                  <a:avLst/>
+                </a:prstGeom>
+                <a:noFill/>
+              </p:spPr>
+              <p:txBody>
+                <a:bodyPr wrap="none" lIns="0" tIns="0" rIns="0" bIns="0" rtlCol="0">
+                  <a:spAutoFit/>
+                </a:bodyPr>
+                <a:lstStyle/>
+                <a:p>
+                  <a14:m>
+                    <m:oMath xmlns:m="http://schemas.openxmlformats.org/officeDocument/2006/math">
+                      <m:r>
+                        <a:rPr lang="hu-HU" b="0" i="1" smtClean="0">
+                          <a:latin typeface="Cambria Math" charset="0"/>
+                        </a:rPr>
+                        <m:t>𝑡</m:t>
+                      </m:r>
+                      <m:r>
+                        <a:rPr lang="hu-HU" b="0" i="1" smtClean="0">
+                          <a:latin typeface="Cambria Math" charset="0"/>
+                        </a:rPr>
+                        <m:t>=0.2 </m:t>
+                      </m:r>
+                    </m:oMath>
+                  </a14:m>
+                  <a:r>
+                    <a:rPr lang="en-GB" dirty="0" smtClean="0"/>
+                    <a:t>s</a:t>
+                  </a:r>
+                  <a:endParaRPr lang="en-GB" dirty="0"/>
+                </a:p>
+              </p:txBody>
+            </p:sp>
+          </mc:Choice>
+          <mc:Fallback>
+            <p:sp>
+              <p:nvSpPr>
+                <p:cNvPr id="41" name="TextBox 40"/>
+                <p:cNvSpPr txBox="1">
+                  <a:spLocks noRot="1" noChangeAspect="1" noMove="1" noResize="1" noEditPoints="1" noAdjustHandles="1" noChangeArrowheads="1" noChangeShapeType="1" noTextEdit="1"/>
+                </p:cNvSpPr>
+                <p:nvPr/>
+              </p:nvSpPr>
+              <p:spPr>
+                <a:xfrm>
+                  <a:off x="6220601" y="2502915"/>
+                  <a:ext cx="844014" cy="276999"/>
+                </a:xfrm>
+                <a:prstGeom prst="rect">
+                  <a:avLst/>
+                </a:prstGeom>
+                <a:blipFill rotWithShape="0">
+                  <a:blip r:embed="rId9"/>
+                  <a:stretch>
+                    <a:fillRect l="-8696" t="-148889" r="-16667" b="-180000"/>
+                  </a:stretch>
+                </a:blipFill>
+              </p:spPr>
+              <p:txBody>
+                <a:bodyPr/>
+                <a:lstStyle/>
+                <a:p>
+                  <a:r>
+                    <a:rPr lang="hu-HU">
+                      <a:noFill/>
+                    </a:rPr>
+                    <a:t> </a:t>
+                  </a:r>
+                </a:p>
+              </p:txBody>
+            </p:sp>
+          </mc:Fallback>
+        </mc:AlternateContent>
+        <mc:AlternateContent xmlns:mc="http://schemas.openxmlformats.org/markup-compatibility/2006">
+          <mc:Choice xmlns:a14="http://schemas.microsoft.com/office/drawing/2010/main" Requires="a14">
+            <p:sp>
+              <p:nvSpPr>
+                <p:cNvPr id="42" name="TextBox 41"/>
+                <p:cNvSpPr txBox="1"/>
+                <p:nvPr/>
+              </p:nvSpPr>
+              <p:spPr>
+                <a:xfrm>
+                  <a:off x="9920835" y="2502914"/>
+                  <a:ext cx="844014" cy="276999"/>
+                </a:xfrm>
+                <a:prstGeom prst="rect">
+                  <a:avLst/>
+                </a:prstGeom>
+                <a:noFill/>
+              </p:spPr>
+              <p:txBody>
+                <a:bodyPr wrap="none" lIns="0" tIns="0" rIns="0" bIns="0" rtlCol="0">
+                  <a:spAutoFit/>
+                </a:bodyPr>
+                <a:lstStyle/>
+                <a:p>
+                  <a14:m>
+                    <m:oMath xmlns:m="http://schemas.openxmlformats.org/officeDocument/2006/math">
+                      <m:r>
+                        <a:rPr lang="hu-HU" b="0" i="1" smtClean="0">
+                          <a:latin typeface="Cambria Math" charset="0"/>
+                        </a:rPr>
+                        <m:t>𝑡</m:t>
+                      </m:r>
+                      <m:r>
+                        <a:rPr lang="hu-HU" b="0" i="1" smtClean="0">
+                          <a:latin typeface="Cambria Math" charset="0"/>
+                        </a:rPr>
+                        <m:t>=0.8 </m:t>
+                      </m:r>
+                    </m:oMath>
+                  </a14:m>
+                  <a:r>
+                    <a:rPr lang="en-GB" dirty="0" smtClean="0"/>
+                    <a:t>s</a:t>
+                  </a:r>
+                  <a:endParaRPr lang="en-GB" dirty="0"/>
+                </a:p>
+              </p:txBody>
+            </p:sp>
+          </mc:Choice>
+          <mc:Fallback>
+            <p:sp>
+              <p:nvSpPr>
+                <p:cNvPr id="42" name="TextBox 41"/>
+                <p:cNvSpPr txBox="1">
+                  <a:spLocks noRot="1" noChangeAspect="1" noMove="1" noResize="1" noEditPoints="1" noAdjustHandles="1" noChangeArrowheads="1" noChangeShapeType="1" noTextEdit="1"/>
+                </p:cNvSpPr>
+                <p:nvPr/>
+              </p:nvSpPr>
+              <p:spPr>
+                <a:xfrm>
+                  <a:off x="9920835" y="2502914"/>
+                  <a:ext cx="844014" cy="276999"/>
+                </a:xfrm>
+                <a:prstGeom prst="rect">
+                  <a:avLst/>
+                </a:prstGeom>
+                <a:blipFill rotWithShape="0">
+                  <a:blip r:embed="rId10"/>
+                  <a:stretch>
+                    <a:fillRect l="-8696" t="-148889" r="-16667" b="-180000"/>
+                  </a:stretch>
+                </a:blipFill>
+              </p:spPr>
+              <p:txBody>
+                <a:bodyPr/>
+                <a:lstStyle/>
+                <a:p>
+                  <a:r>
+                    <a:rPr lang="hu-HU">
+                      <a:noFill/>
+                    </a:rPr>
+                    <a:t> </a:t>
+                  </a:r>
+                </a:p>
+              </p:txBody>
+            </p:sp>
+          </mc:Fallback>
+        </mc:AlternateContent>
+        <mc:AlternateContent xmlns:mc="http://schemas.openxmlformats.org/markup-compatibility/2006">
+          <mc:Choice xmlns:a14="http://schemas.microsoft.com/office/drawing/2010/main" Requires="a14">
+            <p:sp>
+              <p:nvSpPr>
+                <p:cNvPr id="43" name="TextBox 42"/>
+                <p:cNvSpPr txBox="1"/>
+                <p:nvPr/>
+              </p:nvSpPr>
+              <p:spPr>
+                <a:xfrm>
+                  <a:off x="2524202" y="4680458"/>
+                  <a:ext cx="844014" cy="276999"/>
+                </a:xfrm>
+                <a:prstGeom prst="rect">
+                  <a:avLst/>
+                </a:prstGeom>
+                <a:noFill/>
+              </p:spPr>
+              <p:txBody>
+                <a:bodyPr wrap="none" lIns="0" tIns="0" rIns="0" bIns="0" rtlCol="0">
+                  <a:spAutoFit/>
+                </a:bodyPr>
+                <a:lstStyle/>
+                <a:p>
+                  <a14:m>
+                    <m:oMath xmlns:m="http://schemas.openxmlformats.org/officeDocument/2006/math">
+                      <m:r>
+                        <a:rPr lang="hu-HU" b="0" i="1" smtClean="0">
+                          <a:latin typeface="Cambria Math" charset="0"/>
+                        </a:rPr>
+                        <m:t>𝑡</m:t>
+                      </m:r>
+                      <m:r>
+                        <a:rPr lang="hu-HU" b="0" i="1" smtClean="0">
+                          <a:latin typeface="Cambria Math" charset="0"/>
+                        </a:rPr>
+                        <m:t>=1.2 </m:t>
+                      </m:r>
+                    </m:oMath>
+                  </a14:m>
+                  <a:r>
+                    <a:rPr lang="en-GB" dirty="0" smtClean="0"/>
+                    <a:t>s</a:t>
+                  </a:r>
+                  <a:endParaRPr lang="en-GB" dirty="0"/>
+                </a:p>
+              </p:txBody>
+            </p:sp>
+          </mc:Choice>
+          <mc:Fallback>
+            <p:sp>
+              <p:nvSpPr>
+                <p:cNvPr id="43" name="TextBox 42"/>
+                <p:cNvSpPr txBox="1">
+                  <a:spLocks noRot="1" noChangeAspect="1" noMove="1" noResize="1" noEditPoints="1" noAdjustHandles="1" noChangeArrowheads="1" noChangeShapeType="1" noTextEdit="1"/>
+                </p:cNvSpPr>
+                <p:nvPr/>
+              </p:nvSpPr>
+              <p:spPr>
+                <a:xfrm>
+                  <a:off x="2524202" y="4680458"/>
+                  <a:ext cx="844014" cy="276999"/>
+                </a:xfrm>
+                <a:prstGeom prst="rect">
+                  <a:avLst/>
+                </a:prstGeom>
+                <a:blipFill rotWithShape="0">
+                  <a:blip r:embed="rId11"/>
+                  <a:stretch>
+                    <a:fillRect l="-8633" t="-146667" r="-16547" b="-180000"/>
+                  </a:stretch>
+                </a:blipFill>
+              </p:spPr>
+              <p:txBody>
+                <a:bodyPr/>
+                <a:lstStyle/>
+                <a:p>
+                  <a:r>
+                    <a:rPr lang="hu-HU">
+                      <a:noFill/>
+                    </a:rPr>
+                    <a:t> </a:t>
+                  </a:r>
+                </a:p>
+              </p:txBody>
+            </p:sp>
+          </mc:Fallback>
+        </mc:AlternateContent>
+        <mc:AlternateContent xmlns:mc="http://schemas.openxmlformats.org/markup-compatibility/2006">
+          <mc:Choice xmlns:a14="http://schemas.microsoft.com/office/drawing/2010/main" Requires="a14">
+            <p:sp>
+              <p:nvSpPr>
+                <p:cNvPr id="44" name="TextBox 43"/>
+                <p:cNvSpPr txBox="1"/>
+                <p:nvPr/>
+              </p:nvSpPr>
+              <p:spPr>
+                <a:xfrm>
+                  <a:off x="6220601" y="4680458"/>
+                  <a:ext cx="844014" cy="276999"/>
+                </a:xfrm>
+                <a:prstGeom prst="rect">
+                  <a:avLst/>
+                </a:prstGeom>
+                <a:noFill/>
+              </p:spPr>
+              <p:txBody>
+                <a:bodyPr wrap="none" lIns="0" tIns="0" rIns="0" bIns="0" rtlCol="0">
+                  <a:spAutoFit/>
+                </a:bodyPr>
+                <a:lstStyle/>
+                <a:p>
+                  <a14:m>
+                    <m:oMath xmlns:m="http://schemas.openxmlformats.org/officeDocument/2006/math">
+                      <m:r>
+                        <a:rPr lang="hu-HU" b="0" i="1" smtClean="0">
+                          <a:latin typeface="Cambria Math" charset="0"/>
+                        </a:rPr>
+                        <m:t>𝑡</m:t>
+                      </m:r>
+                      <m:r>
+                        <a:rPr lang="hu-HU" b="0" i="1" smtClean="0">
+                          <a:latin typeface="Cambria Math" charset="0"/>
+                        </a:rPr>
+                        <m:t>=1.6 </m:t>
+                      </m:r>
+                    </m:oMath>
+                  </a14:m>
+                  <a:r>
+                    <a:rPr lang="en-GB" dirty="0" smtClean="0"/>
+                    <a:t>s</a:t>
+                  </a:r>
+                  <a:endParaRPr lang="en-GB" dirty="0"/>
+                </a:p>
+              </p:txBody>
+            </p:sp>
+          </mc:Choice>
+          <mc:Fallback>
+            <p:sp>
+              <p:nvSpPr>
+                <p:cNvPr id="44" name="TextBox 43"/>
+                <p:cNvSpPr txBox="1">
+                  <a:spLocks noRot="1" noChangeAspect="1" noMove="1" noResize="1" noEditPoints="1" noAdjustHandles="1" noChangeArrowheads="1" noChangeShapeType="1" noTextEdit="1"/>
+                </p:cNvSpPr>
+                <p:nvPr/>
+              </p:nvSpPr>
+              <p:spPr>
+                <a:xfrm>
+                  <a:off x="6220601" y="4680458"/>
+                  <a:ext cx="844014" cy="276999"/>
+                </a:xfrm>
+                <a:prstGeom prst="rect">
+                  <a:avLst/>
+                </a:prstGeom>
+                <a:blipFill rotWithShape="0">
+                  <a:blip r:embed="rId12"/>
+                  <a:stretch>
+                    <a:fillRect l="-8696" t="-146667" r="-16667" b="-180000"/>
+                  </a:stretch>
+                </a:blipFill>
+              </p:spPr>
+              <p:txBody>
+                <a:bodyPr/>
+                <a:lstStyle/>
+                <a:p>
+                  <a:r>
+                    <a:rPr lang="hu-HU">
+                      <a:noFill/>
+                    </a:rPr>
+                    <a:t> </a:t>
+                  </a:r>
+                </a:p>
+              </p:txBody>
+            </p:sp>
+          </mc:Fallback>
+        </mc:AlternateContent>
+        <mc:AlternateContent xmlns:mc="http://schemas.openxmlformats.org/markup-compatibility/2006">
+          <mc:Choice xmlns:a14="http://schemas.microsoft.com/office/drawing/2010/main" Requires="a14">
+            <p:sp>
+              <p:nvSpPr>
+                <p:cNvPr id="45" name="TextBox 44"/>
+                <p:cNvSpPr txBox="1"/>
+                <p:nvPr/>
+              </p:nvSpPr>
+              <p:spPr>
+                <a:xfrm>
+                  <a:off x="10009000" y="4680458"/>
+                  <a:ext cx="667683" cy="276999"/>
+                </a:xfrm>
+                <a:prstGeom prst="rect">
+                  <a:avLst/>
+                </a:prstGeom>
+                <a:noFill/>
+              </p:spPr>
+              <p:txBody>
+                <a:bodyPr wrap="none" lIns="0" tIns="0" rIns="0" bIns="0" rtlCol="0">
+                  <a:spAutoFit/>
+                </a:bodyPr>
+                <a:lstStyle/>
+                <a:p>
+                  <a14:m>
+                    <m:oMath xmlns:m="http://schemas.openxmlformats.org/officeDocument/2006/math">
+                      <m:r>
+                        <a:rPr lang="hu-HU" b="0" i="1" smtClean="0">
+                          <a:latin typeface="Cambria Math" charset="0"/>
+                        </a:rPr>
+                        <m:t>𝑡</m:t>
+                      </m:r>
+                      <m:r>
+                        <a:rPr lang="hu-HU" b="0" i="1" smtClean="0">
+                          <a:latin typeface="Cambria Math" charset="0"/>
+                        </a:rPr>
+                        <m:t>=2 </m:t>
+                      </m:r>
+                    </m:oMath>
+                  </a14:m>
+                  <a:r>
+                    <a:rPr lang="en-GB" dirty="0" smtClean="0"/>
+                    <a:t>s</a:t>
+                  </a:r>
+                  <a:endParaRPr lang="en-GB" dirty="0"/>
+                </a:p>
+              </p:txBody>
+            </p:sp>
+          </mc:Choice>
+          <mc:Fallback>
+            <p:sp>
+              <p:nvSpPr>
+                <p:cNvPr id="45" name="TextBox 44"/>
+                <p:cNvSpPr txBox="1">
+                  <a:spLocks noRot="1" noChangeAspect="1" noMove="1" noResize="1" noEditPoints="1" noAdjustHandles="1" noChangeArrowheads="1" noChangeShapeType="1" noTextEdit="1"/>
+                </p:cNvSpPr>
+                <p:nvPr/>
+              </p:nvSpPr>
+              <p:spPr>
+                <a:xfrm>
+                  <a:off x="10009000" y="4680458"/>
+                  <a:ext cx="667683" cy="276999"/>
+                </a:xfrm>
+                <a:prstGeom prst="rect">
+                  <a:avLst/>
+                </a:prstGeom>
+                <a:blipFill rotWithShape="0">
+                  <a:blip r:embed="rId13"/>
+                  <a:stretch>
+                    <a:fillRect l="-10909" t="-146667" r="-20909" b="-180000"/>
+                  </a:stretch>
+                </a:blipFill>
+              </p:spPr>
+              <p:txBody>
+                <a:bodyPr/>
+                <a:lstStyle/>
+                <a:p>
+                  <a:r>
+                    <a:rPr lang="hu-HU">
+                      <a:noFill/>
+                    </a:rPr>
+                    <a:t> </a:t>
+                  </a:r>
+                </a:p>
+              </p:txBody>
+            </p:sp>
+          </mc:Fallback>
+        </mc:AlternateContent>
       </p:grpSp>
     </p:spTree>
     <p:extLst>
       <p:ext uri="{BB962C8B-B14F-4D97-AF65-F5344CB8AC3E}">
-        <p14:creationId xmlns:p14="http://schemas.microsoft.com/office/powerpoint/2010/main" val="1412171152"/>
+        <p14:creationId xmlns:p14="http://schemas.microsoft.com/office/powerpoint/2010/main" val="1461442928"/>
       </p:ext>
     </p:extLst>
   </p:cSld>

--- a/abrak.pptx
+++ b/abrak.pptx
@@ -5,7 +5,7 @@
     <p:sldMasterId id="2147483648" r:id="rId1"/>
   </p:sldMasterIdLst>
   <p:notesMasterIdLst>
-    <p:notesMasterId r:id="rId14"/>
+    <p:notesMasterId r:id="rId15"/>
   </p:notesMasterIdLst>
   <p:sldIdLst>
     <p:sldId id="274" r:id="rId2"/>
@@ -13,13 +13,14 @@
     <p:sldId id="258" r:id="rId4"/>
     <p:sldId id="259" r:id="rId5"/>
     <p:sldId id="273" r:id="rId6"/>
-    <p:sldId id="276" r:id="rId7"/>
-    <p:sldId id="278" r:id="rId8"/>
-    <p:sldId id="279" r:id="rId9"/>
-    <p:sldId id="282" r:id="rId10"/>
-    <p:sldId id="280" r:id="rId11"/>
-    <p:sldId id="281" r:id="rId12"/>
-    <p:sldId id="261" r:id="rId13"/>
+    <p:sldId id="283" r:id="rId7"/>
+    <p:sldId id="276" r:id="rId8"/>
+    <p:sldId id="278" r:id="rId9"/>
+    <p:sldId id="279" r:id="rId10"/>
+    <p:sldId id="282" r:id="rId11"/>
+    <p:sldId id="280" r:id="rId12"/>
+    <p:sldId id="281" r:id="rId13"/>
+    <p:sldId id="261" r:id="rId14"/>
   </p:sldIdLst>
   <p:sldSz cx="12192000" cy="6858000"/>
   <p:notesSz cx="6858000" cy="9144000"/>
@@ -6449,6 +6450,766 @@
       </p:grpSpPr>
       <p:grpSp>
         <p:nvGrpSpPr>
+          <p:cNvPr id="9" name="Group 8"/>
+          <p:cNvGrpSpPr/>
+          <p:nvPr/>
+        </p:nvGrpSpPr>
+        <p:grpSpPr>
+          <a:xfrm>
+            <a:off x="605733" y="1588514"/>
+            <a:ext cx="11094948" cy="4355086"/>
+            <a:chOff x="1097052" y="2502914"/>
+            <a:chExt cx="11094948" cy="4355086"/>
+          </a:xfrm>
+        </p:grpSpPr>
+        <p:pic>
+          <p:nvPicPr>
+            <p:cNvPr id="2" name="Picture 1"/>
+            <p:cNvPicPr>
+              <a:picLocks noChangeAspect="1"/>
+            </p:cNvPicPr>
+            <p:nvPr/>
+          </p:nvPicPr>
+          <p:blipFill>
+            <a:blip r:embed="rId2">
+              <a:extLst>
+                <a:ext uri="{28A0092B-C50C-407E-A947-70E740481C1C}">
+                  <a14:useLocalDpi xmlns:a14="http://schemas.microsoft.com/office/drawing/2010/main" val="0"/>
+                </a:ext>
+              </a:extLst>
+            </a:blip>
+            <a:stretch>
+              <a:fillRect/>
+            </a:stretch>
+          </p:blipFill>
+          <p:spPr>
+            <a:xfrm>
+              <a:off x="1097052" y="2502917"/>
+              <a:ext cx="3698316" cy="2177541"/>
+            </a:xfrm>
+            <a:prstGeom prst="rect">
+              <a:avLst/>
+            </a:prstGeom>
+          </p:spPr>
+        </p:pic>
+        <p:pic>
+          <p:nvPicPr>
+            <p:cNvPr id="3" name="Picture 2"/>
+            <p:cNvPicPr>
+              <a:picLocks noChangeAspect="1"/>
+            </p:cNvPicPr>
+            <p:nvPr/>
+          </p:nvPicPr>
+          <p:blipFill>
+            <a:blip r:embed="rId3">
+              <a:extLst>
+                <a:ext uri="{28A0092B-C50C-407E-A947-70E740481C1C}">
+                  <a14:useLocalDpi xmlns:a14="http://schemas.microsoft.com/office/drawing/2010/main" val="0"/>
+                </a:ext>
+              </a:extLst>
+            </a:blip>
+            <a:stretch>
+              <a:fillRect/>
+            </a:stretch>
+          </p:blipFill>
+          <p:spPr>
+            <a:xfrm>
+              <a:off x="4795368" y="2502918"/>
+              <a:ext cx="3698316" cy="2177541"/>
+            </a:xfrm>
+            <a:prstGeom prst="rect">
+              <a:avLst/>
+            </a:prstGeom>
+          </p:spPr>
+        </p:pic>
+        <p:pic>
+          <p:nvPicPr>
+            <p:cNvPr id="5" name="Picture 4"/>
+            <p:cNvPicPr>
+              <a:picLocks noChangeAspect="1"/>
+            </p:cNvPicPr>
+            <p:nvPr/>
+          </p:nvPicPr>
+          <p:blipFill>
+            <a:blip r:embed="rId4">
+              <a:extLst>
+                <a:ext uri="{28A0092B-C50C-407E-A947-70E740481C1C}">
+                  <a14:useLocalDpi xmlns:a14="http://schemas.microsoft.com/office/drawing/2010/main" val="0"/>
+                </a:ext>
+              </a:extLst>
+            </a:blip>
+            <a:stretch>
+              <a:fillRect/>
+            </a:stretch>
+          </p:blipFill>
+          <p:spPr>
+            <a:xfrm>
+              <a:off x="8493684" y="2502918"/>
+              <a:ext cx="3698316" cy="2177541"/>
+            </a:xfrm>
+            <a:prstGeom prst="rect">
+              <a:avLst/>
+            </a:prstGeom>
+          </p:spPr>
+        </p:pic>
+        <p:pic>
+          <p:nvPicPr>
+            <p:cNvPr id="6" name="Picture 5"/>
+            <p:cNvPicPr>
+              <a:picLocks noChangeAspect="1"/>
+            </p:cNvPicPr>
+            <p:nvPr/>
+          </p:nvPicPr>
+          <p:blipFill>
+            <a:blip r:embed="rId5">
+              <a:extLst>
+                <a:ext uri="{28A0092B-C50C-407E-A947-70E740481C1C}">
+                  <a14:useLocalDpi xmlns:a14="http://schemas.microsoft.com/office/drawing/2010/main" val="0"/>
+                </a:ext>
+              </a:extLst>
+            </a:blip>
+            <a:stretch>
+              <a:fillRect/>
+            </a:stretch>
+          </p:blipFill>
+          <p:spPr>
+            <a:xfrm>
+              <a:off x="1097052" y="4680459"/>
+              <a:ext cx="3698316" cy="2177541"/>
+            </a:xfrm>
+            <a:prstGeom prst="rect">
+              <a:avLst/>
+            </a:prstGeom>
+          </p:spPr>
+        </p:pic>
+        <p:pic>
+          <p:nvPicPr>
+            <p:cNvPr id="7" name="Picture 6"/>
+            <p:cNvPicPr>
+              <a:picLocks noChangeAspect="1"/>
+            </p:cNvPicPr>
+            <p:nvPr/>
+          </p:nvPicPr>
+          <p:blipFill>
+            <a:blip r:embed="rId6">
+              <a:extLst>
+                <a:ext uri="{28A0092B-C50C-407E-A947-70E740481C1C}">
+                  <a14:useLocalDpi xmlns:a14="http://schemas.microsoft.com/office/drawing/2010/main" val="0"/>
+                </a:ext>
+              </a:extLst>
+            </a:blip>
+            <a:stretch>
+              <a:fillRect/>
+            </a:stretch>
+          </p:blipFill>
+          <p:spPr>
+            <a:xfrm>
+              <a:off x="4795368" y="4680459"/>
+              <a:ext cx="3698316" cy="2177541"/>
+            </a:xfrm>
+            <a:prstGeom prst="rect">
+              <a:avLst/>
+            </a:prstGeom>
+          </p:spPr>
+        </p:pic>
+        <p:pic>
+          <p:nvPicPr>
+            <p:cNvPr id="8" name="Picture 7"/>
+            <p:cNvPicPr>
+              <a:picLocks noChangeAspect="1"/>
+            </p:cNvPicPr>
+            <p:nvPr/>
+          </p:nvPicPr>
+          <p:blipFill>
+            <a:blip r:embed="rId7">
+              <a:extLst>
+                <a:ext uri="{28A0092B-C50C-407E-A947-70E740481C1C}">
+                  <a14:useLocalDpi xmlns:a14="http://schemas.microsoft.com/office/drawing/2010/main" val="0"/>
+                </a:ext>
+              </a:extLst>
+            </a:blip>
+            <a:stretch>
+              <a:fillRect/>
+            </a:stretch>
+          </p:blipFill>
+          <p:spPr>
+            <a:xfrm>
+              <a:off x="8493684" y="4680459"/>
+              <a:ext cx="3698316" cy="2177541"/>
+            </a:xfrm>
+            <a:prstGeom prst="rect">
+              <a:avLst/>
+            </a:prstGeom>
+          </p:spPr>
+        </p:pic>
+        <mc:AlternateContent xmlns:mc="http://schemas.openxmlformats.org/markup-compatibility/2006" xmlns:a14="http://schemas.microsoft.com/office/drawing/2010/main">
+          <mc:Choice Requires="a14">
+            <p:sp>
+              <p:nvSpPr>
+                <p:cNvPr id="40" name="TextBox 39"/>
+                <p:cNvSpPr txBox="1"/>
+                <p:nvPr/>
+              </p:nvSpPr>
+              <p:spPr>
+                <a:xfrm>
+                  <a:off x="2612368" y="2502916"/>
+                  <a:ext cx="667683" cy="276999"/>
+                </a:xfrm>
+                <a:prstGeom prst="rect">
+                  <a:avLst/>
+                </a:prstGeom>
+                <a:noFill/>
+              </p:spPr>
+              <p:txBody>
+                <a:bodyPr wrap="none" lIns="0" tIns="0" rIns="0" bIns="0" rtlCol="0">
+                  <a:spAutoFit/>
+                </a:bodyPr>
+                <a:lstStyle/>
+                <a:p>
+                  <a14:m>
+                    <m:oMath xmlns:m="http://schemas.openxmlformats.org/officeDocument/2006/math">
+                      <m:r>
+                        <a:rPr lang="hu-HU" b="0" i="1" smtClean="0">
+                          <a:latin typeface="Cambria Math" charset="0"/>
+                        </a:rPr>
+                        <m:t>𝑡</m:t>
+                      </m:r>
+                      <m:r>
+                        <a:rPr lang="hu-HU" b="0" i="1" smtClean="0">
+                          <a:latin typeface="Cambria Math" charset="0"/>
+                        </a:rPr>
+                        <m:t>=0 </m:t>
+                      </m:r>
+                    </m:oMath>
+                  </a14:m>
+                  <a:r>
+                    <a:rPr lang="en-GB" dirty="0" smtClean="0"/>
+                    <a:t>s</a:t>
+                  </a:r>
+                  <a:endParaRPr lang="en-GB" dirty="0"/>
+                </a:p>
+              </p:txBody>
+            </p:sp>
+          </mc:Choice>
+          <mc:Fallback xmlns="">
+            <p:sp>
+              <p:nvSpPr>
+                <p:cNvPr id="40" name="TextBox 39"/>
+                <p:cNvSpPr txBox="1">
+                  <a:spLocks noRot="1" noChangeAspect="1" noMove="1" noResize="1" noEditPoints="1" noAdjustHandles="1" noChangeArrowheads="1" noChangeShapeType="1" noTextEdit="1"/>
+                </p:cNvSpPr>
+                <p:nvPr/>
+              </p:nvSpPr>
+              <p:spPr>
+                <a:xfrm>
+                  <a:off x="2612368" y="2502916"/>
+                  <a:ext cx="667683" cy="276999"/>
+                </a:xfrm>
+                <a:prstGeom prst="rect">
+                  <a:avLst/>
+                </a:prstGeom>
+                <a:blipFill rotWithShape="0">
+                  <a:blip r:embed="rId8"/>
+                  <a:stretch>
+                    <a:fillRect l="-11009" t="-148889" r="-21101" b="-180000"/>
+                  </a:stretch>
+                </a:blipFill>
+              </p:spPr>
+              <p:txBody>
+                <a:bodyPr/>
+                <a:lstStyle/>
+                <a:p>
+                  <a:r>
+                    <a:rPr lang="hu-HU">
+                      <a:noFill/>
+                    </a:rPr>
+                    <a:t> </a:t>
+                  </a:r>
+                </a:p>
+              </p:txBody>
+            </p:sp>
+          </mc:Fallback>
+        </mc:AlternateContent>
+        <mc:AlternateContent xmlns:mc="http://schemas.openxmlformats.org/markup-compatibility/2006" xmlns:a14="http://schemas.microsoft.com/office/drawing/2010/main">
+          <mc:Choice Requires="a14">
+            <p:sp>
+              <p:nvSpPr>
+                <p:cNvPr id="41" name="TextBox 40"/>
+                <p:cNvSpPr txBox="1"/>
+                <p:nvPr/>
+              </p:nvSpPr>
+              <p:spPr>
+                <a:xfrm>
+                  <a:off x="6220601" y="2502915"/>
+                  <a:ext cx="844014" cy="276999"/>
+                </a:xfrm>
+                <a:prstGeom prst="rect">
+                  <a:avLst/>
+                </a:prstGeom>
+                <a:noFill/>
+              </p:spPr>
+              <p:txBody>
+                <a:bodyPr wrap="none" lIns="0" tIns="0" rIns="0" bIns="0" rtlCol="0">
+                  <a:spAutoFit/>
+                </a:bodyPr>
+                <a:lstStyle/>
+                <a:p>
+                  <a14:m>
+                    <m:oMath xmlns:m="http://schemas.openxmlformats.org/officeDocument/2006/math">
+                      <m:r>
+                        <a:rPr lang="hu-HU" b="0" i="1" smtClean="0">
+                          <a:latin typeface="Cambria Math" charset="0"/>
+                        </a:rPr>
+                        <m:t>𝑡</m:t>
+                      </m:r>
+                      <m:r>
+                        <a:rPr lang="hu-HU" b="0" i="1" smtClean="0">
+                          <a:latin typeface="Cambria Math" charset="0"/>
+                        </a:rPr>
+                        <m:t>=0.2 </m:t>
+                      </m:r>
+                    </m:oMath>
+                  </a14:m>
+                  <a:r>
+                    <a:rPr lang="en-GB" dirty="0" smtClean="0"/>
+                    <a:t>s</a:t>
+                  </a:r>
+                  <a:endParaRPr lang="en-GB" dirty="0"/>
+                </a:p>
+              </p:txBody>
+            </p:sp>
+          </mc:Choice>
+          <mc:Fallback xmlns="">
+            <p:sp>
+              <p:nvSpPr>
+                <p:cNvPr id="41" name="TextBox 40"/>
+                <p:cNvSpPr txBox="1">
+                  <a:spLocks noRot="1" noChangeAspect="1" noMove="1" noResize="1" noEditPoints="1" noAdjustHandles="1" noChangeArrowheads="1" noChangeShapeType="1" noTextEdit="1"/>
+                </p:cNvSpPr>
+                <p:nvPr/>
+              </p:nvSpPr>
+              <p:spPr>
+                <a:xfrm>
+                  <a:off x="6220601" y="2502915"/>
+                  <a:ext cx="844014" cy="276999"/>
+                </a:xfrm>
+                <a:prstGeom prst="rect">
+                  <a:avLst/>
+                </a:prstGeom>
+                <a:blipFill rotWithShape="0">
+                  <a:blip r:embed="rId9"/>
+                  <a:stretch>
+                    <a:fillRect l="-8696" t="-148889" r="-16667" b="-180000"/>
+                  </a:stretch>
+                </a:blipFill>
+              </p:spPr>
+              <p:txBody>
+                <a:bodyPr/>
+                <a:lstStyle/>
+                <a:p>
+                  <a:r>
+                    <a:rPr lang="hu-HU">
+                      <a:noFill/>
+                    </a:rPr>
+                    <a:t> </a:t>
+                  </a:r>
+                </a:p>
+              </p:txBody>
+            </p:sp>
+          </mc:Fallback>
+        </mc:AlternateContent>
+        <mc:AlternateContent xmlns:mc="http://schemas.openxmlformats.org/markup-compatibility/2006" xmlns:a14="http://schemas.microsoft.com/office/drawing/2010/main">
+          <mc:Choice Requires="a14">
+            <p:sp>
+              <p:nvSpPr>
+                <p:cNvPr id="42" name="TextBox 41"/>
+                <p:cNvSpPr txBox="1"/>
+                <p:nvPr/>
+              </p:nvSpPr>
+              <p:spPr>
+                <a:xfrm>
+                  <a:off x="9920835" y="2502914"/>
+                  <a:ext cx="844014" cy="276999"/>
+                </a:xfrm>
+                <a:prstGeom prst="rect">
+                  <a:avLst/>
+                </a:prstGeom>
+                <a:noFill/>
+              </p:spPr>
+              <p:txBody>
+                <a:bodyPr wrap="none" lIns="0" tIns="0" rIns="0" bIns="0" rtlCol="0">
+                  <a:spAutoFit/>
+                </a:bodyPr>
+                <a:lstStyle/>
+                <a:p>
+                  <a14:m>
+                    <m:oMath xmlns:m="http://schemas.openxmlformats.org/officeDocument/2006/math">
+                      <m:r>
+                        <a:rPr lang="hu-HU" b="0" i="1" smtClean="0">
+                          <a:latin typeface="Cambria Math" charset="0"/>
+                        </a:rPr>
+                        <m:t>𝑡</m:t>
+                      </m:r>
+                      <m:r>
+                        <a:rPr lang="hu-HU" b="0" i="1" smtClean="0">
+                          <a:latin typeface="Cambria Math" charset="0"/>
+                        </a:rPr>
+                        <m:t>=0.8 </m:t>
+                      </m:r>
+                    </m:oMath>
+                  </a14:m>
+                  <a:r>
+                    <a:rPr lang="en-GB" dirty="0" smtClean="0"/>
+                    <a:t>s</a:t>
+                  </a:r>
+                  <a:endParaRPr lang="en-GB" dirty="0"/>
+                </a:p>
+              </p:txBody>
+            </p:sp>
+          </mc:Choice>
+          <mc:Fallback xmlns="">
+            <p:sp>
+              <p:nvSpPr>
+                <p:cNvPr id="42" name="TextBox 41"/>
+                <p:cNvSpPr txBox="1">
+                  <a:spLocks noRot="1" noChangeAspect="1" noMove="1" noResize="1" noEditPoints="1" noAdjustHandles="1" noChangeArrowheads="1" noChangeShapeType="1" noTextEdit="1"/>
+                </p:cNvSpPr>
+                <p:nvPr/>
+              </p:nvSpPr>
+              <p:spPr>
+                <a:xfrm>
+                  <a:off x="9920835" y="2502914"/>
+                  <a:ext cx="844014" cy="276999"/>
+                </a:xfrm>
+                <a:prstGeom prst="rect">
+                  <a:avLst/>
+                </a:prstGeom>
+                <a:blipFill rotWithShape="0">
+                  <a:blip r:embed="rId10"/>
+                  <a:stretch>
+                    <a:fillRect l="-8696" t="-148889" r="-16667" b="-180000"/>
+                  </a:stretch>
+                </a:blipFill>
+              </p:spPr>
+              <p:txBody>
+                <a:bodyPr/>
+                <a:lstStyle/>
+                <a:p>
+                  <a:r>
+                    <a:rPr lang="hu-HU">
+                      <a:noFill/>
+                    </a:rPr>
+                    <a:t> </a:t>
+                  </a:r>
+                </a:p>
+              </p:txBody>
+            </p:sp>
+          </mc:Fallback>
+        </mc:AlternateContent>
+        <mc:AlternateContent xmlns:mc="http://schemas.openxmlformats.org/markup-compatibility/2006" xmlns:a14="http://schemas.microsoft.com/office/drawing/2010/main">
+          <mc:Choice Requires="a14">
+            <p:sp>
+              <p:nvSpPr>
+                <p:cNvPr id="43" name="TextBox 42"/>
+                <p:cNvSpPr txBox="1"/>
+                <p:nvPr/>
+              </p:nvSpPr>
+              <p:spPr>
+                <a:xfrm>
+                  <a:off x="2524202" y="4680458"/>
+                  <a:ext cx="844014" cy="276999"/>
+                </a:xfrm>
+                <a:prstGeom prst="rect">
+                  <a:avLst/>
+                </a:prstGeom>
+                <a:noFill/>
+              </p:spPr>
+              <p:txBody>
+                <a:bodyPr wrap="none" lIns="0" tIns="0" rIns="0" bIns="0" rtlCol="0">
+                  <a:spAutoFit/>
+                </a:bodyPr>
+                <a:lstStyle/>
+                <a:p>
+                  <a14:m>
+                    <m:oMath xmlns:m="http://schemas.openxmlformats.org/officeDocument/2006/math">
+                      <m:r>
+                        <a:rPr lang="hu-HU" b="0" i="1" smtClean="0">
+                          <a:latin typeface="Cambria Math" charset="0"/>
+                        </a:rPr>
+                        <m:t>𝑡</m:t>
+                      </m:r>
+                      <m:r>
+                        <a:rPr lang="hu-HU" b="0" i="1" smtClean="0">
+                          <a:latin typeface="Cambria Math" charset="0"/>
+                        </a:rPr>
+                        <m:t>=1.2 </m:t>
+                      </m:r>
+                    </m:oMath>
+                  </a14:m>
+                  <a:r>
+                    <a:rPr lang="en-GB" dirty="0" smtClean="0"/>
+                    <a:t>s</a:t>
+                  </a:r>
+                  <a:endParaRPr lang="en-GB" dirty="0"/>
+                </a:p>
+              </p:txBody>
+            </p:sp>
+          </mc:Choice>
+          <mc:Fallback xmlns="">
+            <p:sp>
+              <p:nvSpPr>
+                <p:cNvPr id="43" name="TextBox 42"/>
+                <p:cNvSpPr txBox="1">
+                  <a:spLocks noRot="1" noChangeAspect="1" noMove="1" noResize="1" noEditPoints="1" noAdjustHandles="1" noChangeArrowheads="1" noChangeShapeType="1" noTextEdit="1"/>
+                </p:cNvSpPr>
+                <p:nvPr/>
+              </p:nvSpPr>
+              <p:spPr>
+                <a:xfrm>
+                  <a:off x="2524202" y="4680458"/>
+                  <a:ext cx="844014" cy="276999"/>
+                </a:xfrm>
+                <a:prstGeom prst="rect">
+                  <a:avLst/>
+                </a:prstGeom>
+                <a:blipFill rotWithShape="0">
+                  <a:blip r:embed="rId11"/>
+                  <a:stretch>
+                    <a:fillRect l="-8633" t="-146667" r="-16547" b="-180000"/>
+                  </a:stretch>
+                </a:blipFill>
+              </p:spPr>
+              <p:txBody>
+                <a:bodyPr/>
+                <a:lstStyle/>
+                <a:p>
+                  <a:r>
+                    <a:rPr lang="hu-HU">
+                      <a:noFill/>
+                    </a:rPr>
+                    <a:t> </a:t>
+                  </a:r>
+                </a:p>
+              </p:txBody>
+            </p:sp>
+          </mc:Fallback>
+        </mc:AlternateContent>
+        <mc:AlternateContent xmlns:mc="http://schemas.openxmlformats.org/markup-compatibility/2006" xmlns:a14="http://schemas.microsoft.com/office/drawing/2010/main">
+          <mc:Choice Requires="a14">
+            <p:sp>
+              <p:nvSpPr>
+                <p:cNvPr id="44" name="TextBox 43"/>
+                <p:cNvSpPr txBox="1"/>
+                <p:nvPr/>
+              </p:nvSpPr>
+              <p:spPr>
+                <a:xfrm>
+                  <a:off x="6220601" y="4680458"/>
+                  <a:ext cx="844014" cy="276999"/>
+                </a:xfrm>
+                <a:prstGeom prst="rect">
+                  <a:avLst/>
+                </a:prstGeom>
+                <a:noFill/>
+              </p:spPr>
+              <p:txBody>
+                <a:bodyPr wrap="none" lIns="0" tIns="0" rIns="0" bIns="0" rtlCol="0">
+                  <a:spAutoFit/>
+                </a:bodyPr>
+                <a:lstStyle/>
+                <a:p>
+                  <a14:m>
+                    <m:oMath xmlns:m="http://schemas.openxmlformats.org/officeDocument/2006/math">
+                      <m:r>
+                        <a:rPr lang="hu-HU" b="0" i="1" smtClean="0">
+                          <a:latin typeface="Cambria Math" charset="0"/>
+                        </a:rPr>
+                        <m:t>𝑡</m:t>
+                      </m:r>
+                      <m:r>
+                        <a:rPr lang="hu-HU" b="0" i="1" smtClean="0">
+                          <a:latin typeface="Cambria Math" charset="0"/>
+                        </a:rPr>
+                        <m:t>=1.6 </m:t>
+                      </m:r>
+                    </m:oMath>
+                  </a14:m>
+                  <a:r>
+                    <a:rPr lang="en-GB" dirty="0" smtClean="0"/>
+                    <a:t>s</a:t>
+                  </a:r>
+                  <a:endParaRPr lang="en-GB" dirty="0"/>
+                </a:p>
+              </p:txBody>
+            </p:sp>
+          </mc:Choice>
+          <mc:Fallback xmlns="">
+            <p:sp>
+              <p:nvSpPr>
+                <p:cNvPr id="44" name="TextBox 43"/>
+                <p:cNvSpPr txBox="1">
+                  <a:spLocks noRot="1" noChangeAspect="1" noMove="1" noResize="1" noEditPoints="1" noAdjustHandles="1" noChangeArrowheads="1" noChangeShapeType="1" noTextEdit="1"/>
+                </p:cNvSpPr>
+                <p:nvPr/>
+              </p:nvSpPr>
+              <p:spPr>
+                <a:xfrm>
+                  <a:off x="6220601" y="4680458"/>
+                  <a:ext cx="844014" cy="276999"/>
+                </a:xfrm>
+                <a:prstGeom prst="rect">
+                  <a:avLst/>
+                </a:prstGeom>
+                <a:blipFill rotWithShape="0">
+                  <a:blip r:embed="rId12"/>
+                  <a:stretch>
+                    <a:fillRect l="-8696" t="-146667" r="-16667" b="-180000"/>
+                  </a:stretch>
+                </a:blipFill>
+              </p:spPr>
+              <p:txBody>
+                <a:bodyPr/>
+                <a:lstStyle/>
+                <a:p>
+                  <a:r>
+                    <a:rPr lang="hu-HU">
+                      <a:noFill/>
+                    </a:rPr>
+                    <a:t> </a:t>
+                  </a:r>
+                </a:p>
+              </p:txBody>
+            </p:sp>
+          </mc:Fallback>
+        </mc:AlternateContent>
+        <mc:AlternateContent xmlns:mc="http://schemas.openxmlformats.org/markup-compatibility/2006" xmlns:a14="http://schemas.microsoft.com/office/drawing/2010/main">
+          <mc:Choice Requires="a14">
+            <p:sp>
+              <p:nvSpPr>
+                <p:cNvPr id="45" name="TextBox 44"/>
+                <p:cNvSpPr txBox="1"/>
+                <p:nvPr/>
+              </p:nvSpPr>
+              <p:spPr>
+                <a:xfrm>
+                  <a:off x="10009000" y="4680458"/>
+                  <a:ext cx="667683" cy="276999"/>
+                </a:xfrm>
+                <a:prstGeom prst="rect">
+                  <a:avLst/>
+                </a:prstGeom>
+                <a:noFill/>
+              </p:spPr>
+              <p:txBody>
+                <a:bodyPr wrap="none" lIns="0" tIns="0" rIns="0" bIns="0" rtlCol="0">
+                  <a:spAutoFit/>
+                </a:bodyPr>
+                <a:lstStyle/>
+                <a:p>
+                  <a14:m>
+                    <m:oMath xmlns:m="http://schemas.openxmlformats.org/officeDocument/2006/math">
+                      <m:r>
+                        <a:rPr lang="hu-HU" b="0" i="1" smtClean="0">
+                          <a:latin typeface="Cambria Math" charset="0"/>
+                        </a:rPr>
+                        <m:t>𝑡</m:t>
+                      </m:r>
+                      <m:r>
+                        <a:rPr lang="hu-HU" b="0" i="1" smtClean="0">
+                          <a:latin typeface="Cambria Math" charset="0"/>
+                        </a:rPr>
+                        <m:t>=2 </m:t>
+                      </m:r>
+                    </m:oMath>
+                  </a14:m>
+                  <a:r>
+                    <a:rPr lang="en-GB" dirty="0" smtClean="0"/>
+                    <a:t>s</a:t>
+                  </a:r>
+                  <a:endParaRPr lang="en-GB" dirty="0"/>
+                </a:p>
+              </p:txBody>
+            </p:sp>
+          </mc:Choice>
+          <mc:Fallback xmlns="">
+            <p:sp>
+              <p:nvSpPr>
+                <p:cNvPr id="45" name="TextBox 44"/>
+                <p:cNvSpPr txBox="1">
+                  <a:spLocks noRot="1" noChangeAspect="1" noMove="1" noResize="1" noEditPoints="1" noAdjustHandles="1" noChangeArrowheads="1" noChangeShapeType="1" noTextEdit="1"/>
+                </p:cNvSpPr>
+                <p:nvPr/>
+              </p:nvSpPr>
+              <p:spPr>
+                <a:xfrm>
+                  <a:off x="10009000" y="4680458"/>
+                  <a:ext cx="667683" cy="276999"/>
+                </a:xfrm>
+                <a:prstGeom prst="rect">
+                  <a:avLst/>
+                </a:prstGeom>
+                <a:blipFill rotWithShape="0">
+                  <a:blip r:embed="rId13"/>
+                  <a:stretch>
+                    <a:fillRect l="-10909" t="-146667" r="-20909" b="-180000"/>
+                  </a:stretch>
+                </a:blipFill>
+              </p:spPr>
+              <p:txBody>
+                <a:bodyPr/>
+                <a:lstStyle/>
+                <a:p>
+                  <a:r>
+                    <a:rPr lang="hu-HU">
+                      <a:noFill/>
+                    </a:rPr>
+                    <a:t> </a:t>
+                  </a:r>
+                </a:p>
+              </p:txBody>
+            </p:sp>
+          </mc:Fallback>
+        </mc:AlternateContent>
+      </p:grpSp>
+    </p:spTree>
+    <p:extLst>
+      <p:ext uri="{BB962C8B-B14F-4D97-AF65-F5344CB8AC3E}">
+        <p14:creationId xmlns:p14="http://schemas.microsoft.com/office/powerpoint/2010/main" val="1461442928"/>
+      </p:ext>
+    </p:extLst>
+  </p:cSld>
+  <p:clrMapOvr>
+    <a:masterClrMapping/>
+  </p:clrMapOvr>
+  <p:timing>
+    <p:tnLst>
+      <p:par>
+        <p:cTn id="1" dur="indefinite" restart="never" nodeType="tmRoot"/>
+      </p:par>
+    </p:tnLst>
+  </p:timing>
+</p:sld>
+</file>
+
+<file path=ppt/slides/slide11.xml><?xml version="1.0" encoding="utf-8"?>
+<p:sld xmlns:a="http://schemas.openxmlformats.org/drawingml/2006/main" xmlns:r="http://schemas.openxmlformats.org/officeDocument/2006/relationships" xmlns:p="http://schemas.openxmlformats.org/presentationml/2006/main">
+  <p:cSld>
+    <p:spTree>
+      <p:nvGrpSpPr>
+        <p:cNvPr id="1" name=""/>
+        <p:cNvGrpSpPr/>
+        <p:nvPr/>
+      </p:nvGrpSpPr>
+      <p:grpSpPr>
+        <a:xfrm>
+          <a:off x="0" y="0"/>
+          <a:ext cx="0" cy="0"/>
+          <a:chOff x="0" y="0"/>
+          <a:chExt cx="0" cy="0"/>
+        </a:xfrm>
+      </p:grpSpPr>
+      <p:grpSp>
+        <p:nvGrpSpPr>
           <p:cNvPr id="12" name="Group 11"/>
           <p:cNvGrpSpPr/>
           <p:nvPr/>
@@ -6954,7 +7715,7 @@
 </p:sld>
 </file>
 
-<file path=ppt/slides/slide11.xml><?xml version="1.0" encoding="utf-8"?>
+<file path=ppt/slides/slide12.xml><?xml version="1.0" encoding="utf-8"?>
 <p:sld xmlns:a="http://schemas.openxmlformats.org/drawingml/2006/main" xmlns:r="http://schemas.openxmlformats.org/officeDocument/2006/relationships" xmlns:p="http://schemas.openxmlformats.org/presentationml/2006/main">
   <p:cSld>
     <p:spTree>
@@ -7921,7 +8682,7 @@
 </p:sld>
 </file>
 
-<file path=ppt/slides/slide12.xml><?xml version="1.0" encoding="utf-8"?>
+<file path=ppt/slides/slide13.xml><?xml version="1.0" encoding="utf-8"?>
 <p:sld xmlns:a="http://schemas.openxmlformats.org/drawingml/2006/main" xmlns:r="http://schemas.openxmlformats.org/officeDocument/2006/relationships" xmlns:p="http://schemas.openxmlformats.org/presentationml/2006/main">
   <p:cSld>
     <p:spTree>
@@ -22866,6 +23627,884 @@
           <a:chExt cx="0" cy="0"/>
         </a:xfrm>
       </p:grpSpPr>
+      <p:graphicFrame>
+        <p:nvGraphicFramePr>
+          <p:cNvPr id="5" name="Table 4"/>
+          <p:cNvGraphicFramePr>
+            <a:graphicFrameLocks noGrp="1"/>
+          </p:cNvGraphicFramePr>
+          <p:nvPr>
+            <p:extLst>
+              <p:ext uri="{D42A27DB-BD31-4B8C-83A1-F6EECF244321}">
+                <p14:modId xmlns:p14="http://schemas.microsoft.com/office/powerpoint/2010/main" val="445316178"/>
+              </p:ext>
+            </p:extLst>
+          </p:nvPr>
+        </p:nvGraphicFramePr>
+        <p:xfrm>
+          <a:off x="2476971" y="171075"/>
+          <a:ext cx="7238056" cy="1584960"/>
+        </p:xfrm>
+        <a:graphic>
+          <a:graphicData uri="http://schemas.openxmlformats.org/drawingml/2006/table">
+            <a:tbl>
+              <a:tblPr firstRow="1" bandRow="1">
+                <a:tableStyleId>{5940675A-B579-460E-94D1-54222C63F5DA}</a:tableStyleId>
+              </a:tblPr>
+              <a:tblGrid>
+                <a:gridCol w="1034008"/>
+                <a:gridCol w="1034008"/>
+                <a:gridCol w="1034008"/>
+                <a:gridCol w="1034008"/>
+                <a:gridCol w="1034008"/>
+                <a:gridCol w="1034008"/>
+                <a:gridCol w="1034008"/>
+              </a:tblGrid>
+              <a:tr h="370840">
+                <a:tc>
+                  <a:txBody>
+                    <a:bodyPr/>
+                    <a:lstStyle/>
+                    <a:p>
+                      <a:pPr algn="ctr"/>
+                      <a:r>
+                        <a:rPr lang="hu-HU" sz="6000" b="0" i="0" dirty="0" smtClean="0">
+                          <a:latin typeface="Cambria Math" charset="0"/>
+                          <a:ea typeface="Cambria Math" charset="0"/>
+                          <a:cs typeface="Cambria Math" charset="0"/>
+                        </a:rPr>
+                        <a:t>W</a:t>
+                      </a:r>
+                      <a:endParaRPr lang="hu-HU" sz="6000" b="0" i="0" dirty="0">
+                        <a:latin typeface="Cambria Math" charset="0"/>
+                        <a:ea typeface="Cambria Math" charset="0"/>
+                        <a:cs typeface="Cambria Math" charset="0"/>
+                      </a:endParaRPr>
+                    </a:p>
+                  </a:txBody>
+                  <a:tcPr anchor="ctr">
+                    <a:solidFill>
+                      <a:schemeClr val="accent1">
+                        <a:lumMod val="40000"/>
+                        <a:lumOff val="60000"/>
+                      </a:schemeClr>
+                    </a:solidFill>
+                  </a:tcPr>
+                </a:tc>
+                <a:tc>
+                  <a:txBody>
+                    <a:bodyPr/>
+                    <a:lstStyle/>
+                    <a:p>
+                      <a:pPr algn="ctr"/>
+                      <a:r>
+                        <a:rPr lang="hu-HU" sz="6000" b="0" i="0" dirty="0" smtClean="0">
+                          <a:latin typeface="Cambria Math" charset="0"/>
+                          <a:ea typeface="Cambria Math" charset="0"/>
+                          <a:cs typeface="Cambria Math" charset="0"/>
+                        </a:rPr>
+                        <a:t>t</a:t>
+                      </a:r>
+                      <a:endParaRPr lang="hu-HU" sz="6000" b="0" i="0" dirty="0">
+                        <a:latin typeface="Cambria Math" charset="0"/>
+                        <a:ea typeface="Cambria Math" charset="0"/>
+                        <a:cs typeface="Cambria Math" charset="0"/>
+                      </a:endParaRPr>
+                    </a:p>
+                  </a:txBody>
+                  <a:tcPr anchor="ctr">
+                    <a:solidFill>
+                      <a:schemeClr val="accent6">
+                        <a:lumMod val="60000"/>
+                        <a:lumOff val="40000"/>
+                      </a:schemeClr>
+                    </a:solidFill>
+                  </a:tcPr>
+                </a:tc>
+                <a:tc>
+                  <a:txBody>
+                    <a:bodyPr/>
+                    <a:lstStyle/>
+                    <a:p>
+                      <a:pPr algn="ctr"/>
+                      <a:r>
+                        <a:rPr lang="hu-HU" sz="6000" b="0" i="0" dirty="0" smtClean="0">
+                          <a:latin typeface="Cambria Math" charset="0"/>
+                          <a:ea typeface="Cambria Math" charset="0"/>
+                          <a:cs typeface="Cambria Math" charset="0"/>
+                        </a:rPr>
+                        <a:t>n</a:t>
+                      </a:r>
+                      <a:endParaRPr lang="hu-HU" sz="6000" b="0" i="0" dirty="0">
+                        <a:latin typeface="Cambria Math" charset="0"/>
+                        <a:ea typeface="Cambria Math" charset="0"/>
+                        <a:cs typeface="Cambria Math" charset="0"/>
+                      </a:endParaRPr>
+                    </a:p>
+                  </a:txBody>
+                  <a:tcPr anchor="ctr">
+                    <a:solidFill>
+                      <a:schemeClr val="accent4">
+                        <a:lumMod val="40000"/>
+                        <a:lumOff val="60000"/>
+                      </a:schemeClr>
+                    </a:solidFill>
+                  </a:tcPr>
+                </a:tc>
+                <a:tc>
+                  <a:txBody>
+                    <a:bodyPr/>
+                    <a:lstStyle/>
+                    <a:p>
+                      <a:pPr algn="ctr"/>
+                      <a:r>
+                        <a:rPr lang="hu-HU" sz="6000" b="0" i="0" dirty="0" smtClean="0">
+                          <a:latin typeface="Cambria Math" charset="0"/>
+                          <a:ea typeface="Cambria Math" charset="0"/>
+                          <a:cs typeface="Cambria Math" charset="0"/>
+                        </a:rPr>
+                        <a:t>n</a:t>
+                      </a:r>
+                      <a:endParaRPr lang="hu-HU" sz="6000" b="0" i="0" dirty="0">
+                        <a:latin typeface="Cambria Math" charset="0"/>
+                        <a:ea typeface="Cambria Math" charset="0"/>
+                        <a:cs typeface="Cambria Math" charset="0"/>
+                      </a:endParaRPr>
+                    </a:p>
+                  </a:txBody>
+                  <a:tcPr anchor="ctr">
+                    <a:solidFill>
+                      <a:schemeClr val="accent4">
+                        <a:lumMod val="40000"/>
+                        <a:lumOff val="60000"/>
+                      </a:schemeClr>
+                    </a:solidFill>
+                  </a:tcPr>
+                </a:tc>
+                <a:tc>
+                  <a:txBody>
+                    <a:bodyPr/>
+                    <a:lstStyle/>
+                    <a:p>
+                      <a:pPr algn="ctr"/>
+                      <a:r>
+                        <a:rPr lang="hu-HU" sz="6000" b="0" i="0" dirty="0" smtClean="0">
+                          <a:latin typeface="Cambria Math" charset="0"/>
+                          <a:ea typeface="Cambria Math" charset="0"/>
+                          <a:cs typeface="Cambria Math" charset="0"/>
+                        </a:rPr>
+                        <a:t>n</a:t>
+                      </a:r>
+                      <a:endParaRPr lang="hu-HU" sz="6000" b="0" i="0" dirty="0">
+                        <a:latin typeface="Cambria Math" charset="0"/>
+                        <a:ea typeface="Cambria Math" charset="0"/>
+                        <a:cs typeface="Cambria Math" charset="0"/>
+                      </a:endParaRPr>
+                    </a:p>
+                  </a:txBody>
+                  <a:tcPr anchor="ctr">
+                    <a:solidFill>
+                      <a:schemeClr val="accent4">
+                        <a:lumMod val="40000"/>
+                        <a:lumOff val="60000"/>
+                      </a:schemeClr>
+                    </a:solidFill>
+                  </a:tcPr>
+                </a:tc>
+                <a:tc>
+                  <a:txBody>
+                    <a:bodyPr/>
+                    <a:lstStyle/>
+                    <a:p>
+                      <a:pPr algn="ctr"/>
+                      <a:r>
+                        <a:rPr lang="hu-HU" sz="6000" b="0" i="0" dirty="0" smtClean="0">
+                          <a:latin typeface="Cambria Math" charset="0"/>
+                          <a:ea typeface="Cambria Math" charset="0"/>
+                          <a:cs typeface="Cambria Math" charset="0"/>
+                        </a:rPr>
+                        <a:t>n</a:t>
+                      </a:r>
+                      <a:endParaRPr lang="hu-HU" sz="6000" b="0" i="0" dirty="0">
+                        <a:latin typeface="Cambria Math" charset="0"/>
+                        <a:ea typeface="Cambria Math" charset="0"/>
+                        <a:cs typeface="Cambria Math" charset="0"/>
+                      </a:endParaRPr>
+                    </a:p>
+                  </a:txBody>
+                  <a:tcPr anchor="ctr">
+                    <a:solidFill>
+                      <a:schemeClr val="accent4">
+                        <a:lumMod val="40000"/>
+                        <a:lumOff val="60000"/>
+                      </a:schemeClr>
+                    </a:solidFill>
+                  </a:tcPr>
+                </a:tc>
+                <a:tc>
+                  <a:txBody>
+                    <a:bodyPr/>
+                    <a:lstStyle/>
+                    <a:p>
+                      <a:pPr algn="ctr"/>
+                      <a:r>
+                        <a:rPr lang="hu-HU" sz="6000" b="0" i="0" dirty="0" smtClean="0">
+                          <a:latin typeface="Cambria Math" charset="0"/>
+                          <a:ea typeface="Cambria Math" charset="0"/>
+                          <a:cs typeface="Cambria Math" charset="0"/>
+                        </a:rPr>
+                        <a:t>n</a:t>
+                      </a:r>
+                      <a:endParaRPr lang="hu-HU" sz="6000" b="0" i="0" dirty="0">
+                        <a:latin typeface="Cambria Math" charset="0"/>
+                        <a:ea typeface="Cambria Math" charset="0"/>
+                        <a:cs typeface="Cambria Math" charset="0"/>
+                      </a:endParaRPr>
+                    </a:p>
+                  </a:txBody>
+                  <a:tcPr anchor="ctr">
+                    <a:solidFill>
+                      <a:schemeClr val="accent4">
+                        <a:lumMod val="40000"/>
+                        <a:lumOff val="60000"/>
+                      </a:schemeClr>
+                    </a:solidFill>
+                  </a:tcPr>
+                </a:tc>
+              </a:tr>
+              <a:tr h="370840">
+                <a:tc>
+                  <a:txBody>
+                    <a:bodyPr/>
+                    <a:lstStyle/>
+                    <a:p>
+                      <a:pPr marL="0" algn="ctr" defTabSz="914400" rtl="0" eaLnBrk="1" latinLnBrk="0" hangingPunct="1"/>
+                      <a:r>
+                        <a:rPr lang="hu-HU" sz="3200" b="0" i="0" kern="1200" dirty="0" smtClean="0">
+                          <a:solidFill>
+                            <a:schemeClr val="tx1"/>
+                          </a:solidFill>
+                          <a:latin typeface="Cambria Math" charset="0"/>
+                          <a:ea typeface="Cambria Math" charset="0"/>
+                          <a:cs typeface="Cambria Math" charset="0"/>
+                        </a:rPr>
+                        <a:t>3</a:t>
+                      </a:r>
+                      <a:endParaRPr lang="en-US" sz="3200" b="0" i="0" kern="1200" dirty="0">
+                        <a:solidFill>
+                          <a:schemeClr val="tx1"/>
+                        </a:solidFill>
+                        <a:latin typeface="Cambria Math" charset="0"/>
+                        <a:ea typeface="Cambria Math" charset="0"/>
+                        <a:cs typeface="Cambria Math" charset="0"/>
+                      </a:endParaRPr>
+                    </a:p>
+                  </a:txBody>
+                  <a:tcPr anchor="ctr">
+                    <a:noFill/>
+                  </a:tcPr>
+                </a:tc>
+                <a:tc>
+                  <a:txBody>
+                    <a:bodyPr/>
+                    <a:lstStyle/>
+                    <a:p>
+                      <a:pPr algn="ctr"/>
+                      <a:r>
+                        <a:rPr lang="hu-HU" sz="3200" b="0" i="0" dirty="0" smtClean="0">
+                          <a:latin typeface="Cambria Math" charset="0"/>
+                          <a:ea typeface="Cambria Math" charset="0"/>
+                          <a:cs typeface="Cambria Math" charset="0"/>
+                        </a:rPr>
+                        <a:t>2</a:t>
+                      </a:r>
+                      <a:endParaRPr lang="hu-HU" sz="3200" b="0" i="0" dirty="0">
+                        <a:latin typeface="Cambria Math" charset="0"/>
+                        <a:ea typeface="Cambria Math" charset="0"/>
+                        <a:cs typeface="Cambria Math" charset="0"/>
+                      </a:endParaRPr>
+                    </a:p>
+                  </a:txBody>
+                  <a:tcPr anchor="ctr">
+                    <a:noFill/>
+                  </a:tcPr>
+                </a:tc>
+                <a:tc>
+                  <a:txBody>
+                    <a:bodyPr/>
+                    <a:lstStyle/>
+                    <a:p>
+                      <a:pPr algn="ctr"/>
+                      <a:r>
+                        <a:rPr lang="hu-HU" sz="3200" b="0" i="0" dirty="0" smtClean="0">
+                          <a:latin typeface="Cambria Math" charset="0"/>
+                          <a:ea typeface="Cambria Math" charset="0"/>
+                          <a:cs typeface="Cambria Math" charset="0"/>
+                        </a:rPr>
+                        <a:t>3</a:t>
+                      </a:r>
+                      <a:endParaRPr lang="hu-HU" sz="3200" b="0" i="0" dirty="0">
+                        <a:latin typeface="Cambria Math" charset="0"/>
+                        <a:ea typeface="Cambria Math" charset="0"/>
+                        <a:cs typeface="Cambria Math" charset="0"/>
+                      </a:endParaRPr>
+                    </a:p>
+                  </a:txBody>
+                  <a:tcPr anchor="ctr">
+                    <a:noFill/>
+                  </a:tcPr>
+                </a:tc>
+                <a:tc>
+                  <a:txBody>
+                    <a:bodyPr/>
+                    <a:lstStyle/>
+                    <a:p>
+                      <a:pPr algn="ctr"/>
+                      <a:r>
+                        <a:rPr lang="hu-HU" sz="3200" b="0" i="0" dirty="0" smtClean="0">
+                          <a:latin typeface="Cambria Math" charset="0"/>
+                          <a:ea typeface="Cambria Math" charset="0"/>
+                          <a:cs typeface="Cambria Math" charset="0"/>
+                        </a:rPr>
+                        <a:t>4</a:t>
+                      </a:r>
+                      <a:endParaRPr lang="hu-HU" sz="3200" b="0" i="0" dirty="0">
+                        <a:latin typeface="Cambria Math" charset="0"/>
+                        <a:ea typeface="Cambria Math" charset="0"/>
+                        <a:cs typeface="Cambria Math" charset="0"/>
+                      </a:endParaRPr>
+                    </a:p>
+                  </a:txBody>
+                  <a:tcPr anchor="ctr">
+                    <a:noFill/>
+                  </a:tcPr>
+                </a:tc>
+                <a:tc>
+                  <a:txBody>
+                    <a:bodyPr/>
+                    <a:lstStyle/>
+                    <a:p>
+                      <a:pPr algn="ctr"/>
+                      <a:r>
+                        <a:rPr lang="hu-HU" sz="3200" b="0" i="0" dirty="0" smtClean="0">
+                          <a:latin typeface="Cambria Math" charset="0"/>
+                          <a:ea typeface="Cambria Math" charset="0"/>
+                          <a:cs typeface="Cambria Math" charset="0"/>
+                        </a:rPr>
+                        <a:t>5</a:t>
+                      </a:r>
+                      <a:endParaRPr lang="hu-HU" sz="3200" b="0" i="0" dirty="0">
+                        <a:latin typeface="Cambria Math" charset="0"/>
+                        <a:ea typeface="Cambria Math" charset="0"/>
+                        <a:cs typeface="Cambria Math" charset="0"/>
+                      </a:endParaRPr>
+                    </a:p>
+                  </a:txBody>
+                  <a:tcPr anchor="ctr">
+                    <a:noFill/>
+                  </a:tcPr>
+                </a:tc>
+                <a:tc>
+                  <a:txBody>
+                    <a:bodyPr/>
+                    <a:lstStyle/>
+                    <a:p>
+                      <a:pPr algn="ctr"/>
+                      <a:r>
+                        <a:rPr lang="hu-HU" sz="3200" b="0" i="0" dirty="0" smtClean="0">
+                          <a:latin typeface="Cambria Math" charset="0"/>
+                          <a:ea typeface="Cambria Math" charset="0"/>
+                          <a:cs typeface="Cambria Math" charset="0"/>
+                        </a:rPr>
+                        <a:t>6</a:t>
+                      </a:r>
+                      <a:endParaRPr lang="hu-HU" sz="3200" b="0" i="0" dirty="0">
+                        <a:latin typeface="Cambria Math" charset="0"/>
+                        <a:ea typeface="Cambria Math" charset="0"/>
+                        <a:cs typeface="Cambria Math" charset="0"/>
+                      </a:endParaRPr>
+                    </a:p>
+                  </a:txBody>
+                  <a:tcPr anchor="ctr">
+                    <a:noFill/>
+                  </a:tcPr>
+                </a:tc>
+                <a:tc>
+                  <a:txBody>
+                    <a:bodyPr/>
+                    <a:lstStyle/>
+                    <a:p>
+                      <a:pPr algn="ctr"/>
+                      <a:r>
+                        <a:rPr lang="hu-HU" sz="3200" b="0" i="0" dirty="0" smtClean="0">
+                          <a:latin typeface="Cambria Math" charset="0"/>
+                          <a:ea typeface="Cambria Math" charset="0"/>
+                          <a:cs typeface="Cambria Math" charset="0"/>
+                        </a:rPr>
+                        <a:t>7</a:t>
+                      </a:r>
+                      <a:endParaRPr lang="hu-HU" sz="3200" b="0" i="0" dirty="0">
+                        <a:latin typeface="Cambria Math" charset="0"/>
+                        <a:ea typeface="Cambria Math" charset="0"/>
+                        <a:cs typeface="Cambria Math" charset="0"/>
+                      </a:endParaRPr>
+                    </a:p>
+                  </a:txBody>
+                  <a:tcPr anchor="ctr">
+                    <a:noFill/>
+                  </a:tcPr>
+                </a:tc>
+              </a:tr>
+            </a:tbl>
+          </a:graphicData>
+        </a:graphic>
+      </p:graphicFrame>
+      <p:graphicFrame>
+        <p:nvGraphicFramePr>
+          <p:cNvPr id="6" name="Table 5"/>
+          <p:cNvGraphicFramePr>
+            <a:graphicFrameLocks noGrp="1"/>
+          </p:cNvGraphicFramePr>
+          <p:nvPr>
+            <p:extLst>
+              <p:ext uri="{D42A27DB-BD31-4B8C-83A1-F6EECF244321}">
+                <p14:modId xmlns:p14="http://schemas.microsoft.com/office/powerpoint/2010/main" val="448493851"/>
+              </p:ext>
+            </p:extLst>
+          </p:nvPr>
+        </p:nvGraphicFramePr>
+        <p:xfrm>
+          <a:off x="0" y="2084438"/>
+          <a:ext cx="12191999" cy="4053840"/>
+        </p:xfrm>
+        <a:graphic>
+          <a:graphicData uri="http://schemas.openxmlformats.org/drawingml/2006/table">
+            <a:tbl>
+              <a:tblPr firstRow="1" bandRow="1">
+                <a:tableStyleId>{2D5ABB26-0587-4C30-8999-92F81FD0307C}</a:tableStyleId>
+              </a:tblPr>
+              <a:tblGrid>
+                <a:gridCol w="982653"/>
+                <a:gridCol w="11209346"/>
+              </a:tblGrid>
+              <a:tr h="546369">
+                <a:tc>
+                  <a:txBody>
+                    <a:bodyPr/>
+                    <a:lstStyle/>
+                    <a:p>
+                      <a:pPr algn="ctr"/>
+                      <a:r>
+                        <a:rPr lang="en-US" sz="3200" b="0" i="0" noProof="0" dirty="0" smtClean="0">
+                          <a:latin typeface="Cambria Math" charset="0"/>
+                          <a:ea typeface="Cambria Math" charset="0"/>
+                          <a:cs typeface="Cambria Math" charset="0"/>
+                        </a:rPr>
+                        <a:t>1.</a:t>
+                      </a:r>
+                      <a:endParaRPr lang="en-US" sz="3200" b="0" i="0" noProof="0" dirty="0">
+                        <a:latin typeface="Cambria Math" charset="0"/>
+                        <a:ea typeface="Cambria Math" charset="0"/>
+                        <a:cs typeface="Cambria Math" charset="0"/>
+                      </a:endParaRPr>
+                    </a:p>
+                  </a:txBody>
+                  <a:tcPr/>
+                </a:tc>
+                <a:tc>
+                  <a:txBody>
+                    <a:bodyPr/>
+                    <a:lstStyle/>
+                    <a:p>
+                      <a:r>
+                        <a:rPr lang="en-US" sz="3200" b="0" i="0" noProof="0" dirty="0" smtClean="0">
+                          <a:latin typeface="Cambria Math" charset="0"/>
+                          <a:ea typeface="Cambria Math" charset="0"/>
+                          <a:cs typeface="Cambria Math" charset="0"/>
+                        </a:rPr>
+                        <a:t>W</a:t>
+                      </a:r>
+                      <a:endParaRPr lang="en-US" sz="3200" b="0" i="0" noProof="0" dirty="0">
+                        <a:latin typeface="Cambria Math" charset="0"/>
+                        <a:ea typeface="Cambria Math" charset="0"/>
+                        <a:cs typeface="Cambria Math" charset="0"/>
+                      </a:endParaRPr>
+                    </a:p>
+                  </a:txBody>
+                  <a:tcPr/>
+                </a:tc>
+              </a:tr>
+              <a:tr h="546369">
+                <a:tc>
+                  <a:txBody>
+                    <a:bodyPr/>
+                    <a:lstStyle/>
+                    <a:p>
+                      <a:pPr algn="ctr"/>
+                      <a:r>
+                        <a:rPr lang="en-US" sz="3200" b="0" i="0" noProof="0" dirty="0" smtClean="0">
+                          <a:latin typeface="Cambria Math" charset="0"/>
+                          <a:ea typeface="Cambria Math" charset="0"/>
+                          <a:cs typeface="Cambria Math" charset="0"/>
+                        </a:rPr>
+                        <a:t>2.</a:t>
+                      </a:r>
+                      <a:endParaRPr lang="en-US" sz="3200" b="0" i="0" noProof="0" dirty="0">
+                        <a:latin typeface="Cambria Math" charset="0"/>
+                        <a:ea typeface="Cambria Math" charset="0"/>
+                        <a:cs typeface="Cambria Math" charset="0"/>
+                      </a:endParaRPr>
+                    </a:p>
+                  </a:txBody>
+                  <a:tcPr>
+                    <a:noFill/>
+                  </a:tcPr>
+                </a:tc>
+                <a:tc>
+                  <a:txBody>
+                    <a:bodyPr/>
+                    <a:lstStyle/>
+                    <a:p>
+                      <a:r>
+                        <a:rPr lang="en-US" sz="3200" b="0" i="0" noProof="0" dirty="0" smtClean="0">
+                          <a:latin typeface="Cambria Math" charset="0"/>
+                          <a:ea typeface="Cambria Math" charset="0"/>
+                          <a:cs typeface="Cambria Math" charset="0"/>
+                        </a:rPr>
+                        <a:t>Type</a:t>
+                      </a:r>
+                      <a:r>
+                        <a:rPr lang="en-US" sz="3200" b="0" i="0" baseline="0" noProof="0" dirty="0" smtClean="0">
+                          <a:latin typeface="Cambria Math" charset="0"/>
+                          <a:ea typeface="Cambria Math" charset="0"/>
+                          <a:cs typeface="Cambria Math" charset="0"/>
+                        </a:rPr>
+                        <a:t> of the kernel, p: polynomial, e: exponential.</a:t>
+                      </a:r>
+                      <a:endParaRPr lang="en-US" sz="3200" b="0" i="0" noProof="0" dirty="0">
+                        <a:latin typeface="Cambria Math" charset="0"/>
+                        <a:ea typeface="Cambria Math" charset="0"/>
+                        <a:cs typeface="Cambria Math" charset="0"/>
+                      </a:endParaRPr>
+                    </a:p>
+                  </a:txBody>
+                  <a:tcPr>
+                    <a:noFill/>
+                  </a:tcPr>
+                </a:tc>
+              </a:tr>
+              <a:tr h="546369">
+                <a:tc>
+                  <a:txBody>
+                    <a:bodyPr/>
+                    <a:lstStyle/>
+                    <a:p>
+                      <a:pPr algn="ctr"/>
+                      <a:r>
+                        <a:rPr lang="en-US" sz="3200" b="0" i="0" noProof="0" dirty="0" smtClean="0">
+                          <a:latin typeface="Cambria Math" charset="0"/>
+                          <a:ea typeface="Cambria Math" charset="0"/>
+                          <a:cs typeface="Cambria Math" charset="0"/>
+                        </a:rPr>
+                        <a:t>3.</a:t>
+                      </a:r>
+                      <a:endParaRPr lang="en-US" sz="3200" b="0" i="0" noProof="0" dirty="0">
+                        <a:latin typeface="Cambria Math" charset="0"/>
+                        <a:ea typeface="Cambria Math" charset="0"/>
+                        <a:cs typeface="Cambria Math" charset="0"/>
+                      </a:endParaRPr>
+                    </a:p>
+                  </a:txBody>
+                  <a:tcPr>
+                    <a:noFill/>
+                  </a:tcPr>
+                </a:tc>
+                <a:tc>
+                  <a:txBody>
+                    <a:bodyPr/>
+                    <a:lstStyle/>
+                    <a:p>
+                      <a:r>
+                        <a:rPr lang="en-US" sz="3200" b="0" i="0" noProof="0" dirty="0" smtClean="0">
+                          <a:latin typeface="Cambria Math" charset="0"/>
+                          <a:ea typeface="Cambria Math" charset="0"/>
+                          <a:cs typeface="Cambria Math" charset="0"/>
+                        </a:rPr>
+                        <a:t>Order of the kernel.</a:t>
+                      </a:r>
+                      <a:endParaRPr lang="en-US" sz="3200" b="0" i="0" noProof="0" dirty="0">
+                        <a:latin typeface="Cambria Math" charset="0"/>
+                        <a:ea typeface="Cambria Math" charset="0"/>
+                        <a:cs typeface="Cambria Math" charset="0"/>
+                      </a:endParaRPr>
+                    </a:p>
+                  </a:txBody>
+                  <a:tcPr>
+                    <a:noFill/>
+                  </a:tcPr>
+                </a:tc>
+              </a:tr>
+              <a:tr h="546369">
+                <a:tc>
+                  <a:txBody>
+                    <a:bodyPr/>
+                    <a:lstStyle/>
+                    <a:p>
+                      <a:pPr algn="ctr"/>
+                      <a:r>
+                        <a:rPr lang="en-US" sz="3200" b="0" i="0" noProof="0" dirty="0" smtClean="0">
+                          <a:latin typeface="Cambria Math" charset="0"/>
+                          <a:ea typeface="Cambria Math" charset="0"/>
+                          <a:cs typeface="Cambria Math" charset="0"/>
+                        </a:rPr>
+                        <a:t>4.</a:t>
+                      </a:r>
+                      <a:endParaRPr lang="en-US" sz="3200" b="0" i="0" noProof="0" dirty="0">
+                        <a:latin typeface="Cambria Math" charset="0"/>
+                        <a:ea typeface="Cambria Math" charset="0"/>
+                        <a:cs typeface="Cambria Math" charset="0"/>
+                      </a:endParaRPr>
+                    </a:p>
+                  </a:txBody>
+                  <a:tcPr>
+                    <a:noFill/>
+                  </a:tcPr>
+                </a:tc>
+                <a:tc>
+                  <a:txBody>
+                    <a:bodyPr/>
+                    <a:lstStyle/>
+                    <a:p>
+                      <a:r>
+                        <a:rPr lang="en-US" sz="3200" b="0" i="0" noProof="0" dirty="0" smtClean="0">
+                          <a:latin typeface="Cambria Math" charset="0"/>
+                          <a:ea typeface="Cambria Math" charset="0"/>
+                          <a:cs typeface="Cambria Math" charset="0"/>
+                        </a:rPr>
+                        <a:t>Number of pieces along the influence radius.</a:t>
+                      </a:r>
+                      <a:endParaRPr lang="en-US" sz="3200" b="0" i="0" noProof="0" dirty="0">
+                        <a:latin typeface="Cambria Math" charset="0"/>
+                        <a:ea typeface="Cambria Math" charset="0"/>
+                        <a:cs typeface="Cambria Math" charset="0"/>
+                      </a:endParaRPr>
+                    </a:p>
+                  </a:txBody>
+                  <a:tcPr>
+                    <a:noFill/>
+                  </a:tcPr>
+                </a:tc>
+              </a:tr>
+              <a:tr h="546369">
+                <a:tc>
+                  <a:txBody>
+                    <a:bodyPr/>
+                    <a:lstStyle/>
+                    <a:p>
+                      <a:pPr algn="ctr"/>
+                      <a:r>
+                        <a:rPr lang="en-US" sz="3200" b="0" i="0" noProof="0" dirty="0" smtClean="0">
+                          <a:latin typeface="Cambria Math" charset="0"/>
+                          <a:ea typeface="Cambria Math" charset="0"/>
+                          <a:cs typeface="Cambria Math" charset="0"/>
+                        </a:rPr>
+                        <a:t>5.</a:t>
+                      </a:r>
+                      <a:endParaRPr lang="en-US" sz="3200" b="0" i="0" noProof="0" dirty="0">
+                        <a:latin typeface="Cambria Math" charset="0"/>
+                        <a:ea typeface="Cambria Math" charset="0"/>
+                        <a:cs typeface="Cambria Math" charset="0"/>
+                      </a:endParaRPr>
+                    </a:p>
+                  </a:txBody>
+                  <a:tcPr>
+                    <a:noFill/>
+                  </a:tcPr>
+                </a:tc>
+                <a:tc>
+                  <a:txBody>
+                    <a:bodyPr/>
+                    <a:lstStyle/>
+                    <a:p>
+                      <a:r>
+                        <a:rPr lang="en-US" sz="3200" b="0" i="0" noProof="0" dirty="0" smtClean="0">
+                          <a:latin typeface="Cambria Math" charset="0"/>
+                          <a:ea typeface="Cambria Math" charset="0"/>
+                          <a:cs typeface="Cambria Math" charset="0"/>
+                        </a:rPr>
+                        <a:t>influence/smoothing radius. Zero for infinite influence</a:t>
+                      </a:r>
+                      <a:r>
+                        <a:rPr lang="en-US" sz="3200" b="0" i="0" baseline="0" noProof="0" dirty="0" smtClean="0">
+                          <a:latin typeface="Cambria Math" charset="0"/>
+                          <a:ea typeface="Cambria Math" charset="0"/>
+                          <a:cs typeface="Cambria Math" charset="0"/>
+                        </a:rPr>
+                        <a:t> radius.</a:t>
+                      </a:r>
+                      <a:endParaRPr lang="en-US" sz="3200" b="0" i="0" noProof="0" dirty="0">
+                        <a:latin typeface="Cambria Math" charset="0"/>
+                        <a:ea typeface="Cambria Math" charset="0"/>
+                        <a:cs typeface="Cambria Math" charset="0"/>
+                      </a:endParaRPr>
+                    </a:p>
+                  </a:txBody>
+                  <a:tcPr>
+                    <a:noFill/>
+                  </a:tcPr>
+                </a:tc>
+              </a:tr>
+              <a:tr h="546369">
+                <a:tc>
+                  <a:txBody>
+                    <a:bodyPr/>
+                    <a:lstStyle/>
+                    <a:p>
+                      <a:pPr algn="ctr"/>
+                      <a:r>
+                        <a:rPr lang="en-US" sz="3200" b="0" i="0" noProof="0" dirty="0" smtClean="0">
+                          <a:latin typeface="Cambria Math" charset="0"/>
+                          <a:ea typeface="Cambria Math" charset="0"/>
+                          <a:cs typeface="Cambria Math" charset="0"/>
+                        </a:rPr>
+                        <a:t>6.</a:t>
+                      </a:r>
+                      <a:endParaRPr lang="en-US" sz="3200" b="0" i="0" noProof="0" dirty="0">
+                        <a:latin typeface="Cambria Math" charset="0"/>
+                        <a:ea typeface="Cambria Math" charset="0"/>
+                        <a:cs typeface="Cambria Math" charset="0"/>
+                      </a:endParaRPr>
+                    </a:p>
+                  </a:txBody>
+                  <a:tcPr>
+                    <a:noFill/>
+                  </a:tcPr>
+                </a:tc>
+                <a:tc>
+                  <a:txBody>
+                    <a:bodyPr/>
+                    <a:lstStyle/>
+                    <a:p>
+                      <a:r>
+                        <a:rPr lang="en-US" sz="3200" b="0" i="0" noProof="0" dirty="0" smtClean="0">
+                          <a:latin typeface="Cambria Math" charset="0"/>
+                          <a:ea typeface="Cambria Math" charset="0"/>
+                          <a:cs typeface="Cambria Math" charset="0"/>
+                        </a:rPr>
+                        <a:t>Number of dimensions.</a:t>
+                      </a:r>
+                      <a:endParaRPr lang="en-US" sz="3200" b="0" i="0" noProof="0" dirty="0">
+                        <a:latin typeface="Cambria Math" charset="0"/>
+                        <a:ea typeface="Cambria Math" charset="0"/>
+                        <a:cs typeface="Cambria Math" charset="0"/>
+                      </a:endParaRPr>
+                    </a:p>
+                  </a:txBody>
+                  <a:tcPr>
+                    <a:noFill/>
+                  </a:tcPr>
+                </a:tc>
+              </a:tr>
+              <a:tr h="546369">
+                <a:tc>
+                  <a:txBody>
+                    <a:bodyPr/>
+                    <a:lstStyle/>
+                    <a:p>
+                      <a:pPr algn="ctr"/>
+                      <a:r>
+                        <a:rPr lang="en-US" sz="3200" b="0" i="0" noProof="0" dirty="0" smtClean="0">
+                          <a:latin typeface="Cambria Math" charset="0"/>
+                          <a:ea typeface="Cambria Math" charset="0"/>
+                          <a:cs typeface="Cambria Math" charset="0"/>
+                        </a:rPr>
+                        <a:t>7.</a:t>
+                      </a:r>
+                      <a:endParaRPr lang="en-US" sz="3200" b="0" i="0" noProof="0" dirty="0">
+                        <a:latin typeface="Cambria Math" charset="0"/>
+                        <a:ea typeface="Cambria Math" charset="0"/>
+                        <a:cs typeface="Cambria Math" charset="0"/>
+                      </a:endParaRPr>
+                    </a:p>
+                  </a:txBody>
+                  <a:tcPr>
+                    <a:noFill/>
+                  </a:tcPr>
+                </a:tc>
+                <a:tc>
+                  <a:txBody>
+                    <a:bodyPr/>
+                    <a:lstStyle/>
+                    <a:p>
+                      <a:r>
+                        <a:rPr lang="en-US" sz="3200" b="0" i="0" noProof="0" dirty="0" smtClean="0">
+                          <a:latin typeface="Cambria Math" charset="0"/>
+                          <a:ea typeface="Cambria Math" charset="0"/>
+                          <a:cs typeface="Cambria Math" charset="0"/>
+                        </a:rPr>
+                        <a:t>Serial number. Currently</a:t>
+                      </a:r>
+                      <a:r>
+                        <a:rPr lang="en-US" sz="3200" b="0" i="0" baseline="0" noProof="0" dirty="0" smtClean="0">
+                          <a:latin typeface="Cambria Math" charset="0"/>
+                          <a:ea typeface="Cambria Math" charset="0"/>
+                          <a:cs typeface="Cambria Math" charset="0"/>
+                        </a:rPr>
+                        <a:t> zero for all kernels.</a:t>
+                      </a:r>
+                      <a:endParaRPr lang="en-US" sz="3200" b="0" i="0" noProof="0" dirty="0">
+                        <a:latin typeface="Cambria Math" charset="0"/>
+                        <a:ea typeface="Cambria Math" charset="0"/>
+                        <a:cs typeface="Cambria Math" charset="0"/>
+                      </a:endParaRPr>
+                    </a:p>
+                  </a:txBody>
+                  <a:tcPr>
+                    <a:noFill/>
+                  </a:tcPr>
+                </a:tc>
+              </a:tr>
+            </a:tbl>
+          </a:graphicData>
+        </a:graphic>
+      </p:graphicFrame>
+    </p:spTree>
+    <p:extLst>
+      <p:ext uri="{BB962C8B-B14F-4D97-AF65-F5344CB8AC3E}">
+        <p14:creationId xmlns:p14="http://schemas.microsoft.com/office/powerpoint/2010/main" val="1687157353"/>
+      </p:ext>
+    </p:extLst>
+  </p:cSld>
+  <p:clrMapOvr>
+    <a:masterClrMapping/>
+  </p:clrMapOvr>
+  <p:timing>
+    <p:tnLst>
+      <p:par>
+        <p:cTn id="1" dur="indefinite" restart="never" nodeType="tmRoot"/>
+      </p:par>
+    </p:tnLst>
+  </p:timing>
+</p:sld>
+</file>
+
+<file path=ppt/slides/slide7.xml><?xml version="1.0" encoding="utf-8"?>
+<p:sld xmlns:a="http://schemas.openxmlformats.org/drawingml/2006/main" xmlns:r="http://schemas.openxmlformats.org/officeDocument/2006/relationships" xmlns:p="http://schemas.openxmlformats.org/presentationml/2006/main">
+  <p:cSld>
+    <p:spTree>
+      <p:nvGrpSpPr>
+        <p:cNvPr id="1" name=""/>
+        <p:cNvGrpSpPr/>
+        <p:nvPr/>
+      </p:nvGrpSpPr>
+      <p:grpSpPr>
+        <a:xfrm>
+          <a:off x="0" y="0"/>
+          <a:ext cx="0" cy="0"/>
+          <a:chOff x="0" y="0"/>
+          <a:chExt cx="0" cy="0"/>
+        </a:xfrm>
+      </p:grpSpPr>
       <p:sp>
         <p:nvSpPr>
           <p:cNvPr id="36" name="Rectangle 35"/>
@@ -25223,8 +26862,8 @@
           </p:nvSpPr>
           <p:spPr>
             <a:xfrm>
-              <a:off x="429406" y="3788211"/>
-              <a:ext cx="4041858" cy="2529462"/>
+              <a:off x="429406" y="3778762"/>
+              <a:ext cx="4041858" cy="2538911"/>
             </a:xfrm>
             <a:prstGeom prst="rect">
               <a:avLst/>
@@ -25857,7 +27496,7 @@
 </p:sld>
 </file>
 
-<file path=ppt/slides/slide7.xml><?xml version="1.0" encoding="utf-8"?>
+<file path=ppt/slides/slide8.xml><?xml version="1.0" encoding="utf-8"?>
 <p:sld xmlns:a="http://schemas.openxmlformats.org/drawingml/2006/main" xmlns:r="http://schemas.openxmlformats.org/officeDocument/2006/relationships" xmlns:p="http://schemas.openxmlformats.org/presentationml/2006/main">
   <p:cSld>
     <p:spTree>
@@ -28960,7 +30599,7 @@
 </p:sld>
 </file>
 
-<file path=ppt/slides/slide8.xml><?xml version="1.0" encoding="utf-8"?>
+<file path=ppt/slides/slide9.xml><?xml version="1.0" encoding="utf-8"?>
 <p:sld xmlns:a="http://schemas.openxmlformats.org/drawingml/2006/main" xmlns:r="http://schemas.openxmlformats.org/officeDocument/2006/relationships" xmlns:p="http://schemas.openxmlformats.org/presentationml/2006/main">
   <p:cSld>
     <p:spTree>
@@ -30686,766 +32325,6 @@
 </p:sld>
 </file>
 
-<file path=ppt/slides/slide9.xml><?xml version="1.0" encoding="utf-8"?>
-<p:sld xmlns:a="http://schemas.openxmlformats.org/drawingml/2006/main" xmlns:r="http://schemas.openxmlformats.org/officeDocument/2006/relationships" xmlns:p="http://schemas.openxmlformats.org/presentationml/2006/main">
-  <p:cSld>
-    <p:spTree>
-      <p:nvGrpSpPr>
-        <p:cNvPr id="1" name=""/>
-        <p:cNvGrpSpPr/>
-        <p:nvPr/>
-      </p:nvGrpSpPr>
-      <p:grpSpPr>
-        <a:xfrm>
-          <a:off x="0" y="0"/>
-          <a:ext cx="0" cy="0"/>
-          <a:chOff x="0" y="0"/>
-          <a:chExt cx="0" cy="0"/>
-        </a:xfrm>
-      </p:grpSpPr>
-      <p:grpSp>
-        <p:nvGrpSpPr>
-          <p:cNvPr id="9" name="Group 8"/>
-          <p:cNvGrpSpPr/>
-          <p:nvPr/>
-        </p:nvGrpSpPr>
-        <p:grpSpPr>
-          <a:xfrm>
-            <a:off x="605733" y="1588514"/>
-            <a:ext cx="11094948" cy="4355086"/>
-            <a:chOff x="1097052" y="2502914"/>
-            <a:chExt cx="11094948" cy="4355086"/>
-          </a:xfrm>
-        </p:grpSpPr>
-        <p:pic>
-          <p:nvPicPr>
-            <p:cNvPr id="2" name="Picture 1"/>
-            <p:cNvPicPr>
-              <a:picLocks noChangeAspect="1"/>
-            </p:cNvPicPr>
-            <p:nvPr/>
-          </p:nvPicPr>
-          <p:blipFill>
-            <a:blip r:embed="rId2">
-              <a:extLst>
-                <a:ext uri="{28A0092B-C50C-407E-A947-70E740481C1C}">
-                  <a14:useLocalDpi xmlns:a14="http://schemas.microsoft.com/office/drawing/2010/main" val="0"/>
-                </a:ext>
-              </a:extLst>
-            </a:blip>
-            <a:stretch>
-              <a:fillRect/>
-            </a:stretch>
-          </p:blipFill>
-          <p:spPr>
-            <a:xfrm>
-              <a:off x="1097052" y="2502917"/>
-              <a:ext cx="3698316" cy="2177541"/>
-            </a:xfrm>
-            <a:prstGeom prst="rect">
-              <a:avLst/>
-            </a:prstGeom>
-          </p:spPr>
-        </p:pic>
-        <p:pic>
-          <p:nvPicPr>
-            <p:cNvPr id="3" name="Picture 2"/>
-            <p:cNvPicPr>
-              <a:picLocks noChangeAspect="1"/>
-            </p:cNvPicPr>
-            <p:nvPr/>
-          </p:nvPicPr>
-          <p:blipFill>
-            <a:blip r:embed="rId3">
-              <a:extLst>
-                <a:ext uri="{28A0092B-C50C-407E-A947-70E740481C1C}">
-                  <a14:useLocalDpi xmlns:a14="http://schemas.microsoft.com/office/drawing/2010/main" val="0"/>
-                </a:ext>
-              </a:extLst>
-            </a:blip>
-            <a:stretch>
-              <a:fillRect/>
-            </a:stretch>
-          </p:blipFill>
-          <p:spPr>
-            <a:xfrm>
-              <a:off x="4795368" y="2502918"/>
-              <a:ext cx="3698316" cy="2177541"/>
-            </a:xfrm>
-            <a:prstGeom prst="rect">
-              <a:avLst/>
-            </a:prstGeom>
-          </p:spPr>
-        </p:pic>
-        <p:pic>
-          <p:nvPicPr>
-            <p:cNvPr id="5" name="Picture 4"/>
-            <p:cNvPicPr>
-              <a:picLocks noChangeAspect="1"/>
-            </p:cNvPicPr>
-            <p:nvPr/>
-          </p:nvPicPr>
-          <p:blipFill>
-            <a:blip r:embed="rId4">
-              <a:extLst>
-                <a:ext uri="{28A0092B-C50C-407E-A947-70E740481C1C}">
-                  <a14:useLocalDpi xmlns:a14="http://schemas.microsoft.com/office/drawing/2010/main" val="0"/>
-                </a:ext>
-              </a:extLst>
-            </a:blip>
-            <a:stretch>
-              <a:fillRect/>
-            </a:stretch>
-          </p:blipFill>
-          <p:spPr>
-            <a:xfrm>
-              <a:off x="8493684" y="2502918"/>
-              <a:ext cx="3698316" cy="2177541"/>
-            </a:xfrm>
-            <a:prstGeom prst="rect">
-              <a:avLst/>
-            </a:prstGeom>
-          </p:spPr>
-        </p:pic>
-        <p:pic>
-          <p:nvPicPr>
-            <p:cNvPr id="6" name="Picture 5"/>
-            <p:cNvPicPr>
-              <a:picLocks noChangeAspect="1"/>
-            </p:cNvPicPr>
-            <p:nvPr/>
-          </p:nvPicPr>
-          <p:blipFill>
-            <a:blip r:embed="rId5">
-              <a:extLst>
-                <a:ext uri="{28A0092B-C50C-407E-A947-70E740481C1C}">
-                  <a14:useLocalDpi xmlns:a14="http://schemas.microsoft.com/office/drawing/2010/main" val="0"/>
-                </a:ext>
-              </a:extLst>
-            </a:blip>
-            <a:stretch>
-              <a:fillRect/>
-            </a:stretch>
-          </p:blipFill>
-          <p:spPr>
-            <a:xfrm>
-              <a:off x="1097052" y="4680459"/>
-              <a:ext cx="3698316" cy="2177541"/>
-            </a:xfrm>
-            <a:prstGeom prst="rect">
-              <a:avLst/>
-            </a:prstGeom>
-          </p:spPr>
-        </p:pic>
-        <p:pic>
-          <p:nvPicPr>
-            <p:cNvPr id="7" name="Picture 6"/>
-            <p:cNvPicPr>
-              <a:picLocks noChangeAspect="1"/>
-            </p:cNvPicPr>
-            <p:nvPr/>
-          </p:nvPicPr>
-          <p:blipFill>
-            <a:blip r:embed="rId6">
-              <a:extLst>
-                <a:ext uri="{28A0092B-C50C-407E-A947-70E740481C1C}">
-                  <a14:useLocalDpi xmlns:a14="http://schemas.microsoft.com/office/drawing/2010/main" val="0"/>
-                </a:ext>
-              </a:extLst>
-            </a:blip>
-            <a:stretch>
-              <a:fillRect/>
-            </a:stretch>
-          </p:blipFill>
-          <p:spPr>
-            <a:xfrm>
-              <a:off x="4795368" y="4680459"/>
-              <a:ext cx="3698316" cy="2177541"/>
-            </a:xfrm>
-            <a:prstGeom prst="rect">
-              <a:avLst/>
-            </a:prstGeom>
-          </p:spPr>
-        </p:pic>
-        <p:pic>
-          <p:nvPicPr>
-            <p:cNvPr id="8" name="Picture 7"/>
-            <p:cNvPicPr>
-              <a:picLocks noChangeAspect="1"/>
-            </p:cNvPicPr>
-            <p:nvPr/>
-          </p:nvPicPr>
-          <p:blipFill>
-            <a:blip r:embed="rId7">
-              <a:extLst>
-                <a:ext uri="{28A0092B-C50C-407E-A947-70E740481C1C}">
-                  <a14:useLocalDpi xmlns:a14="http://schemas.microsoft.com/office/drawing/2010/main" val="0"/>
-                </a:ext>
-              </a:extLst>
-            </a:blip>
-            <a:stretch>
-              <a:fillRect/>
-            </a:stretch>
-          </p:blipFill>
-          <p:spPr>
-            <a:xfrm>
-              <a:off x="8493684" y="4680459"/>
-              <a:ext cx="3698316" cy="2177541"/>
-            </a:xfrm>
-            <a:prstGeom prst="rect">
-              <a:avLst/>
-            </a:prstGeom>
-          </p:spPr>
-        </p:pic>
-        <mc:AlternateContent xmlns:mc="http://schemas.openxmlformats.org/markup-compatibility/2006">
-          <mc:Choice xmlns:a14="http://schemas.microsoft.com/office/drawing/2010/main" Requires="a14">
-            <p:sp>
-              <p:nvSpPr>
-                <p:cNvPr id="40" name="TextBox 39"/>
-                <p:cNvSpPr txBox="1"/>
-                <p:nvPr/>
-              </p:nvSpPr>
-              <p:spPr>
-                <a:xfrm>
-                  <a:off x="2612368" y="2502916"/>
-                  <a:ext cx="667683" cy="276999"/>
-                </a:xfrm>
-                <a:prstGeom prst="rect">
-                  <a:avLst/>
-                </a:prstGeom>
-                <a:noFill/>
-              </p:spPr>
-              <p:txBody>
-                <a:bodyPr wrap="none" lIns="0" tIns="0" rIns="0" bIns="0" rtlCol="0">
-                  <a:spAutoFit/>
-                </a:bodyPr>
-                <a:lstStyle/>
-                <a:p>
-                  <a14:m>
-                    <m:oMath xmlns:m="http://schemas.openxmlformats.org/officeDocument/2006/math">
-                      <m:r>
-                        <a:rPr lang="hu-HU" b="0" i="1" smtClean="0">
-                          <a:latin typeface="Cambria Math" charset="0"/>
-                        </a:rPr>
-                        <m:t>𝑡</m:t>
-                      </m:r>
-                      <m:r>
-                        <a:rPr lang="hu-HU" b="0" i="1" smtClean="0">
-                          <a:latin typeface="Cambria Math" charset="0"/>
-                        </a:rPr>
-                        <m:t>=0 </m:t>
-                      </m:r>
-                    </m:oMath>
-                  </a14:m>
-                  <a:r>
-                    <a:rPr lang="en-GB" dirty="0" smtClean="0"/>
-                    <a:t>s</a:t>
-                  </a:r>
-                  <a:endParaRPr lang="en-GB" dirty="0"/>
-                </a:p>
-              </p:txBody>
-            </p:sp>
-          </mc:Choice>
-          <mc:Fallback>
-            <p:sp>
-              <p:nvSpPr>
-                <p:cNvPr id="40" name="TextBox 39"/>
-                <p:cNvSpPr txBox="1">
-                  <a:spLocks noRot="1" noChangeAspect="1" noMove="1" noResize="1" noEditPoints="1" noAdjustHandles="1" noChangeArrowheads="1" noChangeShapeType="1" noTextEdit="1"/>
-                </p:cNvSpPr>
-                <p:nvPr/>
-              </p:nvSpPr>
-              <p:spPr>
-                <a:xfrm>
-                  <a:off x="2612368" y="2502916"/>
-                  <a:ext cx="667683" cy="276999"/>
-                </a:xfrm>
-                <a:prstGeom prst="rect">
-                  <a:avLst/>
-                </a:prstGeom>
-                <a:blipFill rotWithShape="0">
-                  <a:blip r:embed="rId8"/>
-                  <a:stretch>
-                    <a:fillRect l="-11009" t="-148889" r="-21101" b="-180000"/>
-                  </a:stretch>
-                </a:blipFill>
-              </p:spPr>
-              <p:txBody>
-                <a:bodyPr/>
-                <a:lstStyle/>
-                <a:p>
-                  <a:r>
-                    <a:rPr lang="hu-HU">
-                      <a:noFill/>
-                    </a:rPr>
-                    <a:t> </a:t>
-                  </a:r>
-                </a:p>
-              </p:txBody>
-            </p:sp>
-          </mc:Fallback>
-        </mc:AlternateContent>
-        <mc:AlternateContent xmlns:mc="http://schemas.openxmlformats.org/markup-compatibility/2006">
-          <mc:Choice xmlns:a14="http://schemas.microsoft.com/office/drawing/2010/main" Requires="a14">
-            <p:sp>
-              <p:nvSpPr>
-                <p:cNvPr id="41" name="TextBox 40"/>
-                <p:cNvSpPr txBox="1"/>
-                <p:nvPr/>
-              </p:nvSpPr>
-              <p:spPr>
-                <a:xfrm>
-                  <a:off x="6220601" y="2502915"/>
-                  <a:ext cx="844014" cy="276999"/>
-                </a:xfrm>
-                <a:prstGeom prst="rect">
-                  <a:avLst/>
-                </a:prstGeom>
-                <a:noFill/>
-              </p:spPr>
-              <p:txBody>
-                <a:bodyPr wrap="none" lIns="0" tIns="0" rIns="0" bIns="0" rtlCol="0">
-                  <a:spAutoFit/>
-                </a:bodyPr>
-                <a:lstStyle/>
-                <a:p>
-                  <a14:m>
-                    <m:oMath xmlns:m="http://schemas.openxmlformats.org/officeDocument/2006/math">
-                      <m:r>
-                        <a:rPr lang="hu-HU" b="0" i="1" smtClean="0">
-                          <a:latin typeface="Cambria Math" charset="0"/>
-                        </a:rPr>
-                        <m:t>𝑡</m:t>
-                      </m:r>
-                      <m:r>
-                        <a:rPr lang="hu-HU" b="0" i="1" smtClean="0">
-                          <a:latin typeface="Cambria Math" charset="0"/>
-                        </a:rPr>
-                        <m:t>=0.2 </m:t>
-                      </m:r>
-                    </m:oMath>
-                  </a14:m>
-                  <a:r>
-                    <a:rPr lang="en-GB" dirty="0" smtClean="0"/>
-                    <a:t>s</a:t>
-                  </a:r>
-                  <a:endParaRPr lang="en-GB" dirty="0"/>
-                </a:p>
-              </p:txBody>
-            </p:sp>
-          </mc:Choice>
-          <mc:Fallback>
-            <p:sp>
-              <p:nvSpPr>
-                <p:cNvPr id="41" name="TextBox 40"/>
-                <p:cNvSpPr txBox="1">
-                  <a:spLocks noRot="1" noChangeAspect="1" noMove="1" noResize="1" noEditPoints="1" noAdjustHandles="1" noChangeArrowheads="1" noChangeShapeType="1" noTextEdit="1"/>
-                </p:cNvSpPr>
-                <p:nvPr/>
-              </p:nvSpPr>
-              <p:spPr>
-                <a:xfrm>
-                  <a:off x="6220601" y="2502915"/>
-                  <a:ext cx="844014" cy="276999"/>
-                </a:xfrm>
-                <a:prstGeom prst="rect">
-                  <a:avLst/>
-                </a:prstGeom>
-                <a:blipFill rotWithShape="0">
-                  <a:blip r:embed="rId9"/>
-                  <a:stretch>
-                    <a:fillRect l="-8696" t="-148889" r="-16667" b="-180000"/>
-                  </a:stretch>
-                </a:blipFill>
-              </p:spPr>
-              <p:txBody>
-                <a:bodyPr/>
-                <a:lstStyle/>
-                <a:p>
-                  <a:r>
-                    <a:rPr lang="hu-HU">
-                      <a:noFill/>
-                    </a:rPr>
-                    <a:t> </a:t>
-                  </a:r>
-                </a:p>
-              </p:txBody>
-            </p:sp>
-          </mc:Fallback>
-        </mc:AlternateContent>
-        <mc:AlternateContent xmlns:mc="http://schemas.openxmlformats.org/markup-compatibility/2006">
-          <mc:Choice xmlns:a14="http://schemas.microsoft.com/office/drawing/2010/main" Requires="a14">
-            <p:sp>
-              <p:nvSpPr>
-                <p:cNvPr id="42" name="TextBox 41"/>
-                <p:cNvSpPr txBox="1"/>
-                <p:nvPr/>
-              </p:nvSpPr>
-              <p:spPr>
-                <a:xfrm>
-                  <a:off x="9920835" y="2502914"/>
-                  <a:ext cx="844014" cy="276999"/>
-                </a:xfrm>
-                <a:prstGeom prst="rect">
-                  <a:avLst/>
-                </a:prstGeom>
-                <a:noFill/>
-              </p:spPr>
-              <p:txBody>
-                <a:bodyPr wrap="none" lIns="0" tIns="0" rIns="0" bIns="0" rtlCol="0">
-                  <a:spAutoFit/>
-                </a:bodyPr>
-                <a:lstStyle/>
-                <a:p>
-                  <a14:m>
-                    <m:oMath xmlns:m="http://schemas.openxmlformats.org/officeDocument/2006/math">
-                      <m:r>
-                        <a:rPr lang="hu-HU" b="0" i="1" smtClean="0">
-                          <a:latin typeface="Cambria Math" charset="0"/>
-                        </a:rPr>
-                        <m:t>𝑡</m:t>
-                      </m:r>
-                      <m:r>
-                        <a:rPr lang="hu-HU" b="0" i="1" smtClean="0">
-                          <a:latin typeface="Cambria Math" charset="0"/>
-                        </a:rPr>
-                        <m:t>=0.8 </m:t>
-                      </m:r>
-                    </m:oMath>
-                  </a14:m>
-                  <a:r>
-                    <a:rPr lang="en-GB" dirty="0" smtClean="0"/>
-                    <a:t>s</a:t>
-                  </a:r>
-                  <a:endParaRPr lang="en-GB" dirty="0"/>
-                </a:p>
-              </p:txBody>
-            </p:sp>
-          </mc:Choice>
-          <mc:Fallback>
-            <p:sp>
-              <p:nvSpPr>
-                <p:cNvPr id="42" name="TextBox 41"/>
-                <p:cNvSpPr txBox="1">
-                  <a:spLocks noRot="1" noChangeAspect="1" noMove="1" noResize="1" noEditPoints="1" noAdjustHandles="1" noChangeArrowheads="1" noChangeShapeType="1" noTextEdit="1"/>
-                </p:cNvSpPr>
-                <p:nvPr/>
-              </p:nvSpPr>
-              <p:spPr>
-                <a:xfrm>
-                  <a:off x="9920835" y="2502914"/>
-                  <a:ext cx="844014" cy="276999"/>
-                </a:xfrm>
-                <a:prstGeom prst="rect">
-                  <a:avLst/>
-                </a:prstGeom>
-                <a:blipFill rotWithShape="0">
-                  <a:blip r:embed="rId10"/>
-                  <a:stretch>
-                    <a:fillRect l="-8696" t="-148889" r="-16667" b="-180000"/>
-                  </a:stretch>
-                </a:blipFill>
-              </p:spPr>
-              <p:txBody>
-                <a:bodyPr/>
-                <a:lstStyle/>
-                <a:p>
-                  <a:r>
-                    <a:rPr lang="hu-HU">
-                      <a:noFill/>
-                    </a:rPr>
-                    <a:t> </a:t>
-                  </a:r>
-                </a:p>
-              </p:txBody>
-            </p:sp>
-          </mc:Fallback>
-        </mc:AlternateContent>
-        <mc:AlternateContent xmlns:mc="http://schemas.openxmlformats.org/markup-compatibility/2006">
-          <mc:Choice xmlns:a14="http://schemas.microsoft.com/office/drawing/2010/main" Requires="a14">
-            <p:sp>
-              <p:nvSpPr>
-                <p:cNvPr id="43" name="TextBox 42"/>
-                <p:cNvSpPr txBox="1"/>
-                <p:nvPr/>
-              </p:nvSpPr>
-              <p:spPr>
-                <a:xfrm>
-                  <a:off x="2524202" y="4680458"/>
-                  <a:ext cx="844014" cy="276999"/>
-                </a:xfrm>
-                <a:prstGeom prst="rect">
-                  <a:avLst/>
-                </a:prstGeom>
-                <a:noFill/>
-              </p:spPr>
-              <p:txBody>
-                <a:bodyPr wrap="none" lIns="0" tIns="0" rIns="0" bIns="0" rtlCol="0">
-                  <a:spAutoFit/>
-                </a:bodyPr>
-                <a:lstStyle/>
-                <a:p>
-                  <a14:m>
-                    <m:oMath xmlns:m="http://schemas.openxmlformats.org/officeDocument/2006/math">
-                      <m:r>
-                        <a:rPr lang="hu-HU" b="0" i="1" smtClean="0">
-                          <a:latin typeface="Cambria Math" charset="0"/>
-                        </a:rPr>
-                        <m:t>𝑡</m:t>
-                      </m:r>
-                      <m:r>
-                        <a:rPr lang="hu-HU" b="0" i="1" smtClean="0">
-                          <a:latin typeface="Cambria Math" charset="0"/>
-                        </a:rPr>
-                        <m:t>=1.2 </m:t>
-                      </m:r>
-                    </m:oMath>
-                  </a14:m>
-                  <a:r>
-                    <a:rPr lang="en-GB" dirty="0" smtClean="0"/>
-                    <a:t>s</a:t>
-                  </a:r>
-                  <a:endParaRPr lang="en-GB" dirty="0"/>
-                </a:p>
-              </p:txBody>
-            </p:sp>
-          </mc:Choice>
-          <mc:Fallback>
-            <p:sp>
-              <p:nvSpPr>
-                <p:cNvPr id="43" name="TextBox 42"/>
-                <p:cNvSpPr txBox="1">
-                  <a:spLocks noRot="1" noChangeAspect="1" noMove="1" noResize="1" noEditPoints="1" noAdjustHandles="1" noChangeArrowheads="1" noChangeShapeType="1" noTextEdit="1"/>
-                </p:cNvSpPr>
-                <p:nvPr/>
-              </p:nvSpPr>
-              <p:spPr>
-                <a:xfrm>
-                  <a:off x="2524202" y="4680458"/>
-                  <a:ext cx="844014" cy="276999"/>
-                </a:xfrm>
-                <a:prstGeom prst="rect">
-                  <a:avLst/>
-                </a:prstGeom>
-                <a:blipFill rotWithShape="0">
-                  <a:blip r:embed="rId11"/>
-                  <a:stretch>
-                    <a:fillRect l="-8633" t="-146667" r="-16547" b="-180000"/>
-                  </a:stretch>
-                </a:blipFill>
-              </p:spPr>
-              <p:txBody>
-                <a:bodyPr/>
-                <a:lstStyle/>
-                <a:p>
-                  <a:r>
-                    <a:rPr lang="hu-HU">
-                      <a:noFill/>
-                    </a:rPr>
-                    <a:t> </a:t>
-                  </a:r>
-                </a:p>
-              </p:txBody>
-            </p:sp>
-          </mc:Fallback>
-        </mc:AlternateContent>
-        <mc:AlternateContent xmlns:mc="http://schemas.openxmlformats.org/markup-compatibility/2006">
-          <mc:Choice xmlns:a14="http://schemas.microsoft.com/office/drawing/2010/main" Requires="a14">
-            <p:sp>
-              <p:nvSpPr>
-                <p:cNvPr id="44" name="TextBox 43"/>
-                <p:cNvSpPr txBox="1"/>
-                <p:nvPr/>
-              </p:nvSpPr>
-              <p:spPr>
-                <a:xfrm>
-                  <a:off x="6220601" y="4680458"/>
-                  <a:ext cx="844014" cy="276999"/>
-                </a:xfrm>
-                <a:prstGeom prst="rect">
-                  <a:avLst/>
-                </a:prstGeom>
-                <a:noFill/>
-              </p:spPr>
-              <p:txBody>
-                <a:bodyPr wrap="none" lIns="0" tIns="0" rIns="0" bIns="0" rtlCol="0">
-                  <a:spAutoFit/>
-                </a:bodyPr>
-                <a:lstStyle/>
-                <a:p>
-                  <a14:m>
-                    <m:oMath xmlns:m="http://schemas.openxmlformats.org/officeDocument/2006/math">
-                      <m:r>
-                        <a:rPr lang="hu-HU" b="0" i="1" smtClean="0">
-                          <a:latin typeface="Cambria Math" charset="0"/>
-                        </a:rPr>
-                        <m:t>𝑡</m:t>
-                      </m:r>
-                      <m:r>
-                        <a:rPr lang="hu-HU" b="0" i="1" smtClean="0">
-                          <a:latin typeface="Cambria Math" charset="0"/>
-                        </a:rPr>
-                        <m:t>=1.6 </m:t>
-                      </m:r>
-                    </m:oMath>
-                  </a14:m>
-                  <a:r>
-                    <a:rPr lang="en-GB" dirty="0" smtClean="0"/>
-                    <a:t>s</a:t>
-                  </a:r>
-                  <a:endParaRPr lang="en-GB" dirty="0"/>
-                </a:p>
-              </p:txBody>
-            </p:sp>
-          </mc:Choice>
-          <mc:Fallback>
-            <p:sp>
-              <p:nvSpPr>
-                <p:cNvPr id="44" name="TextBox 43"/>
-                <p:cNvSpPr txBox="1">
-                  <a:spLocks noRot="1" noChangeAspect="1" noMove="1" noResize="1" noEditPoints="1" noAdjustHandles="1" noChangeArrowheads="1" noChangeShapeType="1" noTextEdit="1"/>
-                </p:cNvSpPr>
-                <p:nvPr/>
-              </p:nvSpPr>
-              <p:spPr>
-                <a:xfrm>
-                  <a:off x="6220601" y="4680458"/>
-                  <a:ext cx="844014" cy="276999"/>
-                </a:xfrm>
-                <a:prstGeom prst="rect">
-                  <a:avLst/>
-                </a:prstGeom>
-                <a:blipFill rotWithShape="0">
-                  <a:blip r:embed="rId12"/>
-                  <a:stretch>
-                    <a:fillRect l="-8696" t="-146667" r="-16667" b="-180000"/>
-                  </a:stretch>
-                </a:blipFill>
-              </p:spPr>
-              <p:txBody>
-                <a:bodyPr/>
-                <a:lstStyle/>
-                <a:p>
-                  <a:r>
-                    <a:rPr lang="hu-HU">
-                      <a:noFill/>
-                    </a:rPr>
-                    <a:t> </a:t>
-                  </a:r>
-                </a:p>
-              </p:txBody>
-            </p:sp>
-          </mc:Fallback>
-        </mc:AlternateContent>
-        <mc:AlternateContent xmlns:mc="http://schemas.openxmlformats.org/markup-compatibility/2006">
-          <mc:Choice xmlns:a14="http://schemas.microsoft.com/office/drawing/2010/main" Requires="a14">
-            <p:sp>
-              <p:nvSpPr>
-                <p:cNvPr id="45" name="TextBox 44"/>
-                <p:cNvSpPr txBox="1"/>
-                <p:nvPr/>
-              </p:nvSpPr>
-              <p:spPr>
-                <a:xfrm>
-                  <a:off x="10009000" y="4680458"/>
-                  <a:ext cx="667683" cy="276999"/>
-                </a:xfrm>
-                <a:prstGeom prst="rect">
-                  <a:avLst/>
-                </a:prstGeom>
-                <a:noFill/>
-              </p:spPr>
-              <p:txBody>
-                <a:bodyPr wrap="none" lIns="0" tIns="0" rIns="0" bIns="0" rtlCol="0">
-                  <a:spAutoFit/>
-                </a:bodyPr>
-                <a:lstStyle/>
-                <a:p>
-                  <a14:m>
-                    <m:oMath xmlns:m="http://schemas.openxmlformats.org/officeDocument/2006/math">
-                      <m:r>
-                        <a:rPr lang="hu-HU" b="0" i="1" smtClean="0">
-                          <a:latin typeface="Cambria Math" charset="0"/>
-                        </a:rPr>
-                        <m:t>𝑡</m:t>
-                      </m:r>
-                      <m:r>
-                        <a:rPr lang="hu-HU" b="0" i="1" smtClean="0">
-                          <a:latin typeface="Cambria Math" charset="0"/>
-                        </a:rPr>
-                        <m:t>=2 </m:t>
-                      </m:r>
-                    </m:oMath>
-                  </a14:m>
-                  <a:r>
-                    <a:rPr lang="en-GB" dirty="0" smtClean="0"/>
-                    <a:t>s</a:t>
-                  </a:r>
-                  <a:endParaRPr lang="en-GB" dirty="0"/>
-                </a:p>
-              </p:txBody>
-            </p:sp>
-          </mc:Choice>
-          <mc:Fallback>
-            <p:sp>
-              <p:nvSpPr>
-                <p:cNvPr id="45" name="TextBox 44"/>
-                <p:cNvSpPr txBox="1">
-                  <a:spLocks noRot="1" noChangeAspect="1" noMove="1" noResize="1" noEditPoints="1" noAdjustHandles="1" noChangeArrowheads="1" noChangeShapeType="1" noTextEdit="1"/>
-                </p:cNvSpPr>
-                <p:nvPr/>
-              </p:nvSpPr>
-              <p:spPr>
-                <a:xfrm>
-                  <a:off x="10009000" y="4680458"/>
-                  <a:ext cx="667683" cy="276999"/>
-                </a:xfrm>
-                <a:prstGeom prst="rect">
-                  <a:avLst/>
-                </a:prstGeom>
-                <a:blipFill rotWithShape="0">
-                  <a:blip r:embed="rId13"/>
-                  <a:stretch>
-                    <a:fillRect l="-10909" t="-146667" r="-20909" b="-180000"/>
-                  </a:stretch>
-                </a:blipFill>
-              </p:spPr>
-              <p:txBody>
-                <a:bodyPr/>
-                <a:lstStyle/>
-                <a:p>
-                  <a:r>
-                    <a:rPr lang="hu-HU">
-                      <a:noFill/>
-                    </a:rPr>
-                    <a:t> </a:t>
-                  </a:r>
-                </a:p>
-              </p:txBody>
-            </p:sp>
-          </mc:Fallback>
-        </mc:AlternateContent>
-      </p:grpSp>
-    </p:spTree>
-    <p:extLst>
-      <p:ext uri="{BB962C8B-B14F-4D97-AF65-F5344CB8AC3E}">
-        <p14:creationId xmlns:p14="http://schemas.microsoft.com/office/powerpoint/2010/main" val="1461442928"/>
-      </p:ext>
-    </p:extLst>
-  </p:cSld>
-  <p:clrMapOvr>
-    <a:masterClrMapping/>
-  </p:clrMapOvr>
-  <p:timing>
-    <p:tnLst>
-      <p:par>
-        <p:cTn id="1" dur="indefinite" restart="never" nodeType="tmRoot"/>
-      </p:par>
-    </p:tnLst>
-  </p:timing>
-</p:sld>
-</file>
-
 <file path=ppt/theme/theme1.xml><?xml version="1.0" encoding="utf-8"?>
 <a:theme xmlns:a="http://schemas.openxmlformats.org/drawingml/2006/main" name="Office Theme">
   <a:themeElements>

--- a/abrak.pptx
+++ b/abrak.pptx
@@ -225,7 +225,7 @@
           <a:p>
             <a:fld id="{14239B35-D6DD-EA44-B274-DB31CBBE2D98}" type="datetimeFigureOut">
               <a:rPr lang="en-GB" smtClean="0"/>
-              <a:t>04/08/2017</a:t>
+              <a:t>05/08/2017</a:t>
             </a:fld>
             <a:endParaRPr lang="en-GB"/>
           </a:p>
@@ -624,7 +624,7 @@
           <a:p>
             <a:fld id="{8C151DFB-7B28-114B-8074-0837DBB019C8}" type="datetimeFigureOut">
               <a:rPr lang="en-GB" smtClean="0"/>
-              <a:t>04/08/2017</a:t>
+              <a:t>05/08/2017</a:t>
             </a:fld>
             <a:endParaRPr lang="en-GB"/>
           </a:p>
@@ -794,7 +794,7 @@
           <a:p>
             <a:fld id="{8C151DFB-7B28-114B-8074-0837DBB019C8}" type="datetimeFigureOut">
               <a:rPr lang="en-GB" smtClean="0"/>
-              <a:t>04/08/2017</a:t>
+              <a:t>05/08/2017</a:t>
             </a:fld>
             <a:endParaRPr lang="en-GB"/>
           </a:p>
@@ -974,7 +974,7 @@
           <a:p>
             <a:fld id="{8C151DFB-7B28-114B-8074-0837DBB019C8}" type="datetimeFigureOut">
               <a:rPr lang="en-GB" smtClean="0"/>
-              <a:t>04/08/2017</a:t>
+              <a:t>05/08/2017</a:t>
             </a:fld>
             <a:endParaRPr lang="en-GB"/>
           </a:p>
@@ -1144,7 +1144,7 @@
           <a:p>
             <a:fld id="{8C151DFB-7B28-114B-8074-0837DBB019C8}" type="datetimeFigureOut">
               <a:rPr lang="en-GB" smtClean="0"/>
-              <a:t>04/08/2017</a:t>
+              <a:t>05/08/2017</a:t>
             </a:fld>
             <a:endParaRPr lang="en-GB"/>
           </a:p>
@@ -1390,7 +1390,7 @@
           <a:p>
             <a:fld id="{8C151DFB-7B28-114B-8074-0837DBB019C8}" type="datetimeFigureOut">
               <a:rPr lang="en-GB" smtClean="0"/>
-              <a:t>04/08/2017</a:t>
+              <a:t>05/08/2017</a:t>
             </a:fld>
             <a:endParaRPr lang="en-GB"/>
           </a:p>
@@ -1622,7 +1622,7 @@
           <a:p>
             <a:fld id="{8C151DFB-7B28-114B-8074-0837DBB019C8}" type="datetimeFigureOut">
               <a:rPr lang="en-GB" smtClean="0"/>
-              <a:t>04/08/2017</a:t>
+              <a:t>05/08/2017</a:t>
             </a:fld>
             <a:endParaRPr lang="en-GB"/>
           </a:p>
@@ -1989,7 +1989,7 @@
           <a:p>
             <a:fld id="{8C151DFB-7B28-114B-8074-0837DBB019C8}" type="datetimeFigureOut">
               <a:rPr lang="en-GB" smtClean="0"/>
-              <a:t>04/08/2017</a:t>
+              <a:t>05/08/2017</a:t>
             </a:fld>
             <a:endParaRPr lang="en-GB"/>
           </a:p>
@@ -2107,7 +2107,7 @@
           <a:p>
             <a:fld id="{8C151DFB-7B28-114B-8074-0837DBB019C8}" type="datetimeFigureOut">
               <a:rPr lang="en-GB" smtClean="0"/>
-              <a:t>04/08/2017</a:t>
+              <a:t>05/08/2017</a:t>
             </a:fld>
             <a:endParaRPr lang="en-GB"/>
           </a:p>
@@ -2202,7 +2202,7 @@
           <a:p>
             <a:fld id="{8C151DFB-7B28-114B-8074-0837DBB019C8}" type="datetimeFigureOut">
               <a:rPr lang="en-GB" smtClean="0"/>
-              <a:t>04/08/2017</a:t>
+              <a:t>05/08/2017</a:t>
             </a:fld>
             <a:endParaRPr lang="en-GB"/>
           </a:p>
@@ -2479,7 +2479,7 @@
           <a:p>
             <a:fld id="{8C151DFB-7B28-114B-8074-0837DBB019C8}" type="datetimeFigureOut">
               <a:rPr lang="en-GB" smtClean="0"/>
-              <a:t>04/08/2017</a:t>
+              <a:t>05/08/2017</a:t>
             </a:fld>
             <a:endParaRPr lang="en-GB"/>
           </a:p>
@@ -2732,7 +2732,7 @@
           <a:p>
             <a:fld id="{8C151DFB-7B28-114B-8074-0837DBB019C8}" type="datetimeFigureOut">
               <a:rPr lang="en-GB" smtClean="0"/>
-              <a:t>04/08/2017</a:t>
+              <a:t>05/08/2017</a:t>
             </a:fld>
             <a:endParaRPr lang="en-GB"/>
           </a:p>
@@ -2945,7 +2945,7 @@
           <a:p>
             <a:fld id="{8C151DFB-7B28-114B-8074-0837DBB019C8}" type="datetimeFigureOut">
               <a:rPr lang="en-GB" smtClean="0"/>
-              <a:t>04/08/2017</a:t>
+              <a:t>05/08/2017</a:t>
             </a:fld>
             <a:endParaRPr lang="en-GB"/>
           </a:p>
@@ -14449,21 +14449,21 @@
       </p:grpSpPr>
       <p:grpSp>
         <p:nvGrpSpPr>
-          <p:cNvPr id="12" name="Group 11"/>
+          <p:cNvPr id="6" name="Group 5"/>
           <p:cNvGrpSpPr/>
           <p:nvPr/>
         </p:nvGrpSpPr>
         <p:grpSpPr>
           <a:xfrm>
-            <a:off x="1129115" y="842468"/>
-            <a:ext cx="9633046" cy="4348336"/>
-            <a:chOff x="1129115" y="842468"/>
-            <a:chExt cx="9633046" cy="4348336"/>
+            <a:off x="1452840" y="842468"/>
+            <a:ext cx="9477740" cy="4224276"/>
+            <a:chOff x="1452840" y="842468"/>
+            <a:chExt cx="9477740" cy="4224276"/>
           </a:xfrm>
         </p:grpSpPr>
         <p:pic>
           <p:nvPicPr>
-            <p:cNvPr id="35" name="Picture 34"/>
+            <p:cNvPr id="2" name="Picture 1"/>
             <p:cNvPicPr>
               <a:picLocks noChangeAspect="1"/>
             </p:cNvPicPr>
@@ -14483,8 +14483,8 @@
           </p:blipFill>
           <p:spPr>
             <a:xfrm>
-              <a:off x="6029221" y="3108311"/>
-              <a:ext cx="4732940" cy="2082493"/>
+              <a:off x="1452840" y="984907"/>
+              <a:ext cx="4744800" cy="2040975"/>
             </a:xfrm>
             <a:prstGeom prst="rect">
               <a:avLst/>
@@ -14493,7 +14493,7 @@
         </p:pic>
         <p:pic>
           <p:nvPicPr>
-            <p:cNvPr id="36" name="Picture 35"/>
+            <p:cNvPr id="3" name="Picture 2"/>
             <p:cNvPicPr>
               <a:picLocks noChangeAspect="1"/>
             </p:cNvPicPr>
@@ -14513,8 +14513,8 @@
           </p:blipFill>
           <p:spPr>
             <a:xfrm>
-              <a:off x="6029221" y="876787"/>
-              <a:ext cx="4732940" cy="2076577"/>
+              <a:off x="6185780" y="984794"/>
+              <a:ext cx="4744800" cy="2040975"/>
             </a:xfrm>
             <a:prstGeom prst="rect">
               <a:avLst/>
@@ -14523,7 +14523,7 @@
         </p:pic>
         <p:pic>
           <p:nvPicPr>
-            <p:cNvPr id="37" name="Picture 36"/>
+            <p:cNvPr id="4" name="Picture 3"/>
             <p:cNvPicPr>
               <a:picLocks noChangeAspect="1"/>
             </p:cNvPicPr>
@@ -14543,8 +14543,8 @@
           </p:blipFill>
           <p:spPr>
             <a:xfrm>
-              <a:off x="1129115" y="878623"/>
-              <a:ext cx="4724569" cy="2072904"/>
+              <a:off x="1452840" y="3025769"/>
+              <a:ext cx="4744800" cy="2040975"/>
             </a:xfrm>
             <a:prstGeom prst="rect">
               <a:avLst/>
@@ -14553,7 +14553,7 @@
         </p:pic>
         <p:pic>
           <p:nvPicPr>
-            <p:cNvPr id="38" name="Picture 37"/>
+            <p:cNvPr id="5" name="Picture 4"/>
             <p:cNvPicPr>
               <a:picLocks noChangeAspect="1"/>
             </p:cNvPicPr>
@@ -14573,16 +14573,16 @@
           </p:blipFill>
           <p:spPr>
             <a:xfrm>
-              <a:off x="1129115" y="3106349"/>
-              <a:ext cx="4724569" cy="2078810"/>
+              <a:off x="6185780" y="3025769"/>
+              <a:ext cx="4744800" cy="2040975"/>
             </a:xfrm>
             <a:prstGeom prst="rect">
               <a:avLst/>
             </a:prstGeom>
           </p:spPr>
         </p:pic>
-        <mc:AlternateContent xmlns:mc="http://schemas.openxmlformats.org/markup-compatibility/2006" xmlns:a14="http://schemas.microsoft.com/office/drawing/2010/main">
-          <mc:Choice Requires="a14">
+        <mc:AlternateContent xmlns:mc="http://schemas.openxmlformats.org/markup-compatibility/2006">
+          <mc:Choice xmlns:a14="http://schemas.microsoft.com/office/drawing/2010/main" Requires="a14">
             <p:sp>
               <p:nvSpPr>
                 <p:cNvPr id="26" name="TextBox 25"/>
@@ -14630,7 +14630,7 @@
               </p:txBody>
             </p:sp>
           </mc:Choice>
-          <mc:Fallback xmlns="">
+          <mc:Fallback>
             <p:sp>
               <p:nvSpPr>
                 <p:cNvPr id="26" name="TextBox 25"/>
@@ -14669,8 +14669,8 @@
             </p:sp>
           </mc:Fallback>
         </mc:AlternateContent>
-        <mc:AlternateContent xmlns:mc="http://schemas.openxmlformats.org/markup-compatibility/2006" xmlns:a14="http://schemas.microsoft.com/office/drawing/2010/main">
-          <mc:Choice Requires="a14">
+        <mc:AlternateContent xmlns:mc="http://schemas.openxmlformats.org/markup-compatibility/2006">
+          <mc:Choice xmlns:a14="http://schemas.microsoft.com/office/drawing/2010/main" Requires="a14">
             <p:sp>
               <p:nvSpPr>
                 <p:cNvPr id="27" name="TextBox 26"/>
@@ -14718,7 +14718,7 @@
               </p:txBody>
             </p:sp>
           </mc:Choice>
-          <mc:Fallback xmlns="">
+          <mc:Fallback>
             <p:sp>
               <p:nvSpPr>
                 <p:cNvPr id="27" name="TextBox 26"/>
@@ -14757,8 +14757,8 @@
             </p:sp>
           </mc:Fallback>
         </mc:AlternateContent>
-        <mc:AlternateContent xmlns:mc="http://schemas.openxmlformats.org/markup-compatibility/2006" xmlns:a14="http://schemas.microsoft.com/office/drawing/2010/main">
-          <mc:Choice Requires="a14">
+        <mc:AlternateContent xmlns:mc="http://schemas.openxmlformats.org/markup-compatibility/2006">
+          <mc:Choice xmlns:a14="http://schemas.microsoft.com/office/drawing/2010/main" Requires="a14">
             <p:sp>
               <p:nvSpPr>
                 <p:cNvPr id="28" name="TextBox 27"/>
@@ -14806,7 +14806,7 @@
               </p:txBody>
             </p:sp>
           </mc:Choice>
-          <mc:Fallback xmlns="">
+          <mc:Fallback>
             <p:sp>
               <p:nvSpPr>
                 <p:cNvPr id="28" name="TextBox 27"/>
@@ -14845,8 +14845,8 @@
             </p:sp>
           </mc:Fallback>
         </mc:AlternateContent>
-        <mc:AlternateContent xmlns:mc="http://schemas.openxmlformats.org/markup-compatibility/2006" xmlns:a14="http://schemas.microsoft.com/office/drawing/2010/main">
-          <mc:Choice Requires="a14">
+        <mc:AlternateContent xmlns:mc="http://schemas.openxmlformats.org/markup-compatibility/2006">
+          <mc:Choice xmlns:a14="http://schemas.microsoft.com/office/drawing/2010/main" Requires="a14">
             <p:sp>
               <p:nvSpPr>
                 <p:cNvPr id="29" name="TextBox 28"/>
@@ -14894,7 +14894,7 @@
               </p:txBody>
             </p:sp>
           </mc:Choice>
-          <mc:Fallback xmlns="">
+          <mc:Fallback>
             <p:sp>
               <p:nvSpPr>
                 <p:cNvPr id="29" name="TextBox 28"/>
@@ -34735,8 +34735,8 @@
             </p:sp>
           </mc:Fallback>
         </mc:AlternateContent>
-        <mc:AlternateContent xmlns:mc="http://schemas.openxmlformats.org/markup-compatibility/2006" xmlns:a14="http://schemas.microsoft.com/office/drawing/2010/main">
-          <mc:Choice Requires="a14">
+        <mc:AlternateContent xmlns:mc="http://schemas.openxmlformats.org/markup-compatibility/2006">
+          <mc:Choice xmlns:a14="http://schemas.microsoft.com/office/drawing/2010/main" Requires="a14">
             <p:sp>
               <p:nvSpPr>
                 <p:cNvPr id="41" name="TextBox 40"/>
@@ -34746,7 +34746,7 @@
               <p:spPr>
                 <a:xfrm>
                   <a:off x="4772031" y="3179962"/>
-                  <a:ext cx="209866" cy="299313"/>
+                  <a:ext cx="218393" cy="299313"/>
                 </a:xfrm>
                 <a:prstGeom prst="rect">
                   <a:avLst/>
@@ -34776,10 +34776,10 @@
                           </m:sSubPr>
                           <m:e>
                             <m:r>
-                              <a:rPr lang="hu-HU" b="0" i="1" smtClean="0">
+                              <a:rPr lang="hu-HU" b="1" i="0" smtClean="0">
                                 <a:latin typeface="Cambria Math" charset="0"/>
                               </a:rPr>
-                              <m:t>𝑟</m:t>
+                              <m:t>𝐫</m:t>
                             </m:r>
                           </m:e>
                           <m:sub>
@@ -34799,7 +34799,7 @@
               </p:txBody>
             </p:sp>
           </mc:Choice>
-          <mc:Fallback xmlns="">
+          <mc:Fallback>
             <p:sp>
               <p:nvSpPr>
                 <p:cNvPr id="41" name="TextBox 40"/>
@@ -34811,7 +34811,7 @@
               <p:spPr>
                 <a:xfrm>
                   <a:off x="4772031" y="3179962"/>
-                  <a:ext cx="209866" cy="299313"/>
+                  <a:ext cx="218393" cy="299313"/>
                 </a:xfrm>
                 <a:prstGeom prst="rect">
                   <a:avLst/>
@@ -34819,7 +34819,7 @@
                 <a:blipFill rotWithShape="0">
                   <a:blip r:embed="rId4"/>
                   <a:stretch>
-                    <a:fillRect l="-17647" r="-20588" b="-28571"/>
+                    <a:fillRect l="-17143" r="-20000" b="-28571"/>
                   </a:stretch>
                 </a:blipFill>
               </p:spPr>
@@ -34838,8 +34838,8 @@
             </p:sp>
           </mc:Fallback>
         </mc:AlternateContent>
-        <mc:AlternateContent xmlns:mc="http://schemas.openxmlformats.org/markup-compatibility/2006" xmlns:a14="http://schemas.microsoft.com/office/drawing/2010/main">
-          <mc:Choice Requires="a14">
+        <mc:AlternateContent xmlns:mc="http://schemas.openxmlformats.org/markup-compatibility/2006">
+          <mc:Choice xmlns:a14="http://schemas.microsoft.com/office/drawing/2010/main" Requires="a14">
             <p:sp>
               <p:nvSpPr>
                 <p:cNvPr id="42" name="TextBox 41"/>
@@ -34849,7 +34849,7 @@
               <p:spPr>
                 <a:xfrm>
                   <a:off x="4368017" y="3050208"/>
-                  <a:ext cx="211148" cy="276999"/>
+                  <a:ext cx="219676" cy="276999"/>
                 </a:xfrm>
                 <a:prstGeom prst="rect">
                   <a:avLst/>
@@ -34879,10 +34879,10 @@
                           </m:sSubPr>
                           <m:e>
                             <m:r>
-                              <a:rPr lang="hu-HU" b="0" i="1" smtClean="0">
+                              <a:rPr lang="hu-HU" b="1" i="0" smtClean="0">
                                 <a:latin typeface="Cambria Math" charset="0"/>
                               </a:rPr>
-                              <m:t>𝑟</m:t>
+                              <m:t>𝐫</m:t>
                             </m:r>
                           </m:e>
                           <m:sub>
@@ -34902,7 +34902,7 @@
               </p:txBody>
             </p:sp>
           </mc:Choice>
-          <mc:Fallback xmlns="">
+          <mc:Fallback>
             <p:sp>
               <p:nvSpPr>
                 <p:cNvPr id="42" name="TextBox 41"/>
@@ -34914,7 +34914,7 @@
               <p:spPr>
                 <a:xfrm>
                   <a:off x="4368017" y="3050208"/>
-                  <a:ext cx="211148" cy="276999"/>
+                  <a:ext cx="219676" cy="276999"/>
                 </a:xfrm>
                 <a:prstGeom prst="rect">
                   <a:avLst/>
@@ -34922,7 +34922,7 @@
                 <a:blipFill rotWithShape="0">
                   <a:blip r:embed="rId5"/>
                   <a:stretch>
-                    <a:fillRect l="-14286" r="-11429" b="-20000"/>
+                    <a:fillRect l="-16667" r="-11111" b="-20000"/>
                   </a:stretch>
                 </a:blipFill>
               </p:spPr>
@@ -35237,7 +35237,7 @@
               <p:spPr>
                 <a:xfrm>
                   <a:off x="5079557" y="2353770"/>
-                  <a:ext cx="318613" cy="299313"/>
+                  <a:ext cx="334642" cy="299313"/>
                 </a:xfrm>
                 <a:prstGeom prst="rect">
                   <a:avLst/>
@@ -35267,10 +35267,10 @@
                           </m:sSubPr>
                           <m:e>
                             <m:r>
-                              <a:rPr lang="hu-HU" b="0" i="1" smtClean="0">
+                              <a:rPr lang="hu-HU" b="1" i="0" smtClean="0">
                                 <a:latin typeface="Cambria Math" charset="0"/>
                               </a:rPr>
-                              <m:t>𝑛</m:t>
+                              <m:t>𝐧</m:t>
                             </m:r>
                           </m:e>
                           <m:sub>
@@ -35302,7 +35302,7 @@
               <p:spPr>
                 <a:xfrm>
                   <a:off x="5079557" y="2353770"/>
-                  <a:ext cx="318613" cy="299313"/>
+                  <a:ext cx="334642" cy="299313"/>
                 </a:xfrm>
                 <a:prstGeom prst="rect">
                   <a:avLst/>
@@ -35310,7 +35310,7 @@
                 <a:blipFill rotWithShape="0">
                   <a:blip r:embed="rId7"/>
                   <a:stretch>
-                    <a:fillRect l="-9615" r="-13462" b="-28571"/>
+                    <a:fillRect l="-9091" r="-10909" b="-28571"/>
                   </a:stretch>
                 </a:blipFill>
               </p:spPr>
@@ -35365,8 +35365,8 @@
             </a:fontRef>
           </p:style>
         </p:cxnSp>
-        <mc:AlternateContent xmlns:mc="http://schemas.openxmlformats.org/markup-compatibility/2006" xmlns:a14="http://schemas.microsoft.com/office/drawing/2010/main">
-          <mc:Choice Requires="a14">
+        <mc:AlternateContent xmlns:mc="http://schemas.openxmlformats.org/markup-compatibility/2006">
+          <mc:Choice xmlns:a14="http://schemas.microsoft.com/office/drawing/2010/main" Requires="a14">
             <p:sp>
               <p:nvSpPr>
                 <p:cNvPr id="77" name="TextBox 76"/>
@@ -35376,7 +35376,7 @@
               <p:spPr>
                 <a:xfrm>
                   <a:off x="6419887" y="1768196"/>
-                  <a:ext cx="249043" cy="299313"/>
+                  <a:ext cx="240002" cy="299313"/>
                 </a:xfrm>
                 <a:prstGeom prst="rect">
                   <a:avLst/>
@@ -35406,10 +35406,10 @@
                           </m:sSubPr>
                           <m:e>
                             <m:r>
-                              <a:rPr lang="hu-HU" b="0" i="1" smtClean="0">
+                              <a:rPr lang="hu-HU" b="1" i="0" smtClean="0">
                                 <a:latin typeface="Cambria Math" charset="0"/>
                               </a:rPr>
-                              <m:t>𝑣</m:t>
+                              <m:t>𝐯</m:t>
                             </m:r>
                           </m:e>
                           <m:sub>
@@ -35429,7 +35429,7 @@
               </p:txBody>
             </p:sp>
           </mc:Choice>
-          <mc:Fallback xmlns="">
+          <mc:Fallback>
             <p:sp>
               <p:nvSpPr>
                 <p:cNvPr id="77" name="TextBox 76"/>
@@ -35441,7 +35441,7 @@
               <p:spPr>
                 <a:xfrm>
                   <a:off x="6419887" y="1768196"/>
-                  <a:ext cx="249043" cy="299313"/>
+                  <a:ext cx="240002" cy="299313"/>
                 </a:xfrm>
                 <a:prstGeom prst="rect">
                   <a:avLst/>
@@ -35449,7 +35449,7 @@
                 <a:blipFill rotWithShape="0">
                   <a:blip r:embed="rId8"/>
                   <a:stretch>
-                    <a:fillRect l="-14634" r="-17073" b="-28571"/>
+                    <a:fillRect l="-15385" r="-17949" b="-28571"/>
                   </a:stretch>
                 </a:blipFill>
               </p:spPr>
@@ -35468,8 +35468,8 @@
             </p:sp>
           </mc:Fallback>
         </mc:AlternateContent>
-        <mc:AlternateContent xmlns:mc="http://schemas.openxmlformats.org/markup-compatibility/2006" xmlns:a14="http://schemas.microsoft.com/office/drawing/2010/main">
-          <mc:Choice Requires="a14">
+        <mc:AlternateContent xmlns:mc="http://schemas.openxmlformats.org/markup-compatibility/2006">
+          <mc:Choice xmlns:a14="http://schemas.microsoft.com/office/drawing/2010/main" Requires="a14">
             <p:sp>
               <p:nvSpPr>
                 <p:cNvPr id="78" name="TextBox 77"/>
@@ -35479,7 +35479,7 @@
               <p:spPr>
                 <a:xfrm>
                   <a:off x="5128857" y="1585694"/>
-                  <a:ext cx="250325" cy="276999"/>
+                  <a:ext cx="241285" cy="276999"/>
                 </a:xfrm>
                 <a:prstGeom prst="rect">
                   <a:avLst/>
@@ -35509,10 +35509,10 @@
                           </m:sSubPr>
                           <m:e>
                             <m:r>
-                              <a:rPr lang="hu-HU" b="0" i="1" smtClean="0">
+                              <a:rPr lang="hu-HU" b="1" i="0" smtClean="0">
                                 <a:latin typeface="Cambria Math" charset="0"/>
                               </a:rPr>
-                              <m:t>𝑣</m:t>
+                              <m:t>𝐯</m:t>
                             </m:r>
                           </m:e>
                           <m:sub>
@@ -35532,7 +35532,7 @@
               </p:txBody>
             </p:sp>
           </mc:Choice>
-          <mc:Fallback xmlns="">
+          <mc:Fallback>
             <p:sp>
               <p:nvSpPr>
                 <p:cNvPr id="78" name="TextBox 77"/>
@@ -35544,7 +35544,7 @@
               <p:spPr>
                 <a:xfrm>
                   <a:off x="5128857" y="1585694"/>
-                  <a:ext cx="250325" cy="276999"/>
+                  <a:ext cx="241285" cy="276999"/>
                 </a:xfrm>
                 <a:prstGeom prst="rect">
                   <a:avLst/>
@@ -35552,7 +35552,7 @@
                 <a:blipFill rotWithShape="0">
                   <a:blip r:embed="rId9"/>
                   <a:stretch>
-                    <a:fillRect l="-12195" r="-12195" b="-19565"/>
+                    <a:fillRect l="-15000" r="-10000" b="-19565"/>
                   </a:stretch>
                 </a:blipFill>
               </p:spPr>
@@ -35679,8 +35679,8 @@
             </a:fontRef>
           </p:style>
         </p:cxnSp>
-        <mc:AlternateContent xmlns:mc="http://schemas.openxmlformats.org/markup-compatibility/2006" xmlns:a14="http://schemas.microsoft.com/office/drawing/2010/main">
-          <mc:Choice Requires="a14">
+        <mc:AlternateContent xmlns:mc="http://schemas.openxmlformats.org/markup-compatibility/2006">
+          <mc:Choice xmlns:a14="http://schemas.microsoft.com/office/drawing/2010/main" Requires="a14">
             <p:sp>
               <p:nvSpPr>
                 <p:cNvPr id="82" name="TextBox 81"/>
@@ -35690,7 +35690,7 @@
               <p:spPr>
                 <a:xfrm>
                   <a:off x="5983690" y="3504442"/>
-                  <a:ext cx="292965" cy="299313"/>
+                  <a:ext cx="310598" cy="299313"/>
                 </a:xfrm>
                 <a:prstGeom prst="rect">
                   <a:avLst/>
@@ -35720,10 +35720,10 @@
                           </m:sSubPr>
                           <m:e>
                             <m:r>
-                              <a:rPr lang="hu-HU" b="0" i="1" smtClean="0">
+                              <a:rPr lang="hu-HU" b="1" i="0" smtClean="0">
                                 <a:latin typeface="Cambria Math" charset="0"/>
                               </a:rPr>
-                              <m:t>𝜔</m:t>
+                              <m:t>𝛚</m:t>
                             </m:r>
                           </m:e>
                           <m:sub>
@@ -35743,7 +35743,7 @@
               </p:txBody>
             </p:sp>
           </mc:Choice>
-          <mc:Fallback xmlns="">
+          <mc:Fallback>
             <p:sp>
               <p:nvSpPr>
                 <p:cNvPr id="82" name="TextBox 81"/>
@@ -35755,7 +35755,7 @@
               <p:spPr>
                 <a:xfrm>
                   <a:off x="5983690" y="3504442"/>
-                  <a:ext cx="292965" cy="299313"/>
+                  <a:ext cx="310598" cy="299313"/>
                 </a:xfrm>
                 <a:prstGeom prst="rect">
                   <a:avLst/>
@@ -35763,7 +35763,7 @@
                 <a:blipFill rotWithShape="0">
                   <a:blip r:embed="rId10"/>
                   <a:stretch>
-                    <a:fillRect l="-10417" r="-14583" b="-28571"/>
+                    <a:fillRect l="-11765" r="-13725" b="-28571"/>
                   </a:stretch>
                 </a:blipFill>
               </p:spPr>
@@ -35782,8 +35782,8 @@
             </p:sp>
           </mc:Fallback>
         </mc:AlternateContent>
-        <mc:AlternateContent xmlns:mc="http://schemas.openxmlformats.org/markup-compatibility/2006" xmlns:a14="http://schemas.microsoft.com/office/drawing/2010/main">
-          <mc:Choice Requires="a14">
+        <mc:AlternateContent xmlns:mc="http://schemas.openxmlformats.org/markup-compatibility/2006">
+          <mc:Choice xmlns:a14="http://schemas.microsoft.com/office/drawing/2010/main" Requires="a14">
             <p:sp>
               <p:nvSpPr>
                 <p:cNvPr id="83" name="TextBox 82"/>
@@ -35793,7 +35793,7 @@
               <p:spPr>
                 <a:xfrm>
                   <a:off x="4823917" y="1341540"/>
-                  <a:ext cx="294247" cy="276999"/>
+                  <a:ext cx="311880" cy="276999"/>
                 </a:xfrm>
                 <a:prstGeom prst="rect">
                   <a:avLst/>
@@ -35823,10 +35823,10 @@
                           </m:sSubPr>
                           <m:e>
                             <m:r>
-                              <a:rPr lang="hu-HU" b="0" i="1" smtClean="0">
+                              <a:rPr lang="hu-HU" b="1" i="0" smtClean="0">
                                 <a:latin typeface="Cambria Math" charset="0"/>
                               </a:rPr>
-                              <m:t>𝜔</m:t>
+                              <m:t>𝛚</m:t>
                             </m:r>
                           </m:e>
                           <m:sub>
@@ -35846,7 +35846,7 @@
               </p:txBody>
             </p:sp>
           </mc:Choice>
-          <mc:Fallback xmlns="">
+          <mc:Fallback>
             <p:sp>
               <p:nvSpPr>
                 <p:cNvPr id="83" name="TextBox 82"/>
@@ -35858,7 +35858,7 @@
               <p:spPr>
                 <a:xfrm>
                   <a:off x="4823917" y="1341540"/>
-                  <a:ext cx="294247" cy="276999"/>
+                  <a:ext cx="311880" cy="276999"/>
                 </a:xfrm>
                 <a:prstGeom prst="rect">
                   <a:avLst/>
@@ -35866,7 +35866,7 @@
                 <a:blipFill rotWithShape="0">
                   <a:blip r:embed="rId11"/>
                   <a:stretch>
-                    <a:fillRect l="-10417" r="-10417" b="-19565"/>
+                    <a:fillRect l="-11765" r="-9804" b="-19565"/>
                   </a:stretch>
                 </a:blipFill>
               </p:spPr>
@@ -46865,27 +46865,8 @@
                           <a:ea typeface="Cambria Math" charset="0"/>
                           <a:cs typeface="Cambria Math" charset="0"/>
                         </a:rPr>
-                        <a:t>Application of schemes already </a:t>
+                        <a:t>Application of schemes already implemented (interactions).</a:t>
                       </a:r>
-                      <a:r>
-                        <a:rPr lang="en-GB" b="0" baseline="0" dirty="0" smtClean="0">
-                          <a:solidFill>
-                            <a:schemeClr val="tx1"/>
-                          </a:solidFill>
-                          <a:latin typeface="Cambria Math" charset="0"/>
-                          <a:ea typeface="Cambria Math" charset="0"/>
-                          <a:cs typeface="Cambria Math" charset="0"/>
-                        </a:rPr>
-                        <a:t>implemented (interactions).</a:t>
-                      </a:r>
-                      <a:endParaRPr lang="en-GB" b="0" baseline="0" dirty="0" smtClean="0">
-                        <a:solidFill>
-                          <a:schemeClr val="tx1"/>
-                        </a:solidFill>
-                        <a:latin typeface="Cambria Math" charset="0"/>
-                        <a:ea typeface="Cambria Math" charset="0"/>
-                        <a:cs typeface="Cambria Math" charset="0"/>
-                      </a:endParaRPr>
                     </a:p>
                     <a:p>
                       <a:pPr marL="285750" indent="-285750">

--- a/abrak.pptx
+++ b/abrak.pptx
@@ -225,7 +225,7 @@
           <a:p>
             <a:fld id="{14239B35-D6DD-EA44-B274-DB31CBBE2D98}" type="datetimeFigureOut">
               <a:rPr lang="en-GB" smtClean="0"/>
-              <a:t>05/08/2017</a:t>
+              <a:t>22/08/2017</a:t>
             </a:fld>
             <a:endParaRPr lang="en-GB"/>
           </a:p>
@@ -624,7 +624,7 @@
           <a:p>
             <a:fld id="{8C151DFB-7B28-114B-8074-0837DBB019C8}" type="datetimeFigureOut">
               <a:rPr lang="en-GB" smtClean="0"/>
-              <a:t>05/08/2017</a:t>
+              <a:t>22/08/2017</a:t>
             </a:fld>
             <a:endParaRPr lang="en-GB"/>
           </a:p>
@@ -794,7 +794,7 @@
           <a:p>
             <a:fld id="{8C151DFB-7B28-114B-8074-0837DBB019C8}" type="datetimeFigureOut">
               <a:rPr lang="en-GB" smtClean="0"/>
-              <a:t>05/08/2017</a:t>
+              <a:t>22/08/2017</a:t>
             </a:fld>
             <a:endParaRPr lang="en-GB"/>
           </a:p>
@@ -974,7 +974,7 @@
           <a:p>
             <a:fld id="{8C151DFB-7B28-114B-8074-0837DBB019C8}" type="datetimeFigureOut">
               <a:rPr lang="en-GB" smtClean="0"/>
-              <a:t>05/08/2017</a:t>
+              <a:t>22/08/2017</a:t>
             </a:fld>
             <a:endParaRPr lang="en-GB"/>
           </a:p>
@@ -1144,7 +1144,7 @@
           <a:p>
             <a:fld id="{8C151DFB-7B28-114B-8074-0837DBB019C8}" type="datetimeFigureOut">
               <a:rPr lang="en-GB" smtClean="0"/>
-              <a:t>05/08/2017</a:t>
+              <a:t>22/08/2017</a:t>
             </a:fld>
             <a:endParaRPr lang="en-GB"/>
           </a:p>
@@ -1390,7 +1390,7 @@
           <a:p>
             <a:fld id="{8C151DFB-7B28-114B-8074-0837DBB019C8}" type="datetimeFigureOut">
               <a:rPr lang="en-GB" smtClean="0"/>
-              <a:t>05/08/2017</a:t>
+              <a:t>22/08/2017</a:t>
             </a:fld>
             <a:endParaRPr lang="en-GB"/>
           </a:p>
@@ -1622,7 +1622,7 @@
           <a:p>
             <a:fld id="{8C151DFB-7B28-114B-8074-0837DBB019C8}" type="datetimeFigureOut">
               <a:rPr lang="en-GB" smtClean="0"/>
-              <a:t>05/08/2017</a:t>
+              <a:t>22/08/2017</a:t>
             </a:fld>
             <a:endParaRPr lang="en-GB"/>
           </a:p>
@@ -1989,7 +1989,7 @@
           <a:p>
             <a:fld id="{8C151DFB-7B28-114B-8074-0837DBB019C8}" type="datetimeFigureOut">
               <a:rPr lang="en-GB" smtClean="0"/>
-              <a:t>05/08/2017</a:t>
+              <a:t>22/08/2017</a:t>
             </a:fld>
             <a:endParaRPr lang="en-GB"/>
           </a:p>
@@ -2107,7 +2107,7 @@
           <a:p>
             <a:fld id="{8C151DFB-7B28-114B-8074-0837DBB019C8}" type="datetimeFigureOut">
               <a:rPr lang="en-GB" smtClean="0"/>
-              <a:t>05/08/2017</a:t>
+              <a:t>22/08/2017</a:t>
             </a:fld>
             <a:endParaRPr lang="en-GB"/>
           </a:p>
@@ -2202,7 +2202,7 @@
           <a:p>
             <a:fld id="{8C151DFB-7B28-114B-8074-0837DBB019C8}" type="datetimeFigureOut">
               <a:rPr lang="en-GB" smtClean="0"/>
-              <a:t>05/08/2017</a:t>
+              <a:t>22/08/2017</a:t>
             </a:fld>
             <a:endParaRPr lang="en-GB"/>
           </a:p>
@@ -2479,7 +2479,7 @@
           <a:p>
             <a:fld id="{8C151DFB-7B28-114B-8074-0837DBB019C8}" type="datetimeFigureOut">
               <a:rPr lang="en-GB" smtClean="0"/>
-              <a:t>05/08/2017</a:t>
+              <a:t>22/08/2017</a:t>
             </a:fld>
             <a:endParaRPr lang="en-GB"/>
           </a:p>
@@ -2732,7 +2732,7 @@
           <a:p>
             <a:fld id="{8C151DFB-7B28-114B-8074-0837DBB019C8}" type="datetimeFigureOut">
               <a:rPr lang="en-GB" smtClean="0"/>
-              <a:t>05/08/2017</a:t>
+              <a:t>22/08/2017</a:t>
             </a:fld>
             <a:endParaRPr lang="en-GB"/>
           </a:p>
@@ -2945,7 +2945,7 @@
           <a:p>
             <a:fld id="{8C151DFB-7B28-114B-8074-0837DBB019C8}" type="datetimeFigureOut">
               <a:rPr lang="en-GB" smtClean="0"/>
-              <a:t>05/08/2017</a:t>
+              <a:t>22/08/2017</a:t>
             </a:fld>
             <a:endParaRPr lang="en-GB"/>
           </a:p>
@@ -14581,8 +14581,8 @@
             </a:prstGeom>
           </p:spPr>
         </p:pic>
-        <mc:AlternateContent xmlns:mc="http://schemas.openxmlformats.org/markup-compatibility/2006">
-          <mc:Choice xmlns:a14="http://schemas.microsoft.com/office/drawing/2010/main" Requires="a14">
+        <mc:AlternateContent xmlns:mc="http://schemas.openxmlformats.org/markup-compatibility/2006" xmlns:a14="http://schemas.microsoft.com/office/drawing/2010/main">
+          <mc:Choice Requires="a14">
             <p:sp>
               <p:nvSpPr>
                 <p:cNvPr id="26" name="TextBox 25"/>
@@ -14630,7 +14630,7 @@
               </p:txBody>
             </p:sp>
           </mc:Choice>
-          <mc:Fallback>
+          <mc:Fallback xmlns="">
             <p:sp>
               <p:nvSpPr>
                 <p:cNvPr id="26" name="TextBox 25"/>
@@ -14669,8 +14669,8 @@
             </p:sp>
           </mc:Fallback>
         </mc:AlternateContent>
-        <mc:AlternateContent xmlns:mc="http://schemas.openxmlformats.org/markup-compatibility/2006">
-          <mc:Choice xmlns:a14="http://schemas.microsoft.com/office/drawing/2010/main" Requires="a14">
+        <mc:AlternateContent xmlns:mc="http://schemas.openxmlformats.org/markup-compatibility/2006" xmlns:a14="http://schemas.microsoft.com/office/drawing/2010/main">
+          <mc:Choice Requires="a14">
             <p:sp>
               <p:nvSpPr>
                 <p:cNvPr id="27" name="TextBox 26"/>
@@ -14718,7 +14718,7 @@
               </p:txBody>
             </p:sp>
           </mc:Choice>
-          <mc:Fallback>
+          <mc:Fallback xmlns="">
             <p:sp>
               <p:nvSpPr>
                 <p:cNvPr id="27" name="TextBox 26"/>
@@ -14757,8 +14757,8 @@
             </p:sp>
           </mc:Fallback>
         </mc:AlternateContent>
-        <mc:AlternateContent xmlns:mc="http://schemas.openxmlformats.org/markup-compatibility/2006">
-          <mc:Choice xmlns:a14="http://schemas.microsoft.com/office/drawing/2010/main" Requires="a14">
+        <mc:AlternateContent xmlns:mc="http://schemas.openxmlformats.org/markup-compatibility/2006" xmlns:a14="http://schemas.microsoft.com/office/drawing/2010/main">
+          <mc:Choice Requires="a14">
             <p:sp>
               <p:nvSpPr>
                 <p:cNvPr id="28" name="TextBox 27"/>
@@ -14806,7 +14806,7 @@
               </p:txBody>
             </p:sp>
           </mc:Choice>
-          <mc:Fallback>
+          <mc:Fallback xmlns="">
             <p:sp>
               <p:nvSpPr>
                 <p:cNvPr id="28" name="TextBox 27"/>
@@ -14845,8 +14845,8 @@
             </p:sp>
           </mc:Fallback>
         </mc:AlternateContent>
-        <mc:AlternateContent xmlns:mc="http://schemas.openxmlformats.org/markup-compatibility/2006">
-          <mc:Choice xmlns:a14="http://schemas.microsoft.com/office/drawing/2010/main" Requires="a14">
+        <mc:AlternateContent xmlns:mc="http://schemas.openxmlformats.org/markup-compatibility/2006" xmlns:a14="http://schemas.microsoft.com/office/drawing/2010/main">
+          <mc:Choice Requires="a14">
             <p:sp>
               <p:nvSpPr>
                 <p:cNvPr id="29" name="TextBox 28"/>
@@ -14894,7 +14894,7 @@
               </p:txBody>
             </p:sp>
           </mc:Choice>
-          <mc:Fallback>
+          <mc:Fallback xmlns="">
             <p:sp>
               <p:nvSpPr>
                 <p:cNvPr id="29" name="TextBox 28"/>
@@ -18959,9 +18959,9 @@
           <p:grpSpPr>
             <a:xfrm>
               <a:off x="3768934" y="2672336"/>
-              <a:ext cx="1284734" cy="890177"/>
+              <a:ext cx="1392135" cy="890177"/>
               <a:chOff x="7886460" y="1859949"/>
-              <a:chExt cx="1284734" cy="890177"/>
+              <a:chExt cx="1392135" cy="890177"/>
             </a:xfrm>
           </p:grpSpPr>
           <p:sp>
@@ -19019,7 +19019,7 @@
             <p:spPr>
               <a:xfrm>
                 <a:off x="7975033" y="2166538"/>
-                <a:ext cx="1196161" cy="276999"/>
+                <a:ext cx="1303562" cy="276999"/>
               </a:xfrm>
               <a:prstGeom prst="rect">
                 <a:avLst/>
@@ -19038,7 +19038,23 @@
                     <a:ea typeface="Times New Roman" charset="0"/>
                     <a:cs typeface="Times New Roman" charset="0"/>
                   </a:rPr>
-                  <a:t>Particles on grid</a:t>
+                  <a:t>Particles </a:t>
+                </a:r>
+                <a:r>
+                  <a:rPr lang="en-GB" sz="1200" dirty="0" smtClean="0">
+                    <a:latin typeface="Times New Roman" charset="0"/>
+                    <a:ea typeface="Times New Roman" charset="0"/>
+                    <a:cs typeface="Times New Roman" charset="0"/>
+                  </a:rPr>
+                  <a:t>on a </a:t>
+                </a:r>
+                <a:r>
+                  <a:rPr lang="en-GB" sz="1200" dirty="0" smtClean="0">
+                    <a:latin typeface="Times New Roman" charset="0"/>
+                    <a:ea typeface="Times New Roman" charset="0"/>
+                    <a:cs typeface="Times New Roman" charset="0"/>
+                  </a:rPr>
+                  <a:t>grid</a:t>
                 </a:r>
                 <a:endParaRPr lang="en-GB" sz="1200" dirty="0">
                   <a:latin typeface="Times New Roman" charset="0"/>
@@ -19058,9 +19074,9 @@
           <p:grpSpPr>
             <a:xfrm>
               <a:off x="3485155" y="3596551"/>
-              <a:ext cx="1388928" cy="493589"/>
+              <a:ext cx="1496330" cy="493589"/>
               <a:chOff x="7886460" y="1859949"/>
-              <a:chExt cx="1388928" cy="493589"/>
+              <a:chExt cx="1496330" cy="493589"/>
             </a:xfrm>
           </p:grpSpPr>
           <p:sp>
@@ -19118,7 +19134,7 @@
             <p:spPr>
               <a:xfrm>
                 <a:off x="7975032" y="1968243"/>
-                <a:ext cx="1300356" cy="276999"/>
+                <a:ext cx="1407758" cy="276999"/>
               </a:xfrm>
               <a:prstGeom prst="rect">
                 <a:avLst/>
@@ -19137,7 +19153,23 @@
                     <a:ea typeface="Times New Roman" charset="0"/>
                     <a:cs typeface="Times New Roman" charset="0"/>
                   </a:rPr>
-                  <a:t>Particles from file</a:t>
+                  <a:t>Particles </a:t>
+                </a:r>
+                <a:r>
+                  <a:rPr lang="en-GB" sz="1200" smtClean="0">
+                    <a:latin typeface="Times New Roman" charset="0"/>
+                    <a:ea typeface="Times New Roman" charset="0"/>
+                    <a:cs typeface="Times New Roman" charset="0"/>
+                  </a:rPr>
+                  <a:t>from </a:t>
+                </a:r>
+                <a:r>
+                  <a:rPr lang="en-GB" sz="1200" smtClean="0">
+                    <a:latin typeface="Times New Roman" charset="0"/>
+                    <a:ea typeface="Times New Roman" charset="0"/>
+                    <a:cs typeface="Times New Roman" charset="0"/>
+                  </a:rPr>
+                  <a:t>a file</a:t>
                 </a:r>
                 <a:endParaRPr lang="en-GB" sz="1200" dirty="0">
                   <a:latin typeface="Times New Roman" charset="0"/>
@@ -34735,8 +34767,8 @@
             </p:sp>
           </mc:Fallback>
         </mc:AlternateContent>
-        <mc:AlternateContent xmlns:mc="http://schemas.openxmlformats.org/markup-compatibility/2006">
-          <mc:Choice xmlns:a14="http://schemas.microsoft.com/office/drawing/2010/main" Requires="a14">
+        <mc:AlternateContent xmlns:mc="http://schemas.openxmlformats.org/markup-compatibility/2006" xmlns:a14="http://schemas.microsoft.com/office/drawing/2010/main">
+          <mc:Choice Requires="a14">
             <p:sp>
               <p:nvSpPr>
                 <p:cNvPr id="41" name="TextBox 40"/>
@@ -34799,7 +34831,7 @@
               </p:txBody>
             </p:sp>
           </mc:Choice>
-          <mc:Fallback>
+          <mc:Fallback xmlns="">
             <p:sp>
               <p:nvSpPr>
                 <p:cNvPr id="41" name="TextBox 40"/>
@@ -34838,8 +34870,8 @@
             </p:sp>
           </mc:Fallback>
         </mc:AlternateContent>
-        <mc:AlternateContent xmlns:mc="http://schemas.openxmlformats.org/markup-compatibility/2006">
-          <mc:Choice xmlns:a14="http://schemas.microsoft.com/office/drawing/2010/main" Requires="a14">
+        <mc:AlternateContent xmlns:mc="http://schemas.openxmlformats.org/markup-compatibility/2006" xmlns:a14="http://schemas.microsoft.com/office/drawing/2010/main">
+          <mc:Choice Requires="a14">
             <p:sp>
               <p:nvSpPr>
                 <p:cNvPr id="42" name="TextBox 41"/>
@@ -34902,7 +34934,7 @@
               </p:txBody>
             </p:sp>
           </mc:Choice>
-          <mc:Fallback>
+          <mc:Fallback xmlns="">
             <p:sp>
               <p:nvSpPr>
                 <p:cNvPr id="42" name="TextBox 41"/>
@@ -35226,8 +35258,8 @@
             </a:fontRef>
           </p:style>
         </p:cxnSp>
-        <mc:AlternateContent xmlns:mc="http://schemas.openxmlformats.org/markup-compatibility/2006">
-          <mc:Choice xmlns:a14="http://schemas.microsoft.com/office/drawing/2010/main" Requires="a14">
+        <mc:AlternateContent xmlns:mc="http://schemas.openxmlformats.org/markup-compatibility/2006" xmlns:a14="http://schemas.microsoft.com/office/drawing/2010/main">
+          <mc:Choice Requires="a14">
             <p:sp>
               <p:nvSpPr>
                 <p:cNvPr id="75" name="TextBox 74"/>
@@ -35290,7 +35322,7 @@
               </p:txBody>
             </p:sp>
           </mc:Choice>
-          <mc:Fallback>
+          <mc:Fallback xmlns="">
             <p:sp>
               <p:nvSpPr>
                 <p:cNvPr id="75" name="TextBox 74"/>
@@ -35365,8 +35397,8 @@
             </a:fontRef>
           </p:style>
         </p:cxnSp>
-        <mc:AlternateContent xmlns:mc="http://schemas.openxmlformats.org/markup-compatibility/2006">
-          <mc:Choice xmlns:a14="http://schemas.microsoft.com/office/drawing/2010/main" Requires="a14">
+        <mc:AlternateContent xmlns:mc="http://schemas.openxmlformats.org/markup-compatibility/2006" xmlns:a14="http://schemas.microsoft.com/office/drawing/2010/main">
+          <mc:Choice Requires="a14">
             <p:sp>
               <p:nvSpPr>
                 <p:cNvPr id="77" name="TextBox 76"/>
@@ -35429,7 +35461,7 @@
               </p:txBody>
             </p:sp>
           </mc:Choice>
-          <mc:Fallback>
+          <mc:Fallback xmlns="">
             <p:sp>
               <p:nvSpPr>
                 <p:cNvPr id="77" name="TextBox 76"/>
@@ -35468,8 +35500,8 @@
             </p:sp>
           </mc:Fallback>
         </mc:AlternateContent>
-        <mc:AlternateContent xmlns:mc="http://schemas.openxmlformats.org/markup-compatibility/2006">
-          <mc:Choice xmlns:a14="http://schemas.microsoft.com/office/drawing/2010/main" Requires="a14">
+        <mc:AlternateContent xmlns:mc="http://schemas.openxmlformats.org/markup-compatibility/2006" xmlns:a14="http://schemas.microsoft.com/office/drawing/2010/main">
+          <mc:Choice Requires="a14">
             <p:sp>
               <p:nvSpPr>
                 <p:cNvPr id="78" name="TextBox 77"/>
@@ -35532,7 +35564,7 @@
               </p:txBody>
             </p:sp>
           </mc:Choice>
-          <mc:Fallback>
+          <mc:Fallback xmlns="">
             <p:sp>
               <p:nvSpPr>
                 <p:cNvPr id="78" name="TextBox 77"/>
@@ -35679,8 +35711,8 @@
             </a:fontRef>
           </p:style>
         </p:cxnSp>
-        <mc:AlternateContent xmlns:mc="http://schemas.openxmlformats.org/markup-compatibility/2006">
-          <mc:Choice xmlns:a14="http://schemas.microsoft.com/office/drawing/2010/main" Requires="a14">
+        <mc:AlternateContent xmlns:mc="http://schemas.openxmlformats.org/markup-compatibility/2006" xmlns:a14="http://schemas.microsoft.com/office/drawing/2010/main">
+          <mc:Choice Requires="a14">
             <p:sp>
               <p:nvSpPr>
                 <p:cNvPr id="82" name="TextBox 81"/>
@@ -35743,7 +35775,7 @@
               </p:txBody>
             </p:sp>
           </mc:Choice>
-          <mc:Fallback>
+          <mc:Fallback xmlns="">
             <p:sp>
               <p:nvSpPr>
                 <p:cNvPr id="82" name="TextBox 81"/>
@@ -35782,8 +35814,8 @@
             </p:sp>
           </mc:Fallback>
         </mc:AlternateContent>
-        <mc:AlternateContent xmlns:mc="http://schemas.openxmlformats.org/markup-compatibility/2006">
-          <mc:Choice xmlns:a14="http://schemas.microsoft.com/office/drawing/2010/main" Requires="a14">
+        <mc:AlternateContent xmlns:mc="http://schemas.openxmlformats.org/markup-compatibility/2006" xmlns:a14="http://schemas.microsoft.com/office/drawing/2010/main">
+          <mc:Choice Requires="a14">
             <p:sp>
               <p:nvSpPr>
                 <p:cNvPr id="83" name="TextBox 82"/>
@@ -35846,7 +35878,7 @@
               </p:txBody>
             </p:sp>
           </mc:Choice>
-          <mc:Fallback>
+          <mc:Fallback xmlns="">
             <p:sp>
               <p:nvSpPr>
                 <p:cNvPr id="83" name="TextBox 82"/>
@@ -46747,7 +46779,7 @@
           <p:nvPr>
             <p:extLst>
               <p:ext uri="{D42A27DB-BD31-4B8C-83A1-F6EECF244321}">
-                <p14:modId xmlns:p14="http://schemas.microsoft.com/office/powerpoint/2010/main" val="606569301"/>
+                <p14:modId xmlns:p14="http://schemas.microsoft.com/office/powerpoint/2010/main" val="797306743"/>
               </p:ext>
             </p:extLst>
           </p:nvPr>
@@ -46865,7 +46897,29 @@
                           <a:ea typeface="Cambria Math" charset="0"/>
                           <a:cs typeface="Cambria Math" charset="0"/>
                         </a:rPr>
-                        <a:t>Application of schemes already implemented (interactions).</a:t>
+                        <a:t>Application of </a:t>
+                      </a:r>
+                      <a:r>
+                        <a:rPr lang="en-GB" b="0" baseline="0" dirty="0" smtClean="0">
+                          <a:solidFill>
+                            <a:schemeClr val="tx1"/>
+                          </a:solidFill>
+                          <a:latin typeface="Cambria Math" charset="0"/>
+                          <a:ea typeface="Cambria Math" charset="0"/>
+                          <a:cs typeface="Cambria Math" charset="0"/>
+                        </a:rPr>
+                        <a:t>already implemented schemes </a:t>
+                      </a:r>
+                      <a:r>
+                        <a:rPr lang="en-GB" b="0" baseline="0" dirty="0" smtClean="0">
+                          <a:solidFill>
+                            <a:schemeClr val="tx1"/>
+                          </a:solidFill>
+                          <a:latin typeface="Cambria Math" charset="0"/>
+                          <a:ea typeface="Cambria Math" charset="0"/>
+                          <a:cs typeface="Cambria Math" charset="0"/>
+                        </a:rPr>
+                        <a:t>(interactions).</a:t>
                       </a:r>
                     </a:p>
                     <a:p>
@@ -46921,7 +46975,29 @@
                           <a:ea typeface="Cambria Math" charset="0"/>
                           <a:cs typeface="Cambria Math" charset="0"/>
                         </a:rPr>
-                        <a:t> and recompilation</a:t>
+                        <a:t> </a:t>
+                      </a:r>
+                      <a:r>
+                        <a:rPr lang="en-GB" b="0" baseline="0" dirty="0" smtClean="0">
+                          <a:solidFill>
+                            <a:schemeClr val="tx1"/>
+                          </a:solidFill>
+                          <a:latin typeface="Cambria Math" charset="0"/>
+                          <a:ea typeface="Cambria Math" charset="0"/>
+                          <a:cs typeface="Cambria Math" charset="0"/>
+                        </a:rPr>
+                        <a:t>or </a:t>
+                      </a:r>
+                      <a:r>
+                        <a:rPr lang="en-GB" b="0" baseline="0" dirty="0" smtClean="0">
+                          <a:solidFill>
+                            <a:schemeClr val="tx1"/>
+                          </a:solidFill>
+                          <a:latin typeface="Cambria Math" charset="0"/>
+                          <a:ea typeface="Cambria Math" charset="0"/>
+                          <a:cs typeface="Cambria Math" charset="0"/>
+                        </a:rPr>
+                        <a:t>recompilation</a:t>
                       </a:r>
                       <a:endParaRPr lang="en-GB" b="0" dirty="0">
                         <a:solidFill>

--- a/abrak.pptx
+++ b/abrak.pptx
@@ -225,7 +225,7 @@
           <a:p>
             <a:fld id="{14239B35-D6DD-EA44-B274-DB31CBBE2D98}" type="datetimeFigureOut">
               <a:rPr lang="en-GB" smtClean="0"/>
-              <a:t>22/08/2017</a:t>
+              <a:t>26/08/2017</a:t>
             </a:fld>
             <a:endParaRPr lang="en-GB"/>
           </a:p>
@@ -624,7 +624,7 @@
           <a:p>
             <a:fld id="{8C151DFB-7B28-114B-8074-0837DBB019C8}" type="datetimeFigureOut">
               <a:rPr lang="en-GB" smtClean="0"/>
-              <a:t>22/08/2017</a:t>
+              <a:t>26/08/2017</a:t>
             </a:fld>
             <a:endParaRPr lang="en-GB"/>
           </a:p>
@@ -794,7 +794,7 @@
           <a:p>
             <a:fld id="{8C151DFB-7B28-114B-8074-0837DBB019C8}" type="datetimeFigureOut">
               <a:rPr lang="en-GB" smtClean="0"/>
-              <a:t>22/08/2017</a:t>
+              <a:t>26/08/2017</a:t>
             </a:fld>
             <a:endParaRPr lang="en-GB"/>
           </a:p>
@@ -974,7 +974,7 @@
           <a:p>
             <a:fld id="{8C151DFB-7B28-114B-8074-0837DBB019C8}" type="datetimeFigureOut">
               <a:rPr lang="en-GB" smtClean="0"/>
-              <a:t>22/08/2017</a:t>
+              <a:t>26/08/2017</a:t>
             </a:fld>
             <a:endParaRPr lang="en-GB"/>
           </a:p>
@@ -1144,7 +1144,7 @@
           <a:p>
             <a:fld id="{8C151DFB-7B28-114B-8074-0837DBB019C8}" type="datetimeFigureOut">
               <a:rPr lang="en-GB" smtClean="0"/>
-              <a:t>22/08/2017</a:t>
+              <a:t>26/08/2017</a:t>
             </a:fld>
             <a:endParaRPr lang="en-GB"/>
           </a:p>
@@ -1390,7 +1390,7 @@
           <a:p>
             <a:fld id="{8C151DFB-7B28-114B-8074-0837DBB019C8}" type="datetimeFigureOut">
               <a:rPr lang="en-GB" smtClean="0"/>
-              <a:t>22/08/2017</a:t>
+              <a:t>26/08/2017</a:t>
             </a:fld>
             <a:endParaRPr lang="en-GB"/>
           </a:p>
@@ -1622,7 +1622,7 @@
           <a:p>
             <a:fld id="{8C151DFB-7B28-114B-8074-0837DBB019C8}" type="datetimeFigureOut">
               <a:rPr lang="en-GB" smtClean="0"/>
-              <a:t>22/08/2017</a:t>
+              <a:t>26/08/2017</a:t>
             </a:fld>
             <a:endParaRPr lang="en-GB"/>
           </a:p>
@@ -1989,7 +1989,7 @@
           <a:p>
             <a:fld id="{8C151DFB-7B28-114B-8074-0837DBB019C8}" type="datetimeFigureOut">
               <a:rPr lang="en-GB" smtClean="0"/>
-              <a:t>22/08/2017</a:t>
+              <a:t>26/08/2017</a:t>
             </a:fld>
             <a:endParaRPr lang="en-GB"/>
           </a:p>
@@ -2107,7 +2107,7 @@
           <a:p>
             <a:fld id="{8C151DFB-7B28-114B-8074-0837DBB019C8}" type="datetimeFigureOut">
               <a:rPr lang="en-GB" smtClean="0"/>
-              <a:t>22/08/2017</a:t>
+              <a:t>26/08/2017</a:t>
             </a:fld>
             <a:endParaRPr lang="en-GB"/>
           </a:p>
@@ -2202,7 +2202,7 @@
           <a:p>
             <a:fld id="{8C151DFB-7B28-114B-8074-0837DBB019C8}" type="datetimeFigureOut">
               <a:rPr lang="en-GB" smtClean="0"/>
-              <a:t>22/08/2017</a:t>
+              <a:t>26/08/2017</a:t>
             </a:fld>
             <a:endParaRPr lang="en-GB"/>
           </a:p>
@@ -2479,7 +2479,7 @@
           <a:p>
             <a:fld id="{8C151DFB-7B28-114B-8074-0837DBB019C8}" type="datetimeFigureOut">
               <a:rPr lang="en-GB" smtClean="0"/>
-              <a:t>22/08/2017</a:t>
+              <a:t>26/08/2017</a:t>
             </a:fld>
             <a:endParaRPr lang="en-GB"/>
           </a:p>
@@ -2732,7 +2732,7 @@
           <a:p>
             <a:fld id="{8C151DFB-7B28-114B-8074-0837DBB019C8}" type="datetimeFigureOut">
               <a:rPr lang="en-GB" smtClean="0"/>
-              <a:t>22/08/2017</a:t>
+              <a:t>26/08/2017</a:t>
             </a:fld>
             <a:endParaRPr lang="en-GB"/>
           </a:p>
@@ -2945,7 +2945,7 @@
           <a:p>
             <a:fld id="{8C151DFB-7B28-114B-8074-0837DBB019C8}" type="datetimeFigureOut">
               <a:rPr lang="en-GB" smtClean="0"/>
-              <a:t>22/08/2017</a:t>
+              <a:t>26/08/2017</a:t>
             </a:fld>
             <a:endParaRPr lang="en-GB"/>
           </a:p>
@@ -19038,23 +19038,7 @@
                     <a:ea typeface="Times New Roman" charset="0"/>
                     <a:cs typeface="Times New Roman" charset="0"/>
                   </a:rPr>
-                  <a:t>Particles </a:t>
-                </a:r>
-                <a:r>
-                  <a:rPr lang="en-GB" sz="1200" dirty="0" smtClean="0">
-                    <a:latin typeface="Times New Roman" charset="0"/>
-                    <a:ea typeface="Times New Roman" charset="0"/>
-                    <a:cs typeface="Times New Roman" charset="0"/>
-                  </a:rPr>
-                  <a:t>on a </a:t>
-                </a:r>
-                <a:r>
-                  <a:rPr lang="en-GB" sz="1200" dirty="0" smtClean="0">
-                    <a:latin typeface="Times New Roman" charset="0"/>
-                    <a:ea typeface="Times New Roman" charset="0"/>
-                    <a:cs typeface="Times New Roman" charset="0"/>
-                  </a:rPr>
-                  <a:t>grid</a:t>
+                  <a:t>Particles on a grid</a:t>
                 </a:r>
                 <a:endParaRPr lang="en-GB" sz="1200" dirty="0">
                   <a:latin typeface="Times New Roman" charset="0"/>
@@ -19161,15 +19145,7 @@
                     <a:ea typeface="Times New Roman" charset="0"/>
                     <a:cs typeface="Times New Roman" charset="0"/>
                   </a:rPr>
-                  <a:t>from </a:t>
-                </a:r>
-                <a:r>
-                  <a:rPr lang="en-GB" sz="1200" smtClean="0">
-                    <a:latin typeface="Times New Roman" charset="0"/>
-                    <a:ea typeface="Times New Roman" charset="0"/>
-                    <a:cs typeface="Times New Roman" charset="0"/>
-                  </a:rPr>
-                  <a:t>a file</a:t>
+                  <a:t>from a file</a:t>
                 </a:r>
                 <a:endParaRPr lang="en-GB" sz="1200" dirty="0">
                   <a:latin typeface="Times New Roman" charset="0"/>
@@ -46897,29 +46873,7 @@
                           <a:ea typeface="Cambria Math" charset="0"/>
                           <a:cs typeface="Cambria Math" charset="0"/>
                         </a:rPr>
-                        <a:t>Application of </a:t>
-                      </a:r>
-                      <a:r>
-                        <a:rPr lang="en-GB" b="0" baseline="0" dirty="0" smtClean="0">
-                          <a:solidFill>
-                            <a:schemeClr val="tx1"/>
-                          </a:solidFill>
-                          <a:latin typeface="Cambria Math" charset="0"/>
-                          <a:ea typeface="Cambria Math" charset="0"/>
-                          <a:cs typeface="Cambria Math" charset="0"/>
-                        </a:rPr>
-                        <a:t>already implemented schemes </a:t>
-                      </a:r>
-                      <a:r>
-                        <a:rPr lang="en-GB" b="0" baseline="0" dirty="0" smtClean="0">
-                          <a:solidFill>
-                            <a:schemeClr val="tx1"/>
-                          </a:solidFill>
-                          <a:latin typeface="Cambria Math" charset="0"/>
-                          <a:ea typeface="Cambria Math" charset="0"/>
-                          <a:cs typeface="Cambria Math" charset="0"/>
-                        </a:rPr>
-                        <a:t>(interactions).</a:t>
+                        <a:t>Application of already implemented schemes (interactions).</a:t>
                       </a:r>
                     </a:p>
                     <a:p>
@@ -46975,29 +46929,7 @@
                           <a:ea typeface="Cambria Math" charset="0"/>
                           <a:cs typeface="Cambria Math" charset="0"/>
                         </a:rPr>
-                        <a:t> </a:t>
-                      </a:r>
-                      <a:r>
-                        <a:rPr lang="en-GB" b="0" baseline="0" dirty="0" smtClean="0">
-                          <a:solidFill>
-                            <a:schemeClr val="tx1"/>
-                          </a:solidFill>
-                          <a:latin typeface="Cambria Math" charset="0"/>
-                          <a:ea typeface="Cambria Math" charset="0"/>
-                          <a:cs typeface="Cambria Math" charset="0"/>
-                        </a:rPr>
-                        <a:t>or </a:t>
-                      </a:r>
-                      <a:r>
-                        <a:rPr lang="en-GB" b="0" baseline="0" dirty="0" smtClean="0">
-                          <a:solidFill>
-                            <a:schemeClr val="tx1"/>
-                          </a:solidFill>
-                          <a:latin typeface="Cambria Math" charset="0"/>
-                          <a:ea typeface="Cambria Math" charset="0"/>
-                          <a:cs typeface="Cambria Math" charset="0"/>
-                        </a:rPr>
-                        <a:t>recompilation</a:t>
+                        <a:t> or recompilation</a:t>
                       </a:r>
                       <a:endParaRPr lang="en-GB" b="0" dirty="0">
                         <a:solidFill>

--- a/abrak.pptx
+++ b/abrak.pptx
@@ -5,7 +5,7 @@
     <p:sldMasterId id="2147483648" r:id="rId1"/>
   </p:sldMasterIdLst>
   <p:notesMasterIdLst>
-    <p:notesMasterId r:id="rId25"/>
+    <p:notesMasterId r:id="rId26"/>
   </p:notesMasterIdLst>
   <p:sldIdLst>
     <p:sldId id="295" r:id="rId2"/>
@@ -31,6 +31,7 @@
     <p:sldId id="292" r:id="rId22"/>
     <p:sldId id="296" r:id="rId23"/>
     <p:sldId id="293" r:id="rId24"/>
+    <p:sldId id="297" r:id="rId25"/>
   </p:sldIdLst>
   <p:sldSz cx="12192000" cy="6858000"/>
   <p:notesSz cx="6858000" cy="9144000"/>
@@ -230,7 +231,7 @@
           <a:p>
             <a:fld id="{14239B35-D6DD-EA44-B274-DB31CBBE2D98}" type="datetimeFigureOut">
               <a:rPr lang="en-GB" smtClean="0"/>
-              <a:t>20/09/2017</a:t>
+              <a:t>03/10/2017</a:t>
             </a:fld>
             <a:endParaRPr lang="en-GB"/>
           </a:p>
@@ -629,7 +630,7 @@
           <a:p>
             <a:fld id="{8C151DFB-7B28-114B-8074-0837DBB019C8}" type="datetimeFigureOut">
               <a:rPr lang="en-GB" smtClean="0"/>
-              <a:t>20/09/2017</a:t>
+              <a:t>03/10/2017</a:t>
             </a:fld>
             <a:endParaRPr lang="en-GB"/>
           </a:p>
@@ -799,7 +800,7 @@
           <a:p>
             <a:fld id="{8C151DFB-7B28-114B-8074-0837DBB019C8}" type="datetimeFigureOut">
               <a:rPr lang="en-GB" smtClean="0"/>
-              <a:t>20/09/2017</a:t>
+              <a:t>03/10/2017</a:t>
             </a:fld>
             <a:endParaRPr lang="en-GB"/>
           </a:p>
@@ -979,7 +980,7 @@
           <a:p>
             <a:fld id="{8C151DFB-7B28-114B-8074-0837DBB019C8}" type="datetimeFigureOut">
               <a:rPr lang="en-GB" smtClean="0"/>
-              <a:t>20/09/2017</a:t>
+              <a:t>03/10/2017</a:t>
             </a:fld>
             <a:endParaRPr lang="en-GB"/>
           </a:p>
@@ -1149,7 +1150,7 @@
           <a:p>
             <a:fld id="{8C151DFB-7B28-114B-8074-0837DBB019C8}" type="datetimeFigureOut">
               <a:rPr lang="en-GB" smtClean="0"/>
-              <a:t>20/09/2017</a:t>
+              <a:t>03/10/2017</a:t>
             </a:fld>
             <a:endParaRPr lang="en-GB"/>
           </a:p>
@@ -1395,7 +1396,7 @@
           <a:p>
             <a:fld id="{8C151DFB-7B28-114B-8074-0837DBB019C8}" type="datetimeFigureOut">
               <a:rPr lang="en-GB" smtClean="0"/>
-              <a:t>20/09/2017</a:t>
+              <a:t>03/10/2017</a:t>
             </a:fld>
             <a:endParaRPr lang="en-GB"/>
           </a:p>
@@ -1627,7 +1628,7 @@
           <a:p>
             <a:fld id="{8C151DFB-7B28-114B-8074-0837DBB019C8}" type="datetimeFigureOut">
               <a:rPr lang="en-GB" smtClean="0"/>
-              <a:t>20/09/2017</a:t>
+              <a:t>03/10/2017</a:t>
             </a:fld>
             <a:endParaRPr lang="en-GB"/>
           </a:p>
@@ -1994,7 +1995,7 @@
           <a:p>
             <a:fld id="{8C151DFB-7B28-114B-8074-0837DBB019C8}" type="datetimeFigureOut">
               <a:rPr lang="en-GB" smtClean="0"/>
-              <a:t>20/09/2017</a:t>
+              <a:t>03/10/2017</a:t>
             </a:fld>
             <a:endParaRPr lang="en-GB"/>
           </a:p>
@@ -2112,7 +2113,7 @@
           <a:p>
             <a:fld id="{8C151DFB-7B28-114B-8074-0837DBB019C8}" type="datetimeFigureOut">
               <a:rPr lang="en-GB" smtClean="0"/>
-              <a:t>20/09/2017</a:t>
+              <a:t>03/10/2017</a:t>
             </a:fld>
             <a:endParaRPr lang="en-GB"/>
           </a:p>
@@ -2207,7 +2208,7 @@
           <a:p>
             <a:fld id="{8C151DFB-7B28-114B-8074-0837DBB019C8}" type="datetimeFigureOut">
               <a:rPr lang="en-GB" smtClean="0"/>
-              <a:t>20/09/2017</a:t>
+              <a:t>03/10/2017</a:t>
             </a:fld>
             <a:endParaRPr lang="en-GB"/>
           </a:p>
@@ -2484,7 +2485,7 @@
           <a:p>
             <a:fld id="{8C151DFB-7B28-114B-8074-0837DBB019C8}" type="datetimeFigureOut">
               <a:rPr lang="en-GB" smtClean="0"/>
-              <a:t>20/09/2017</a:t>
+              <a:t>03/10/2017</a:t>
             </a:fld>
             <a:endParaRPr lang="en-GB"/>
           </a:p>
@@ -2737,7 +2738,7 @@
           <a:p>
             <a:fld id="{8C151DFB-7B28-114B-8074-0837DBB019C8}" type="datetimeFigureOut">
               <a:rPr lang="en-GB" smtClean="0"/>
-              <a:t>20/09/2017</a:t>
+              <a:t>03/10/2017</a:t>
             </a:fld>
             <a:endParaRPr lang="en-GB"/>
           </a:p>
@@ -2950,7 +2951,7 @@
           <a:p>
             <a:fld id="{8C151DFB-7B28-114B-8074-0837DBB019C8}" type="datetimeFigureOut">
               <a:rPr lang="en-GB" smtClean="0"/>
-              <a:t>20/09/2017</a:t>
+              <a:t>03/10/2017</a:t>
             </a:fld>
             <a:endParaRPr lang="en-GB"/>
           </a:p>
@@ -23451,20 +23452,7 @@
                   <a:ea typeface="Cambria Math" charset="0"/>
                   <a:cs typeface="Cambria Math" charset="0"/>
                 </a:rPr>
-                <a:t>equation </a:t>
-              </a:r>
-              <a:r>
-                <a:rPr lang="en-US" dirty="0" smtClean="0">
-                  <a:solidFill>
-                    <a:schemeClr val="bg2">
-                      <a:lumMod val="25000"/>
-                    </a:schemeClr>
-                  </a:solidFill>
-                  <a:latin typeface="Cambria Math" charset="0"/>
-                  <a:ea typeface="Cambria Math" charset="0"/>
-                  <a:cs typeface="Cambria Math" charset="0"/>
-                </a:rPr>
-                <a:t>n</a:t>
+                <a:t>equation n</a:t>
               </a:r>
               <a:endParaRPr lang="en-US" sz="2000" dirty="0">
                 <a:solidFill>
@@ -23479,8 +23467,8 @@
             </a:p>
           </p:txBody>
         </p:sp>
-        <mc:AlternateContent xmlns:mc="http://schemas.openxmlformats.org/markup-compatibility/2006">
-          <mc:Choice xmlns:a14="http://schemas.microsoft.com/office/drawing/2010/main" Requires="a14">
+        <mc:AlternateContent xmlns:mc="http://schemas.openxmlformats.org/markup-compatibility/2006" xmlns:a14="http://schemas.microsoft.com/office/drawing/2010/main">
+          <mc:Choice Requires="a14">
             <p:sp>
               <p:nvSpPr>
                 <p:cNvPr id="64" name="TextBox 63"/>
@@ -23530,7 +23518,7 @@
               </p:txBody>
             </p:sp>
           </mc:Choice>
-          <mc:Fallback>
+          <mc:Fallback xmlns="">
             <p:sp>
               <p:nvSpPr>
                 <p:cNvPr id="64" name="TextBox 63"/>
@@ -26449,6 +26437,288 @@
     <p:extLst>
       <p:ext uri="{BB962C8B-B14F-4D97-AF65-F5344CB8AC3E}">
         <p14:creationId xmlns:p14="http://schemas.microsoft.com/office/powerpoint/2010/main" val="482255584"/>
+      </p:ext>
+    </p:extLst>
+  </p:cSld>
+  <p:clrMapOvr>
+    <a:masterClrMapping/>
+  </p:clrMapOvr>
+  <p:timing>
+    <p:tnLst>
+      <p:par>
+        <p:cTn id="1" dur="indefinite" restart="never" nodeType="tmRoot"/>
+      </p:par>
+    </p:tnLst>
+  </p:timing>
+</p:sld>
+</file>
+
+<file path=ppt/slides/slide24.xml><?xml version="1.0" encoding="utf-8"?>
+<p:sld xmlns:a="http://schemas.openxmlformats.org/drawingml/2006/main" xmlns:r="http://schemas.openxmlformats.org/officeDocument/2006/relationships" xmlns:p="http://schemas.openxmlformats.org/presentationml/2006/main">
+  <p:cSld>
+    <p:spTree>
+      <p:nvGrpSpPr>
+        <p:cNvPr id="1" name=""/>
+        <p:cNvGrpSpPr/>
+        <p:nvPr/>
+      </p:nvGrpSpPr>
+      <p:grpSpPr>
+        <a:xfrm>
+          <a:off x="0" y="0"/>
+          <a:ext cx="0" cy="0"/>
+          <a:chOff x="0" y="0"/>
+          <a:chExt cx="0" cy="0"/>
+        </a:xfrm>
+      </p:grpSpPr>
+      <p:sp>
+        <p:nvSpPr>
+          <p:cNvPr id="117" name="Rounded Rectangle 116"/>
+          <p:cNvSpPr/>
+          <p:nvPr/>
+        </p:nvSpPr>
+        <p:spPr>
+          <a:xfrm>
+            <a:off x="6260029" y="10043574"/>
+            <a:ext cx="1133219" cy="618261"/>
+          </a:xfrm>
+          <a:prstGeom prst="roundRect">
+            <a:avLst>
+              <a:gd name="adj" fmla="val 10672"/>
+            </a:avLst>
+          </a:prstGeom>
+          <a:solidFill>
+            <a:schemeClr val="accent4">
+              <a:lumMod val="60000"/>
+              <a:lumOff val="40000"/>
+            </a:schemeClr>
+          </a:solidFill>
+          <a:ln w="19050">
+            <a:solidFill>
+              <a:schemeClr val="tx1">
+                <a:lumMod val="65000"/>
+                <a:lumOff val="35000"/>
+              </a:schemeClr>
+            </a:solidFill>
+          </a:ln>
+        </p:spPr>
+        <p:style>
+          <a:lnRef idx="2">
+            <a:schemeClr val="accent1">
+              <a:shade val="50000"/>
+            </a:schemeClr>
+          </a:lnRef>
+          <a:fillRef idx="1">
+            <a:schemeClr val="accent1"/>
+          </a:fillRef>
+          <a:effectRef idx="0">
+            <a:schemeClr val="accent1"/>
+          </a:effectRef>
+          <a:fontRef idx="minor">
+            <a:schemeClr val="lt1"/>
+          </a:fontRef>
+        </p:style>
+        <p:txBody>
+          <a:bodyPr rtlCol="0" anchor="ctr"/>
+          <a:lstStyle/>
+          <a:p>
+            <a:pPr algn="ctr"/>
+            <a:r>
+              <a:rPr lang="hu-HU" sz="2000" b="1" dirty="0" smtClean="0">
+                <a:solidFill>
+                  <a:schemeClr val="bg2">
+                    <a:lumMod val="25000"/>
+                  </a:schemeClr>
+                </a:solidFill>
+                <a:latin typeface="Calibri" charset="0"/>
+                <a:ea typeface="Calibri" charset="0"/>
+                <a:cs typeface="Calibri" charset="0"/>
+              </a:rPr>
+              <a:t>Fmax</a:t>
+            </a:r>
+            <a:endParaRPr lang="hu-HU" sz="2000" b="1" dirty="0">
+              <a:solidFill>
+                <a:schemeClr val="bg2">
+                  <a:lumMod val="25000"/>
+                </a:schemeClr>
+              </a:solidFill>
+              <a:latin typeface="Calibri" charset="0"/>
+              <a:ea typeface="Calibri" charset="0"/>
+              <a:cs typeface="Calibri" charset="0"/>
+            </a:endParaRPr>
+          </a:p>
+        </p:txBody>
+      </p:sp>
+      <p:grpSp>
+        <p:nvGrpSpPr>
+          <p:cNvPr id="3" name="Group 2"/>
+          <p:cNvGrpSpPr/>
+          <p:nvPr/>
+        </p:nvGrpSpPr>
+        <p:grpSpPr>
+          <a:xfrm>
+            <a:off x="0" y="0"/>
+            <a:ext cx="2264782" cy="1364388"/>
+            <a:chOff x="5128466" y="880273"/>
+            <a:chExt cx="1698173" cy="1364388"/>
+          </a:xfrm>
+        </p:grpSpPr>
+        <p:sp>
+          <p:nvSpPr>
+            <p:cNvPr id="53" name="Rounded Rectangle 52"/>
+            <p:cNvSpPr/>
+            <p:nvPr/>
+          </p:nvSpPr>
+          <p:spPr>
+            <a:xfrm>
+              <a:off x="5128467" y="1413167"/>
+              <a:ext cx="1698172" cy="831494"/>
+            </a:xfrm>
+            <a:prstGeom prst="roundRect">
+              <a:avLst>
+                <a:gd name="adj" fmla="val 19148"/>
+              </a:avLst>
+            </a:prstGeom>
+            <a:solidFill>
+              <a:schemeClr val="accent4">
+                <a:lumMod val="20000"/>
+                <a:lumOff val="80000"/>
+              </a:schemeClr>
+            </a:solidFill>
+            <a:ln w="19050">
+              <a:solidFill>
+                <a:schemeClr val="tx1">
+                  <a:lumMod val="65000"/>
+                  <a:lumOff val="35000"/>
+                </a:schemeClr>
+              </a:solidFill>
+            </a:ln>
+          </p:spPr>
+          <p:style>
+            <a:lnRef idx="1">
+              <a:schemeClr val="accent6"/>
+            </a:lnRef>
+            <a:fillRef idx="2">
+              <a:schemeClr val="accent6"/>
+            </a:fillRef>
+            <a:effectRef idx="1">
+              <a:schemeClr val="accent6"/>
+            </a:effectRef>
+            <a:fontRef idx="minor">
+              <a:schemeClr val="dk1"/>
+            </a:fontRef>
+          </p:style>
+          <p:txBody>
+            <a:bodyPr rtlCol="0" anchor="b"/>
+            <a:lstStyle/>
+            <a:p>
+              <a:pPr algn="ctr"/>
+              <a:r>
+                <a:rPr lang="en-US" dirty="0" smtClean="0">
+                  <a:solidFill>
+                    <a:schemeClr val="bg2">
+                      <a:lumMod val="25000"/>
+                    </a:schemeClr>
+                  </a:solidFill>
+                  <a:latin typeface="Cambria Math" charset="0"/>
+                  <a:ea typeface="Cambria Math" charset="0"/>
+                  <a:cs typeface="Cambria Math" charset="0"/>
+                </a:rPr>
+                <a:t>Interaction</a:t>
+              </a:r>
+              <a:endParaRPr lang="en-US" dirty="0">
+                <a:solidFill>
+                  <a:schemeClr val="bg2">
+                    <a:lumMod val="25000"/>
+                  </a:schemeClr>
+                </a:solidFill>
+                <a:latin typeface="Cambria Math" charset="0"/>
+                <a:ea typeface="Cambria Math" charset="0"/>
+                <a:cs typeface="Cambria Math" charset="0"/>
+              </a:endParaRPr>
+            </a:p>
+          </p:txBody>
+        </p:sp>
+        <p:sp>
+          <p:nvSpPr>
+            <p:cNvPr id="2" name="Round Same Side Corner Rectangle 1"/>
+            <p:cNvSpPr/>
+            <p:nvPr/>
+          </p:nvSpPr>
+          <p:spPr>
+            <a:xfrm>
+              <a:off x="5128466" y="880273"/>
+              <a:ext cx="1698172" cy="914400"/>
+            </a:xfrm>
+            <a:prstGeom prst="round2SameRect">
+              <a:avLst/>
+            </a:prstGeom>
+            <a:solidFill>
+              <a:schemeClr val="accent5">
+                <a:lumMod val="20000"/>
+                <a:lumOff val="80000"/>
+              </a:schemeClr>
+            </a:solidFill>
+            <a:ln w="19050">
+              <a:solidFill>
+                <a:schemeClr val="tx1">
+                  <a:lumMod val="65000"/>
+                  <a:lumOff val="35000"/>
+                </a:schemeClr>
+              </a:solidFill>
+            </a:ln>
+          </p:spPr>
+          <p:style>
+            <a:lnRef idx="2">
+              <a:schemeClr val="accent1">
+                <a:shade val="50000"/>
+              </a:schemeClr>
+            </a:lnRef>
+            <a:fillRef idx="1">
+              <a:schemeClr val="accent1"/>
+            </a:fillRef>
+            <a:effectRef idx="0">
+              <a:schemeClr val="accent1"/>
+            </a:effectRef>
+            <a:fontRef idx="minor">
+              <a:schemeClr val="lt1"/>
+            </a:fontRef>
+          </p:style>
+          <p:txBody>
+            <a:bodyPr rtlCol="0" anchor="ctr"/>
+            <a:lstStyle/>
+            <a:p>
+              <a:pPr algn="ctr"/>
+              <a:r>
+                <a:rPr lang="en-US" dirty="0" smtClean="0">
+                  <a:solidFill>
+                    <a:schemeClr val="bg2">
+                      <a:lumMod val="25000"/>
+                    </a:schemeClr>
+                  </a:solidFill>
+                  <a:latin typeface="Cambria Math" charset="0"/>
+                  <a:ea typeface="Cambria Math" charset="0"/>
+                  <a:cs typeface="Cambria Math" charset="0"/>
+                </a:rPr>
+                <a:t>Nauticle core</a:t>
+              </a:r>
+              <a:endParaRPr lang="en-US" dirty="0">
+                <a:solidFill>
+                  <a:schemeClr val="bg2">
+                    <a:lumMod val="25000"/>
+                  </a:schemeClr>
+                </a:solidFill>
+                <a:latin typeface="Cambria Math" charset="0"/>
+                <a:ea typeface="Cambria Math" charset="0"/>
+                <a:cs typeface="Cambria Math" charset="0"/>
+              </a:endParaRPr>
+            </a:p>
+          </p:txBody>
+        </p:sp>
+      </p:grpSp>
+    </p:spTree>
+    <p:extLst>
+      <p:ext uri="{BB962C8B-B14F-4D97-AF65-F5344CB8AC3E}">
+        <p14:creationId xmlns:p14="http://schemas.microsoft.com/office/powerpoint/2010/main" val="1700753494"/>
       </p:ext>
     </p:extLst>
   </p:cSld>
